--- a/report/diagrams/DFD_FileManagement.pptx
+++ b/report/diagrams/DFD_FileManagement.pptx
@@ -308,7 +308,7 @@
             <a:fld id="{8623F981-5450-4885-8B10-CA221A48D640}" type="datetimeFigureOut">
               <a:rPr lang="en-IN" smtClean="0"/>
               <a:pPr/>
-              <a:t>23-06-2013</a:t>
+              <a:t>25-06-2013</a:t>
             </a:fld>
             <a:endParaRPr lang="en-IN"/>
           </a:p>
@@ -475,7 +475,7 @@
             <a:fld id="{8623F981-5450-4885-8B10-CA221A48D640}" type="datetimeFigureOut">
               <a:rPr lang="en-IN" smtClean="0"/>
               <a:pPr/>
-              <a:t>23-06-2013</a:t>
+              <a:t>25-06-2013</a:t>
             </a:fld>
             <a:endParaRPr lang="en-IN"/>
           </a:p>
@@ -652,7 +652,7 @@
             <a:fld id="{8623F981-5450-4885-8B10-CA221A48D640}" type="datetimeFigureOut">
               <a:rPr lang="en-IN" smtClean="0"/>
               <a:pPr/>
-              <a:t>23-06-2013</a:t>
+              <a:t>25-06-2013</a:t>
             </a:fld>
             <a:endParaRPr lang="en-IN"/>
           </a:p>
@@ -819,7 +819,7 @@
             <a:fld id="{8623F981-5450-4885-8B10-CA221A48D640}" type="datetimeFigureOut">
               <a:rPr lang="en-IN" smtClean="0"/>
               <a:pPr/>
-              <a:t>23-06-2013</a:t>
+              <a:t>25-06-2013</a:t>
             </a:fld>
             <a:endParaRPr lang="en-IN"/>
           </a:p>
@@ -1062,7 +1062,7 @@
             <a:fld id="{8623F981-5450-4885-8B10-CA221A48D640}" type="datetimeFigureOut">
               <a:rPr lang="en-IN" smtClean="0"/>
               <a:pPr/>
-              <a:t>23-06-2013</a:t>
+              <a:t>25-06-2013</a:t>
             </a:fld>
             <a:endParaRPr lang="en-IN"/>
           </a:p>
@@ -1347,7 +1347,7 @@
             <a:fld id="{8623F981-5450-4885-8B10-CA221A48D640}" type="datetimeFigureOut">
               <a:rPr lang="en-IN" smtClean="0"/>
               <a:pPr/>
-              <a:t>23-06-2013</a:t>
+              <a:t>25-06-2013</a:t>
             </a:fld>
             <a:endParaRPr lang="en-IN"/>
           </a:p>
@@ -1766,7 +1766,7 @@
             <a:fld id="{8623F981-5450-4885-8B10-CA221A48D640}" type="datetimeFigureOut">
               <a:rPr lang="en-IN" smtClean="0"/>
               <a:pPr/>
-              <a:t>23-06-2013</a:t>
+              <a:t>25-06-2013</a:t>
             </a:fld>
             <a:endParaRPr lang="en-IN"/>
           </a:p>
@@ -1881,7 +1881,7 @@
             <a:fld id="{8623F981-5450-4885-8B10-CA221A48D640}" type="datetimeFigureOut">
               <a:rPr lang="en-IN" smtClean="0"/>
               <a:pPr/>
-              <a:t>23-06-2013</a:t>
+              <a:t>25-06-2013</a:t>
             </a:fld>
             <a:endParaRPr lang="en-IN"/>
           </a:p>
@@ -1973,7 +1973,7 @@
             <a:fld id="{8623F981-5450-4885-8B10-CA221A48D640}" type="datetimeFigureOut">
               <a:rPr lang="en-IN" smtClean="0"/>
               <a:pPr/>
-              <a:t>23-06-2013</a:t>
+              <a:t>25-06-2013</a:t>
             </a:fld>
             <a:endParaRPr lang="en-IN"/>
           </a:p>
@@ -2247,7 +2247,7 @@
             <a:fld id="{8623F981-5450-4885-8B10-CA221A48D640}" type="datetimeFigureOut">
               <a:rPr lang="en-IN" smtClean="0"/>
               <a:pPr/>
-              <a:t>23-06-2013</a:t>
+              <a:t>25-06-2013</a:t>
             </a:fld>
             <a:endParaRPr lang="en-IN"/>
           </a:p>
@@ -2497,7 +2497,7 @@
             <a:fld id="{8623F981-5450-4885-8B10-CA221A48D640}" type="datetimeFigureOut">
               <a:rPr lang="en-IN" smtClean="0"/>
               <a:pPr/>
-              <a:t>23-06-2013</a:t>
+              <a:t>25-06-2013</a:t>
             </a:fld>
             <a:endParaRPr lang="en-IN"/>
           </a:p>
@@ -2707,7 +2707,7 @@
             <a:fld id="{8623F981-5450-4885-8B10-CA221A48D640}" type="datetimeFigureOut">
               <a:rPr lang="en-IN" smtClean="0"/>
               <a:pPr/>
-              <a:t>23-06-2013</a:t>
+              <a:t>25-06-2013</a:t>
             </a:fld>
             <a:endParaRPr lang="en-IN"/>
           </a:p>
@@ -3126,14 +3126,14 @@
       </p:sp>
       <p:sp>
         <p:nvSpPr>
-          <p:cNvPr id="68" name="Rectangle 67"/>
+          <p:cNvPr id="69" name="Rectangle 68"/>
           <p:cNvSpPr/>
           <p:nvPr/>
         </p:nvSpPr>
         <p:spPr>
           <a:xfrm>
-            <a:off x="3707904" y="332656"/>
-            <a:ext cx="2088232" cy="1008112"/>
+            <a:off x="603147" y="5413695"/>
+            <a:ext cx="1728192" cy="864096"/>
           </a:xfrm>
           <a:prstGeom prst="rect">
             <a:avLst/>
@@ -3166,20 +3166,32 @@
           <a:lstStyle/>
           <a:p>
             <a:pPr algn="ctr"/>
-            <a:endParaRPr lang="en-IN"/>
-          </a:p>
-        </p:txBody>
-      </p:sp>
-      <p:sp>
-        <p:nvSpPr>
-          <p:cNvPr id="69" name="Rectangle 68"/>
+            <a:r>
+              <a:rPr lang="en-US" sz="3600" dirty="0">
+                <a:solidFill>
+                  <a:schemeClr val="tx1"/>
+                </a:solidFill>
+              </a:rPr>
+              <a:t>User</a:t>
+            </a:r>
+            <a:endParaRPr lang="en-IN" sz="3600" dirty="0">
+              <a:solidFill>
+                <a:schemeClr val="tx1"/>
+              </a:solidFill>
+            </a:endParaRPr>
+          </a:p>
+        </p:txBody>
+      </p:sp>
+      <p:sp>
+        <p:nvSpPr>
+          <p:cNvPr id="70" name="Rectangle 69"/>
           <p:cNvSpPr/>
           <p:nvPr/>
         </p:nvSpPr>
         <p:spPr>
           <a:xfrm>
-            <a:off x="467544" y="4365104"/>
-            <a:ext cx="2088232" cy="1008112"/>
+            <a:off x="7236296" y="414126"/>
+            <a:ext cx="1728192" cy="1142666"/>
           </a:xfrm>
           <a:prstGeom prst="rect">
             <a:avLst/>
@@ -3212,20 +3224,40 @@
           <a:lstStyle/>
           <a:p>
             <a:pPr algn="ctr"/>
-            <a:endParaRPr lang="en-IN"/>
-          </a:p>
-        </p:txBody>
-      </p:sp>
-      <p:sp>
-        <p:nvSpPr>
-          <p:cNvPr id="70" name="Rectangle 69"/>
+            <a:r>
+              <a:rPr lang="en-US" sz="3600" dirty="0" smtClean="0">
+                <a:solidFill>
+                  <a:schemeClr val="tx1"/>
+                </a:solidFill>
+              </a:rPr>
+              <a:t>Web </a:t>
+            </a:r>
+            <a:r>
+              <a:rPr lang="en-US" sz="3600" dirty="0">
+                <a:solidFill>
+                  <a:schemeClr val="tx1"/>
+                </a:solidFill>
+              </a:rPr>
+              <a:t>Client</a:t>
+            </a:r>
+            <a:endParaRPr lang="en-IN" sz="3600" dirty="0">
+              <a:solidFill>
+                <a:schemeClr val="tx1"/>
+              </a:solidFill>
+            </a:endParaRPr>
+          </a:p>
+        </p:txBody>
+      </p:sp>
+      <p:sp>
+        <p:nvSpPr>
+          <p:cNvPr id="71" name="Rectangle 70"/>
           <p:cNvSpPr/>
           <p:nvPr/>
         </p:nvSpPr>
         <p:spPr>
           <a:xfrm>
-            <a:off x="6588224" y="1268760"/>
-            <a:ext cx="2088232" cy="1008112"/>
+            <a:off x="6878996" y="5421124"/>
+            <a:ext cx="1797460" cy="816188"/>
           </a:xfrm>
           <a:prstGeom prst="rect">
             <a:avLst/>
@@ -3258,20 +3290,32 @@
           <a:lstStyle/>
           <a:p>
             <a:pPr algn="ctr"/>
-            <a:endParaRPr lang="en-IN"/>
-          </a:p>
-        </p:txBody>
-      </p:sp>
-      <p:sp>
-        <p:nvSpPr>
-          <p:cNvPr id="71" name="Rectangle 70"/>
+            <a:r>
+              <a:rPr lang="en-IN" sz="3600" dirty="0" smtClean="0">
+                <a:solidFill>
+                  <a:schemeClr val="tx1"/>
+                </a:solidFill>
+              </a:rPr>
+              <a:t>Files</a:t>
+            </a:r>
+            <a:endParaRPr lang="en-IN" sz="3600" dirty="0">
+              <a:solidFill>
+                <a:schemeClr val="tx1"/>
+              </a:solidFill>
+            </a:endParaRPr>
+          </a:p>
+        </p:txBody>
+      </p:sp>
+      <p:sp>
+        <p:nvSpPr>
+          <p:cNvPr id="73" name="Rectangle 72"/>
           <p:cNvSpPr/>
           <p:nvPr/>
         </p:nvSpPr>
         <p:spPr>
           <a:xfrm>
-            <a:off x="3707904" y="5517232"/>
-            <a:ext cx="2088232" cy="1008112"/>
+            <a:off x="323528" y="404664"/>
+            <a:ext cx="2061495" cy="1008113"/>
           </a:xfrm>
           <a:prstGeom prst="rect">
             <a:avLst/>
@@ -3303,100 +3347,19 @@
           <a:bodyPr rtlCol="0" anchor="ctr"/>
           <a:lstStyle/>
           <a:p>
-            <a:pPr algn="ctr"/>
-            <a:endParaRPr lang="en-IN"/>
-          </a:p>
-        </p:txBody>
-      </p:sp>
-      <p:sp>
-        <p:nvSpPr>
-          <p:cNvPr id="72" name="Rectangle 71"/>
-          <p:cNvSpPr/>
-          <p:nvPr/>
-        </p:nvSpPr>
-        <p:spPr>
-          <a:xfrm>
-            <a:off x="6588224" y="4077072"/>
-            <a:ext cx="2088232" cy="1008112"/>
-          </a:xfrm>
-          <a:prstGeom prst="rect">
-            <a:avLst/>
-          </a:prstGeom>
-          <a:noFill/>
-          <a:ln>
-            <a:solidFill>
-              <a:schemeClr val="tx1"/>
-            </a:solidFill>
-          </a:ln>
-        </p:spPr>
-        <p:style>
-          <a:lnRef idx="2">
-            <a:schemeClr val="accent1">
-              <a:shade val="50000"/>
-            </a:schemeClr>
-          </a:lnRef>
-          <a:fillRef idx="1">
-            <a:schemeClr val="accent1"/>
-          </a:fillRef>
-          <a:effectRef idx="0">
-            <a:schemeClr val="accent1"/>
-          </a:effectRef>
-          <a:fontRef idx="minor">
-            <a:schemeClr val="lt1"/>
-          </a:fontRef>
-        </p:style>
-        <p:txBody>
-          <a:bodyPr rtlCol="0" anchor="ctr"/>
-          <a:lstStyle/>
-          <a:p>
-            <a:pPr algn="ctr"/>
-            <a:endParaRPr lang="en-IN"/>
-          </a:p>
-        </p:txBody>
-      </p:sp>
-      <p:sp>
-        <p:nvSpPr>
-          <p:cNvPr id="73" name="Rectangle 72"/>
-          <p:cNvSpPr/>
-          <p:nvPr/>
-        </p:nvSpPr>
-        <p:spPr>
-          <a:xfrm>
-            <a:off x="539552" y="1556792"/>
-            <a:ext cx="2088232" cy="1008112"/>
-          </a:xfrm>
-          <a:prstGeom prst="rect">
-            <a:avLst/>
-          </a:prstGeom>
-          <a:noFill/>
-          <a:ln>
-            <a:solidFill>
-              <a:schemeClr val="tx1"/>
-            </a:solidFill>
-          </a:ln>
-        </p:spPr>
-        <p:style>
-          <a:lnRef idx="2">
-            <a:schemeClr val="accent1">
-              <a:shade val="50000"/>
-            </a:schemeClr>
-          </a:lnRef>
-          <a:fillRef idx="1">
-            <a:schemeClr val="accent1"/>
-          </a:fillRef>
-          <a:effectRef idx="0">
-            <a:schemeClr val="accent1"/>
-          </a:effectRef>
-          <a:fontRef idx="minor">
-            <a:schemeClr val="lt1"/>
-          </a:fontRef>
-        </p:style>
-        <p:txBody>
-          <a:bodyPr rtlCol="0" anchor="ctr"/>
-          <a:lstStyle/>
-          <a:p>
-            <a:pPr algn="ctr"/>
-            <a:endParaRPr lang="en-IN"/>
+            <a:r>
+              <a:rPr lang="en-US" sz="3600" dirty="0">
+                <a:solidFill>
+                  <a:schemeClr val="tx1"/>
+                </a:solidFill>
+              </a:rPr>
+              <a:t>External Device </a:t>
+            </a:r>
+            <a:endParaRPr lang="en-IN" sz="3600" dirty="0">
+              <a:solidFill>
+                <a:schemeClr val="tx1"/>
+              </a:solidFill>
+            </a:endParaRPr>
           </a:p>
         </p:txBody>
       </p:sp>
@@ -3445,604 +3408,23 @@
           </a:p>
         </p:txBody>
       </p:sp>
-      <p:sp>
-        <p:nvSpPr>
-          <p:cNvPr id="75" name="TextBox 74"/>
-          <p:cNvSpPr txBox="1"/>
-          <p:nvPr/>
-        </p:nvSpPr>
-        <p:spPr>
-          <a:xfrm>
-            <a:off x="4067944" y="620688"/>
-            <a:ext cx="1440907" cy="369332"/>
-          </a:xfrm>
-          <a:prstGeom prst="rect">
-            <a:avLst/>
-          </a:prstGeom>
-          <a:noFill/>
-        </p:spPr>
-        <p:txBody>
-          <a:bodyPr wrap="none" rtlCol="0">
-            <a:spAutoFit/>
-          </a:bodyPr>
-          <a:lstStyle/>
-          <a:p>
-            <a:r>
-              <a:rPr lang="en-US" dirty="0" smtClean="0"/>
-              <a:t>Mobile Client</a:t>
-            </a:r>
-            <a:endParaRPr lang="en-IN" dirty="0"/>
-          </a:p>
-        </p:txBody>
-      </p:sp>
-      <p:sp>
-        <p:nvSpPr>
-          <p:cNvPr id="76" name="TextBox 75"/>
-          <p:cNvSpPr txBox="1"/>
-          <p:nvPr/>
-        </p:nvSpPr>
-        <p:spPr>
-          <a:xfrm>
-            <a:off x="7020272" y="1556792"/>
-            <a:ext cx="1212833" cy="369332"/>
-          </a:xfrm>
-          <a:prstGeom prst="rect">
-            <a:avLst/>
-          </a:prstGeom>
-          <a:noFill/>
-        </p:spPr>
-        <p:txBody>
-          <a:bodyPr wrap="none" rtlCol="0">
-            <a:spAutoFit/>
-          </a:bodyPr>
-          <a:lstStyle/>
-          <a:p>
-            <a:r>
-              <a:rPr lang="en-US" dirty="0" smtClean="0"/>
-              <a:t>Web Client</a:t>
-            </a:r>
-            <a:endParaRPr lang="en-IN" dirty="0"/>
-          </a:p>
-        </p:txBody>
-      </p:sp>
-      <p:sp>
-        <p:nvSpPr>
-          <p:cNvPr id="77" name="TextBox 76"/>
-          <p:cNvSpPr txBox="1"/>
-          <p:nvPr/>
-        </p:nvSpPr>
-        <p:spPr>
-          <a:xfrm>
-            <a:off x="6948264" y="4365104"/>
-            <a:ext cx="1548116" cy="369332"/>
-          </a:xfrm>
-          <a:prstGeom prst="rect">
-            <a:avLst/>
-          </a:prstGeom>
-          <a:noFill/>
-        </p:spPr>
-        <p:txBody>
-          <a:bodyPr wrap="none" rtlCol="0">
-            <a:spAutoFit/>
-          </a:bodyPr>
-          <a:lstStyle/>
-          <a:p>
-            <a:r>
-              <a:rPr lang="en-IN" dirty="0" smtClean="0"/>
-              <a:t>Desktop Client</a:t>
-            </a:r>
-            <a:endParaRPr lang="en-IN" dirty="0"/>
-          </a:p>
-        </p:txBody>
-      </p:sp>
-      <p:sp>
-        <p:nvSpPr>
-          <p:cNvPr id="78" name="TextBox 77"/>
-          <p:cNvSpPr txBox="1"/>
-          <p:nvPr/>
-        </p:nvSpPr>
-        <p:spPr>
-          <a:xfrm>
-            <a:off x="4349447" y="5795972"/>
-            <a:ext cx="798617" cy="369332"/>
-          </a:xfrm>
-          <a:prstGeom prst="rect">
-            <a:avLst/>
-          </a:prstGeom>
-          <a:noFill/>
-        </p:spPr>
-        <p:txBody>
-          <a:bodyPr wrap="none" rtlCol="0">
-            <a:spAutoFit/>
-          </a:bodyPr>
-          <a:lstStyle/>
-          <a:p>
-            <a:r>
-              <a:rPr lang="en-US" dirty="0" smtClean="0"/>
-              <a:t>Admin</a:t>
-            </a:r>
-            <a:endParaRPr lang="en-IN" dirty="0"/>
-          </a:p>
-        </p:txBody>
-      </p:sp>
-      <p:sp>
-        <p:nvSpPr>
-          <p:cNvPr id="79" name="TextBox 78"/>
-          <p:cNvSpPr txBox="1"/>
-          <p:nvPr/>
-        </p:nvSpPr>
-        <p:spPr>
-          <a:xfrm>
-            <a:off x="1259632" y="4643844"/>
-            <a:ext cx="617477" cy="369332"/>
-          </a:xfrm>
-          <a:prstGeom prst="rect">
-            <a:avLst/>
-          </a:prstGeom>
-          <a:noFill/>
-        </p:spPr>
-        <p:txBody>
-          <a:bodyPr wrap="none" rtlCol="0">
-            <a:spAutoFit/>
-          </a:bodyPr>
-          <a:lstStyle/>
-          <a:p>
-            <a:r>
-              <a:rPr lang="en-US" dirty="0" smtClean="0"/>
-              <a:t>User</a:t>
-            </a:r>
-            <a:endParaRPr lang="en-IN" dirty="0"/>
-          </a:p>
-        </p:txBody>
-      </p:sp>
-      <p:sp>
-        <p:nvSpPr>
-          <p:cNvPr id="80" name="TextBox 79"/>
-          <p:cNvSpPr txBox="1"/>
-          <p:nvPr/>
-        </p:nvSpPr>
-        <p:spPr>
-          <a:xfrm>
-            <a:off x="755576" y="1844824"/>
-            <a:ext cx="1685333" cy="369332"/>
-          </a:xfrm>
-          <a:prstGeom prst="rect">
-            <a:avLst/>
-          </a:prstGeom>
-          <a:noFill/>
-        </p:spPr>
-        <p:txBody>
-          <a:bodyPr wrap="none" rtlCol="0">
-            <a:spAutoFit/>
-          </a:bodyPr>
-          <a:lstStyle/>
-          <a:p>
-            <a:r>
-              <a:rPr lang="en-US" dirty="0" smtClean="0"/>
-              <a:t>External Device </a:t>
-            </a:r>
-            <a:endParaRPr lang="en-IN" dirty="0"/>
-          </a:p>
-        </p:txBody>
-      </p:sp>
-      <p:cxnSp>
-        <p:nvCxnSpPr>
-          <p:cNvPr id="92" name="Straight Arrow Connector 91"/>
-          <p:cNvCxnSpPr/>
-          <p:nvPr/>
-        </p:nvCxnSpPr>
-        <p:spPr>
-          <a:xfrm flipH="1">
-            <a:off x="5292080" y="2996952"/>
-            <a:ext cx="648072" cy="0"/>
-          </a:xfrm>
-          <a:prstGeom prst="straightConnector1">
-            <a:avLst/>
-          </a:prstGeom>
-          <a:ln>
-            <a:solidFill>
-              <a:schemeClr val="tx1"/>
-            </a:solidFill>
-            <a:tailEnd type="arrow"/>
-          </a:ln>
-        </p:spPr>
-        <p:style>
-          <a:lnRef idx="1">
-            <a:schemeClr val="accent1"/>
-          </a:lnRef>
-          <a:fillRef idx="0">
-            <a:schemeClr val="accent1"/>
-          </a:fillRef>
-          <a:effectRef idx="0">
-            <a:schemeClr val="accent1"/>
-          </a:effectRef>
-          <a:fontRef idx="minor">
-            <a:schemeClr val="tx1"/>
-          </a:fontRef>
-        </p:style>
-      </p:cxnSp>
-      <p:cxnSp>
-        <p:nvCxnSpPr>
-          <p:cNvPr id="95" name="Straight Connector 94"/>
-          <p:cNvCxnSpPr/>
-          <p:nvPr/>
-        </p:nvCxnSpPr>
-        <p:spPr>
-          <a:xfrm flipV="1">
-            <a:off x="5940152" y="836712"/>
-            <a:ext cx="0" cy="2160240"/>
-          </a:xfrm>
-          <a:prstGeom prst="line">
-            <a:avLst/>
-          </a:prstGeom>
-          <a:ln>
-            <a:solidFill>
-              <a:schemeClr val="tx1"/>
-            </a:solidFill>
-          </a:ln>
-        </p:spPr>
-        <p:style>
-          <a:lnRef idx="1">
-            <a:schemeClr val="accent1"/>
-          </a:lnRef>
-          <a:fillRef idx="0">
-            <a:schemeClr val="accent1"/>
-          </a:fillRef>
-          <a:effectRef idx="0">
-            <a:schemeClr val="accent1"/>
-          </a:effectRef>
-          <a:fontRef idx="minor">
-            <a:schemeClr val="tx1"/>
-          </a:fontRef>
-        </p:style>
-      </p:cxnSp>
-      <p:cxnSp>
-        <p:nvCxnSpPr>
-          <p:cNvPr id="99" name="Straight Connector 98"/>
-          <p:cNvCxnSpPr>
-            <a:stCxn id="68" idx="3"/>
-          </p:cNvCxnSpPr>
-          <p:nvPr/>
-        </p:nvCxnSpPr>
-        <p:spPr>
-          <a:xfrm>
-            <a:off x="5796136" y="836712"/>
-            <a:ext cx="144016" cy="0"/>
-          </a:xfrm>
-          <a:prstGeom prst="line">
-            <a:avLst/>
-          </a:prstGeom>
-          <a:ln>
-            <a:solidFill>
-              <a:schemeClr val="tx1"/>
-            </a:solidFill>
-          </a:ln>
-        </p:spPr>
-        <p:style>
-          <a:lnRef idx="1">
-            <a:schemeClr val="accent1"/>
-          </a:lnRef>
-          <a:fillRef idx="0">
-            <a:schemeClr val="accent1"/>
-          </a:fillRef>
-          <a:effectRef idx="0">
-            <a:schemeClr val="accent1"/>
-          </a:effectRef>
-          <a:fontRef idx="minor">
-            <a:schemeClr val="tx1"/>
-          </a:fontRef>
-        </p:style>
-      </p:cxnSp>
-      <p:cxnSp>
-        <p:nvCxnSpPr>
-          <p:cNvPr id="102" name="Straight Arrow Connector 101"/>
-          <p:cNvCxnSpPr>
-            <a:endCxn id="68" idx="1"/>
-          </p:cNvCxnSpPr>
-          <p:nvPr/>
-        </p:nvCxnSpPr>
-        <p:spPr>
-          <a:xfrm>
-            <a:off x="3419872" y="836712"/>
-            <a:ext cx="288032" cy="0"/>
-          </a:xfrm>
-          <a:prstGeom prst="straightConnector1">
-            <a:avLst/>
-          </a:prstGeom>
-          <a:ln>
-            <a:solidFill>
-              <a:schemeClr val="tx1"/>
-            </a:solidFill>
-            <a:tailEnd type="arrow"/>
-          </a:ln>
-        </p:spPr>
-        <p:style>
-          <a:lnRef idx="1">
-            <a:schemeClr val="accent1"/>
-          </a:lnRef>
-          <a:fillRef idx="0">
-            <a:schemeClr val="accent1"/>
-          </a:fillRef>
-          <a:effectRef idx="0">
-            <a:schemeClr val="accent1"/>
-          </a:effectRef>
-          <a:fontRef idx="minor">
-            <a:schemeClr val="tx1"/>
-          </a:fontRef>
-        </p:style>
-      </p:cxnSp>
-      <p:cxnSp>
-        <p:nvCxnSpPr>
-          <p:cNvPr id="105" name="Straight Connector 104"/>
-          <p:cNvCxnSpPr/>
-          <p:nvPr/>
-        </p:nvCxnSpPr>
-        <p:spPr>
-          <a:xfrm>
-            <a:off x="3419872" y="836712"/>
-            <a:ext cx="0" cy="2088232"/>
-          </a:xfrm>
-          <a:prstGeom prst="line">
-            <a:avLst/>
-          </a:prstGeom>
-          <a:ln>
-            <a:solidFill>
-              <a:schemeClr val="tx1"/>
-            </a:solidFill>
-          </a:ln>
-        </p:spPr>
-        <p:style>
-          <a:lnRef idx="1">
-            <a:schemeClr val="accent1"/>
-          </a:lnRef>
-          <a:fillRef idx="0">
-            <a:schemeClr val="accent1"/>
-          </a:fillRef>
-          <a:effectRef idx="0">
-            <a:schemeClr val="accent1"/>
-          </a:effectRef>
-          <a:fontRef idx="minor">
-            <a:schemeClr val="tx1"/>
-          </a:fontRef>
-        </p:style>
-      </p:cxnSp>
-      <p:cxnSp>
-        <p:nvCxnSpPr>
-          <p:cNvPr id="107" name="Straight Connector 106"/>
-          <p:cNvCxnSpPr/>
-          <p:nvPr/>
-        </p:nvCxnSpPr>
-        <p:spPr>
-          <a:xfrm>
-            <a:off x="3419872" y="2924944"/>
-            <a:ext cx="648072" cy="0"/>
-          </a:xfrm>
-          <a:prstGeom prst="line">
-            <a:avLst/>
-          </a:prstGeom>
-          <a:ln>
-            <a:solidFill>
-              <a:schemeClr val="tx1"/>
-            </a:solidFill>
-          </a:ln>
-        </p:spPr>
-        <p:style>
-          <a:lnRef idx="1">
-            <a:schemeClr val="accent1"/>
-          </a:lnRef>
-          <a:fillRef idx="0">
-            <a:schemeClr val="accent1"/>
-          </a:fillRef>
-          <a:effectRef idx="0">
-            <a:schemeClr val="accent1"/>
-          </a:effectRef>
-          <a:fontRef idx="minor">
-            <a:schemeClr val="tx1"/>
-          </a:fontRef>
-        </p:style>
-      </p:cxnSp>
-      <p:cxnSp>
-        <p:nvCxnSpPr>
-          <p:cNvPr id="111" name="Straight Arrow Connector 110"/>
-          <p:cNvCxnSpPr/>
-          <p:nvPr/>
-        </p:nvCxnSpPr>
-        <p:spPr>
-          <a:xfrm>
-            <a:off x="4139952" y="4077072"/>
-            <a:ext cx="0" cy="1440160"/>
-          </a:xfrm>
-          <a:prstGeom prst="straightConnector1">
-            <a:avLst/>
-          </a:prstGeom>
-          <a:ln>
-            <a:solidFill>
-              <a:schemeClr val="tx1"/>
-            </a:solidFill>
-            <a:tailEnd type="arrow"/>
-          </a:ln>
-        </p:spPr>
-        <p:style>
-          <a:lnRef idx="1">
-            <a:schemeClr val="accent1"/>
-          </a:lnRef>
-          <a:fillRef idx="0">
-            <a:schemeClr val="accent1"/>
-          </a:fillRef>
-          <a:effectRef idx="0">
-            <a:schemeClr val="accent1"/>
-          </a:effectRef>
-          <a:fontRef idx="minor">
-            <a:schemeClr val="tx1"/>
-          </a:fontRef>
-        </p:style>
-      </p:cxnSp>
-      <p:cxnSp>
-        <p:nvCxnSpPr>
-          <p:cNvPr id="116" name="Straight Arrow Connector 115"/>
-          <p:cNvCxnSpPr/>
-          <p:nvPr/>
-        </p:nvCxnSpPr>
-        <p:spPr>
-          <a:xfrm flipV="1">
-            <a:off x="5220072" y="4005064"/>
-            <a:ext cx="1" cy="1512168"/>
-          </a:xfrm>
-          <a:prstGeom prst="straightConnector1">
-            <a:avLst/>
-          </a:prstGeom>
-          <a:ln>
-            <a:solidFill>
-              <a:schemeClr val="tx1"/>
-            </a:solidFill>
-            <a:tailEnd type="arrow"/>
-          </a:ln>
-        </p:spPr>
-        <p:style>
-          <a:lnRef idx="1">
-            <a:schemeClr val="accent1"/>
-          </a:lnRef>
-          <a:fillRef idx="0">
-            <a:schemeClr val="accent1"/>
-          </a:fillRef>
-          <a:effectRef idx="0">
-            <a:schemeClr val="accent1"/>
-          </a:effectRef>
-          <a:fontRef idx="minor">
-            <a:schemeClr val="tx1"/>
-          </a:fontRef>
-        </p:style>
-      </p:cxnSp>
-      <p:cxnSp>
-        <p:nvCxnSpPr>
-          <p:cNvPr id="119" name="Shape 118"/>
-          <p:cNvCxnSpPr/>
-          <p:nvPr/>
-        </p:nvCxnSpPr>
-        <p:spPr>
-          <a:xfrm>
-            <a:off x="5508104" y="3789042"/>
-            <a:ext cx="1080122" cy="648072"/>
-          </a:xfrm>
-          <a:prstGeom prst="bentConnector3">
-            <a:avLst>
-              <a:gd name="adj1" fmla="val 525"/>
-            </a:avLst>
-          </a:prstGeom>
-          <a:ln>
-            <a:solidFill>
-              <a:schemeClr val="tx1"/>
-            </a:solidFill>
-            <a:tailEnd type="arrow"/>
-          </a:ln>
-        </p:spPr>
-        <p:style>
-          <a:lnRef idx="1">
-            <a:schemeClr val="accent1"/>
-          </a:lnRef>
-          <a:fillRef idx="0">
-            <a:schemeClr val="accent1"/>
-          </a:fillRef>
-          <a:effectRef idx="0">
-            <a:schemeClr val="accent1"/>
-          </a:effectRef>
-          <a:fontRef idx="minor">
-            <a:schemeClr val="tx1"/>
-          </a:fontRef>
-        </p:style>
-      </p:cxnSp>
-      <p:cxnSp>
-        <p:nvCxnSpPr>
-          <p:cNvPr id="123" name="Elbow Connector 122"/>
-          <p:cNvCxnSpPr>
-            <a:endCxn id="67" idx="6"/>
-          </p:cNvCxnSpPr>
-          <p:nvPr/>
-        </p:nvCxnSpPr>
-        <p:spPr>
-          <a:xfrm rot="10800000">
-            <a:off x="5652120" y="3501008"/>
-            <a:ext cx="1800200" cy="576064"/>
-          </a:xfrm>
-          <a:prstGeom prst="bentConnector3">
-            <a:avLst>
-              <a:gd name="adj1" fmla="val -794"/>
-            </a:avLst>
-          </a:prstGeom>
-          <a:ln>
-            <a:solidFill>
-              <a:schemeClr val="tx1"/>
-            </a:solidFill>
-            <a:tailEnd type="arrow"/>
-          </a:ln>
-        </p:spPr>
-        <p:style>
-          <a:lnRef idx="1">
-            <a:schemeClr val="accent1"/>
-          </a:lnRef>
-          <a:fillRef idx="0">
-            <a:schemeClr val="accent1"/>
-          </a:fillRef>
-          <a:effectRef idx="0">
-            <a:schemeClr val="accent1"/>
-          </a:effectRef>
-          <a:fontRef idx="minor">
-            <a:schemeClr val="tx1"/>
-          </a:fontRef>
-        </p:style>
-      </p:cxnSp>
-      <p:cxnSp>
-        <p:nvCxnSpPr>
-          <p:cNvPr id="128" name="Shape 127"/>
-          <p:cNvCxnSpPr>
-            <a:endCxn id="70" idx="2"/>
-          </p:cNvCxnSpPr>
-          <p:nvPr/>
-        </p:nvCxnSpPr>
-        <p:spPr>
-          <a:xfrm flipV="1">
-            <a:off x="5652120" y="2276872"/>
-            <a:ext cx="1980220" cy="1080120"/>
-          </a:xfrm>
-          <a:prstGeom prst="bentConnector2">
-            <a:avLst/>
-          </a:prstGeom>
-          <a:ln>
-            <a:solidFill>
-              <a:schemeClr val="tx1"/>
-            </a:solidFill>
-            <a:tailEnd type="arrow"/>
-          </a:ln>
-        </p:spPr>
-        <p:style>
-          <a:lnRef idx="1">
-            <a:schemeClr val="accent1"/>
-          </a:lnRef>
-          <a:fillRef idx="0">
-            <a:schemeClr val="accent1"/>
-          </a:fillRef>
-          <a:effectRef idx="0">
-            <a:schemeClr val="accent1"/>
-          </a:effectRef>
-          <a:fontRef idx="minor">
-            <a:schemeClr val="tx1"/>
-          </a:fontRef>
-        </p:style>
-      </p:cxnSp>
       <p:cxnSp>
         <p:nvCxnSpPr>
           <p:cNvPr id="130" name="Shape 129"/>
-          <p:cNvCxnSpPr/>
+          <p:cNvCxnSpPr>
+            <a:stCxn id="70" idx="2"/>
+            <a:endCxn id="67" idx="7"/>
+          </p:cNvCxnSpPr>
           <p:nvPr/>
         </p:nvCxnSpPr>
         <p:spPr>
-          <a:xfrm rot="10800000" flipV="1">
-            <a:off x="5508104" y="2276872"/>
-            <a:ext cx="1296144" cy="864096"/>
+          <a:xfrm rot="5400000">
+            <a:off x="5980369" y="922729"/>
+            <a:ext cx="1485960" cy="2754086"/>
           </a:xfrm>
           <a:prstGeom prst="bentConnector3">
             <a:avLst>
-              <a:gd name="adj1" fmla="val 1441"/>
+              <a:gd name="adj1" fmla="val 50000"/>
             </a:avLst>
           </a:prstGeom>
           <a:ln>
@@ -4072,18 +3454,17 @@
           <p:cNvPr id="136" name="Shape 135"/>
           <p:cNvCxnSpPr>
             <a:stCxn id="69" idx="3"/>
+            <a:endCxn id="67" idx="3"/>
           </p:cNvCxnSpPr>
           <p:nvPr/>
         </p:nvCxnSpPr>
         <p:spPr>
           <a:xfrm flipV="1">
-            <a:off x="2555776" y="3789040"/>
-            <a:ext cx="1116124" cy="1080120"/>
-          </a:xfrm>
-          <a:prstGeom prst="bentConnector3">
-            <a:avLst>
-              <a:gd name="adj1" fmla="val 100007"/>
-            </a:avLst>
+            <a:off x="2331339" y="3959264"/>
+            <a:ext cx="1538363" cy="1886479"/>
+          </a:xfrm>
+          <a:prstGeom prst="bentConnector2">
+            <a:avLst/>
           </a:prstGeom>
           <a:ln>
             <a:solidFill>
@@ -4112,18 +3493,17 @@
           <p:cNvPr id="143" name="Shape 129"/>
           <p:cNvCxnSpPr>
             <a:stCxn id="67" idx="2"/>
+            <a:endCxn id="69" idx="0"/>
           </p:cNvCxnSpPr>
           <p:nvPr/>
         </p:nvCxnSpPr>
         <p:spPr>
           <a:xfrm rot="10800000" flipV="1">
-            <a:off x="1331640" y="3501008"/>
-            <a:ext cx="2232248" cy="864096"/>
-          </a:xfrm>
-          <a:prstGeom prst="bentConnector3">
-            <a:avLst>
-              <a:gd name="adj1" fmla="val 100007"/>
-            </a:avLst>
+            <a:off x="1467244" y="3501007"/>
+            <a:ext cx="2096645" cy="1912687"/>
+          </a:xfrm>
+          <a:prstGeom prst="bentConnector2">
+            <a:avLst/>
           </a:prstGeom>
           <a:ln>
             <a:solidFill>
@@ -4150,17 +3530,20 @@
       <p:cxnSp>
         <p:nvCxnSpPr>
           <p:cNvPr id="149" name="Shape 129"/>
-          <p:cNvCxnSpPr/>
+          <p:cNvCxnSpPr>
+            <a:stCxn id="73" idx="2"/>
+            <a:endCxn id="67" idx="1"/>
+          </p:cNvCxnSpPr>
           <p:nvPr/>
         </p:nvCxnSpPr>
         <p:spPr>
-          <a:xfrm>
-            <a:off x="1475656" y="2564904"/>
-            <a:ext cx="2232248" cy="576064"/>
+          <a:xfrm rot="16200000" flipH="1">
+            <a:off x="1797002" y="970051"/>
+            <a:ext cx="1629975" cy="2515426"/>
           </a:xfrm>
           <a:prstGeom prst="bentConnector3">
             <a:avLst>
-              <a:gd name="adj1" fmla="val 1057"/>
+              <a:gd name="adj1" fmla="val 50000"/>
             </a:avLst>
           </a:prstGeom>
           <a:ln>
@@ -4187,14 +3570,14 @@
       </p:cxnSp>
       <p:sp>
         <p:nvSpPr>
-          <p:cNvPr id="154" name="TextBox 153"/>
+          <p:cNvPr id="159" name="TextBox 158"/>
           <p:cNvSpPr txBox="1"/>
           <p:nvPr/>
         </p:nvSpPr>
         <p:spPr>
           <a:xfrm>
-            <a:off x="4067944" y="4365104"/>
-            <a:ext cx="1073820" cy="923330"/>
+            <a:off x="6053920" y="2370925"/>
+            <a:ext cx="1513171" cy="923330"/>
           </a:xfrm>
           <a:prstGeom prst="rect">
             <a:avLst/>
@@ -4209,42 +3592,38 @@
           <a:p>
             <a:r>
               <a:rPr lang="en-US" dirty="0" smtClean="0"/>
-              <a:t>Ask for </a:t>
-            </a:r>
-          </a:p>
-          <a:p>
-            <a:r>
-              <a:rPr lang="en-US" dirty="0" err="1" smtClean="0"/>
-              <a:t>Authenti</a:t>
+              <a:t>File </a:t>
             </a:r>
             <a:r>
               <a:rPr lang="en-US" dirty="0" smtClean="0"/>
-              <a:t>-</a:t>
-            </a:r>
-          </a:p>
-          <a:p>
-            <a:r>
-              <a:rPr lang="en-US" dirty="0" err="1" smtClean="0"/>
-              <a:t>cation</a:t>
-            </a:r>
+              <a:t>Info </a:t>
+            </a:r>
+          </a:p>
+          <a:p>
             <a:r>
               <a:rPr lang="en-US" dirty="0" smtClean="0"/>
-              <a:t> </a:t>
-            </a:r>
-            <a:endParaRPr lang="en-IN" dirty="0"/>
-          </a:p>
-        </p:txBody>
-      </p:sp>
-      <p:sp>
-        <p:nvSpPr>
-          <p:cNvPr id="155" name="TextBox 154"/>
+              <a:t>And</a:t>
+            </a:r>
+          </a:p>
+          <a:p>
+            <a:r>
+              <a:rPr lang="en-US" dirty="0" smtClean="0"/>
+              <a:t>device details</a:t>
+            </a:r>
+            <a:endParaRPr lang="en-US" dirty="0" smtClean="0"/>
+          </a:p>
+        </p:txBody>
+      </p:sp>
+      <p:sp>
+        <p:nvSpPr>
+          <p:cNvPr id="160" name="TextBox 159"/>
           <p:cNvSpPr txBox="1"/>
           <p:nvPr/>
         </p:nvSpPr>
         <p:spPr>
           <a:xfrm>
-            <a:off x="5169696" y="4869160"/>
-            <a:ext cx="1490536" cy="646331"/>
+            <a:off x="4704360" y="1115472"/>
+            <a:ext cx="947760" cy="1200329"/>
           </a:xfrm>
           <a:prstGeom prst="rect">
             <a:avLst/>
@@ -4259,13 +3638,25 @@
           <a:p>
             <a:r>
               <a:rPr lang="en-US" dirty="0" smtClean="0"/>
-              <a:t>Allow or </a:t>
+              <a:t>Provide </a:t>
             </a:r>
           </a:p>
           <a:p>
             <a:r>
               <a:rPr lang="en-US" dirty="0" smtClean="0"/>
-              <a:t>reject request</a:t>
+              <a:t>user,</a:t>
+            </a:r>
+          </a:p>
+          <a:p>
+            <a:r>
+              <a:rPr lang="en-US" dirty="0" smtClean="0"/>
+              <a:t>profile </a:t>
+            </a:r>
+          </a:p>
+          <a:p>
+            <a:r>
+              <a:rPr lang="en-US" dirty="0" smtClean="0"/>
+              <a:t>details</a:t>
             </a:r>
             <a:endParaRPr lang="en-IN" dirty="0"/>
           </a:p>
@@ -4273,14 +3664,59 @@
       </p:sp>
       <p:sp>
         <p:nvSpPr>
-          <p:cNvPr id="156" name="TextBox 155"/>
+          <p:cNvPr id="161" name="TextBox 160"/>
           <p:cNvSpPr txBox="1"/>
           <p:nvPr/>
         </p:nvSpPr>
         <p:spPr>
           <a:xfrm>
-            <a:off x="5364088" y="4437112"/>
-            <a:ext cx="1286699" cy="369332"/>
+            <a:off x="5277457" y="4108338"/>
+            <a:ext cx="2748159" cy="646331"/>
+          </a:xfrm>
+          <a:prstGeom prst="rect">
+            <a:avLst/>
+          </a:prstGeom>
+          <a:noFill/>
+        </p:spPr>
+        <p:txBody>
+          <a:bodyPr wrap="square" rtlCol="0">
+            <a:spAutoFit/>
+          </a:bodyPr>
+          <a:lstStyle/>
+          <a:p>
+            <a:r>
+              <a:rPr lang="en-US" dirty="0" smtClean="0"/>
+              <a:t>File details </a:t>
+            </a:r>
+            <a:r>
+              <a:rPr lang="en-US" dirty="0" smtClean="0"/>
+              <a:t>and </a:t>
+            </a:r>
+            <a:r>
+              <a:rPr lang="en-US" dirty="0" err="1" smtClean="0"/>
+              <a:t>info,Access</a:t>
+            </a:r>
+            <a:endParaRPr lang="en-US" dirty="0" smtClean="0"/>
+          </a:p>
+          <a:p>
+            <a:r>
+              <a:rPr lang="en-US" dirty="0" smtClean="0"/>
+              <a:t>user info</a:t>
+            </a:r>
+            <a:endParaRPr lang="en-IN" dirty="0"/>
+          </a:p>
+        </p:txBody>
+      </p:sp>
+      <p:sp>
+        <p:nvSpPr>
+          <p:cNvPr id="162" name="TextBox 161"/>
+          <p:cNvSpPr txBox="1"/>
+          <p:nvPr/>
+        </p:nvSpPr>
+        <p:spPr>
+          <a:xfrm>
+            <a:off x="2362321" y="4706388"/>
+            <a:ext cx="1517980" cy="923330"/>
           </a:xfrm>
           <a:prstGeom prst="rect">
             <a:avLst/>
@@ -4295,7 +3731,19 @@
           <a:p>
             <a:r>
               <a:rPr lang="en-US" dirty="0" smtClean="0"/>
-              <a:t>User details</a:t>
+              <a:t>User info, </a:t>
+            </a:r>
+          </a:p>
+          <a:p>
+            <a:r>
+              <a:rPr lang="en-US" dirty="0" smtClean="0"/>
+              <a:t>device details,</a:t>
+            </a:r>
+          </a:p>
+          <a:p>
+            <a:r>
+              <a:rPr lang="en-US" dirty="0" smtClean="0"/>
+              <a:t>data info</a:t>
             </a:r>
             <a:endParaRPr lang="en-IN" dirty="0"/>
           </a:p>
@@ -4303,14 +3751,14 @@
       </p:sp>
       <p:sp>
         <p:nvSpPr>
-          <p:cNvPr id="157" name="TextBox 156"/>
+          <p:cNvPr id="163" name="TextBox 162"/>
           <p:cNvSpPr txBox="1"/>
           <p:nvPr/>
         </p:nvSpPr>
         <p:spPr>
           <a:xfrm>
-            <a:off x="5868144" y="3429000"/>
-            <a:ext cx="1502976" cy="646331"/>
+            <a:off x="1713468" y="3632249"/>
+            <a:ext cx="1397498" cy="369332"/>
           </a:xfrm>
           <a:prstGeom prst="rect">
             <a:avLst/>
@@ -4325,13 +3773,7 @@
           <a:p>
             <a:r>
               <a:rPr lang="en-US" dirty="0" smtClean="0"/>
-              <a:t>Provide file </a:t>
-            </a:r>
-          </a:p>
-          <a:p>
-            <a:r>
-              <a:rPr lang="en-US" dirty="0" smtClean="0"/>
-              <a:t>system details</a:t>
+              <a:t>Authenticate</a:t>
             </a:r>
             <a:endParaRPr lang="en-IN" dirty="0"/>
           </a:p>
@@ -4339,14 +3781,14 @@
       </p:sp>
       <p:sp>
         <p:nvSpPr>
-          <p:cNvPr id="159" name="TextBox 158"/>
+          <p:cNvPr id="169" name="TextBox 168"/>
           <p:cNvSpPr txBox="1"/>
           <p:nvPr/>
         </p:nvSpPr>
         <p:spPr>
           <a:xfrm>
-            <a:off x="7665775" y="2420888"/>
-            <a:ext cx="1478225" cy="646331"/>
+            <a:off x="1948051" y="2060848"/>
+            <a:ext cx="1882888" cy="923330"/>
           </a:xfrm>
           <a:prstGeom prst="rect">
             <a:avLst/>
@@ -4361,278 +3803,19 @@
           <a:p>
             <a:r>
               <a:rPr lang="en-US" dirty="0" smtClean="0"/>
-              <a:t>File hierarchy,</a:t>
-            </a:r>
-          </a:p>
-          <a:p>
+              <a:t>Device </a:t>
+            </a:r>
             <a:r>
               <a:rPr lang="en-US" dirty="0" smtClean="0"/>
-              <a:t>permission</a:t>
-            </a:r>
-            <a:endParaRPr lang="en-IN" dirty="0"/>
-          </a:p>
-        </p:txBody>
-      </p:sp>
-      <p:sp>
-        <p:nvSpPr>
-          <p:cNvPr id="160" name="TextBox 159"/>
-          <p:cNvSpPr txBox="1"/>
-          <p:nvPr/>
-        </p:nvSpPr>
-        <p:spPr>
-          <a:xfrm>
-            <a:off x="6732240" y="2204864"/>
-            <a:ext cx="947760" cy="1200329"/>
-          </a:xfrm>
-          <a:prstGeom prst="rect">
-            <a:avLst/>
-          </a:prstGeom>
-          <a:noFill/>
-        </p:spPr>
-        <p:txBody>
-          <a:bodyPr wrap="none" rtlCol="0">
-            <a:spAutoFit/>
-          </a:bodyPr>
-          <a:lstStyle/>
-          <a:p>
-            <a:r>
-              <a:rPr lang="en-US" dirty="0" smtClean="0"/>
-              <a:t>Provide </a:t>
-            </a:r>
-          </a:p>
-          <a:p>
-            <a:r>
-              <a:rPr lang="en-US" dirty="0" smtClean="0"/>
-              <a:t>user,</a:t>
-            </a:r>
-          </a:p>
-          <a:p>
-            <a:r>
-              <a:rPr lang="en-US" dirty="0" smtClean="0"/>
-              <a:t>profile </a:t>
-            </a:r>
-          </a:p>
-          <a:p>
-            <a:r>
-              <a:rPr lang="en-US" dirty="0" smtClean="0"/>
-              <a:t>details</a:t>
-            </a:r>
-            <a:endParaRPr lang="en-IN" dirty="0"/>
-          </a:p>
-        </p:txBody>
-      </p:sp>
-      <p:sp>
-        <p:nvSpPr>
-          <p:cNvPr id="161" name="TextBox 160"/>
-          <p:cNvSpPr txBox="1"/>
-          <p:nvPr/>
-        </p:nvSpPr>
-        <p:spPr>
-          <a:xfrm>
-            <a:off x="4860032" y="1484784"/>
-            <a:ext cx="1233799" cy="1200329"/>
-          </a:xfrm>
-          <a:prstGeom prst="rect">
-            <a:avLst/>
-          </a:prstGeom>
-          <a:noFill/>
-        </p:spPr>
-        <p:txBody>
-          <a:bodyPr wrap="none" rtlCol="0">
-            <a:spAutoFit/>
-          </a:bodyPr>
-          <a:lstStyle/>
+              <a:t>info, </a:t>
+            </a:r>
+          </a:p>
           <a:p>
             <a:r>
               <a:rPr lang="en-US" dirty="0" smtClean="0"/>
               <a:t>File details </a:t>
             </a:r>
-          </a:p>
-          <a:p>
-            <a:r>
-              <a:rPr lang="en-US" dirty="0" smtClean="0"/>
-              <a:t>and info, </a:t>
-            </a:r>
-          </a:p>
-          <a:p>
-            <a:r>
-              <a:rPr lang="en-US" dirty="0" smtClean="0"/>
-              <a:t>Access</a:t>
-            </a:r>
-          </a:p>
-          <a:p>
-            <a:r>
-              <a:rPr lang="en-US" dirty="0" smtClean="0"/>
-              <a:t>user info</a:t>
-            </a:r>
-            <a:endParaRPr lang="en-IN" dirty="0"/>
-          </a:p>
-        </p:txBody>
-      </p:sp>
-      <p:sp>
-        <p:nvSpPr>
-          <p:cNvPr id="162" name="TextBox 161"/>
-          <p:cNvSpPr txBox="1"/>
-          <p:nvPr/>
-        </p:nvSpPr>
-        <p:spPr>
-          <a:xfrm>
-            <a:off x="3419872" y="1569566"/>
-            <a:ext cx="1517980" cy="923330"/>
-          </a:xfrm>
-          <a:prstGeom prst="rect">
-            <a:avLst/>
-          </a:prstGeom>
-          <a:noFill/>
-        </p:spPr>
-        <p:txBody>
-          <a:bodyPr wrap="none" rtlCol="0">
-            <a:spAutoFit/>
-          </a:bodyPr>
-          <a:lstStyle/>
-          <a:p>
-            <a:r>
-              <a:rPr lang="en-US" dirty="0" smtClean="0"/>
-              <a:t>User info, </a:t>
-            </a:r>
-          </a:p>
-          <a:p>
-            <a:r>
-              <a:rPr lang="en-US" dirty="0" smtClean="0"/>
-              <a:t>device details,</a:t>
-            </a:r>
-          </a:p>
-          <a:p>
-            <a:r>
-              <a:rPr lang="en-US" dirty="0" smtClean="0"/>
-              <a:t>data info</a:t>
-            </a:r>
-            <a:endParaRPr lang="en-IN" dirty="0"/>
-          </a:p>
-        </p:txBody>
-      </p:sp>
-      <p:sp>
-        <p:nvSpPr>
-          <p:cNvPr id="163" name="TextBox 162"/>
-          <p:cNvSpPr txBox="1"/>
-          <p:nvPr/>
-        </p:nvSpPr>
-        <p:spPr>
-          <a:xfrm>
-            <a:off x="1331640" y="3717032"/>
-            <a:ext cx="993092" cy="369332"/>
-          </a:xfrm>
-          <a:prstGeom prst="rect">
-            <a:avLst/>
-          </a:prstGeom>
-          <a:noFill/>
-        </p:spPr>
-        <p:txBody>
-          <a:bodyPr wrap="none" rtlCol="0">
-            <a:spAutoFit/>
-          </a:bodyPr>
-          <a:lstStyle/>
-          <a:p>
-            <a:r>
-              <a:rPr lang="en-US" dirty="0" smtClean="0"/>
-              <a:t>Register </a:t>
-            </a:r>
-            <a:endParaRPr lang="en-IN" dirty="0"/>
-          </a:p>
-        </p:txBody>
-      </p:sp>
-      <p:sp>
-        <p:nvSpPr>
-          <p:cNvPr id="164" name="TextBox 163"/>
-          <p:cNvSpPr txBox="1"/>
-          <p:nvPr/>
-        </p:nvSpPr>
-        <p:spPr>
-          <a:xfrm>
-            <a:off x="2555776" y="4221088"/>
-            <a:ext cx="1268296" cy="646331"/>
-          </a:xfrm>
-          <a:prstGeom prst="rect">
-            <a:avLst/>
-          </a:prstGeom>
-          <a:noFill/>
-        </p:spPr>
-        <p:txBody>
-          <a:bodyPr wrap="none" rtlCol="0">
-            <a:spAutoFit/>
-          </a:bodyPr>
-          <a:lstStyle/>
-          <a:p>
-            <a:r>
-              <a:rPr lang="en-US" dirty="0" smtClean="0"/>
-              <a:t>Provide </a:t>
-            </a:r>
-          </a:p>
-          <a:p>
-            <a:r>
-              <a:rPr lang="en-US" dirty="0" smtClean="0"/>
-              <a:t>permission </a:t>
-            </a:r>
-            <a:endParaRPr lang="en-IN" dirty="0"/>
-          </a:p>
-        </p:txBody>
-      </p:sp>
-      <p:sp>
-        <p:nvSpPr>
-          <p:cNvPr id="165" name="TextBox 164"/>
-          <p:cNvSpPr txBox="1"/>
-          <p:nvPr/>
-        </p:nvSpPr>
-        <p:spPr>
-          <a:xfrm>
-            <a:off x="2555776" y="4797152"/>
-            <a:ext cx="1397498" cy="369332"/>
-          </a:xfrm>
-          <a:prstGeom prst="rect">
-            <a:avLst/>
-          </a:prstGeom>
-          <a:noFill/>
-        </p:spPr>
-        <p:txBody>
-          <a:bodyPr wrap="none" rtlCol="0">
-            <a:spAutoFit/>
-          </a:bodyPr>
-          <a:lstStyle/>
-          <a:p>
-            <a:r>
-              <a:rPr lang="en-US" dirty="0" smtClean="0"/>
-              <a:t>Authenticate</a:t>
-            </a:r>
-            <a:endParaRPr lang="en-IN" dirty="0"/>
-          </a:p>
-        </p:txBody>
-      </p:sp>
-      <p:sp>
-        <p:nvSpPr>
-          <p:cNvPr id="169" name="TextBox 168"/>
-          <p:cNvSpPr txBox="1"/>
-          <p:nvPr/>
-        </p:nvSpPr>
-        <p:spPr>
-          <a:xfrm>
-            <a:off x="1464976" y="2566645"/>
-            <a:ext cx="1882888" cy="646331"/>
-          </a:xfrm>
-          <a:prstGeom prst="rect">
-            <a:avLst/>
-          </a:prstGeom>
-          <a:noFill/>
-        </p:spPr>
-        <p:txBody>
-          <a:bodyPr wrap="none" rtlCol="0">
-            <a:spAutoFit/>
-          </a:bodyPr>
-          <a:lstStyle/>
-          <a:p>
-            <a:r>
-              <a:rPr lang="en-US" dirty="0" smtClean="0"/>
-              <a:t>Device info, </a:t>
-            </a:r>
+            <a:endParaRPr lang="en-US" dirty="0" smtClean="0"/>
           </a:p>
           <a:p>
             <a:r>
@@ -4643,6 +3826,78 @@
           </a:p>
         </p:txBody>
       </p:sp>
+      <p:cxnSp>
+        <p:nvCxnSpPr>
+          <p:cNvPr id="6" name="Elbow Connector 5"/>
+          <p:cNvCxnSpPr>
+            <a:stCxn id="71" idx="0"/>
+            <a:endCxn id="67" idx="4"/>
+          </p:cNvCxnSpPr>
+          <p:nvPr/>
+        </p:nvCxnSpPr>
+        <p:spPr>
+          <a:xfrm rot="16200000" flipV="1">
+            <a:off x="5556843" y="3200241"/>
+            <a:ext cx="1272044" cy="3169722"/>
+          </a:xfrm>
+          <a:prstGeom prst="bentConnector3">
+            <a:avLst/>
+          </a:prstGeom>
+          <a:ln>
+            <a:tailEnd type="triangle"/>
+          </a:ln>
+        </p:spPr>
+        <p:style>
+          <a:lnRef idx="1">
+            <a:schemeClr val="accent1"/>
+          </a:lnRef>
+          <a:fillRef idx="0">
+            <a:schemeClr val="accent1"/>
+          </a:fillRef>
+          <a:effectRef idx="0">
+            <a:schemeClr val="accent1"/>
+          </a:effectRef>
+          <a:fontRef idx="minor">
+            <a:schemeClr val="tx1"/>
+          </a:fontRef>
+        </p:style>
+      </p:cxnSp>
+      <p:cxnSp>
+        <p:nvCxnSpPr>
+          <p:cNvPr id="22" name="Elbow Connector 21"/>
+          <p:cNvCxnSpPr>
+            <a:stCxn id="70" idx="1"/>
+            <a:endCxn id="67" idx="0"/>
+          </p:cNvCxnSpPr>
+          <p:nvPr/>
+        </p:nvCxnSpPr>
+        <p:spPr>
+          <a:xfrm rot="10800000" flipV="1">
+            <a:off x="4608004" y="985458"/>
+            <a:ext cx="2628292" cy="1867477"/>
+          </a:xfrm>
+          <a:prstGeom prst="bentConnector2">
+            <a:avLst/>
+          </a:prstGeom>
+          <a:ln>
+            <a:tailEnd type="triangle"/>
+          </a:ln>
+        </p:spPr>
+        <p:style>
+          <a:lnRef idx="1">
+            <a:schemeClr val="accent1"/>
+          </a:lnRef>
+          <a:fillRef idx="0">
+            <a:schemeClr val="accent1"/>
+          </a:fillRef>
+          <a:effectRef idx="0">
+            <a:schemeClr val="accent1"/>
+          </a:effectRef>
+          <a:fontRef idx="minor">
+            <a:schemeClr val="tx1"/>
+          </a:fontRef>
+        </p:style>
+      </p:cxnSp>
     </p:spTree>
   </p:cSld>
   <p:clrMapOvr>
@@ -4748,7 +4003,6 @@
               <a:rPr lang="en-US" sz="1400" dirty="0" smtClean="0"/>
               <a:t>File </a:t>
             </a:r>
-            <a:endParaRPr lang="en-US" sz="1400" dirty="0" smtClean="0"/>
           </a:p>
           <a:p>
             <a:pPr algn="ctr"/>
@@ -4801,7 +4055,6 @@
               <a:rPr lang="en-US" sz="1400" dirty="0" smtClean="0"/>
               <a:t>User</a:t>
             </a:r>
-            <a:endParaRPr lang="en-US" sz="1400" dirty="0" smtClean="0"/>
           </a:p>
           <a:p>
             <a:pPr algn="ctr"/>
@@ -4907,7 +4160,6 @@
                 <a:rPr lang="en-US" sz="1400" dirty="0" smtClean="0"/>
                 <a:t>Admin</a:t>
               </a:r>
-              <a:endParaRPr lang="en-US" sz="1400" dirty="0" smtClean="0"/>
             </a:p>
             <a:p>
               <a:pPr algn="ctr"/>
@@ -5015,7 +4267,6 @@
                 <a:rPr lang="en-IN" sz="1400" dirty="0" smtClean="0"/>
                 <a:t>Desktop </a:t>
               </a:r>
-              <a:endParaRPr lang="en-IN" sz="1400" dirty="0" smtClean="0"/>
             </a:p>
             <a:p>
               <a:pPr algn="ctr"/>
@@ -5129,7 +4380,6 @@
                 <a:rPr lang="en-US" sz="1400" dirty="0" smtClean="0"/>
                 <a:t>Mobile</a:t>
               </a:r>
-              <a:endParaRPr lang="en-US" sz="1400" dirty="0" smtClean="0"/>
             </a:p>
             <a:p>
               <a:pPr algn="ctr"/>
@@ -5243,7 +4493,6 @@
                 <a:rPr lang="en-US" sz="1400" dirty="0" smtClean="0"/>
                 <a:t>Web </a:t>
               </a:r>
-              <a:endParaRPr lang="en-US" sz="1400" dirty="0" smtClean="0"/>
             </a:p>
             <a:p>
               <a:pPr algn="ctr"/>
@@ -5359,7 +4608,6 @@
                 <a:rPr lang="en-US" sz="1400" dirty="0" smtClean="0"/>
                 <a:t>External</a:t>
               </a:r>
-              <a:endParaRPr lang="en-US" sz="1400" dirty="0" smtClean="0"/>
             </a:p>
             <a:p>
               <a:pPr algn="ctr"/>

--- a/report/diagrams/DFD_FileManagement.pptx
+++ b/report/diagrams/DFD_FileManagement.pptx
@@ -109,7 +109,7 @@
   </p:defaultTextStyle>
   <p:extLst>
     <p:ext uri="{EFAFB233-063F-42B5-8137-9DF3F51BA10A}">
-      <p15:sldGuideLst xmlns:p15="http://schemas.microsoft.com/office/powerpoint/2012/main">
+      <p15:sldGuideLst xmlns="" xmlns:p15="http://schemas.microsoft.com/office/powerpoint/2012/main">
         <p15:guide id="1" orient="horz" pos="2160">
           <p15:clr>
             <a:srgbClr val="A4A3A4"/>
@@ -3592,11 +3592,7 @@
           <a:p>
             <a:r>
               <a:rPr lang="en-US" dirty="0" smtClean="0"/>
-              <a:t>File </a:t>
-            </a:r>
-            <a:r>
-              <a:rPr lang="en-US" dirty="0" smtClean="0"/>
-              <a:t>Info </a:t>
+              <a:t>File Info </a:t>
             </a:r>
           </a:p>
           <a:p>
@@ -3610,7 +3606,6 @@
               <a:rPr lang="en-US" dirty="0" smtClean="0"/>
               <a:t>device details</a:t>
             </a:r>
-            <a:endParaRPr lang="en-US" dirty="0" smtClean="0"/>
           </a:p>
         </p:txBody>
       </p:sp>
@@ -3686,17 +3681,8 @@
           <a:p>
             <a:r>
               <a:rPr lang="en-US" dirty="0" smtClean="0"/>
-              <a:t>File details </a:t>
-            </a:r>
-            <a:r>
-              <a:rPr lang="en-US" dirty="0" smtClean="0"/>
-              <a:t>and </a:t>
-            </a:r>
-            <a:r>
-              <a:rPr lang="en-US" dirty="0" err="1" smtClean="0"/>
-              <a:t>info,Access</a:t>
-            </a:r>
-            <a:endParaRPr lang="en-US" dirty="0" smtClean="0"/>
+              <a:t>File details and info, Access</a:t>
+            </a:r>
           </a:p>
           <a:p>
             <a:r>
@@ -3803,11 +3789,7 @@
           <a:p>
             <a:r>
               <a:rPr lang="en-US" dirty="0" smtClean="0"/>
-              <a:t>Device </a:t>
-            </a:r>
-            <a:r>
-              <a:rPr lang="en-US" dirty="0" smtClean="0"/>
-              <a:t>info, </a:t>
+              <a:t>Device info, </a:t>
             </a:r>
           </a:p>
           <a:p>
@@ -3815,7 +3797,6 @@
               <a:rPr lang="en-US" dirty="0" smtClean="0"/>
               <a:t>File details </a:t>
             </a:r>
-            <a:endParaRPr lang="en-US" dirty="0" smtClean="0"/>
           </a:p>
           <a:p>
             <a:r>
@@ -3844,6 +3825,9 @@
             <a:avLst/>
           </a:prstGeom>
           <a:ln>
+            <a:solidFill>
+              <a:schemeClr val="tx1"/>
+            </a:solidFill>
             <a:tailEnd type="triangle"/>
           </a:ln>
         </p:spPr>
@@ -3880,6 +3864,9 @@
             <a:avLst/>
           </a:prstGeom>
           <a:ln>
+            <a:solidFill>
+              <a:schemeClr val="tx1"/>
+            </a:solidFill>
             <a:tailEnd type="triangle"/>
           </a:ln>
         </p:spPr>
@@ -4029,7 +4016,7 @@
         </p:nvSpPr>
         <p:spPr>
           <a:xfrm>
-            <a:off x="746939" y="4870901"/>
+            <a:off x="683568" y="4725144"/>
             <a:ext cx="1165768" cy="800219"/>
           </a:xfrm>
           <a:prstGeom prst="rect">
@@ -4114,236 +4101,16 @@
       </p:sp>
       <p:grpSp>
         <p:nvGrpSpPr>
-          <p:cNvPr id="133" name="Group 132"/>
+          <p:cNvPr id="134" name="Group 133"/>
           <p:cNvGrpSpPr/>
           <p:nvPr/>
         </p:nvGrpSpPr>
         <p:grpSpPr>
           <a:xfrm>
-            <a:off x="3707904" y="4869160"/>
+            <a:off x="6228184" y="4653136"/>
             <a:ext cx="1728192" cy="1152128"/>
-            <a:chOff x="3851920" y="5445224"/>
+            <a:chOff x="6804248" y="4221088"/>
             <a:chExt cx="1728192" cy="1152128"/>
-          </a:xfrm>
-        </p:grpSpPr>
-        <p:sp>
-          <p:nvSpPr>
-            <p:cNvPr id="78" name="TextBox 77"/>
-            <p:cNvSpPr txBox="1"/>
-            <p:nvPr/>
-          </p:nvSpPr>
-          <p:spPr>
-            <a:xfrm>
-              <a:off x="4203323" y="5661248"/>
-              <a:ext cx="1165768" cy="800219"/>
-            </a:xfrm>
-            <a:prstGeom prst="rect">
-              <a:avLst/>
-            </a:prstGeom>
-            <a:noFill/>
-          </p:spPr>
-          <p:txBody>
-            <a:bodyPr wrap="none" rtlCol="0">
-              <a:spAutoFit/>
-            </a:bodyPr>
-            <a:lstStyle/>
-            <a:p>
-              <a:pPr algn="ctr"/>
-              <a:r>
-                <a:rPr lang="en-US" dirty="0" smtClean="0"/>
-                <a:t>5</a:t>
-              </a:r>
-            </a:p>
-            <a:p>
-              <a:pPr algn="ctr"/>
-              <a:r>
-                <a:rPr lang="en-US" sz="1400" dirty="0" smtClean="0"/>
-                <a:t>Admin</a:t>
-              </a:r>
-            </a:p>
-            <a:p>
-              <a:pPr algn="ctr"/>
-              <a:r>
-                <a:rPr lang="en-US" sz="1400" dirty="0" smtClean="0"/>
-                <a:t>Management</a:t>
-              </a:r>
-              <a:endParaRPr lang="en-IN" sz="1400" dirty="0"/>
-            </a:p>
-          </p:txBody>
-        </p:sp>
-        <p:sp>
-          <p:nvSpPr>
-            <p:cNvPr id="46" name="Oval 45"/>
-            <p:cNvSpPr/>
-            <p:nvPr/>
-          </p:nvSpPr>
-          <p:spPr>
-            <a:xfrm>
-              <a:off x="3851920" y="5445224"/>
-              <a:ext cx="1728192" cy="1152128"/>
-            </a:xfrm>
-            <a:prstGeom prst="ellipse">
-              <a:avLst/>
-            </a:prstGeom>
-            <a:noFill/>
-            <a:ln>
-              <a:solidFill>
-                <a:schemeClr val="tx1"/>
-              </a:solidFill>
-            </a:ln>
-          </p:spPr>
-          <p:style>
-            <a:lnRef idx="2">
-              <a:schemeClr val="accent1">
-                <a:shade val="50000"/>
-              </a:schemeClr>
-            </a:lnRef>
-            <a:fillRef idx="1">
-              <a:schemeClr val="accent1"/>
-            </a:fillRef>
-            <a:effectRef idx="0">
-              <a:schemeClr val="accent1"/>
-            </a:effectRef>
-            <a:fontRef idx="minor">
-              <a:schemeClr val="lt1"/>
-            </a:fontRef>
-          </p:style>
-          <p:txBody>
-            <a:bodyPr rtlCol="0" anchor="ctr"/>
-            <a:lstStyle/>
-            <a:p>
-              <a:pPr algn="ctr"/>
-              <a:endParaRPr lang="en-IN"/>
-            </a:p>
-          </p:txBody>
-        </p:sp>
-      </p:grpSp>
-      <p:grpSp>
-        <p:nvGrpSpPr>
-          <p:cNvPr id="135" name="Group 134"/>
-          <p:cNvGrpSpPr/>
-          <p:nvPr/>
-        </p:nvGrpSpPr>
-        <p:grpSpPr>
-          <a:xfrm>
-            <a:off x="467544" y="1484784"/>
-            <a:ext cx="1728192" cy="1152128"/>
-            <a:chOff x="539552" y="1412776"/>
-            <a:chExt cx="1728192" cy="1152128"/>
-          </a:xfrm>
-        </p:grpSpPr>
-        <p:sp>
-          <p:nvSpPr>
-            <p:cNvPr id="77" name="TextBox 76"/>
-            <p:cNvSpPr txBox="1"/>
-            <p:nvPr/>
-          </p:nvSpPr>
-          <p:spPr>
-            <a:xfrm>
-              <a:off x="931138" y="1484784"/>
-              <a:ext cx="919098" cy="1015663"/>
-            </a:xfrm>
-            <a:prstGeom prst="rect">
-              <a:avLst/>
-            </a:prstGeom>
-            <a:noFill/>
-          </p:spPr>
-          <p:txBody>
-            <a:bodyPr wrap="none" rtlCol="0">
-              <a:spAutoFit/>
-            </a:bodyPr>
-            <a:lstStyle/>
-            <a:p>
-              <a:pPr algn="ctr"/>
-              <a:r>
-                <a:rPr lang="en-IN" dirty="0"/>
-                <a:t>2</a:t>
-              </a:r>
-              <a:endParaRPr lang="en-IN" dirty="0" smtClean="0"/>
-            </a:p>
-            <a:p>
-              <a:pPr algn="ctr"/>
-              <a:r>
-                <a:rPr lang="en-IN" sz="1400" dirty="0" smtClean="0"/>
-                <a:t>Desktop </a:t>
-              </a:r>
-            </a:p>
-            <a:p>
-              <a:pPr algn="ctr"/>
-              <a:r>
-                <a:rPr lang="en-IN" sz="1400" dirty="0" smtClean="0"/>
-                <a:t>Client </a:t>
-              </a:r>
-            </a:p>
-            <a:p>
-              <a:pPr algn="ctr"/>
-              <a:r>
-                <a:rPr lang="en-IN" sz="1400" dirty="0" smtClean="0"/>
-                <a:t>Controller</a:t>
-              </a:r>
-              <a:endParaRPr lang="en-IN" sz="1400" dirty="0"/>
-            </a:p>
-          </p:txBody>
-        </p:sp>
-        <p:sp>
-          <p:nvSpPr>
-            <p:cNvPr id="47" name="Oval 46"/>
-            <p:cNvSpPr/>
-            <p:nvPr/>
-          </p:nvSpPr>
-          <p:spPr>
-            <a:xfrm>
-              <a:off x="539552" y="1412776"/>
-              <a:ext cx="1728192" cy="1152128"/>
-            </a:xfrm>
-            <a:prstGeom prst="ellipse">
-              <a:avLst/>
-            </a:prstGeom>
-            <a:noFill/>
-            <a:ln>
-              <a:solidFill>
-                <a:schemeClr val="tx1"/>
-              </a:solidFill>
-            </a:ln>
-          </p:spPr>
-          <p:style>
-            <a:lnRef idx="2">
-              <a:schemeClr val="accent1">
-                <a:shade val="50000"/>
-              </a:schemeClr>
-            </a:lnRef>
-            <a:fillRef idx="1">
-              <a:schemeClr val="accent1"/>
-            </a:fillRef>
-            <a:effectRef idx="0">
-              <a:schemeClr val="accent1"/>
-            </a:effectRef>
-            <a:fontRef idx="minor">
-              <a:schemeClr val="lt1"/>
-            </a:fontRef>
-          </p:style>
-          <p:txBody>
-            <a:bodyPr rtlCol="0" anchor="ctr"/>
-            <a:lstStyle/>
-            <a:p>
-              <a:pPr algn="ctr"/>
-              <a:endParaRPr lang="en-IN" dirty="0"/>
-            </a:p>
-          </p:txBody>
-        </p:sp>
-      </p:grpSp>
-      <p:grpSp>
-        <p:nvGrpSpPr>
-          <p:cNvPr id="134" name="Group 133"/>
-          <p:cNvGrpSpPr/>
-          <p:nvPr/>
-        </p:nvGrpSpPr>
-        <p:grpSpPr>
-          <a:xfrm>
-            <a:off x="6804248" y="4221088"/>
-            <a:ext cx="1728192" cy="1159679"/>
-            <a:chOff x="6804248" y="4221088"/>
-            <a:chExt cx="1728192" cy="1159679"/>
           </a:xfrm>
         </p:grpSpPr>
         <p:sp>
@@ -4355,7 +4122,7 @@
           <p:spPr>
             <a:xfrm>
               <a:off x="7267842" y="4365104"/>
-              <a:ext cx="919098" cy="1015663"/>
+              <a:ext cx="919098" cy="800219"/>
             </a:xfrm>
             <a:prstGeom prst="rect">
               <a:avLst/>
@@ -4378,15 +4145,9 @@
               <a:pPr algn="ctr"/>
               <a:r>
                 <a:rPr lang="en-US" sz="1400" dirty="0" smtClean="0"/>
-                <a:t>Mobile</a:t>
+                <a:t>File</a:t>
               </a:r>
-            </a:p>
-            <a:p>
-              <a:pPr algn="ctr"/>
-              <a:r>
-                <a:rPr lang="en-US" sz="1400" dirty="0" smtClean="0"/>
-                <a:t>Client</a:t>
-              </a:r>
+              <a:endParaRPr lang="en-US" sz="1400" dirty="0" smtClean="0"/>
             </a:p>
             <a:p>
               <a:pPr algn="ctr"/>
@@ -4568,7 +4329,7 @@
         </p:nvGrpSpPr>
         <p:grpSpPr>
           <a:xfrm>
-            <a:off x="3491880" y="476672"/>
+            <a:off x="1187624" y="764704"/>
             <a:ext cx="1728192" cy="1364670"/>
             <a:chOff x="3851920" y="116632"/>
             <a:chExt cx="1728192" cy="1364670"/>
@@ -4679,83 +4440,6 @@
           </p:txBody>
         </p:sp>
       </p:grpSp>
-      <p:sp>
-        <p:nvSpPr>
-          <p:cNvPr id="50" name="Rectangle 49"/>
-          <p:cNvSpPr/>
-          <p:nvPr/>
-        </p:nvSpPr>
-        <p:spPr>
-          <a:xfrm>
-            <a:off x="179512" y="404664"/>
-            <a:ext cx="1584176" cy="504056"/>
-          </a:xfrm>
-          <a:prstGeom prst="rect">
-            <a:avLst/>
-          </a:prstGeom>
-          <a:noFill/>
-          <a:ln>
-            <a:solidFill>
-              <a:schemeClr val="tx1"/>
-            </a:solidFill>
-          </a:ln>
-        </p:spPr>
-        <p:style>
-          <a:lnRef idx="2">
-            <a:schemeClr val="accent1">
-              <a:shade val="50000"/>
-            </a:schemeClr>
-          </a:lnRef>
-          <a:fillRef idx="1">
-            <a:schemeClr val="accent1"/>
-          </a:fillRef>
-          <a:effectRef idx="0">
-            <a:schemeClr val="accent1"/>
-          </a:effectRef>
-          <a:fontRef idx="minor">
-            <a:schemeClr val="lt1"/>
-          </a:fontRef>
-        </p:style>
-        <p:txBody>
-          <a:bodyPr rtlCol="0" anchor="ctr"/>
-          <a:lstStyle/>
-          <a:p>
-            <a:pPr algn="ctr"/>
-            <a:endParaRPr lang="en-IN"/>
-          </a:p>
-        </p:txBody>
-      </p:sp>
-      <p:sp>
-        <p:nvSpPr>
-          <p:cNvPr id="51" name="TextBox 50"/>
-          <p:cNvSpPr txBox="1"/>
-          <p:nvPr/>
-        </p:nvSpPr>
-        <p:spPr>
-          <a:xfrm>
-            <a:off x="179512" y="467380"/>
-            <a:ext cx="1548117" cy="369332"/>
-          </a:xfrm>
-          <a:prstGeom prst="rect">
-            <a:avLst/>
-          </a:prstGeom>
-          <a:noFill/>
-        </p:spPr>
-        <p:txBody>
-          <a:bodyPr wrap="none" rtlCol="0">
-            <a:spAutoFit/>
-          </a:bodyPr>
-          <a:lstStyle/>
-          <a:p>
-            <a:pPr algn="ctr"/>
-            <a:r>
-              <a:rPr lang="en-US" dirty="0" smtClean="0"/>
-              <a:t>Desktop Client</a:t>
-            </a:r>
-            <a:endParaRPr lang="en-IN" dirty="0"/>
-          </a:p>
-        </p:txBody>
-      </p:sp>
       <p:grpSp>
         <p:nvGrpSpPr>
           <p:cNvPr id="53" name="Group 52"/>
@@ -4850,105 +4534,13 @@
       </p:grpSp>
       <p:grpSp>
         <p:nvGrpSpPr>
-          <p:cNvPr id="56" name="Group 55"/>
+          <p:cNvPr id="59" name="Group 58"/>
           <p:cNvGrpSpPr/>
           <p:nvPr/>
         </p:nvGrpSpPr>
         <p:grpSpPr>
           <a:xfrm>
-            <a:off x="2123728" y="6309320"/>
-            <a:ext cx="1584176" cy="504056"/>
-            <a:chOff x="251520" y="764704"/>
-            <a:chExt cx="1584176" cy="504056"/>
-          </a:xfrm>
-        </p:grpSpPr>
-        <p:sp>
-          <p:nvSpPr>
-            <p:cNvPr id="57" name="Rectangle 56"/>
-            <p:cNvSpPr/>
-            <p:nvPr/>
-          </p:nvSpPr>
-          <p:spPr>
-            <a:xfrm>
-              <a:off x="251520" y="764704"/>
-              <a:ext cx="1584176" cy="504056"/>
-            </a:xfrm>
-            <a:prstGeom prst="rect">
-              <a:avLst/>
-            </a:prstGeom>
-            <a:noFill/>
-            <a:ln>
-              <a:solidFill>
-                <a:schemeClr val="tx1"/>
-              </a:solidFill>
-            </a:ln>
-          </p:spPr>
-          <p:style>
-            <a:lnRef idx="2">
-              <a:schemeClr val="accent1">
-                <a:shade val="50000"/>
-              </a:schemeClr>
-            </a:lnRef>
-            <a:fillRef idx="1">
-              <a:schemeClr val="accent1"/>
-            </a:fillRef>
-            <a:effectRef idx="0">
-              <a:schemeClr val="accent1"/>
-            </a:effectRef>
-            <a:fontRef idx="minor">
-              <a:schemeClr val="lt1"/>
-            </a:fontRef>
-          </p:style>
-          <p:txBody>
-            <a:bodyPr rtlCol="0" anchor="ctr"/>
-            <a:lstStyle/>
-            <a:p>
-              <a:pPr algn="ctr"/>
-              <a:endParaRPr lang="en-IN"/>
-            </a:p>
-          </p:txBody>
-        </p:sp>
-        <p:sp>
-          <p:nvSpPr>
-            <p:cNvPr id="58" name="TextBox 57"/>
-            <p:cNvSpPr txBox="1"/>
-            <p:nvPr/>
-          </p:nvSpPr>
-          <p:spPr>
-            <a:xfrm>
-              <a:off x="626271" y="836712"/>
-              <a:ext cx="798617" cy="369332"/>
-            </a:xfrm>
-            <a:prstGeom prst="rect">
-              <a:avLst/>
-            </a:prstGeom>
-            <a:noFill/>
-          </p:spPr>
-          <p:txBody>
-            <a:bodyPr wrap="none" rtlCol="0">
-              <a:spAutoFit/>
-            </a:bodyPr>
-            <a:lstStyle/>
-            <a:p>
-              <a:pPr algn="ctr"/>
-              <a:r>
-                <a:rPr lang="en-US" dirty="0" smtClean="0"/>
-                <a:t>Admin</a:t>
-              </a:r>
-              <a:endParaRPr lang="en-IN" dirty="0"/>
-            </a:p>
-          </p:txBody>
-        </p:sp>
-      </p:grpSp>
-      <p:grpSp>
-        <p:nvGrpSpPr>
-          <p:cNvPr id="59" name="Group 58"/>
-          <p:cNvGrpSpPr/>
-          <p:nvPr/>
-        </p:nvGrpSpPr>
-        <p:grpSpPr>
-          <a:xfrm>
-            <a:off x="7380312" y="5661248"/>
+            <a:off x="7236296" y="6165304"/>
             <a:ext cx="1584176" cy="504056"/>
             <a:chOff x="251520" y="764704"/>
             <a:chExt cx="1584176" cy="504056"/>
@@ -5008,8 +4600,8 @@
           </p:nvSpPr>
           <p:spPr>
             <a:xfrm>
-              <a:off x="305125" y="836712"/>
-              <a:ext cx="1440907" cy="369332"/>
+              <a:off x="769739" y="836712"/>
+              <a:ext cx="511680" cy="369332"/>
             </a:xfrm>
             <a:prstGeom prst="rect">
               <a:avLst/>
@@ -5025,7 +4617,7 @@
               <a:pPr algn="ctr"/>
               <a:r>
                 <a:rPr lang="en-US" dirty="0" smtClean="0"/>
-                <a:t>Mobile Client</a:t>
+                <a:t>File</a:t>
               </a:r>
               <a:endParaRPr lang="en-IN" dirty="0"/>
             </a:p>
@@ -5132,7 +4724,7 @@
         </p:nvGrpSpPr>
         <p:grpSpPr>
           <a:xfrm>
-            <a:off x="1859445" y="188640"/>
+            <a:off x="59245" y="188640"/>
             <a:ext cx="1632435" cy="718339"/>
             <a:chOff x="209361" y="764704"/>
             <a:chExt cx="1632435" cy="718339"/>
@@ -5227,7 +4819,7 @@
         </p:nvGrpSpPr>
         <p:grpSpPr>
           <a:xfrm>
-            <a:off x="5148064" y="116632"/>
+            <a:off x="3923928" y="116632"/>
             <a:ext cx="2304256" cy="504056"/>
             <a:chOff x="6228184" y="188640"/>
             <a:chExt cx="2304256" cy="504056"/>
@@ -5619,8 +5211,8 @@
           </p:nvSpPr>
           <p:spPr>
             <a:xfrm>
-              <a:off x="6372200" y="251356"/>
-              <a:ext cx="1515928" cy="369332"/>
+              <a:off x="6666081" y="251356"/>
+              <a:ext cx="930255" cy="369332"/>
             </a:xfrm>
             <a:prstGeom prst="rect">
               <a:avLst/>
@@ -5635,7 +5227,7 @@
             <a:p>
               <a:r>
                 <a:rPr lang="en-US" dirty="0" smtClean="0"/>
-                <a:t>Mobile details</a:t>
+                <a:t>File Info</a:t>
               </a:r>
               <a:endParaRPr lang="en-IN" dirty="0"/>
             </a:p>
@@ -5666,162 +5258,6 @@
               <a:r>
                 <a:rPr lang="en-US" dirty="0" smtClean="0"/>
                 <a:t>D4</a:t>
-              </a:r>
-              <a:endParaRPr lang="en-IN" dirty="0"/>
-            </a:p>
-          </p:txBody>
-        </p:sp>
-      </p:grpSp>
-      <p:grpSp>
-        <p:nvGrpSpPr>
-          <p:cNvPr id="113" name="Group 112"/>
-          <p:cNvGrpSpPr/>
-          <p:nvPr/>
-        </p:nvGrpSpPr>
-        <p:grpSpPr>
-          <a:xfrm>
-            <a:off x="5580112" y="6237312"/>
-            <a:ext cx="2304256" cy="504056"/>
-            <a:chOff x="6228184" y="188640"/>
-            <a:chExt cx="2304256" cy="504056"/>
-          </a:xfrm>
-        </p:grpSpPr>
-        <p:sp>
-          <p:nvSpPr>
-            <p:cNvPr id="114" name="Rectangle 113"/>
-            <p:cNvSpPr/>
-            <p:nvPr/>
-          </p:nvSpPr>
-          <p:spPr>
-            <a:xfrm>
-              <a:off x="6228184" y="188640"/>
-              <a:ext cx="2304256" cy="504056"/>
-            </a:xfrm>
-            <a:prstGeom prst="rect">
-              <a:avLst/>
-            </a:prstGeom>
-            <a:noFill/>
-            <a:ln>
-              <a:solidFill>
-                <a:schemeClr val="tx1"/>
-              </a:solidFill>
-            </a:ln>
-          </p:spPr>
-          <p:style>
-            <a:lnRef idx="2">
-              <a:schemeClr val="accent1">
-                <a:shade val="50000"/>
-              </a:schemeClr>
-            </a:lnRef>
-            <a:fillRef idx="1">
-              <a:schemeClr val="accent1"/>
-            </a:fillRef>
-            <a:effectRef idx="0">
-              <a:schemeClr val="accent1"/>
-            </a:effectRef>
-            <a:fontRef idx="minor">
-              <a:schemeClr val="lt1"/>
-            </a:fontRef>
-          </p:style>
-          <p:txBody>
-            <a:bodyPr rtlCol="0" anchor="ctr"/>
-            <a:lstStyle/>
-            <a:p>
-              <a:pPr algn="ctr"/>
-              <a:endParaRPr lang="en-IN"/>
-            </a:p>
-          </p:txBody>
-        </p:sp>
-        <p:cxnSp>
-          <p:nvCxnSpPr>
-            <p:cNvPr id="115" name="Straight Connector 114"/>
-            <p:cNvCxnSpPr/>
-            <p:nvPr/>
-          </p:nvCxnSpPr>
-          <p:spPr>
-            <a:xfrm>
-              <a:off x="7956376" y="188640"/>
-              <a:ext cx="0" cy="504056"/>
-            </a:xfrm>
-            <a:prstGeom prst="line">
-              <a:avLst/>
-            </a:prstGeom>
-            <a:ln>
-              <a:solidFill>
-                <a:schemeClr val="tx1"/>
-              </a:solidFill>
-            </a:ln>
-          </p:spPr>
-          <p:style>
-            <a:lnRef idx="1">
-              <a:schemeClr val="accent1"/>
-            </a:lnRef>
-            <a:fillRef idx="0">
-              <a:schemeClr val="accent1"/>
-            </a:fillRef>
-            <a:effectRef idx="0">
-              <a:schemeClr val="accent1"/>
-            </a:effectRef>
-            <a:fontRef idx="minor">
-              <a:schemeClr val="tx1"/>
-            </a:fontRef>
-          </p:style>
-        </p:cxnSp>
-        <p:sp>
-          <p:nvSpPr>
-            <p:cNvPr id="117" name="TextBox 116"/>
-            <p:cNvSpPr txBox="1"/>
-            <p:nvPr/>
-          </p:nvSpPr>
-          <p:spPr>
-            <a:xfrm>
-              <a:off x="6372200" y="251356"/>
-              <a:ext cx="1467838" cy="369332"/>
-            </a:xfrm>
-            <a:prstGeom prst="rect">
-              <a:avLst/>
-            </a:prstGeom>
-            <a:noFill/>
-          </p:spPr>
-          <p:txBody>
-            <a:bodyPr wrap="none" rtlCol="0">
-              <a:spAutoFit/>
-            </a:bodyPr>
-            <a:lstStyle/>
-            <a:p>
-              <a:r>
-                <a:rPr lang="en-US" dirty="0" smtClean="0"/>
-                <a:t>Admin details</a:t>
-              </a:r>
-              <a:endParaRPr lang="en-IN" dirty="0"/>
-            </a:p>
-          </p:txBody>
-        </p:sp>
-        <p:sp>
-          <p:nvSpPr>
-            <p:cNvPr id="118" name="TextBox 117"/>
-            <p:cNvSpPr txBox="1"/>
-            <p:nvPr/>
-          </p:nvSpPr>
-          <p:spPr>
-            <a:xfrm>
-              <a:off x="8028384" y="260648"/>
-              <a:ext cx="444352" cy="369332"/>
-            </a:xfrm>
-            <a:prstGeom prst="rect">
-              <a:avLst/>
-            </a:prstGeom>
-            <a:noFill/>
-          </p:spPr>
-          <p:txBody>
-            <a:bodyPr wrap="none" rtlCol="0">
-              <a:spAutoFit/>
-            </a:bodyPr>
-            <a:lstStyle/>
-            <a:p>
-              <a:r>
-                <a:rPr lang="en-US" dirty="0" smtClean="0"/>
-                <a:t>D5</a:t>
               </a:r>
               <a:endParaRPr lang="en-IN" dirty="0"/>
             </a:p>
@@ -5984,278 +5420,6 @@
           </p:txBody>
         </p:sp>
       </p:grpSp>
-      <p:grpSp>
-        <p:nvGrpSpPr>
-          <p:cNvPr id="126" name="Group 125"/>
-          <p:cNvGrpSpPr/>
-          <p:nvPr/>
-        </p:nvGrpSpPr>
-        <p:grpSpPr>
-          <a:xfrm>
-            <a:off x="107504" y="3140968"/>
-            <a:ext cx="2304256" cy="504056"/>
-            <a:chOff x="6228184" y="188640"/>
-            <a:chExt cx="2304256" cy="504056"/>
-          </a:xfrm>
-        </p:grpSpPr>
-        <p:sp>
-          <p:nvSpPr>
-            <p:cNvPr id="127" name="Rectangle 126"/>
-            <p:cNvSpPr/>
-            <p:nvPr/>
-          </p:nvSpPr>
-          <p:spPr>
-            <a:xfrm>
-              <a:off x="6228184" y="188640"/>
-              <a:ext cx="2304256" cy="504056"/>
-            </a:xfrm>
-            <a:prstGeom prst="rect">
-              <a:avLst/>
-            </a:prstGeom>
-            <a:noFill/>
-            <a:ln>
-              <a:solidFill>
-                <a:schemeClr val="tx1"/>
-              </a:solidFill>
-            </a:ln>
-          </p:spPr>
-          <p:style>
-            <a:lnRef idx="2">
-              <a:schemeClr val="accent1">
-                <a:shade val="50000"/>
-              </a:schemeClr>
-            </a:lnRef>
-            <a:fillRef idx="1">
-              <a:schemeClr val="accent1"/>
-            </a:fillRef>
-            <a:effectRef idx="0">
-              <a:schemeClr val="accent1"/>
-            </a:effectRef>
-            <a:fontRef idx="minor">
-              <a:schemeClr val="lt1"/>
-            </a:fontRef>
-          </p:style>
-          <p:txBody>
-            <a:bodyPr rtlCol="0" anchor="ctr"/>
-            <a:lstStyle/>
-            <a:p>
-              <a:pPr algn="ctr"/>
-              <a:endParaRPr lang="en-IN"/>
-            </a:p>
-          </p:txBody>
-        </p:sp>
-        <p:cxnSp>
-          <p:nvCxnSpPr>
-            <p:cNvPr id="129" name="Straight Connector 128"/>
-            <p:cNvCxnSpPr/>
-            <p:nvPr/>
-          </p:nvCxnSpPr>
-          <p:spPr>
-            <a:xfrm>
-              <a:off x="7956376" y="188640"/>
-              <a:ext cx="0" cy="504056"/>
-            </a:xfrm>
-            <a:prstGeom prst="line">
-              <a:avLst/>
-            </a:prstGeom>
-            <a:ln>
-              <a:solidFill>
-                <a:schemeClr val="tx1"/>
-              </a:solidFill>
-            </a:ln>
-          </p:spPr>
-          <p:style>
-            <a:lnRef idx="1">
-              <a:schemeClr val="accent1"/>
-            </a:lnRef>
-            <a:fillRef idx="0">
-              <a:schemeClr val="accent1"/>
-            </a:fillRef>
-            <a:effectRef idx="0">
-              <a:schemeClr val="accent1"/>
-            </a:effectRef>
-            <a:fontRef idx="minor">
-              <a:schemeClr val="tx1"/>
-            </a:fontRef>
-          </p:style>
-        </p:cxnSp>
-        <p:sp>
-          <p:nvSpPr>
-            <p:cNvPr id="131" name="TextBox 130"/>
-            <p:cNvSpPr txBox="1"/>
-            <p:nvPr/>
-          </p:nvSpPr>
-          <p:spPr>
-            <a:xfrm>
-              <a:off x="6300192" y="251356"/>
-              <a:ext cx="1784336" cy="369332"/>
-            </a:xfrm>
-            <a:prstGeom prst="rect">
-              <a:avLst/>
-            </a:prstGeom>
-            <a:noFill/>
-          </p:spPr>
-          <p:txBody>
-            <a:bodyPr wrap="square" rtlCol="0">
-              <a:spAutoFit/>
-            </a:bodyPr>
-            <a:lstStyle/>
-            <a:p>
-              <a:r>
-                <a:rPr lang="en-US" dirty="0" smtClean="0"/>
-                <a:t>Desktop file info</a:t>
-              </a:r>
-              <a:endParaRPr lang="en-IN" dirty="0"/>
-            </a:p>
-          </p:txBody>
-        </p:sp>
-        <p:sp>
-          <p:nvSpPr>
-            <p:cNvPr id="132" name="TextBox 131"/>
-            <p:cNvSpPr txBox="1"/>
-            <p:nvPr/>
-          </p:nvSpPr>
-          <p:spPr>
-            <a:xfrm>
-              <a:off x="8028384" y="260648"/>
-              <a:ext cx="444352" cy="369332"/>
-            </a:xfrm>
-            <a:prstGeom prst="rect">
-              <a:avLst/>
-            </a:prstGeom>
-            <a:noFill/>
-          </p:spPr>
-          <p:txBody>
-            <a:bodyPr wrap="none" rtlCol="0">
-              <a:spAutoFit/>
-            </a:bodyPr>
-            <a:lstStyle/>
-            <a:p>
-              <a:r>
-                <a:rPr lang="en-US" dirty="0" smtClean="0"/>
-                <a:t>D1</a:t>
-              </a:r>
-              <a:endParaRPr lang="en-IN" dirty="0"/>
-            </a:p>
-          </p:txBody>
-        </p:sp>
-      </p:grpSp>
-      <p:cxnSp>
-        <p:nvCxnSpPr>
-          <p:cNvPr id="140" name="Elbow Connector 139"/>
-          <p:cNvCxnSpPr>
-            <a:stCxn id="57" idx="0"/>
-            <a:endCxn id="46" idx="2"/>
-          </p:cNvCxnSpPr>
-          <p:nvPr/>
-        </p:nvCxnSpPr>
-        <p:spPr>
-          <a:xfrm rot="5400000" flipH="1" flipV="1">
-            <a:off x="2879812" y="5481228"/>
-            <a:ext cx="864096" cy="792088"/>
-          </a:xfrm>
-          <a:prstGeom prst="bentConnector2">
-            <a:avLst/>
-          </a:prstGeom>
-          <a:ln>
-            <a:solidFill>
-              <a:schemeClr val="tx1"/>
-            </a:solidFill>
-            <a:tailEnd type="arrow"/>
-          </a:ln>
-        </p:spPr>
-        <p:style>
-          <a:lnRef idx="1">
-            <a:schemeClr val="accent1"/>
-          </a:lnRef>
-          <a:fillRef idx="0">
-            <a:schemeClr val="accent1"/>
-          </a:fillRef>
-          <a:effectRef idx="0">
-            <a:schemeClr val="accent1"/>
-          </a:effectRef>
-          <a:fontRef idx="minor">
-            <a:schemeClr val="tx1"/>
-          </a:fontRef>
-        </p:style>
-      </p:cxnSp>
-      <p:cxnSp>
-        <p:nvCxnSpPr>
-          <p:cNvPr id="142" name="Elbow Connector 139"/>
-          <p:cNvCxnSpPr>
-            <a:stCxn id="46" idx="6"/>
-          </p:cNvCxnSpPr>
-          <p:nvPr/>
-        </p:nvCxnSpPr>
-        <p:spPr>
-          <a:xfrm>
-            <a:off x="5436096" y="5445224"/>
-            <a:ext cx="792088" cy="792088"/>
-          </a:xfrm>
-          <a:prstGeom prst="bentConnector2">
-            <a:avLst/>
-          </a:prstGeom>
-          <a:ln>
-            <a:solidFill>
-              <a:schemeClr val="tx1"/>
-            </a:solidFill>
-            <a:tailEnd type="arrow"/>
-          </a:ln>
-        </p:spPr>
-        <p:style>
-          <a:lnRef idx="1">
-            <a:schemeClr val="accent1"/>
-          </a:lnRef>
-          <a:fillRef idx="0">
-            <a:schemeClr val="accent1"/>
-          </a:fillRef>
-          <a:effectRef idx="0">
-            <a:schemeClr val="accent1"/>
-          </a:effectRef>
-          <a:fontRef idx="minor">
-            <a:schemeClr val="tx1"/>
-          </a:fontRef>
-        </p:style>
-      </p:cxnSp>
-      <p:cxnSp>
-        <p:nvCxnSpPr>
-          <p:cNvPr id="150" name="Elbow Connector 139"/>
-          <p:cNvCxnSpPr>
-            <a:stCxn id="114" idx="1"/>
-            <a:endCxn id="46" idx="4"/>
-          </p:cNvCxnSpPr>
-          <p:nvPr/>
-        </p:nvCxnSpPr>
-        <p:spPr>
-          <a:xfrm rot="10800000">
-            <a:off x="4572000" y="6021288"/>
-            <a:ext cx="1008112" cy="468052"/>
-          </a:xfrm>
-          <a:prstGeom prst="bentConnector2">
-            <a:avLst/>
-          </a:prstGeom>
-          <a:ln>
-            <a:solidFill>
-              <a:schemeClr val="tx1"/>
-            </a:solidFill>
-            <a:tailEnd type="arrow"/>
-          </a:ln>
-        </p:spPr>
-        <p:style>
-          <a:lnRef idx="1">
-            <a:schemeClr val="accent1"/>
-          </a:lnRef>
-          <a:fillRef idx="0">
-            <a:schemeClr val="accent1"/>
-          </a:fillRef>
-          <a:effectRef idx="0">
-            <a:schemeClr val="accent1"/>
-          </a:effectRef>
-          <a:fontRef idx="minor">
-            <a:schemeClr val="tx1"/>
-          </a:fontRef>
-        </p:style>
-      </p:cxnSp>
       <p:cxnSp>
         <p:nvCxnSpPr>
           <p:cNvPr id="172" name="Elbow Connector 139"/>
@@ -6267,8 +5431,8 @@
         </p:nvCxnSpPr>
         <p:spPr>
           <a:xfrm rot="10800000">
-            <a:off x="7057336" y="5204492"/>
-            <a:ext cx="322976" cy="708785"/>
+            <a:off x="6481272" y="5636540"/>
+            <a:ext cx="755024" cy="780793"/>
           </a:xfrm>
           <a:prstGeom prst="bentConnector2">
             <a:avLst/>
@@ -6305,8 +5469,8 @@
         </p:nvCxnSpPr>
         <p:spPr>
           <a:xfrm flipV="1">
-            <a:off x="8532440" y="3933056"/>
-            <a:ext cx="215516" cy="864096"/>
+            <a:off x="7956376" y="3933056"/>
+            <a:ext cx="576064" cy="1296144"/>
           </a:xfrm>
           <a:prstGeom prst="bentConnector2">
             <a:avLst/>
@@ -6343,15 +5507,12 @@
           <p:nvPr/>
         </p:nvCxnSpPr>
         <p:spPr>
-          <a:xfrm rot="10800000" flipH="1" flipV="1">
-            <a:off x="6660232" y="3681027"/>
-            <a:ext cx="397104" cy="708785"/>
-          </a:xfrm>
-          <a:prstGeom prst="bentConnector4">
-            <a:avLst>
-              <a:gd name="adj1" fmla="val -57567"/>
-              <a:gd name="adj2" fmla="val 73347"/>
-            </a:avLst>
+          <a:xfrm rot="10800000" flipV="1">
+            <a:off x="6481272" y="3681027"/>
+            <a:ext cx="178960" cy="1140833"/>
+          </a:xfrm>
+          <a:prstGeom prst="bentConnector2">
+            <a:avLst/>
           </a:prstGeom>
           <a:ln>
             <a:solidFill>
@@ -6497,19 +5658,18 @@
         <p:nvCxnSpPr>
           <p:cNvPr id="190" name="Elbow Connector 139"/>
           <p:cNvCxnSpPr>
+            <a:stCxn id="66" idx="2"/>
             <a:endCxn id="44" idx="2"/>
           </p:cNvCxnSpPr>
           <p:nvPr/>
         </p:nvCxnSpPr>
         <p:spPr>
-          <a:xfrm>
-            <a:off x="2843808" y="692696"/>
-            <a:ext cx="648072" cy="360040"/>
-          </a:xfrm>
-          <a:prstGeom prst="bentConnector3">
-            <a:avLst>
-              <a:gd name="adj1" fmla="val -2097"/>
-            </a:avLst>
+          <a:xfrm rot="16200000" flipH="1">
+            <a:off x="716522" y="869666"/>
+            <a:ext cx="648072" cy="294132"/>
+          </a:xfrm>
+          <a:prstGeom prst="bentConnector2">
+            <a:avLst/>
           </a:prstGeom>
           <a:ln>
             <a:solidFill>
@@ -6537,14 +5697,15 @@
         <p:nvCxnSpPr>
           <p:cNvPr id="193" name="Elbow Connector 139"/>
           <p:cNvCxnSpPr>
+            <a:stCxn id="70" idx="1"/>
             <a:endCxn id="44" idx="0"/>
           </p:cNvCxnSpPr>
           <p:nvPr/>
         </p:nvCxnSpPr>
         <p:spPr>
           <a:xfrm rot="10800000" flipV="1">
-            <a:off x="4355976" y="332656"/>
-            <a:ext cx="792088" cy="144016"/>
+            <a:off x="2051720" y="368660"/>
+            <a:ext cx="1872208" cy="396044"/>
           </a:xfrm>
           <a:prstGeom prst="bentConnector2">
             <a:avLst/>
@@ -6582,87 +5743,11 @@
         </p:nvCxnSpPr>
         <p:spPr>
           <a:xfrm flipV="1">
-            <a:off x="5220072" y="620688"/>
-            <a:ext cx="1080120" cy="432048"/>
+            <a:off x="2915816" y="620688"/>
+            <a:ext cx="2160240" cy="720080"/>
           </a:xfrm>
           <a:prstGeom prst="bentConnector2">
             <a:avLst/>
-          </a:prstGeom>
-          <a:ln>
-            <a:solidFill>
-              <a:schemeClr val="tx1"/>
-            </a:solidFill>
-            <a:tailEnd type="arrow"/>
-          </a:ln>
-        </p:spPr>
-        <p:style>
-          <a:lnRef idx="1">
-            <a:schemeClr val="accent1"/>
-          </a:lnRef>
-          <a:fillRef idx="0">
-            <a:schemeClr val="accent1"/>
-          </a:fillRef>
-          <a:effectRef idx="0">
-            <a:schemeClr val="accent1"/>
-          </a:effectRef>
-          <a:fontRef idx="minor">
-            <a:schemeClr val="tx1"/>
-          </a:fontRef>
-        </p:style>
-      </p:cxnSp>
-      <p:cxnSp>
-        <p:nvCxnSpPr>
-          <p:cNvPr id="208" name="Elbow Connector 139"/>
-          <p:cNvCxnSpPr/>
-          <p:nvPr/>
-        </p:nvCxnSpPr>
-        <p:spPr>
-          <a:xfrm rot="5400000">
-            <a:off x="-180528" y="2492896"/>
-            <a:ext cx="1152128" cy="144016"/>
-          </a:xfrm>
-          <a:prstGeom prst="bentConnector3">
-            <a:avLst>
-              <a:gd name="adj1" fmla="val -431"/>
-            </a:avLst>
-          </a:prstGeom>
-          <a:ln>
-            <a:solidFill>
-              <a:schemeClr val="tx1"/>
-            </a:solidFill>
-            <a:tailEnd type="arrow"/>
-          </a:ln>
-        </p:spPr>
-        <p:style>
-          <a:lnRef idx="1">
-            <a:schemeClr val="accent1"/>
-          </a:lnRef>
-          <a:fillRef idx="0">
-            <a:schemeClr val="accent1"/>
-          </a:fillRef>
-          <a:effectRef idx="0">
-            <a:schemeClr val="accent1"/>
-          </a:effectRef>
-          <a:fontRef idx="minor">
-            <a:schemeClr val="tx1"/>
-          </a:fontRef>
-        </p:style>
-      </p:cxnSp>
-      <p:cxnSp>
-        <p:nvCxnSpPr>
-          <p:cNvPr id="211" name="Elbow Connector 139"/>
-          <p:cNvCxnSpPr/>
-          <p:nvPr/>
-        </p:nvCxnSpPr>
-        <p:spPr>
-          <a:xfrm rot="10800000">
-            <a:off x="2195736" y="2060848"/>
-            <a:ext cx="1440160" cy="1224136"/>
-          </a:xfrm>
-          <a:prstGeom prst="bentConnector3">
-            <a:avLst>
-              <a:gd name="adj1" fmla="val 45370"/>
-            </a:avLst>
           </a:prstGeom>
           <a:ln>
             <a:solidFill>
@@ -6730,14 +5815,12 @@
       <p:cxnSp>
         <p:nvCxnSpPr>
           <p:cNvPr id="230" name="Elbow Connector 139"/>
-          <p:cNvCxnSpPr>
-            <a:stCxn id="67" idx="5"/>
-          </p:cNvCxnSpPr>
+          <p:cNvCxnSpPr/>
           <p:nvPr/>
         </p:nvCxnSpPr>
         <p:spPr>
           <a:xfrm rot="16200000" flipH="1">
-            <a:off x="5570315" y="3735254"/>
+            <a:off x="4940026" y="3925070"/>
             <a:ext cx="1099716" cy="1547736"/>
           </a:xfrm>
           <a:prstGeom prst="bentConnector2">
@@ -6775,150 +5858,6 @@
           <a:xfrm flipV="1">
             <a:off x="1187624" y="5805264"/>
             <a:ext cx="0" cy="360040"/>
-          </a:xfrm>
-          <a:prstGeom prst="straightConnector1">
-            <a:avLst/>
-          </a:prstGeom>
-          <a:ln>
-            <a:solidFill>
-              <a:schemeClr val="tx1"/>
-            </a:solidFill>
-            <a:tailEnd type="arrow"/>
-          </a:ln>
-        </p:spPr>
-        <p:style>
-          <a:lnRef idx="1">
-            <a:schemeClr val="accent1"/>
-          </a:lnRef>
-          <a:fillRef idx="0">
-            <a:schemeClr val="accent1"/>
-          </a:fillRef>
-          <a:effectRef idx="0">
-            <a:schemeClr val="accent1"/>
-          </a:effectRef>
-          <a:fontRef idx="minor">
-            <a:schemeClr val="tx1"/>
-          </a:fontRef>
-        </p:style>
-      </p:cxnSp>
-      <p:cxnSp>
-        <p:nvCxnSpPr>
-          <p:cNvPr id="236" name="Straight Arrow Connector 235"/>
-          <p:cNvCxnSpPr/>
-          <p:nvPr/>
-        </p:nvCxnSpPr>
-        <p:spPr>
-          <a:xfrm flipV="1">
-            <a:off x="4427984" y="4149080"/>
-            <a:ext cx="0" cy="720080"/>
-          </a:xfrm>
-          <a:prstGeom prst="straightConnector1">
-            <a:avLst/>
-          </a:prstGeom>
-          <a:ln>
-            <a:solidFill>
-              <a:schemeClr val="tx1"/>
-            </a:solidFill>
-            <a:tailEnd type="arrow"/>
-          </a:ln>
-        </p:spPr>
-        <p:style>
-          <a:lnRef idx="1">
-            <a:schemeClr val="accent1"/>
-          </a:lnRef>
-          <a:fillRef idx="0">
-            <a:schemeClr val="accent1"/>
-          </a:fillRef>
-          <a:effectRef idx="0">
-            <a:schemeClr val="accent1"/>
-          </a:effectRef>
-          <a:fontRef idx="minor">
-            <a:schemeClr val="tx1"/>
-          </a:fontRef>
-        </p:style>
-      </p:cxnSp>
-      <p:cxnSp>
-        <p:nvCxnSpPr>
-          <p:cNvPr id="238" name="Straight Arrow Connector 237"/>
-          <p:cNvCxnSpPr/>
-          <p:nvPr/>
-        </p:nvCxnSpPr>
-        <p:spPr>
-          <a:xfrm>
-            <a:off x="4644008" y="4149080"/>
-            <a:ext cx="0" cy="720080"/>
-          </a:xfrm>
-          <a:prstGeom prst="straightConnector1">
-            <a:avLst/>
-          </a:prstGeom>
-          <a:ln>
-            <a:solidFill>
-              <a:schemeClr val="tx1"/>
-            </a:solidFill>
-            <a:tailEnd type="arrow"/>
-          </a:ln>
-        </p:spPr>
-        <p:style>
-          <a:lnRef idx="1">
-            <a:schemeClr val="accent1"/>
-          </a:lnRef>
-          <a:fillRef idx="0">
-            <a:schemeClr val="accent1"/>
-          </a:fillRef>
-          <a:effectRef idx="0">
-            <a:schemeClr val="accent1"/>
-          </a:effectRef>
-          <a:fontRef idx="minor">
-            <a:schemeClr val="tx1"/>
-          </a:fontRef>
-        </p:style>
-      </p:cxnSp>
-      <p:cxnSp>
-        <p:nvCxnSpPr>
-          <p:cNvPr id="243" name="Straight Arrow Connector 242"/>
-          <p:cNvCxnSpPr/>
-          <p:nvPr/>
-        </p:nvCxnSpPr>
-        <p:spPr>
-          <a:xfrm flipV="1">
-            <a:off x="4211960" y="1628800"/>
-            <a:ext cx="0" cy="1296144"/>
-          </a:xfrm>
-          <a:prstGeom prst="straightConnector1">
-            <a:avLst/>
-          </a:prstGeom>
-          <a:ln>
-            <a:solidFill>
-              <a:schemeClr val="tx1"/>
-            </a:solidFill>
-            <a:tailEnd type="arrow"/>
-          </a:ln>
-        </p:spPr>
-        <p:style>
-          <a:lnRef idx="1">
-            <a:schemeClr val="accent1"/>
-          </a:lnRef>
-          <a:fillRef idx="0">
-            <a:schemeClr val="accent1"/>
-          </a:fillRef>
-          <a:effectRef idx="0">
-            <a:schemeClr val="accent1"/>
-          </a:effectRef>
-          <a:fontRef idx="minor">
-            <a:schemeClr val="tx1"/>
-          </a:fontRef>
-        </p:style>
-      </p:cxnSp>
-      <p:cxnSp>
-        <p:nvCxnSpPr>
-          <p:cNvPr id="245" name="Straight Arrow Connector 244"/>
-          <p:cNvCxnSpPr/>
-          <p:nvPr/>
-        </p:nvCxnSpPr>
-        <p:spPr>
-          <a:xfrm>
-            <a:off x="4788024" y="1556792"/>
-            <a:ext cx="0" cy="1296144"/>
           </a:xfrm>
           <a:prstGeom prst="straightConnector1">
             <a:avLst/>
@@ -7026,96 +5965,19 @@
       </p:cxnSp>
       <p:cxnSp>
         <p:nvCxnSpPr>
-          <p:cNvPr id="256" name="Elbow Connector 139"/>
-          <p:cNvCxnSpPr/>
+          <p:cNvPr id="268" name="Elbow Connector 139"/>
+          <p:cNvCxnSpPr>
+            <a:endCxn id="67" idx="6"/>
+          </p:cNvCxnSpPr>
           <p:nvPr/>
         </p:nvCxnSpPr>
         <p:spPr>
-          <a:xfrm>
-            <a:off x="2051720" y="1772816"/>
-            <a:ext cx="1800200" cy="1260140"/>
-          </a:xfrm>
-          <a:prstGeom prst="bentConnector3">
-            <a:avLst>
-              <a:gd name="adj1" fmla="val 83806"/>
-            </a:avLst>
-          </a:prstGeom>
-          <a:ln>
-            <a:solidFill>
-              <a:schemeClr val="tx1"/>
-            </a:solidFill>
-            <a:tailEnd type="arrow"/>
-          </a:ln>
-        </p:spPr>
-        <p:style>
-          <a:lnRef idx="1">
-            <a:schemeClr val="accent1"/>
-          </a:lnRef>
-          <a:fillRef idx="0">
-            <a:schemeClr val="accent1"/>
-          </a:fillRef>
-          <a:effectRef idx="0">
-            <a:schemeClr val="accent1"/>
-          </a:effectRef>
-          <a:fontRef idx="minor">
-            <a:schemeClr val="tx1"/>
-          </a:fontRef>
-        </p:style>
-      </p:cxnSp>
-      <p:cxnSp>
-        <p:nvCxnSpPr>
-          <p:cNvPr id="266" name="Straight Arrow Connector 265"/>
-          <p:cNvCxnSpPr/>
-          <p:nvPr/>
-        </p:nvCxnSpPr>
-        <p:spPr>
-          <a:xfrm flipV="1">
-            <a:off x="1907704" y="2492896"/>
-            <a:ext cx="0" cy="648072"/>
-          </a:xfrm>
-          <a:prstGeom prst="straightConnector1">
+          <a:xfrm rot="16200000" flipV="1">
+            <a:off x="5292080" y="3861048"/>
+            <a:ext cx="1440160" cy="720080"/>
+          </a:xfrm>
+          <a:prstGeom prst="bentConnector2">
             <a:avLst/>
-          </a:prstGeom>
-          <a:ln>
-            <a:solidFill>
-              <a:schemeClr val="tx1"/>
-            </a:solidFill>
-            <a:tailEnd type="arrow"/>
-          </a:ln>
-        </p:spPr>
-        <p:style>
-          <a:lnRef idx="1">
-            <a:schemeClr val="accent1"/>
-          </a:lnRef>
-          <a:fillRef idx="0">
-            <a:schemeClr val="accent1"/>
-          </a:fillRef>
-          <a:effectRef idx="0">
-            <a:schemeClr val="accent1"/>
-          </a:effectRef>
-          <a:fontRef idx="minor">
-            <a:schemeClr val="tx1"/>
-          </a:fontRef>
-        </p:style>
-      </p:cxnSp>
-      <p:cxnSp>
-        <p:nvCxnSpPr>
-          <p:cNvPr id="268" name="Elbow Connector 139"/>
-          <p:cNvCxnSpPr>
-            <a:stCxn id="48" idx="2"/>
-            <a:endCxn id="67" idx="6"/>
-          </p:cNvCxnSpPr>
-          <p:nvPr/>
-        </p:nvCxnSpPr>
-        <p:spPr>
-          <a:xfrm rot="10800000">
-            <a:off x="5652120" y="3501008"/>
-            <a:ext cx="1152128" cy="1296144"/>
-          </a:xfrm>
-          <a:prstGeom prst="bentConnector3">
-            <a:avLst>
-              <a:gd name="adj1" fmla="val 50000"/>
-            </a:avLst>
           </a:prstGeom>
           <a:ln>
             <a:solidFill>
@@ -7223,7 +6085,7 @@
         </p:nvSpPr>
         <p:spPr>
           <a:xfrm>
-            <a:off x="2169847" y="836712"/>
+            <a:off x="107504" y="1196752"/>
             <a:ext cx="1034001" cy="461665"/>
           </a:xfrm>
           <a:prstGeom prst="rect">
@@ -7255,16 +6117,78 @@
           </a:p>
         </p:txBody>
       </p:sp>
+      <p:sp>
+        <p:nvSpPr>
+          <p:cNvPr id="119" name="TextBox 118"/>
+          <p:cNvSpPr txBox="1"/>
+          <p:nvPr/>
+        </p:nvSpPr>
+        <p:spPr>
+          <a:xfrm>
+            <a:off x="3995936" y="1052736"/>
+            <a:ext cx="1103700" cy="276999"/>
+          </a:xfrm>
+          <a:prstGeom prst="rect">
+            <a:avLst/>
+          </a:prstGeom>
+          <a:noFill/>
+        </p:spPr>
+        <p:txBody>
+          <a:bodyPr wrap="none" rtlCol="0">
+            <a:spAutoFit/>
+          </a:bodyPr>
+          <a:lstStyle/>
+          <a:p>
+            <a:r>
+              <a:rPr lang="en-IN" sz="1200" dirty="0" smtClean="0"/>
+              <a:t>Provide details</a:t>
+            </a:r>
+            <a:endParaRPr lang="en-IN" sz="1200" dirty="0"/>
+          </a:p>
+        </p:txBody>
+      </p:sp>
+      <p:sp>
+        <p:nvSpPr>
+          <p:cNvPr id="123" name="TextBox 122"/>
+          <p:cNvSpPr txBox="1"/>
+          <p:nvPr/>
+        </p:nvSpPr>
+        <p:spPr>
+          <a:xfrm>
+            <a:off x="2843808" y="332656"/>
+            <a:ext cx="856004" cy="276999"/>
+          </a:xfrm>
+          <a:prstGeom prst="rect">
+            <a:avLst/>
+          </a:prstGeom>
+          <a:noFill/>
+        </p:spPr>
+        <p:txBody>
+          <a:bodyPr wrap="none" rtlCol="0">
+            <a:spAutoFit/>
+          </a:bodyPr>
+          <a:lstStyle/>
+          <a:p>
+            <a:r>
+              <a:rPr lang="en-IN" sz="1200" dirty="0" smtClean="0"/>
+              <a:t>Get details</a:t>
+            </a:r>
+            <a:endParaRPr lang="en-IN" sz="1200" dirty="0"/>
+          </a:p>
+        </p:txBody>
+      </p:sp>
       <p:cxnSp>
         <p:nvCxnSpPr>
-          <p:cNvPr id="116" name="Straight Arrow Connector 115"/>
-          <p:cNvCxnSpPr/>
+          <p:cNvPr id="144" name="Straight Arrow Connector 143"/>
+          <p:cNvCxnSpPr>
+            <a:stCxn id="45" idx="0"/>
+          </p:cNvCxnSpPr>
           <p:nvPr/>
         </p:nvCxnSpPr>
         <p:spPr>
-          <a:xfrm>
-            <a:off x="1187624" y="908720"/>
-            <a:ext cx="0" cy="576064"/>
+          <a:xfrm flipV="1">
+            <a:off x="1259632" y="4293097"/>
+            <a:ext cx="0" cy="360039"/>
           </a:xfrm>
           <a:prstGeom prst="straightConnector1">
             <a:avLst/>
@@ -7293,14 +6217,14 @@
       </p:cxnSp>
       <p:sp>
         <p:nvSpPr>
-          <p:cNvPr id="119" name="TextBox 118"/>
+          <p:cNvPr id="158" name="TextBox 157"/>
           <p:cNvSpPr txBox="1"/>
           <p:nvPr/>
         </p:nvSpPr>
         <p:spPr>
           <a:xfrm>
-            <a:off x="5220072" y="775737"/>
-            <a:ext cx="1103700" cy="276999"/>
+            <a:off x="1188355" y="5775647"/>
+            <a:ext cx="1727461" cy="461665"/>
           </a:xfrm>
           <a:prstGeom prst="rect">
             <a:avLst/>
@@ -7314,8 +6238,14 @@
           <a:lstStyle/>
           <a:p>
             <a:r>
-              <a:rPr lang="en-IN" sz="1200" dirty="0" smtClean="0"/>
-              <a:t>Provide details</a:t>
+              <a:rPr lang="en-US" sz="1200" dirty="0" smtClean="0"/>
+              <a:t>User and authentication </a:t>
+            </a:r>
+          </a:p>
+          <a:p>
+            <a:r>
+              <a:rPr lang="en-US" sz="1200" dirty="0" smtClean="0"/>
+              <a:t>details</a:t>
             </a:r>
             <a:endParaRPr lang="en-IN" sz="1200" dirty="0"/>
           </a:p>
@@ -7323,14 +6253,14 @@
       </p:sp>
       <p:sp>
         <p:nvSpPr>
-          <p:cNvPr id="123" name="TextBox 122"/>
+          <p:cNvPr id="159" name="TextBox 158"/>
           <p:cNvSpPr txBox="1"/>
           <p:nvPr/>
         </p:nvSpPr>
         <p:spPr>
           <a:xfrm>
-            <a:off x="4292060" y="35332"/>
-            <a:ext cx="856004" cy="276999"/>
+            <a:off x="141886" y="4293096"/>
+            <a:ext cx="901722" cy="461665"/>
           </a:xfrm>
           <a:prstGeom prst="rect">
             <a:avLst/>
@@ -7344,8 +6274,14 @@
           <a:lstStyle/>
           <a:p>
             <a:r>
-              <a:rPr lang="en-IN" sz="1200" dirty="0" smtClean="0"/>
-              <a:t>Get details</a:t>
+              <a:rPr lang="en-US" sz="1200" dirty="0" smtClean="0"/>
+              <a:t>Provide </a:t>
+            </a:r>
+          </a:p>
+          <a:p>
+            <a:r>
+              <a:rPr lang="en-US" sz="1200" dirty="0" smtClean="0"/>
+              <a:t>user details</a:t>
             </a:r>
             <a:endParaRPr lang="en-IN" sz="1200" dirty="0"/>
           </a:p>
@@ -7353,14 +6289,14 @@
       </p:sp>
       <p:sp>
         <p:nvSpPr>
-          <p:cNvPr id="136" name="TextBox 135"/>
+          <p:cNvPr id="160" name="TextBox 159"/>
           <p:cNvSpPr txBox="1"/>
           <p:nvPr/>
         </p:nvSpPr>
         <p:spPr>
           <a:xfrm>
-            <a:off x="2863190" y="5589240"/>
-            <a:ext cx="1132746" cy="646331"/>
+            <a:off x="1259632" y="4293096"/>
+            <a:ext cx="1187056" cy="276999"/>
           </a:xfrm>
           <a:prstGeom prst="rect">
             <a:avLst/>
@@ -7375,34 +6311,21 @@
           <a:p>
             <a:r>
               <a:rPr lang="en-US" sz="1200" dirty="0" smtClean="0"/>
-              <a:t>Admin and </a:t>
-            </a:r>
-          </a:p>
-          <a:p>
-            <a:r>
-              <a:rPr lang="en-US" sz="1200" dirty="0" smtClean="0"/>
-              <a:t>authentication </a:t>
-            </a:r>
-          </a:p>
-          <a:p>
-            <a:r>
-              <a:rPr lang="en-US" sz="1200" dirty="0" smtClean="0"/>
-              <a:t>details</a:t>
-            </a:r>
-            <a:endParaRPr lang="en-IN" sz="1200" dirty="0"/>
-          </a:p>
-        </p:txBody>
-      </p:sp>
-      <p:sp>
-        <p:nvSpPr>
-          <p:cNvPr id="139" name="TextBox 138"/>
+              <a:t>Add user details</a:t>
+            </a:r>
+          </a:p>
+        </p:txBody>
+      </p:sp>
+      <p:sp>
+        <p:nvSpPr>
+          <p:cNvPr id="161" name="TextBox 160"/>
           <p:cNvSpPr txBox="1"/>
           <p:nvPr/>
         </p:nvSpPr>
         <p:spPr>
           <a:xfrm>
-            <a:off x="3956702" y="4221088"/>
-            <a:ext cx="543290" cy="646331"/>
+            <a:off x="2627784" y="3501008"/>
+            <a:ext cx="741165" cy="461665"/>
           </a:xfrm>
           <a:prstGeom prst="rect">
             <a:avLst/>
@@ -7417,13 +6340,7 @@
           <a:p>
             <a:r>
               <a:rPr lang="en-US" sz="1200" dirty="0" smtClean="0"/>
-              <a:t>Grant</a:t>
-            </a:r>
-          </a:p>
-          <a:p>
-            <a:r>
-              <a:rPr lang="en-US" sz="1200" dirty="0" smtClean="0"/>
-              <a:t>Or </a:t>
+              <a:t>Grant or </a:t>
             </a:r>
           </a:p>
           <a:p>
@@ -7431,20 +6348,19 @@
               <a:rPr lang="en-US" sz="1200" dirty="0" smtClean="0"/>
               <a:t>reject</a:t>
             </a:r>
-            <a:endParaRPr lang="en-IN" sz="1200" dirty="0"/>
-          </a:p>
-        </p:txBody>
-      </p:sp>
-      <p:sp>
-        <p:nvSpPr>
-          <p:cNvPr id="141" name="TextBox 140"/>
+          </a:p>
+        </p:txBody>
+      </p:sp>
+      <p:sp>
+        <p:nvSpPr>
+          <p:cNvPr id="162" name="TextBox 161"/>
           <p:cNvSpPr txBox="1"/>
           <p:nvPr/>
         </p:nvSpPr>
         <p:spPr>
           <a:xfrm>
-            <a:off x="4644008" y="4221088"/>
-            <a:ext cx="689612" cy="646331"/>
+            <a:off x="3491880" y="4437112"/>
+            <a:ext cx="848822" cy="1015663"/>
           </a:xfrm>
           <a:prstGeom prst="rect">
             <a:avLst/>
@@ -7465,7 +6381,7 @@
           <a:p>
             <a:r>
               <a:rPr lang="en-US" sz="1200" dirty="0" err="1" smtClean="0"/>
-              <a:t>Authen</a:t>
+              <a:t>Authent</a:t>
             </a:r>
             <a:r>
               <a:rPr lang="en-US" sz="1200" dirty="0" smtClean="0"/>
@@ -7475,7 +6391,472 @@
           <a:p>
             <a:r>
               <a:rPr lang="en-US" sz="1200" dirty="0" err="1" smtClean="0"/>
-              <a:t>tication</a:t>
+              <a:t>ication</a:t>
+            </a:r>
+            <a:r>
+              <a:rPr lang="en-US" sz="1200" dirty="0" smtClean="0"/>
+              <a:t>, </a:t>
+            </a:r>
+          </a:p>
+          <a:p>
+            <a:r>
+              <a:rPr lang="en-US" sz="1200" dirty="0" smtClean="0"/>
+              <a:t>provide </a:t>
+            </a:r>
+          </a:p>
+          <a:p>
+            <a:r>
+              <a:rPr lang="en-US" sz="1200" dirty="0" smtClean="0"/>
+              <a:t>File details</a:t>
+            </a:r>
+          </a:p>
+        </p:txBody>
+      </p:sp>
+      <p:sp>
+        <p:nvSpPr>
+          <p:cNvPr id="164" name="TextBox 163"/>
+          <p:cNvSpPr txBox="1"/>
+          <p:nvPr/>
+        </p:nvSpPr>
+        <p:spPr>
+          <a:xfrm>
+            <a:off x="5153659" y="2204864"/>
+            <a:ext cx="1074525" cy="461665"/>
+          </a:xfrm>
+          <a:prstGeom prst="rect">
+            <a:avLst/>
+          </a:prstGeom>
+          <a:noFill/>
+        </p:spPr>
+        <p:txBody>
+          <a:bodyPr wrap="none" rtlCol="0">
+            <a:spAutoFit/>
+          </a:bodyPr>
+          <a:lstStyle/>
+          <a:p>
+            <a:r>
+              <a:rPr lang="en-US" sz="1200" dirty="0" smtClean="0"/>
+              <a:t>Gather all the </a:t>
+            </a:r>
+          </a:p>
+          <a:p>
+            <a:r>
+              <a:rPr lang="en-US" sz="1200" dirty="0" smtClean="0"/>
+              <a:t>file </a:t>
+            </a:r>
+            <a:r>
+              <a:rPr lang="en-US" sz="1200" dirty="0" smtClean="0"/>
+              <a:t>data</a:t>
+            </a:r>
+            <a:endParaRPr lang="en-IN" sz="1200" dirty="0"/>
+          </a:p>
+        </p:txBody>
+      </p:sp>
+      <p:sp>
+        <p:nvSpPr>
+          <p:cNvPr id="165" name="TextBox 164"/>
+          <p:cNvSpPr txBox="1"/>
+          <p:nvPr/>
+        </p:nvSpPr>
+        <p:spPr>
+          <a:xfrm>
+            <a:off x="5508104" y="2708920"/>
+            <a:ext cx="1151277" cy="461665"/>
+          </a:xfrm>
+          <a:prstGeom prst="rect">
+            <a:avLst/>
+          </a:prstGeom>
+          <a:noFill/>
+        </p:spPr>
+        <p:txBody>
+          <a:bodyPr wrap="none" rtlCol="0">
+            <a:spAutoFit/>
+          </a:bodyPr>
+          <a:lstStyle/>
+          <a:p>
+            <a:r>
+              <a:rPr lang="en-US" sz="1200" dirty="0" smtClean="0"/>
+              <a:t>Provide all the </a:t>
+            </a:r>
+          </a:p>
+          <a:p>
+            <a:r>
+              <a:rPr lang="en-US" sz="1200" dirty="0" smtClean="0"/>
+              <a:t>file </a:t>
+            </a:r>
+            <a:r>
+              <a:rPr lang="en-US" sz="1200" dirty="0" smtClean="0"/>
+              <a:t>data</a:t>
+            </a:r>
+            <a:endParaRPr lang="en-IN" sz="1200" dirty="0"/>
+          </a:p>
+        </p:txBody>
+      </p:sp>
+      <p:sp>
+        <p:nvSpPr>
+          <p:cNvPr id="166" name="TextBox 165"/>
+          <p:cNvSpPr txBox="1"/>
+          <p:nvPr/>
+        </p:nvSpPr>
+        <p:spPr>
+          <a:xfrm>
+            <a:off x="6569706" y="2935977"/>
+            <a:ext cx="882614" cy="276999"/>
+          </a:xfrm>
+          <a:prstGeom prst="rect">
+            <a:avLst/>
+          </a:prstGeom>
+          <a:noFill/>
+        </p:spPr>
+        <p:txBody>
+          <a:bodyPr wrap="none" rtlCol="0">
+            <a:spAutoFit/>
+          </a:bodyPr>
+          <a:lstStyle/>
+          <a:p>
+            <a:r>
+              <a:rPr lang="en-US" sz="1200" dirty="0" smtClean="0"/>
+              <a:t>User’s data</a:t>
+            </a:r>
+            <a:endParaRPr lang="en-IN" sz="1200" dirty="0"/>
+          </a:p>
+        </p:txBody>
+      </p:sp>
+      <p:sp>
+        <p:nvSpPr>
+          <p:cNvPr id="184" name="TextBox 183"/>
+          <p:cNvSpPr txBox="1"/>
+          <p:nvPr/>
+        </p:nvSpPr>
+        <p:spPr>
+          <a:xfrm>
+            <a:off x="5868144" y="5733256"/>
+            <a:ext cx="692818" cy="646331"/>
+          </a:xfrm>
+          <a:prstGeom prst="rect">
+            <a:avLst/>
+          </a:prstGeom>
+          <a:noFill/>
+        </p:spPr>
+        <p:txBody>
+          <a:bodyPr wrap="none" rtlCol="0">
+            <a:spAutoFit/>
+          </a:bodyPr>
+          <a:lstStyle/>
+          <a:p>
+            <a:r>
+              <a:rPr lang="en-US" sz="1200" dirty="0" smtClean="0"/>
+              <a:t>Provide </a:t>
+            </a:r>
+          </a:p>
+          <a:p>
+            <a:r>
+              <a:rPr lang="en-US" sz="1200" dirty="0" smtClean="0"/>
+              <a:t>File</a:t>
+            </a:r>
+            <a:endParaRPr lang="en-US" sz="1200" dirty="0" smtClean="0"/>
+          </a:p>
+          <a:p>
+            <a:r>
+              <a:rPr lang="en-US" sz="1200" dirty="0" smtClean="0"/>
+              <a:t>details</a:t>
+            </a:r>
+          </a:p>
+        </p:txBody>
+      </p:sp>
+      <p:sp>
+        <p:nvSpPr>
+          <p:cNvPr id="185" name="TextBox 184"/>
+          <p:cNvSpPr txBox="1"/>
+          <p:nvPr/>
+        </p:nvSpPr>
+        <p:spPr>
+          <a:xfrm>
+            <a:off x="5436096" y="3789040"/>
+            <a:ext cx="872355" cy="461665"/>
+          </a:xfrm>
+          <a:prstGeom prst="rect">
+            <a:avLst/>
+          </a:prstGeom>
+          <a:noFill/>
+        </p:spPr>
+        <p:txBody>
+          <a:bodyPr wrap="none" rtlCol="0">
+            <a:spAutoFit/>
+          </a:bodyPr>
+          <a:lstStyle/>
+          <a:p>
+            <a:r>
+              <a:rPr lang="en-US" sz="1200" dirty="0" smtClean="0"/>
+              <a:t>Provide all </a:t>
+            </a:r>
+          </a:p>
+          <a:p>
+            <a:r>
+              <a:rPr lang="en-US" sz="1200" dirty="0" smtClean="0"/>
+              <a:t>File Info</a:t>
+            </a:r>
+            <a:endParaRPr lang="en-IN" sz="1200" dirty="0"/>
+          </a:p>
+        </p:txBody>
+      </p:sp>
+      <p:sp>
+        <p:nvSpPr>
+          <p:cNvPr id="186" name="TextBox 185"/>
+          <p:cNvSpPr txBox="1"/>
+          <p:nvPr/>
+        </p:nvSpPr>
+        <p:spPr>
+          <a:xfrm>
+            <a:off x="4716016" y="4581128"/>
+            <a:ext cx="654346" cy="646331"/>
+          </a:xfrm>
+          <a:prstGeom prst="rect">
+            <a:avLst/>
+          </a:prstGeom>
+          <a:noFill/>
+        </p:spPr>
+        <p:txBody>
+          <a:bodyPr wrap="none" rtlCol="0">
+            <a:spAutoFit/>
+          </a:bodyPr>
+          <a:lstStyle/>
+          <a:p>
+            <a:r>
+              <a:rPr lang="en-US" sz="1200" dirty="0" smtClean="0"/>
+              <a:t>Ask for </a:t>
+            </a:r>
+          </a:p>
+          <a:p>
+            <a:r>
+              <a:rPr lang="en-US" sz="1200" dirty="0" smtClean="0"/>
+              <a:t>file</a:t>
+            </a:r>
+          </a:p>
+          <a:p>
+            <a:r>
+              <a:rPr lang="en-US" sz="1200" dirty="0" smtClean="0"/>
+              <a:t>Info</a:t>
+            </a:r>
+            <a:endParaRPr lang="en-IN" sz="1200" dirty="0"/>
+          </a:p>
+        </p:txBody>
+      </p:sp>
+      <p:sp>
+        <p:nvSpPr>
+          <p:cNvPr id="191" name="TextBox 190"/>
+          <p:cNvSpPr txBox="1"/>
+          <p:nvPr/>
+        </p:nvSpPr>
+        <p:spPr>
+          <a:xfrm>
+            <a:off x="3995936" y="1844824"/>
+            <a:ext cx="654346" cy="646331"/>
+          </a:xfrm>
+          <a:prstGeom prst="rect">
+            <a:avLst/>
+          </a:prstGeom>
+          <a:noFill/>
+        </p:spPr>
+        <p:txBody>
+          <a:bodyPr wrap="none" rtlCol="0">
+            <a:spAutoFit/>
+          </a:bodyPr>
+          <a:lstStyle/>
+          <a:p>
+            <a:r>
+              <a:rPr lang="en-IN" sz="1200" dirty="0" smtClean="0"/>
+              <a:t> Ask for</a:t>
+            </a:r>
+          </a:p>
+          <a:p>
+            <a:r>
+              <a:rPr lang="en-IN" sz="1200" dirty="0" smtClean="0"/>
+              <a:t> file </a:t>
+            </a:r>
+          </a:p>
+          <a:p>
+            <a:r>
+              <a:rPr lang="en-IN" sz="1200" dirty="0" smtClean="0"/>
+              <a:t> details</a:t>
+            </a:r>
+            <a:endParaRPr lang="en-IN" sz="1200" dirty="0"/>
+          </a:p>
+        </p:txBody>
+      </p:sp>
+      <p:sp>
+        <p:nvSpPr>
+          <p:cNvPr id="196" name="TextBox 195"/>
+          <p:cNvSpPr txBox="1"/>
+          <p:nvPr/>
+        </p:nvSpPr>
+        <p:spPr>
+          <a:xfrm>
+            <a:off x="2915816" y="2564904"/>
+            <a:ext cx="860044" cy="461665"/>
+          </a:xfrm>
+          <a:prstGeom prst="rect">
+            <a:avLst/>
+          </a:prstGeom>
+          <a:noFill/>
+        </p:spPr>
+        <p:txBody>
+          <a:bodyPr wrap="none" rtlCol="0">
+            <a:spAutoFit/>
+          </a:bodyPr>
+          <a:lstStyle/>
+          <a:p>
+            <a:r>
+              <a:rPr lang="en-IN" sz="1200" dirty="0" smtClean="0"/>
+              <a:t> Provide</a:t>
+            </a:r>
+          </a:p>
+          <a:p>
+            <a:r>
+              <a:rPr lang="en-IN" sz="1200" dirty="0" smtClean="0"/>
+              <a:t> file details</a:t>
+            </a:r>
+            <a:endParaRPr lang="en-IN" sz="1200" dirty="0"/>
+          </a:p>
+        </p:txBody>
+      </p:sp>
+      <p:sp>
+        <p:nvSpPr>
+          <p:cNvPr id="198" name="TextBox 197"/>
+          <p:cNvSpPr txBox="1"/>
+          <p:nvPr/>
+        </p:nvSpPr>
+        <p:spPr>
+          <a:xfrm>
+            <a:off x="8172400" y="1916832"/>
+            <a:ext cx="886781" cy="461665"/>
+          </a:xfrm>
+          <a:prstGeom prst="rect">
+            <a:avLst/>
+          </a:prstGeom>
+          <a:noFill/>
+        </p:spPr>
+        <p:txBody>
+          <a:bodyPr wrap="none" rtlCol="0">
+            <a:spAutoFit/>
+          </a:bodyPr>
+          <a:lstStyle/>
+          <a:p>
+            <a:r>
+              <a:rPr lang="en-IN" sz="1200" dirty="0" smtClean="0"/>
+              <a:t>Provide file</a:t>
+            </a:r>
+          </a:p>
+          <a:p>
+            <a:r>
+              <a:rPr lang="en-IN" sz="1200" dirty="0" smtClean="0"/>
+              <a:t>details</a:t>
+            </a:r>
+            <a:endParaRPr lang="en-IN" sz="1200" dirty="0"/>
+          </a:p>
+        </p:txBody>
+      </p:sp>
+      <p:sp>
+        <p:nvSpPr>
+          <p:cNvPr id="199" name="TextBox 198"/>
+          <p:cNvSpPr txBox="1"/>
+          <p:nvPr/>
+        </p:nvSpPr>
+        <p:spPr>
+          <a:xfrm>
+            <a:off x="5868144" y="1340768"/>
+            <a:ext cx="639086" cy="461665"/>
+          </a:xfrm>
+          <a:prstGeom prst="rect">
+            <a:avLst/>
+          </a:prstGeom>
+          <a:noFill/>
+        </p:spPr>
+        <p:txBody>
+          <a:bodyPr wrap="none" rtlCol="0">
+            <a:spAutoFit/>
+          </a:bodyPr>
+          <a:lstStyle/>
+          <a:p>
+            <a:r>
+              <a:rPr lang="en-IN" sz="1200" dirty="0" smtClean="0"/>
+              <a:t>Get file</a:t>
+            </a:r>
+          </a:p>
+          <a:p>
+            <a:r>
+              <a:rPr lang="en-IN" sz="1200" dirty="0" smtClean="0"/>
+              <a:t>details</a:t>
+            </a:r>
+            <a:endParaRPr lang="en-IN" sz="1200" dirty="0"/>
+          </a:p>
+        </p:txBody>
+      </p:sp>
+      <p:sp>
+        <p:nvSpPr>
+          <p:cNvPr id="214" name="TextBox 213"/>
+          <p:cNvSpPr txBox="1"/>
+          <p:nvPr/>
+        </p:nvSpPr>
+        <p:spPr>
+          <a:xfrm>
+            <a:off x="8526548" y="4077072"/>
+            <a:ext cx="437940" cy="461665"/>
+          </a:xfrm>
+          <a:prstGeom prst="rect">
+            <a:avLst/>
+          </a:prstGeom>
+          <a:noFill/>
+        </p:spPr>
+        <p:txBody>
+          <a:bodyPr wrap="none" rtlCol="0">
+            <a:spAutoFit/>
+          </a:bodyPr>
+          <a:lstStyle/>
+          <a:p>
+            <a:r>
+              <a:rPr lang="en-US" sz="1200" dirty="0" smtClean="0"/>
+              <a:t>File </a:t>
+            </a:r>
+          </a:p>
+          <a:p>
+            <a:r>
+              <a:rPr lang="en-US" sz="1200" dirty="0" smtClean="0"/>
+              <a:t>info</a:t>
+            </a:r>
+            <a:endParaRPr lang="en-IN" sz="1200" dirty="0"/>
+          </a:p>
+        </p:txBody>
+      </p:sp>
+      <p:sp>
+        <p:nvSpPr>
+          <p:cNvPr id="215" name="TextBox 214"/>
+          <p:cNvSpPr txBox="1"/>
+          <p:nvPr/>
+        </p:nvSpPr>
+        <p:spPr>
+          <a:xfrm>
+            <a:off x="6454807" y="4160113"/>
+            <a:ext cx="1285545" cy="276999"/>
+          </a:xfrm>
+          <a:prstGeom prst="rect">
+            <a:avLst/>
+          </a:prstGeom>
+          <a:noFill/>
+        </p:spPr>
+        <p:txBody>
+          <a:bodyPr wrap="none" rtlCol="0">
+            <a:spAutoFit/>
+          </a:bodyPr>
+          <a:lstStyle/>
+          <a:p>
+            <a:r>
+              <a:rPr lang="en-US" sz="1200" dirty="0" smtClean="0"/>
+              <a:t>User’s File </a:t>
+            </a:r>
+            <a:r>
+              <a:rPr lang="en-US" sz="1200" dirty="0" smtClean="0"/>
+              <a:t>Details</a:t>
             </a:r>
             <a:endParaRPr lang="en-IN" sz="1200" dirty="0"/>
           </a:p>
@@ -7483,19 +6864,19 @@
       </p:sp>
       <p:cxnSp>
         <p:nvCxnSpPr>
-          <p:cNvPr id="144" name="Straight Arrow Connector 143"/>
-          <p:cNvCxnSpPr>
-            <a:stCxn id="45" idx="0"/>
-          </p:cNvCxnSpPr>
+          <p:cNvPr id="130" name="Elbow Connector 139"/>
+          <p:cNvCxnSpPr/>
           <p:nvPr/>
         </p:nvCxnSpPr>
         <p:spPr>
-          <a:xfrm flipV="1">
-            <a:off x="1259632" y="4293097"/>
-            <a:ext cx="0" cy="360039"/>
-          </a:xfrm>
-          <a:prstGeom prst="straightConnector1">
-            <a:avLst/>
+          <a:xfrm>
+            <a:off x="2195736" y="1916832"/>
+            <a:ext cx="1656184" cy="1152128"/>
+          </a:xfrm>
+          <a:prstGeom prst="bentConnector3">
+            <a:avLst>
+              <a:gd name="adj1" fmla="val 50000"/>
+            </a:avLst>
           </a:prstGeom>
           <a:ln>
             <a:solidFill>
@@ -7519,920 +6900,44 @@
           </a:fontRef>
         </p:style>
       </p:cxnSp>
-      <p:sp>
-        <p:nvSpPr>
-          <p:cNvPr id="149" name="TextBox 148"/>
-          <p:cNvSpPr txBox="1"/>
-          <p:nvPr/>
-        </p:nvSpPr>
+      <p:cxnSp>
+        <p:nvCxnSpPr>
+          <p:cNvPr id="145" name="Elbow Connector 139"/>
+          <p:cNvCxnSpPr>
+            <a:stCxn id="67" idx="0"/>
+          </p:cNvCxnSpPr>
+          <p:nvPr/>
+        </p:nvCxnSpPr>
         <p:spPr>
-          <a:xfrm>
-            <a:off x="4067944" y="6453336"/>
-            <a:ext cx="1531701" cy="276999"/>
-          </a:xfrm>
-          <a:prstGeom prst="rect">
+          <a:xfrm rot="16200000" flipV="1">
+            <a:off x="3041830" y="1286762"/>
+            <a:ext cx="1368152" cy="1764196"/>
+          </a:xfrm>
+          <a:prstGeom prst="bentConnector2">
             <a:avLst/>
           </a:prstGeom>
-          <a:noFill/>
-        </p:spPr>
-        <p:txBody>
-          <a:bodyPr wrap="none" rtlCol="0">
-            <a:spAutoFit/>
-          </a:bodyPr>
-          <a:lstStyle/>
-          <a:p>
-            <a:r>
-              <a:rPr lang="en-US" sz="1200" dirty="0" smtClean="0"/>
-              <a:t>Provide admin details</a:t>
-            </a:r>
-            <a:endParaRPr lang="en-IN" sz="1200" dirty="0"/>
-          </a:p>
-        </p:txBody>
-      </p:sp>
-      <p:sp>
-        <p:nvSpPr>
-          <p:cNvPr id="151" name="TextBox 150"/>
-          <p:cNvSpPr txBox="1"/>
-          <p:nvPr/>
-        </p:nvSpPr>
-        <p:spPr>
-          <a:xfrm>
-            <a:off x="5580112" y="5445224"/>
-            <a:ext cx="612668" cy="646331"/>
-          </a:xfrm>
-          <a:prstGeom prst="rect">
-            <a:avLst/>
-          </a:prstGeom>
-          <a:noFill/>
-        </p:spPr>
-        <p:txBody>
-          <a:bodyPr wrap="none" rtlCol="0">
-            <a:spAutoFit/>
-          </a:bodyPr>
-          <a:lstStyle/>
-          <a:p>
-            <a:r>
-              <a:rPr lang="en-US" sz="1200" dirty="0" smtClean="0"/>
-              <a:t>Add </a:t>
-            </a:r>
-          </a:p>
-          <a:p>
-            <a:r>
-              <a:rPr lang="en-US" sz="1200" dirty="0" smtClean="0"/>
-              <a:t>admin </a:t>
-            </a:r>
-          </a:p>
-          <a:p>
-            <a:r>
-              <a:rPr lang="en-US" sz="1200" dirty="0" smtClean="0"/>
-              <a:t>details</a:t>
-            </a:r>
-          </a:p>
-        </p:txBody>
-      </p:sp>
-      <p:sp>
-        <p:nvSpPr>
-          <p:cNvPr id="158" name="TextBox 157"/>
-          <p:cNvSpPr txBox="1"/>
-          <p:nvPr/>
-        </p:nvSpPr>
-        <p:spPr>
-          <a:xfrm>
-            <a:off x="1188355" y="5775647"/>
-            <a:ext cx="1727461" cy="461665"/>
-          </a:xfrm>
-          <a:prstGeom prst="rect">
-            <a:avLst/>
-          </a:prstGeom>
-          <a:noFill/>
-        </p:spPr>
-        <p:txBody>
-          <a:bodyPr wrap="none" rtlCol="0">
-            <a:spAutoFit/>
-          </a:bodyPr>
-          <a:lstStyle/>
-          <a:p>
-            <a:r>
-              <a:rPr lang="en-US" sz="1200" dirty="0" smtClean="0"/>
-              <a:t>User and authentication </a:t>
-            </a:r>
-          </a:p>
-          <a:p>
-            <a:r>
-              <a:rPr lang="en-US" sz="1200" dirty="0" smtClean="0"/>
-              <a:t>details</a:t>
-            </a:r>
-            <a:endParaRPr lang="en-IN" sz="1200" dirty="0"/>
-          </a:p>
-        </p:txBody>
-      </p:sp>
-      <p:sp>
-        <p:nvSpPr>
-          <p:cNvPr id="159" name="TextBox 158"/>
-          <p:cNvSpPr txBox="1"/>
-          <p:nvPr/>
-        </p:nvSpPr>
-        <p:spPr>
-          <a:xfrm>
-            <a:off x="141886" y="4293096"/>
-            <a:ext cx="901722" cy="461665"/>
-          </a:xfrm>
-          <a:prstGeom prst="rect">
-            <a:avLst/>
-          </a:prstGeom>
-          <a:noFill/>
-        </p:spPr>
-        <p:txBody>
-          <a:bodyPr wrap="none" rtlCol="0">
-            <a:spAutoFit/>
-          </a:bodyPr>
-          <a:lstStyle/>
-          <a:p>
-            <a:r>
-              <a:rPr lang="en-US" sz="1200" dirty="0" smtClean="0"/>
-              <a:t>Provide </a:t>
-            </a:r>
-          </a:p>
-          <a:p>
-            <a:r>
-              <a:rPr lang="en-US" sz="1200" dirty="0" smtClean="0"/>
-              <a:t>user details</a:t>
-            </a:r>
-            <a:endParaRPr lang="en-IN" sz="1200" dirty="0"/>
-          </a:p>
-        </p:txBody>
-      </p:sp>
-      <p:sp>
-        <p:nvSpPr>
-          <p:cNvPr id="160" name="TextBox 159"/>
-          <p:cNvSpPr txBox="1"/>
-          <p:nvPr/>
-        </p:nvSpPr>
-        <p:spPr>
-          <a:xfrm>
-            <a:off x="1259632" y="4293096"/>
-            <a:ext cx="1187056" cy="276999"/>
-          </a:xfrm>
-          <a:prstGeom prst="rect">
-            <a:avLst/>
-          </a:prstGeom>
-          <a:noFill/>
-        </p:spPr>
-        <p:txBody>
-          <a:bodyPr wrap="none" rtlCol="0">
-            <a:spAutoFit/>
-          </a:bodyPr>
-          <a:lstStyle/>
-          <a:p>
-            <a:r>
-              <a:rPr lang="en-US" sz="1200" dirty="0" smtClean="0"/>
-              <a:t>Add user details</a:t>
-            </a:r>
-          </a:p>
-        </p:txBody>
-      </p:sp>
-      <p:sp>
-        <p:nvSpPr>
-          <p:cNvPr id="161" name="TextBox 160"/>
-          <p:cNvSpPr txBox="1"/>
-          <p:nvPr/>
-        </p:nvSpPr>
-        <p:spPr>
-          <a:xfrm>
-            <a:off x="2627784" y="3501008"/>
-            <a:ext cx="741165" cy="461665"/>
-          </a:xfrm>
-          <a:prstGeom prst="rect">
-            <a:avLst/>
-          </a:prstGeom>
-          <a:noFill/>
-        </p:spPr>
-        <p:txBody>
-          <a:bodyPr wrap="none" rtlCol="0">
-            <a:spAutoFit/>
-          </a:bodyPr>
-          <a:lstStyle/>
-          <a:p>
-            <a:r>
-              <a:rPr lang="en-US" sz="1200" dirty="0" smtClean="0"/>
-              <a:t>Grant or </a:t>
-            </a:r>
-          </a:p>
-          <a:p>
-            <a:r>
-              <a:rPr lang="en-US" sz="1200" dirty="0" smtClean="0"/>
-              <a:t>reject</a:t>
-            </a:r>
-          </a:p>
-        </p:txBody>
-      </p:sp>
-      <p:sp>
-        <p:nvSpPr>
-          <p:cNvPr id="162" name="TextBox 161"/>
-          <p:cNvSpPr txBox="1"/>
-          <p:nvPr/>
-        </p:nvSpPr>
-        <p:spPr>
-          <a:xfrm>
-            <a:off x="2771800" y="4429561"/>
-            <a:ext cx="848822" cy="1015663"/>
-          </a:xfrm>
-          <a:prstGeom prst="rect">
-            <a:avLst/>
-          </a:prstGeom>
-          <a:noFill/>
-        </p:spPr>
-        <p:txBody>
-          <a:bodyPr wrap="none" rtlCol="0">
-            <a:spAutoFit/>
-          </a:bodyPr>
-          <a:lstStyle/>
-          <a:p>
-            <a:r>
-              <a:rPr lang="en-US" sz="1200" dirty="0" smtClean="0"/>
-              <a:t>Ask for </a:t>
-            </a:r>
-          </a:p>
-          <a:p>
-            <a:r>
-              <a:rPr lang="en-US" sz="1200" dirty="0" err="1" smtClean="0"/>
-              <a:t>Authent</a:t>
-            </a:r>
-            <a:r>
-              <a:rPr lang="en-US" sz="1200" dirty="0" smtClean="0"/>
-              <a:t>-</a:t>
-            </a:r>
-          </a:p>
-          <a:p>
-            <a:r>
-              <a:rPr lang="en-US" sz="1200" dirty="0" err="1" smtClean="0"/>
-              <a:t>ication</a:t>
-            </a:r>
-            <a:r>
-              <a:rPr lang="en-US" sz="1200" dirty="0" smtClean="0"/>
-              <a:t>, </a:t>
-            </a:r>
-          </a:p>
-          <a:p>
-            <a:r>
-              <a:rPr lang="en-US" sz="1200" dirty="0" smtClean="0"/>
-              <a:t>provide </a:t>
-            </a:r>
-          </a:p>
-          <a:p>
-            <a:r>
-              <a:rPr lang="en-US" sz="1200" dirty="0" smtClean="0"/>
-              <a:t>File details</a:t>
-            </a:r>
-          </a:p>
-        </p:txBody>
-      </p:sp>
-      <p:sp>
-        <p:nvSpPr>
-          <p:cNvPr id="164" name="TextBox 163"/>
-          <p:cNvSpPr txBox="1"/>
-          <p:nvPr/>
-        </p:nvSpPr>
-        <p:spPr>
-          <a:xfrm>
-            <a:off x="5153659" y="2204864"/>
-            <a:ext cx="1074525" cy="461665"/>
-          </a:xfrm>
-          <a:prstGeom prst="rect">
-            <a:avLst/>
-          </a:prstGeom>
-          <a:noFill/>
-        </p:spPr>
-        <p:txBody>
-          <a:bodyPr wrap="none" rtlCol="0">
-            <a:spAutoFit/>
-          </a:bodyPr>
-          <a:lstStyle/>
-          <a:p>
-            <a:r>
-              <a:rPr lang="en-US" sz="1200" dirty="0" smtClean="0"/>
-              <a:t>Gather all the </a:t>
-            </a:r>
-          </a:p>
-          <a:p>
-            <a:r>
-              <a:rPr lang="en-US" sz="1200" dirty="0" smtClean="0"/>
-              <a:t>user’s data</a:t>
-            </a:r>
-            <a:endParaRPr lang="en-IN" sz="1200" dirty="0"/>
-          </a:p>
-        </p:txBody>
-      </p:sp>
-      <p:sp>
-        <p:nvSpPr>
-          <p:cNvPr id="165" name="TextBox 164"/>
-          <p:cNvSpPr txBox="1"/>
-          <p:nvPr/>
-        </p:nvSpPr>
-        <p:spPr>
-          <a:xfrm>
-            <a:off x="5508104" y="2708920"/>
-            <a:ext cx="1151277" cy="461665"/>
-          </a:xfrm>
-          <a:prstGeom prst="rect">
-            <a:avLst/>
-          </a:prstGeom>
-          <a:noFill/>
-        </p:spPr>
-        <p:txBody>
-          <a:bodyPr wrap="none" rtlCol="0">
-            <a:spAutoFit/>
-          </a:bodyPr>
-          <a:lstStyle/>
-          <a:p>
-            <a:r>
-              <a:rPr lang="en-US" sz="1200" dirty="0" smtClean="0"/>
-              <a:t>Provide all the </a:t>
-            </a:r>
-          </a:p>
-          <a:p>
-            <a:r>
-              <a:rPr lang="en-US" sz="1200" dirty="0" smtClean="0"/>
-              <a:t>user’s data</a:t>
-            </a:r>
-            <a:endParaRPr lang="en-IN" sz="1200" dirty="0"/>
-          </a:p>
-        </p:txBody>
-      </p:sp>
-      <p:sp>
-        <p:nvSpPr>
-          <p:cNvPr id="166" name="TextBox 165"/>
-          <p:cNvSpPr txBox="1"/>
-          <p:nvPr/>
-        </p:nvSpPr>
-        <p:spPr>
-          <a:xfrm>
-            <a:off x="6569706" y="2935977"/>
-            <a:ext cx="882614" cy="276999"/>
-          </a:xfrm>
-          <a:prstGeom prst="rect">
-            <a:avLst/>
-          </a:prstGeom>
-          <a:noFill/>
-        </p:spPr>
-        <p:txBody>
-          <a:bodyPr wrap="none" rtlCol="0">
-            <a:spAutoFit/>
-          </a:bodyPr>
-          <a:lstStyle/>
-          <a:p>
-            <a:r>
-              <a:rPr lang="en-US" sz="1200" dirty="0" smtClean="0"/>
-              <a:t>User’s data</a:t>
-            </a:r>
-            <a:endParaRPr lang="en-IN" sz="1200" dirty="0"/>
-          </a:p>
-        </p:txBody>
-      </p:sp>
-      <p:sp>
-        <p:nvSpPr>
-          <p:cNvPr id="184" name="TextBox 183"/>
-          <p:cNvSpPr txBox="1"/>
-          <p:nvPr/>
-        </p:nvSpPr>
-        <p:spPr>
-          <a:xfrm>
-            <a:off x="6444208" y="5229200"/>
-            <a:ext cx="692818" cy="830997"/>
-          </a:xfrm>
-          <a:prstGeom prst="rect">
-            <a:avLst/>
-          </a:prstGeom>
-          <a:noFill/>
-        </p:spPr>
-        <p:txBody>
-          <a:bodyPr wrap="none" rtlCol="0">
-            <a:spAutoFit/>
-          </a:bodyPr>
-          <a:lstStyle/>
-          <a:p>
-            <a:r>
-              <a:rPr lang="en-US" sz="1200" dirty="0" smtClean="0"/>
-              <a:t>Provide </a:t>
-            </a:r>
-          </a:p>
-          <a:p>
-            <a:r>
-              <a:rPr lang="en-US" sz="1200" dirty="0" smtClean="0"/>
-              <a:t>user’s</a:t>
-            </a:r>
-          </a:p>
-          <a:p>
-            <a:r>
-              <a:rPr lang="en-US" sz="1200" dirty="0" smtClean="0"/>
-              <a:t>file</a:t>
-            </a:r>
-          </a:p>
-          <a:p>
-            <a:r>
-              <a:rPr lang="en-US" sz="1200" dirty="0" smtClean="0"/>
-              <a:t>details</a:t>
-            </a:r>
-          </a:p>
-        </p:txBody>
-      </p:sp>
-      <p:sp>
-        <p:nvSpPr>
-          <p:cNvPr id="185" name="TextBox 184"/>
-          <p:cNvSpPr txBox="1"/>
-          <p:nvPr/>
-        </p:nvSpPr>
-        <p:spPr>
-          <a:xfrm>
-            <a:off x="5436096" y="3789040"/>
-            <a:ext cx="872355" cy="646331"/>
-          </a:xfrm>
-          <a:prstGeom prst="rect">
-            <a:avLst/>
-          </a:prstGeom>
-          <a:noFill/>
-        </p:spPr>
-        <p:txBody>
-          <a:bodyPr wrap="none" rtlCol="0">
-            <a:spAutoFit/>
-          </a:bodyPr>
-          <a:lstStyle/>
-          <a:p>
-            <a:r>
-              <a:rPr lang="en-US" sz="1200" dirty="0" smtClean="0"/>
-              <a:t>Provide all </a:t>
-            </a:r>
-          </a:p>
-          <a:p>
-            <a:r>
-              <a:rPr lang="en-US" sz="1200" dirty="0" smtClean="0"/>
-              <a:t>The user’s</a:t>
-            </a:r>
-          </a:p>
-          <a:p>
-            <a:r>
-              <a:rPr lang="en-US" sz="1200" dirty="0" smtClean="0"/>
-              <a:t>File data</a:t>
-            </a:r>
-            <a:endParaRPr lang="en-IN" sz="1200" dirty="0"/>
-          </a:p>
-        </p:txBody>
-      </p:sp>
-      <p:sp>
-        <p:nvSpPr>
-          <p:cNvPr id="186" name="TextBox 185"/>
-          <p:cNvSpPr txBox="1"/>
-          <p:nvPr/>
-        </p:nvSpPr>
-        <p:spPr>
-          <a:xfrm>
-            <a:off x="5292080" y="4437112"/>
-            <a:ext cx="820161" cy="646331"/>
-          </a:xfrm>
-          <a:prstGeom prst="rect">
-            <a:avLst/>
-          </a:prstGeom>
-          <a:noFill/>
-        </p:spPr>
-        <p:txBody>
-          <a:bodyPr wrap="none" rtlCol="0">
-            <a:spAutoFit/>
-          </a:bodyPr>
-          <a:lstStyle/>
-          <a:p>
-            <a:r>
-              <a:rPr lang="en-US" sz="1200" dirty="0" smtClean="0"/>
-              <a:t>Get all </a:t>
-            </a:r>
-          </a:p>
-          <a:p>
-            <a:r>
-              <a:rPr lang="en-US" sz="1200" dirty="0" smtClean="0"/>
-              <a:t>The user’s</a:t>
-            </a:r>
-          </a:p>
-          <a:p>
-            <a:r>
-              <a:rPr lang="en-US" sz="1200" dirty="0" smtClean="0"/>
-              <a:t> file Info</a:t>
-            </a:r>
-            <a:endParaRPr lang="en-IN" sz="1200" dirty="0"/>
-          </a:p>
-        </p:txBody>
-      </p:sp>
-      <p:sp>
-        <p:nvSpPr>
-          <p:cNvPr id="191" name="TextBox 190"/>
-          <p:cNvSpPr txBox="1"/>
-          <p:nvPr/>
-        </p:nvSpPr>
-        <p:spPr>
-          <a:xfrm>
-            <a:off x="3635896" y="1844824"/>
-            <a:ext cx="654346" cy="646331"/>
-          </a:xfrm>
-          <a:prstGeom prst="rect">
-            <a:avLst/>
-          </a:prstGeom>
-          <a:noFill/>
-        </p:spPr>
-        <p:txBody>
-          <a:bodyPr wrap="none" rtlCol="0">
-            <a:spAutoFit/>
-          </a:bodyPr>
-          <a:lstStyle/>
-          <a:p>
-            <a:r>
-              <a:rPr lang="en-IN" sz="1200" dirty="0" smtClean="0"/>
-              <a:t> Ask for</a:t>
-            </a:r>
-          </a:p>
-          <a:p>
-            <a:r>
-              <a:rPr lang="en-IN" sz="1200" dirty="0" smtClean="0"/>
-              <a:t> file </a:t>
-            </a:r>
-          </a:p>
-          <a:p>
-            <a:r>
-              <a:rPr lang="en-IN" sz="1200" dirty="0" smtClean="0"/>
-              <a:t> details</a:t>
-            </a:r>
-            <a:endParaRPr lang="en-IN" sz="1200" dirty="0"/>
-          </a:p>
-        </p:txBody>
-      </p:sp>
-      <p:sp>
-        <p:nvSpPr>
-          <p:cNvPr id="196" name="TextBox 195"/>
-          <p:cNvSpPr txBox="1"/>
-          <p:nvPr/>
-        </p:nvSpPr>
-        <p:spPr>
-          <a:xfrm>
-            <a:off x="4720068" y="1556792"/>
-            <a:ext cx="860044" cy="461665"/>
-          </a:xfrm>
-          <a:prstGeom prst="rect">
-            <a:avLst/>
-          </a:prstGeom>
-          <a:noFill/>
-        </p:spPr>
-        <p:txBody>
-          <a:bodyPr wrap="none" rtlCol="0">
-            <a:spAutoFit/>
-          </a:bodyPr>
-          <a:lstStyle/>
-          <a:p>
-            <a:r>
-              <a:rPr lang="en-IN" sz="1200" dirty="0" smtClean="0"/>
-              <a:t> Provide</a:t>
-            </a:r>
-          </a:p>
-          <a:p>
-            <a:r>
-              <a:rPr lang="en-IN" sz="1200" dirty="0" smtClean="0"/>
-              <a:t> file details</a:t>
-            </a:r>
-            <a:endParaRPr lang="en-IN" sz="1200" dirty="0"/>
-          </a:p>
-        </p:txBody>
-      </p:sp>
-      <p:sp>
-        <p:nvSpPr>
-          <p:cNvPr id="198" name="TextBox 197"/>
-          <p:cNvSpPr txBox="1"/>
-          <p:nvPr/>
-        </p:nvSpPr>
-        <p:spPr>
-          <a:xfrm>
-            <a:off x="8172400" y="1916832"/>
-            <a:ext cx="886781" cy="461665"/>
-          </a:xfrm>
-          <a:prstGeom prst="rect">
-            <a:avLst/>
-          </a:prstGeom>
-          <a:noFill/>
-        </p:spPr>
-        <p:txBody>
-          <a:bodyPr wrap="none" rtlCol="0">
-            <a:spAutoFit/>
-          </a:bodyPr>
-          <a:lstStyle/>
-          <a:p>
-            <a:r>
-              <a:rPr lang="en-IN" sz="1200" dirty="0" smtClean="0"/>
-              <a:t>Provide file</a:t>
-            </a:r>
-          </a:p>
-          <a:p>
-            <a:r>
-              <a:rPr lang="en-IN" sz="1200" dirty="0" smtClean="0"/>
-              <a:t>details</a:t>
-            </a:r>
-            <a:endParaRPr lang="en-IN" sz="1200" dirty="0"/>
-          </a:p>
-        </p:txBody>
-      </p:sp>
-      <p:sp>
-        <p:nvSpPr>
-          <p:cNvPr id="199" name="TextBox 198"/>
-          <p:cNvSpPr txBox="1"/>
-          <p:nvPr/>
-        </p:nvSpPr>
-        <p:spPr>
-          <a:xfrm>
-            <a:off x="5868144" y="1340768"/>
-            <a:ext cx="639086" cy="461665"/>
-          </a:xfrm>
-          <a:prstGeom prst="rect">
-            <a:avLst/>
-          </a:prstGeom>
-          <a:noFill/>
-        </p:spPr>
-        <p:txBody>
-          <a:bodyPr wrap="none" rtlCol="0">
-            <a:spAutoFit/>
-          </a:bodyPr>
-          <a:lstStyle/>
-          <a:p>
-            <a:r>
-              <a:rPr lang="en-IN" sz="1200" dirty="0" smtClean="0"/>
-              <a:t>Get file</a:t>
-            </a:r>
-          </a:p>
-          <a:p>
-            <a:r>
-              <a:rPr lang="en-IN" sz="1200" dirty="0" smtClean="0"/>
-              <a:t>details</a:t>
-            </a:r>
-            <a:endParaRPr lang="en-IN" sz="1200" dirty="0"/>
-          </a:p>
-        </p:txBody>
-      </p:sp>
-      <p:sp>
-        <p:nvSpPr>
-          <p:cNvPr id="201" name="TextBox 200"/>
-          <p:cNvSpPr txBox="1"/>
-          <p:nvPr/>
-        </p:nvSpPr>
-        <p:spPr>
-          <a:xfrm>
-            <a:off x="2195736" y="2060848"/>
-            <a:ext cx="872355" cy="646331"/>
-          </a:xfrm>
-          <a:prstGeom prst="rect">
-            <a:avLst/>
-          </a:prstGeom>
-          <a:noFill/>
-        </p:spPr>
-        <p:txBody>
-          <a:bodyPr wrap="none" rtlCol="0">
-            <a:spAutoFit/>
-          </a:bodyPr>
-          <a:lstStyle/>
-          <a:p>
-            <a:r>
-              <a:rPr lang="en-US" sz="1200" dirty="0" smtClean="0"/>
-              <a:t>Provide all </a:t>
-            </a:r>
-          </a:p>
-          <a:p>
-            <a:r>
-              <a:rPr lang="en-US" sz="1200" dirty="0" smtClean="0"/>
-              <a:t>The user’s</a:t>
-            </a:r>
-          </a:p>
-          <a:p>
-            <a:r>
-              <a:rPr lang="en-US" sz="1200" dirty="0" smtClean="0"/>
-              <a:t>File data</a:t>
-            </a:r>
-            <a:endParaRPr lang="en-IN" sz="1200" dirty="0"/>
-          </a:p>
-        </p:txBody>
-      </p:sp>
-      <p:sp>
-        <p:nvSpPr>
-          <p:cNvPr id="203" name="TextBox 202"/>
-          <p:cNvSpPr txBox="1"/>
-          <p:nvPr/>
-        </p:nvSpPr>
-        <p:spPr>
-          <a:xfrm>
-            <a:off x="3059832" y="1733907"/>
-            <a:ext cx="624658" cy="830997"/>
-          </a:xfrm>
-          <a:prstGeom prst="rect">
-            <a:avLst/>
-          </a:prstGeom>
-          <a:noFill/>
-        </p:spPr>
-        <p:txBody>
-          <a:bodyPr wrap="none" rtlCol="0">
-            <a:spAutoFit/>
-          </a:bodyPr>
-          <a:lstStyle/>
-          <a:p>
-            <a:r>
-              <a:rPr lang="en-US" sz="1200" dirty="0" smtClean="0"/>
-              <a:t>Get all </a:t>
-            </a:r>
-          </a:p>
-          <a:p>
-            <a:r>
-              <a:rPr lang="en-US" sz="1200" dirty="0" smtClean="0"/>
-              <a:t>user’s</a:t>
-            </a:r>
-          </a:p>
-          <a:p>
-            <a:r>
-              <a:rPr lang="en-US" sz="1200" dirty="0" smtClean="0"/>
-              <a:t>file </a:t>
-            </a:r>
-          </a:p>
-          <a:p>
-            <a:r>
-              <a:rPr lang="en-US" sz="1200" dirty="0" smtClean="0"/>
-              <a:t>Info</a:t>
-            </a:r>
-            <a:endParaRPr lang="en-IN" sz="1200" dirty="0"/>
-          </a:p>
-        </p:txBody>
-      </p:sp>
-      <p:sp>
-        <p:nvSpPr>
-          <p:cNvPr id="212" name="TextBox 211"/>
-          <p:cNvSpPr txBox="1"/>
-          <p:nvPr/>
-        </p:nvSpPr>
-        <p:spPr>
-          <a:xfrm>
-            <a:off x="251520" y="2564904"/>
-            <a:ext cx="713593" cy="461665"/>
-          </a:xfrm>
-          <a:prstGeom prst="rect">
-            <a:avLst/>
-          </a:prstGeom>
-          <a:noFill/>
-        </p:spPr>
-        <p:txBody>
-          <a:bodyPr wrap="none" rtlCol="0">
-            <a:spAutoFit/>
-          </a:bodyPr>
-          <a:lstStyle/>
-          <a:p>
-            <a:r>
-              <a:rPr lang="en-US" sz="1200" dirty="0" smtClean="0"/>
-              <a:t>User’s</a:t>
-            </a:r>
-          </a:p>
-          <a:p>
-            <a:r>
-              <a:rPr lang="en-US" sz="1200" dirty="0" smtClean="0"/>
-              <a:t>File data</a:t>
-            </a:r>
-            <a:endParaRPr lang="en-IN" sz="1200" dirty="0"/>
-          </a:p>
-        </p:txBody>
-      </p:sp>
-      <p:sp>
-        <p:nvSpPr>
-          <p:cNvPr id="213" name="TextBox 212"/>
-          <p:cNvSpPr txBox="1"/>
-          <p:nvPr/>
-        </p:nvSpPr>
-        <p:spPr>
-          <a:xfrm>
-            <a:off x="1259632" y="2708920"/>
-            <a:ext cx="677493" cy="276999"/>
-          </a:xfrm>
-          <a:prstGeom prst="rect">
-            <a:avLst/>
-          </a:prstGeom>
-          <a:noFill/>
-        </p:spPr>
-        <p:txBody>
-          <a:bodyPr wrap="none" rtlCol="0">
-            <a:spAutoFit/>
-          </a:bodyPr>
-          <a:lstStyle/>
-          <a:p>
-            <a:r>
-              <a:rPr lang="en-US" sz="1200" dirty="0" smtClean="0"/>
-              <a:t>File info</a:t>
-            </a:r>
-            <a:endParaRPr lang="en-IN" sz="1200" dirty="0"/>
-          </a:p>
-        </p:txBody>
-      </p:sp>
-      <p:sp>
-        <p:nvSpPr>
-          <p:cNvPr id="214" name="TextBox 213"/>
-          <p:cNvSpPr txBox="1"/>
-          <p:nvPr/>
-        </p:nvSpPr>
-        <p:spPr>
-          <a:xfrm>
-            <a:off x="8706060" y="4077072"/>
-            <a:ext cx="437940" cy="461665"/>
-          </a:xfrm>
-          <a:prstGeom prst="rect">
-            <a:avLst/>
-          </a:prstGeom>
-          <a:noFill/>
-        </p:spPr>
-        <p:txBody>
-          <a:bodyPr wrap="none" rtlCol="0">
-            <a:spAutoFit/>
-          </a:bodyPr>
-          <a:lstStyle/>
-          <a:p>
-            <a:r>
-              <a:rPr lang="en-US" sz="1200" dirty="0" smtClean="0"/>
-              <a:t>File </a:t>
-            </a:r>
-          </a:p>
-          <a:p>
-            <a:r>
-              <a:rPr lang="en-US" sz="1200" dirty="0" smtClean="0"/>
-              <a:t>info</a:t>
-            </a:r>
-            <a:endParaRPr lang="en-IN" sz="1200" dirty="0"/>
-          </a:p>
-        </p:txBody>
-      </p:sp>
-      <p:sp>
-        <p:nvSpPr>
-          <p:cNvPr id="215" name="TextBox 214"/>
-          <p:cNvSpPr txBox="1"/>
-          <p:nvPr/>
-        </p:nvSpPr>
-        <p:spPr>
-          <a:xfrm>
-            <a:off x="6372200" y="3933056"/>
-            <a:ext cx="1135888" cy="276999"/>
-          </a:xfrm>
-          <a:prstGeom prst="rect">
-            <a:avLst/>
-          </a:prstGeom>
-          <a:noFill/>
-        </p:spPr>
-        <p:txBody>
-          <a:bodyPr wrap="none" rtlCol="0">
-            <a:spAutoFit/>
-          </a:bodyPr>
-          <a:lstStyle/>
-          <a:p>
-            <a:r>
-              <a:rPr lang="en-US" sz="1200" dirty="0" smtClean="0"/>
-              <a:t>User’s File data</a:t>
-            </a:r>
-            <a:endParaRPr lang="en-IN" sz="1200" dirty="0"/>
-          </a:p>
-        </p:txBody>
-      </p:sp>
-      <p:sp>
-        <p:nvSpPr>
-          <p:cNvPr id="216" name="TextBox 215"/>
-          <p:cNvSpPr txBox="1"/>
-          <p:nvPr/>
-        </p:nvSpPr>
-        <p:spPr>
-          <a:xfrm>
-            <a:off x="338802" y="910461"/>
-            <a:ext cx="848822" cy="646331"/>
-          </a:xfrm>
-          <a:prstGeom prst="rect">
-            <a:avLst/>
-          </a:prstGeom>
-          <a:noFill/>
-        </p:spPr>
-        <p:txBody>
-          <a:bodyPr wrap="none" rtlCol="0">
-            <a:spAutoFit/>
-          </a:bodyPr>
-          <a:lstStyle/>
-          <a:p>
-            <a:r>
-              <a:rPr lang="en-US" sz="1200" dirty="0" smtClean="0"/>
-              <a:t>Provide </a:t>
-            </a:r>
-          </a:p>
-          <a:p>
-            <a:r>
-              <a:rPr lang="en-US" sz="1200" dirty="0" smtClean="0"/>
-              <a:t>user’s</a:t>
-            </a:r>
-          </a:p>
-          <a:p>
-            <a:r>
-              <a:rPr lang="en-US" sz="1200" dirty="0" smtClean="0"/>
-              <a:t>File details</a:t>
-            </a:r>
-          </a:p>
-        </p:txBody>
-      </p:sp>
+          <a:ln>
+            <a:solidFill>
+              <a:schemeClr val="tx1"/>
+            </a:solidFill>
+            <a:tailEnd type="arrow"/>
+          </a:ln>
+        </p:spPr>
+        <p:style>
+          <a:lnRef idx="1">
+            <a:schemeClr val="accent1"/>
+          </a:lnRef>
+          <a:fillRef idx="0">
+            <a:schemeClr val="accent1"/>
+          </a:fillRef>
+          <a:effectRef idx="0">
+            <a:schemeClr val="accent1"/>
+          </a:effectRef>
+          <a:fontRef idx="minor">
+            <a:schemeClr val="tx1"/>
+          </a:fontRef>
+        </p:style>
+      </p:cxnSp>
     </p:spTree>
   </p:cSld>
   <p:clrMapOvr>
@@ -8486,14 +6991,14 @@
           <a:effectLst/>
           <a:extLst>
             <a:ext uri="{909E8E84-426E-40DD-AFC4-6F175D3DCCD1}">
-              <a14:hiddenFill xmlns:a14="http://schemas.microsoft.com/office/drawing/2010/main">
+              <a14:hiddenFill xmlns="" xmlns:a14="http://schemas.microsoft.com/office/drawing/2010/main">
                 <a:solidFill>
                   <a:schemeClr val="accent1"/>
                 </a:solidFill>
               </a14:hiddenFill>
             </a:ext>
             <a:ext uri="{AF507438-7753-43E0-B8FC-AC1667EBCBE1}">
-              <a14:hiddenEffects xmlns:a14="http://schemas.microsoft.com/office/drawing/2010/main">
+              <a14:hiddenEffects xmlns="" xmlns:a14="http://schemas.microsoft.com/office/drawing/2010/main">
                 <a:effectLst>
                   <a:outerShdw dist="35921" dir="2700000" algn="ctr" rotWithShape="0">
                     <a:schemeClr val="bg2"/>
@@ -8565,14 +7070,14 @@
           <a:effectLst/>
           <a:extLst>
             <a:ext uri="{909E8E84-426E-40DD-AFC4-6F175D3DCCD1}">
-              <a14:hiddenFill xmlns:a14="http://schemas.microsoft.com/office/drawing/2010/main">
+              <a14:hiddenFill xmlns="" xmlns:a14="http://schemas.microsoft.com/office/drawing/2010/main">
                 <a:solidFill>
                   <a:schemeClr val="accent1"/>
                 </a:solidFill>
               </a14:hiddenFill>
             </a:ext>
             <a:ext uri="{AF507438-7753-43E0-B8FC-AC1667EBCBE1}">
-              <a14:hiddenEffects xmlns:a14="http://schemas.microsoft.com/office/drawing/2010/main">
+              <a14:hiddenEffects xmlns="" xmlns:a14="http://schemas.microsoft.com/office/drawing/2010/main">
                 <a:effectLst>
                   <a:outerShdw dist="35921" dir="2700000" algn="ctr" rotWithShape="0">
                     <a:schemeClr val="bg2"/>
@@ -8644,14 +7149,14 @@
           <a:effectLst/>
           <a:extLst>
             <a:ext uri="{909E8E84-426E-40DD-AFC4-6F175D3DCCD1}">
-              <a14:hiddenFill xmlns:a14="http://schemas.microsoft.com/office/drawing/2010/main">
+              <a14:hiddenFill xmlns="" xmlns:a14="http://schemas.microsoft.com/office/drawing/2010/main">
                 <a:solidFill>
                   <a:schemeClr val="accent1"/>
                 </a:solidFill>
               </a14:hiddenFill>
             </a:ext>
             <a:ext uri="{AF507438-7753-43E0-B8FC-AC1667EBCBE1}">
-              <a14:hiddenEffects xmlns:a14="http://schemas.microsoft.com/office/drawing/2010/main">
+              <a14:hiddenEffects xmlns="" xmlns:a14="http://schemas.microsoft.com/office/drawing/2010/main">
                 <a:effectLst>
                   <a:outerShdw dist="35921" dir="2700000" algn="ctr" rotWithShape="0">
                     <a:schemeClr val="bg2"/>
@@ -8723,14 +7228,14 @@
           <a:effectLst/>
           <a:extLst>
             <a:ext uri="{909E8E84-426E-40DD-AFC4-6F175D3DCCD1}">
-              <a14:hiddenFill xmlns:a14="http://schemas.microsoft.com/office/drawing/2010/main">
+              <a14:hiddenFill xmlns="" xmlns:a14="http://schemas.microsoft.com/office/drawing/2010/main">
                 <a:solidFill>
                   <a:schemeClr val="accent1"/>
                 </a:solidFill>
               </a14:hiddenFill>
             </a:ext>
             <a:ext uri="{AF507438-7753-43E0-B8FC-AC1667EBCBE1}">
-              <a14:hiddenEffects xmlns:a14="http://schemas.microsoft.com/office/drawing/2010/main">
+              <a14:hiddenEffects xmlns="" xmlns:a14="http://schemas.microsoft.com/office/drawing/2010/main">
                 <a:effectLst>
                   <a:outerShdw dist="35921" dir="2700000" algn="ctr" rotWithShape="0">
                     <a:schemeClr val="bg2"/>
@@ -8819,14 +7324,14 @@
               <a:effectLst/>
               <a:extLst>
                 <a:ext uri="{909E8E84-426E-40DD-AFC4-6F175D3DCCD1}">
-                  <a14:hiddenFill xmlns:a14="http://schemas.microsoft.com/office/drawing/2010/main">
+                  <a14:hiddenFill xmlns="" xmlns:a14="http://schemas.microsoft.com/office/drawing/2010/main">
                     <a:solidFill>
                       <a:schemeClr val="accent1"/>
                     </a:solidFill>
                   </a14:hiddenFill>
                 </a:ext>
                 <a:ext uri="{AF507438-7753-43E0-B8FC-AC1667EBCBE1}">
-                  <a14:hiddenEffects xmlns:a14="http://schemas.microsoft.com/office/drawing/2010/main">
+                  <a14:hiddenEffects xmlns="" xmlns:a14="http://schemas.microsoft.com/office/drawing/2010/main">
                     <a:effectLst>
                       <a:outerShdw dist="35921" dir="2700000" algn="ctr" rotWithShape="0">
                         <a:schemeClr val="bg2"/>
@@ -8872,12 +7377,12 @@
               <a:effectLst/>
               <a:extLst>
                 <a:ext uri="{909E8E84-426E-40DD-AFC4-6F175D3DCCD1}">
-                  <a14:hiddenFill xmlns:a14="http://schemas.microsoft.com/office/drawing/2010/main">
+                  <a14:hiddenFill xmlns="" xmlns:a14="http://schemas.microsoft.com/office/drawing/2010/main">
                     <a:noFill/>
                   </a14:hiddenFill>
                 </a:ext>
                 <a:ext uri="{AF507438-7753-43E0-B8FC-AC1667EBCBE1}">
-                  <a14:hiddenEffects xmlns:a14="http://schemas.microsoft.com/office/drawing/2010/main">
+                  <a14:hiddenEffects xmlns="" xmlns:a14="http://schemas.microsoft.com/office/drawing/2010/main">
                     <a:effectLst>
                       <a:outerShdw dist="35921" dir="2700000" algn="ctr" rotWithShape="0">
                         <a:schemeClr val="bg2"/>
@@ -8919,14 +7424,14 @@
             <a:effectLst/>
             <a:extLst>
               <a:ext uri="{909E8E84-426E-40DD-AFC4-6F175D3DCCD1}">
-                <a14:hiddenFill xmlns:a14="http://schemas.microsoft.com/office/drawing/2010/main">
+                <a14:hiddenFill xmlns="" xmlns:a14="http://schemas.microsoft.com/office/drawing/2010/main">
                   <a:solidFill>
                     <a:schemeClr val="accent1"/>
                   </a:solidFill>
                 </a14:hiddenFill>
               </a:ext>
               <a:ext uri="{91240B29-F687-4F45-9708-019B960494DF}">
-                <a14:hiddenLine xmlns:a14="http://schemas.microsoft.com/office/drawing/2010/main" w="9525">
+                <a14:hiddenLine xmlns="" xmlns:a14="http://schemas.microsoft.com/office/drawing/2010/main" w="9525">
                   <a:solidFill>
                     <a:schemeClr val="tx1"/>
                   </a:solidFill>
@@ -8936,7 +7441,7 @@
                 </a14:hiddenLine>
               </a:ext>
               <a:ext uri="{AF507438-7753-43E0-B8FC-AC1667EBCBE1}">
-                <a14:hiddenEffects xmlns:a14="http://schemas.microsoft.com/office/drawing/2010/main">
+                <a14:hiddenEffects xmlns="" xmlns:a14="http://schemas.microsoft.com/office/drawing/2010/main">
                   <a:effectLst>
                     <a:outerShdw dist="35921" dir="2700000" algn="ctr" rotWithShape="0">
                       <a:schemeClr val="bg2"/>
@@ -8998,12 +7503,12 @@
           <a:effectLst/>
           <a:extLst>
             <a:ext uri="{909E8E84-426E-40DD-AFC4-6F175D3DCCD1}">
-              <a14:hiddenFill xmlns:a14="http://schemas.microsoft.com/office/drawing/2010/main">
+              <a14:hiddenFill xmlns="" xmlns:a14="http://schemas.microsoft.com/office/drawing/2010/main">
                 <a:noFill/>
               </a14:hiddenFill>
             </a:ext>
             <a:ext uri="{AF507438-7753-43E0-B8FC-AC1667EBCBE1}">
-              <a14:hiddenEffects xmlns:a14="http://schemas.microsoft.com/office/drawing/2010/main">
+              <a14:hiddenEffects xmlns="" xmlns:a14="http://schemas.microsoft.com/office/drawing/2010/main">
                 <a:effectLst>
                   <a:outerShdw dist="35921" dir="2700000" algn="ctr" rotWithShape="0">
                     <a:schemeClr val="bg2"/>
@@ -9044,12 +7549,12 @@
           <a:effectLst/>
           <a:extLst>
             <a:ext uri="{909E8E84-426E-40DD-AFC4-6F175D3DCCD1}">
-              <a14:hiddenFill xmlns:a14="http://schemas.microsoft.com/office/drawing/2010/main">
+              <a14:hiddenFill xmlns="" xmlns:a14="http://schemas.microsoft.com/office/drawing/2010/main">
                 <a:noFill/>
               </a14:hiddenFill>
             </a:ext>
             <a:ext uri="{AF507438-7753-43E0-B8FC-AC1667EBCBE1}">
-              <a14:hiddenEffects xmlns:a14="http://schemas.microsoft.com/office/drawing/2010/main">
+              <a14:hiddenEffects xmlns="" xmlns:a14="http://schemas.microsoft.com/office/drawing/2010/main">
                 <a:effectLst>
                   <a:outerShdw dist="35921" dir="2700000" algn="ctr" rotWithShape="0">
                     <a:schemeClr val="bg2"/>
@@ -9090,12 +7595,12 @@
           <a:effectLst/>
           <a:extLst>
             <a:ext uri="{909E8E84-426E-40DD-AFC4-6F175D3DCCD1}">
-              <a14:hiddenFill xmlns:a14="http://schemas.microsoft.com/office/drawing/2010/main">
+              <a14:hiddenFill xmlns="" xmlns:a14="http://schemas.microsoft.com/office/drawing/2010/main">
                 <a:noFill/>
               </a14:hiddenFill>
             </a:ext>
             <a:ext uri="{AF507438-7753-43E0-B8FC-AC1667EBCBE1}">
-              <a14:hiddenEffects xmlns:a14="http://schemas.microsoft.com/office/drawing/2010/main">
+              <a14:hiddenEffects xmlns="" xmlns:a14="http://schemas.microsoft.com/office/drawing/2010/main">
                 <a:effectLst>
                   <a:outerShdw dist="35921" dir="2700000" algn="ctr" rotWithShape="0">
                     <a:schemeClr val="bg2"/>
@@ -9136,12 +7641,12 @@
           <a:effectLst/>
           <a:extLst>
             <a:ext uri="{909E8E84-426E-40DD-AFC4-6F175D3DCCD1}">
-              <a14:hiddenFill xmlns:a14="http://schemas.microsoft.com/office/drawing/2010/main">
+              <a14:hiddenFill xmlns="" xmlns:a14="http://schemas.microsoft.com/office/drawing/2010/main">
                 <a:noFill/>
               </a14:hiddenFill>
             </a:ext>
             <a:ext uri="{AF507438-7753-43E0-B8FC-AC1667EBCBE1}">
-              <a14:hiddenEffects xmlns:a14="http://schemas.microsoft.com/office/drawing/2010/main">
+              <a14:hiddenEffects xmlns="" xmlns:a14="http://schemas.microsoft.com/office/drawing/2010/main">
                 <a:effectLst>
                   <a:outerShdw dist="35921" dir="2700000" algn="ctr" rotWithShape="0">
                     <a:schemeClr val="bg2"/>
@@ -9182,12 +7687,12 @@
           <a:effectLst/>
           <a:extLst>
             <a:ext uri="{909E8E84-426E-40DD-AFC4-6F175D3DCCD1}">
-              <a14:hiddenFill xmlns:a14="http://schemas.microsoft.com/office/drawing/2010/main">
+              <a14:hiddenFill xmlns="" xmlns:a14="http://schemas.microsoft.com/office/drawing/2010/main">
                 <a:noFill/>
               </a14:hiddenFill>
             </a:ext>
             <a:ext uri="{AF507438-7753-43E0-B8FC-AC1667EBCBE1}">
-              <a14:hiddenEffects xmlns:a14="http://schemas.microsoft.com/office/drawing/2010/main">
+              <a14:hiddenEffects xmlns="" xmlns:a14="http://schemas.microsoft.com/office/drawing/2010/main">
                 <a:effectLst>
                   <a:outerShdw dist="35921" dir="2700000" algn="ctr" rotWithShape="0">
                     <a:schemeClr val="bg2"/>
@@ -9221,14 +7726,14 @@
           <a:effectLst/>
           <a:extLst>
             <a:ext uri="{909E8E84-426E-40DD-AFC4-6F175D3DCCD1}">
-              <a14:hiddenFill xmlns:a14="http://schemas.microsoft.com/office/drawing/2010/main">
+              <a14:hiddenFill xmlns="" xmlns:a14="http://schemas.microsoft.com/office/drawing/2010/main">
                 <a:solidFill>
                   <a:schemeClr val="accent1"/>
                 </a:solidFill>
               </a14:hiddenFill>
             </a:ext>
             <a:ext uri="{91240B29-F687-4F45-9708-019B960494DF}">
-              <a14:hiddenLine xmlns:a14="http://schemas.microsoft.com/office/drawing/2010/main" w="9525">
+              <a14:hiddenLine xmlns="" xmlns:a14="http://schemas.microsoft.com/office/drawing/2010/main" w="9525">
                 <a:solidFill>
                   <a:schemeClr val="tx1"/>
                 </a:solidFill>
@@ -9238,7 +7743,7 @@
               </a14:hiddenLine>
             </a:ext>
             <a:ext uri="{AF507438-7753-43E0-B8FC-AC1667EBCBE1}">
-              <a14:hiddenEffects xmlns:a14="http://schemas.microsoft.com/office/drawing/2010/main">
+              <a14:hiddenEffects xmlns="" xmlns:a14="http://schemas.microsoft.com/office/drawing/2010/main">
                 <a:effectLst>
                   <a:outerShdw dist="35921" dir="2700000" algn="ctr" rotWithShape="0">
                     <a:schemeClr val="bg2"/>
@@ -9288,14 +7793,14 @@
           <a:effectLst/>
           <a:extLst>
             <a:ext uri="{909E8E84-426E-40DD-AFC4-6F175D3DCCD1}">
-              <a14:hiddenFill xmlns:a14="http://schemas.microsoft.com/office/drawing/2010/main">
+              <a14:hiddenFill xmlns="" xmlns:a14="http://schemas.microsoft.com/office/drawing/2010/main">
                 <a:solidFill>
                   <a:schemeClr val="accent1"/>
                 </a:solidFill>
               </a14:hiddenFill>
             </a:ext>
             <a:ext uri="{91240B29-F687-4F45-9708-019B960494DF}">
-              <a14:hiddenLine xmlns:a14="http://schemas.microsoft.com/office/drawing/2010/main" w="9525">
+              <a14:hiddenLine xmlns="" xmlns:a14="http://schemas.microsoft.com/office/drawing/2010/main" w="9525">
                 <a:solidFill>
                   <a:schemeClr val="tx1"/>
                 </a:solidFill>
@@ -9305,7 +7810,7 @@
               </a14:hiddenLine>
             </a:ext>
             <a:ext uri="{AF507438-7753-43E0-B8FC-AC1667EBCBE1}">
-              <a14:hiddenEffects xmlns:a14="http://schemas.microsoft.com/office/drawing/2010/main">
+              <a14:hiddenEffects xmlns="" xmlns:a14="http://schemas.microsoft.com/office/drawing/2010/main">
                 <a:effectLst>
                   <a:outerShdw dist="35921" dir="2700000" algn="ctr" rotWithShape="0">
                     <a:schemeClr val="bg2"/>
@@ -9355,14 +7860,14 @@
           <a:effectLst/>
           <a:extLst>
             <a:ext uri="{909E8E84-426E-40DD-AFC4-6F175D3DCCD1}">
-              <a14:hiddenFill xmlns:a14="http://schemas.microsoft.com/office/drawing/2010/main">
+              <a14:hiddenFill xmlns="" xmlns:a14="http://schemas.microsoft.com/office/drawing/2010/main">
                 <a:solidFill>
                   <a:schemeClr val="accent1"/>
                 </a:solidFill>
               </a14:hiddenFill>
             </a:ext>
             <a:ext uri="{91240B29-F687-4F45-9708-019B960494DF}">
-              <a14:hiddenLine xmlns:a14="http://schemas.microsoft.com/office/drawing/2010/main" w="9525">
+              <a14:hiddenLine xmlns="" xmlns:a14="http://schemas.microsoft.com/office/drawing/2010/main" w="9525">
                 <a:solidFill>
                   <a:schemeClr val="tx1"/>
                 </a:solidFill>
@@ -9372,7 +7877,7 @@
               </a14:hiddenLine>
             </a:ext>
             <a:ext uri="{AF507438-7753-43E0-B8FC-AC1667EBCBE1}">
-              <a14:hiddenEffects xmlns:a14="http://schemas.microsoft.com/office/drawing/2010/main">
+              <a14:hiddenEffects xmlns="" xmlns:a14="http://schemas.microsoft.com/office/drawing/2010/main">
                 <a:effectLst>
                   <a:outerShdw dist="35921" dir="2700000" algn="ctr" rotWithShape="0">
                     <a:schemeClr val="bg2"/>
@@ -9419,14 +7924,14 @@
           <a:effectLst/>
           <a:extLst>
             <a:ext uri="{909E8E84-426E-40DD-AFC4-6F175D3DCCD1}">
-              <a14:hiddenFill xmlns:a14="http://schemas.microsoft.com/office/drawing/2010/main">
+              <a14:hiddenFill xmlns="" xmlns:a14="http://schemas.microsoft.com/office/drawing/2010/main">
                 <a:solidFill>
                   <a:schemeClr val="accent1"/>
                 </a:solidFill>
               </a14:hiddenFill>
             </a:ext>
             <a:ext uri="{91240B29-F687-4F45-9708-019B960494DF}">
-              <a14:hiddenLine xmlns:a14="http://schemas.microsoft.com/office/drawing/2010/main" w="9525">
+              <a14:hiddenLine xmlns="" xmlns:a14="http://schemas.microsoft.com/office/drawing/2010/main" w="9525">
                 <a:solidFill>
                   <a:schemeClr val="tx1"/>
                 </a:solidFill>
@@ -9436,7 +7941,7 @@
               </a14:hiddenLine>
             </a:ext>
             <a:ext uri="{AF507438-7753-43E0-B8FC-AC1667EBCBE1}">
-              <a14:hiddenEffects xmlns:a14="http://schemas.microsoft.com/office/drawing/2010/main">
+              <a14:hiddenEffects xmlns="" xmlns:a14="http://schemas.microsoft.com/office/drawing/2010/main">
                 <a:effectLst>
                   <a:outerShdw dist="35921" dir="2700000" algn="ctr" rotWithShape="0">
                     <a:schemeClr val="bg2"/>
@@ -9490,14 +7995,14 @@
           <a:effectLst/>
           <a:extLst>
             <a:ext uri="{909E8E84-426E-40DD-AFC4-6F175D3DCCD1}">
-              <a14:hiddenFill xmlns:a14="http://schemas.microsoft.com/office/drawing/2010/main">
+              <a14:hiddenFill xmlns="" xmlns:a14="http://schemas.microsoft.com/office/drawing/2010/main">
                 <a:solidFill>
                   <a:schemeClr val="accent1"/>
                 </a:solidFill>
               </a14:hiddenFill>
             </a:ext>
             <a:ext uri="{91240B29-F687-4F45-9708-019B960494DF}">
-              <a14:hiddenLine xmlns:a14="http://schemas.microsoft.com/office/drawing/2010/main" w="9525">
+              <a14:hiddenLine xmlns="" xmlns:a14="http://schemas.microsoft.com/office/drawing/2010/main" w="9525">
                 <a:solidFill>
                   <a:schemeClr val="tx1"/>
                 </a:solidFill>
@@ -9507,7 +8012,7 @@
               </a14:hiddenLine>
             </a:ext>
             <a:ext uri="{AF507438-7753-43E0-B8FC-AC1667EBCBE1}">
-              <a14:hiddenEffects xmlns:a14="http://schemas.microsoft.com/office/drawing/2010/main">
+              <a14:hiddenEffects xmlns="" xmlns:a14="http://schemas.microsoft.com/office/drawing/2010/main">
                 <a:effectLst>
                   <a:outerShdw dist="35921" dir="2700000" algn="ctr" rotWithShape="0">
                     <a:schemeClr val="bg2"/>
@@ -9554,14 +8059,14 @@
           <a:effectLst/>
           <a:extLst>
             <a:ext uri="{909E8E84-426E-40DD-AFC4-6F175D3DCCD1}">
-              <a14:hiddenFill xmlns:a14="http://schemas.microsoft.com/office/drawing/2010/main">
+              <a14:hiddenFill xmlns="" xmlns:a14="http://schemas.microsoft.com/office/drawing/2010/main">
                 <a:solidFill>
                   <a:schemeClr val="accent1"/>
                 </a:solidFill>
               </a14:hiddenFill>
             </a:ext>
             <a:ext uri="{91240B29-F687-4F45-9708-019B960494DF}">
-              <a14:hiddenLine xmlns:a14="http://schemas.microsoft.com/office/drawing/2010/main" w="9525">
+              <a14:hiddenLine xmlns="" xmlns:a14="http://schemas.microsoft.com/office/drawing/2010/main" w="9525">
                 <a:solidFill>
                   <a:schemeClr val="tx1"/>
                 </a:solidFill>
@@ -9571,7 +8076,7 @@
               </a14:hiddenLine>
             </a:ext>
             <a:ext uri="{AF507438-7753-43E0-B8FC-AC1667EBCBE1}">
-              <a14:hiddenEffects xmlns:a14="http://schemas.microsoft.com/office/drawing/2010/main">
+              <a14:hiddenEffects xmlns="" xmlns:a14="http://schemas.microsoft.com/office/drawing/2010/main">
                 <a:effectLst>
                   <a:outerShdw dist="35921" dir="2700000" algn="ctr" rotWithShape="0">
                     <a:schemeClr val="bg2"/>
@@ -9626,14 +8131,14 @@
           <a:effectLst/>
           <a:extLst>
             <a:ext uri="{909E8E84-426E-40DD-AFC4-6F175D3DCCD1}">
-              <a14:hiddenFill xmlns:a14="http://schemas.microsoft.com/office/drawing/2010/main">
+              <a14:hiddenFill xmlns="" xmlns:a14="http://schemas.microsoft.com/office/drawing/2010/main">
                 <a:solidFill>
                   <a:schemeClr val="accent1"/>
                 </a:solidFill>
               </a14:hiddenFill>
             </a:ext>
             <a:ext uri="{AF507438-7753-43E0-B8FC-AC1667EBCBE1}">
-              <a14:hiddenEffects xmlns:a14="http://schemas.microsoft.com/office/drawing/2010/main">
+              <a14:hiddenEffects xmlns="" xmlns:a14="http://schemas.microsoft.com/office/drawing/2010/main">
                 <a:effectLst>
                   <a:outerShdw dist="35921" dir="2700000" algn="ctr" rotWithShape="0">
                     <a:schemeClr val="bg2"/>
@@ -9698,14 +8203,14 @@
           <a:effectLst/>
           <a:extLst>
             <a:ext uri="{909E8E84-426E-40DD-AFC4-6F175D3DCCD1}">
-              <a14:hiddenFill xmlns:a14="http://schemas.microsoft.com/office/drawing/2010/main">
+              <a14:hiddenFill xmlns="" xmlns:a14="http://schemas.microsoft.com/office/drawing/2010/main">
                 <a:solidFill>
                   <a:schemeClr val="accent1"/>
                 </a:solidFill>
               </a14:hiddenFill>
             </a:ext>
             <a:ext uri="{AF507438-7753-43E0-B8FC-AC1667EBCBE1}">
-              <a14:hiddenEffects xmlns:a14="http://schemas.microsoft.com/office/drawing/2010/main">
+              <a14:hiddenEffects xmlns="" xmlns:a14="http://schemas.microsoft.com/office/drawing/2010/main">
                 <a:effectLst>
                   <a:outerShdw dist="35921" dir="2700000" algn="ctr" rotWithShape="0">
                     <a:schemeClr val="bg2"/>
@@ -9770,14 +8275,14 @@
           <a:effectLst/>
           <a:extLst>
             <a:ext uri="{909E8E84-426E-40DD-AFC4-6F175D3DCCD1}">
-              <a14:hiddenFill xmlns:a14="http://schemas.microsoft.com/office/drawing/2010/main">
+              <a14:hiddenFill xmlns="" xmlns:a14="http://schemas.microsoft.com/office/drawing/2010/main">
                 <a:solidFill>
                   <a:schemeClr val="accent1"/>
                 </a:solidFill>
               </a14:hiddenFill>
             </a:ext>
             <a:ext uri="{AF507438-7753-43E0-B8FC-AC1667EBCBE1}">
-              <a14:hiddenEffects xmlns:a14="http://schemas.microsoft.com/office/drawing/2010/main">
+              <a14:hiddenEffects xmlns="" xmlns:a14="http://schemas.microsoft.com/office/drawing/2010/main">
                 <a:effectLst>
                   <a:outerShdw dist="35921" dir="2700000" algn="ctr" rotWithShape="0">
                     <a:schemeClr val="bg2"/>
@@ -9894,14 +8399,14 @@
               <a:effectLst/>
               <a:extLst>
                 <a:ext uri="{909E8E84-426E-40DD-AFC4-6F175D3DCCD1}">
-                  <a14:hiddenFill xmlns:a14="http://schemas.microsoft.com/office/drawing/2010/main">
+                  <a14:hiddenFill xmlns="" xmlns:a14="http://schemas.microsoft.com/office/drawing/2010/main">
                     <a:solidFill>
                       <a:schemeClr val="accent1"/>
                     </a:solidFill>
                   </a14:hiddenFill>
                 </a:ext>
                 <a:ext uri="{AF507438-7753-43E0-B8FC-AC1667EBCBE1}">
-                  <a14:hiddenEffects xmlns:a14="http://schemas.microsoft.com/office/drawing/2010/main">
+                  <a14:hiddenEffects xmlns="" xmlns:a14="http://schemas.microsoft.com/office/drawing/2010/main">
                     <a:effectLst>
                       <a:outerShdw dist="35921" dir="2700000" algn="ctr" rotWithShape="0">
                         <a:schemeClr val="bg2"/>
@@ -9947,12 +8452,12 @@
               <a:effectLst/>
               <a:extLst>
                 <a:ext uri="{909E8E84-426E-40DD-AFC4-6F175D3DCCD1}">
-                  <a14:hiddenFill xmlns:a14="http://schemas.microsoft.com/office/drawing/2010/main">
+                  <a14:hiddenFill xmlns="" xmlns:a14="http://schemas.microsoft.com/office/drawing/2010/main">
                     <a:noFill/>
                   </a14:hiddenFill>
                 </a:ext>
                 <a:ext uri="{AF507438-7753-43E0-B8FC-AC1667EBCBE1}">
-                  <a14:hiddenEffects xmlns:a14="http://schemas.microsoft.com/office/drawing/2010/main">
+                  <a14:hiddenEffects xmlns="" xmlns:a14="http://schemas.microsoft.com/office/drawing/2010/main">
                     <a:effectLst>
                       <a:outerShdw dist="35921" dir="2700000" algn="ctr" rotWithShape="0">
                         <a:schemeClr val="bg2"/>
@@ -9994,14 +8499,14 @@
             <a:effectLst/>
             <a:extLst>
               <a:ext uri="{909E8E84-426E-40DD-AFC4-6F175D3DCCD1}">
-                <a14:hiddenFill xmlns:a14="http://schemas.microsoft.com/office/drawing/2010/main">
+                <a14:hiddenFill xmlns="" xmlns:a14="http://schemas.microsoft.com/office/drawing/2010/main">
                   <a:solidFill>
                     <a:schemeClr val="accent1"/>
                   </a:solidFill>
                 </a14:hiddenFill>
               </a:ext>
               <a:ext uri="{91240B29-F687-4F45-9708-019B960494DF}">
-                <a14:hiddenLine xmlns:a14="http://schemas.microsoft.com/office/drawing/2010/main" w="9525">
+                <a14:hiddenLine xmlns="" xmlns:a14="http://schemas.microsoft.com/office/drawing/2010/main" w="9525">
                   <a:solidFill>
                     <a:schemeClr val="tx1"/>
                   </a:solidFill>
@@ -10011,7 +8516,7 @@
                 </a14:hiddenLine>
               </a:ext>
               <a:ext uri="{AF507438-7753-43E0-B8FC-AC1667EBCBE1}">
-                <a14:hiddenEffects xmlns:a14="http://schemas.microsoft.com/office/drawing/2010/main">
+                <a14:hiddenEffects xmlns="" xmlns:a14="http://schemas.microsoft.com/office/drawing/2010/main">
                   <a:effectLst>
                     <a:outerShdw dist="35921" dir="2700000" algn="ctr" rotWithShape="0">
                       <a:schemeClr val="bg2"/>
@@ -10071,12 +8576,12 @@
           <a:effectLst/>
           <a:extLst>
             <a:ext uri="{909E8E84-426E-40DD-AFC4-6F175D3DCCD1}">
-              <a14:hiddenFill xmlns:a14="http://schemas.microsoft.com/office/drawing/2010/main">
+              <a14:hiddenFill xmlns="" xmlns:a14="http://schemas.microsoft.com/office/drawing/2010/main">
                 <a:noFill/>
               </a14:hiddenFill>
             </a:ext>
             <a:ext uri="{AF507438-7753-43E0-B8FC-AC1667EBCBE1}">
-              <a14:hiddenEffects xmlns:a14="http://schemas.microsoft.com/office/drawing/2010/main">
+              <a14:hiddenEffects xmlns="" xmlns:a14="http://schemas.microsoft.com/office/drawing/2010/main">
                 <a:effectLst>
                   <a:outerShdw dist="35921" dir="2700000" algn="ctr" rotWithShape="0">
                     <a:schemeClr val="bg2"/>
@@ -10119,12 +8624,12 @@
           <a:effectLst/>
           <a:extLst>
             <a:ext uri="{909E8E84-426E-40DD-AFC4-6F175D3DCCD1}">
-              <a14:hiddenFill xmlns:a14="http://schemas.microsoft.com/office/drawing/2010/main">
+              <a14:hiddenFill xmlns="" xmlns:a14="http://schemas.microsoft.com/office/drawing/2010/main">
                 <a:noFill/>
               </a14:hiddenFill>
             </a:ext>
             <a:ext uri="{AF507438-7753-43E0-B8FC-AC1667EBCBE1}">
-              <a14:hiddenEffects xmlns:a14="http://schemas.microsoft.com/office/drawing/2010/main">
+              <a14:hiddenEffects xmlns="" xmlns:a14="http://schemas.microsoft.com/office/drawing/2010/main">
                 <a:effectLst>
                   <a:outerShdw dist="35921" dir="2700000" algn="ctr" rotWithShape="0">
                     <a:schemeClr val="bg2"/>
@@ -10195,14 +8700,14 @@
               <a:effectLst/>
               <a:extLst>
                 <a:ext uri="{909E8E84-426E-40DD-AFC4-6F175D3DCCD1}">
-                  <a14:hiddenFill xmlns:a14="http://schemas.microsoft.com/office/drawing/2010/main">
+                  <a14:hiddenFill xmlns="" xmlns:a14="http://schemas.microsoft.com/office/drawing/2010/main">
                     <a:solidFill>
                       <a:schemeClr val="accent1"/>
                     </a:solidFill>
                   </a14:hiddenFill>
                 </a:ext>
                 <a:ext uri="{AF507438-7753-43E0-B8FC-AC1667EBCBE1}">
-                  <a14:hiddenEffects xmlns:a14="http://schemas.microsoft.com/office/drawing/2010/main">
+                  <a14:hiddenEffects xmlns="" xmlns:a14="http://schemas.microsoft.com/office/drawing/2010/main">
                     <a:effectLst>
                       <a:outerShdw dist="35921" dir="2700000" algn="ctr" rotWithShape="0">
                         <a:schemeClr val="bg2"/>
@@ -10248,12 +8753,12 @@
               <a:effectLst/>
               <a:extLst>
                 <a:ext uri="{909E8E84-426E-40DD-AFC4-6F175D3DCCD1}">
-                  <a14:hiddenFill xmlns:a14="http://schemas.microsoft.com/office/drawing/2010/main">
+                  <a14:hiddenFill xmlns="" xmlns:a14="http://schemas.microsoft.com/office/drawing/2010/main">
                     <a:noFill/>
                   </a14:hiddenFill>
                 </a:ext>
                 <a:ext uri="{AF507438-7753-43E0-B8FC-AC1667EBCBE1}">
-                  <a14:hiddenEffects xmlns:a14="http://schemas.microsoft.com/office/drawing/2010/main">
+                  <a14:hiddenEffects xmlns="" xmlns:a14="http://schemas.microsoft.com/office/drawing/2010/main">
                     <a:effectLst>
                       <a:outerShdw dist="35921" dir="2700000" algn="ctr" rotWithShape="0">
                         <a:schemeClr val="bg2"/>
@@ -10295,14 +8800,14 @@
             <a:effectLst/>
             <a:extLst>
               <a:ext uri="{909E8E84-426E-40DD-AFC4-6F175D3DCCD1}">
-                <a14:hiddenFill xmlns:a14="http://schemas.microsoft.com/office/drawing/2010/main">
+                <a14:hiddenFill xmlns="" xmlns:a14="http://schemas.microsoft.com/office/drawing/2010/main">
                   <a:solidFill>
                     <a:schemeClr val="accent1"/>
                   </a:solidFill>
                 </a14:hiddenFill>
               </a:ext>
               <a:ext uri="{91240B29-F687-4F45-9708-019B960494DF}">
-                <a14:hiddenLine xmlns:a14="http://schemas.microsoft.com/office/drawing/2010/main" w="9525">
+                <a14:hiddenLine xmlns="" xmlns:a14="http://schemas.microsoft.com/office/drawing/2010/main" w="9525">
                   <a:solidFill>
                     <a:schemeClr val="tx1"/>
                   </a:solidFill>
@@ -10312,7 +8817,7 @@
                 </a14:hiddenLine>
               </a:ext>
               <a:ext uri="{AF507438-7753-43E0-B8FC-AC1667EBCBE1}">
-                <a14:hiddenEffects xmlns:a14="http://schemas.microsoft.com/office/drawing/2010/main">
+                <a14:hiddenEffects xmlns="" xmlns:a14="http://schemas.microsoft.com/office/drawing/2010/main">
                   <a:effectLst>
                     <a:outerShdw dist="35921" dir="2700000" algn="ctr" rotWithShape="0">
                       <a:schemeClr val="bg2"/>
@@ -10372,12 +8877,12 @@
           <a:effectLst/>
           <a:extLst>
             <a:ext uri="{909E8E84-426E-40DD-AFC4-6F175D3DCCD1}">
-              <a14:hiddenFill xmlns:a14="http://schemas.microsoft.com/office/drawing/2010/main">
+              <a14:hiddenFill xmlns="" xmlns:a14="http://schemas.microsoft.com/office/drawing/2010/main">
                 <a:noFill/>
               </a14:hiddenFill>
             </a:ext>
             <a:ext uri="{AF507438-7753-43E0-B8FC-AC1667EBCBE1}">
-              <a14:hiddenEffects xmlns:a14="http://schemas.microsoft.com/office/drawing/2010/main">
+              <a14:hiddenEffects xmlns="" xmlns:a14="http://schemas.microsoft.com/office/drawing/2010/main">
                 <a:effectLst>
                   <a:outerShdw dist="35921" dir="2700000" algn="ctr" rotWithShape="0">
                     <a:schemeClr val="bg2"/>
@@ -10421,12 +8926,12 @@
           <a:effectLst/>
           <a:extLst>
             <a:ext uri="{909E8E84-426E-40DD-AFC4-6F175D3DCCD1}">
-              <a14:hiddenFill xmlns:a14="http://schemas.microsoft.com/office/drawing/2010/main">
+              <a14:hiddenFill xmlns="" xmlns:a14="http://schemas.microsoft.com/office/drawing/2010/main">
                 <a:noFill/>
               </a14:hiddenFill>
             </a:ext>
             <a:ext uri="{AF507438-7753-43E0-B8FC-AC1667EBCBE1}">
-              <a14:hiddenEffects xmlns:a14="http://schemas.microsoft.com/office/drawing/2010/main">
+              <a14:hiddenEffects xmlns="" xmlns:a14="http://schemas.microsoft.com/office/drawing/2010/main">
                 <a:effectLst>
                   <a:outerShdw dist="35921" dir="2700000" algn="ctr" rotWithShape="0">
                     <a:schemeClr val="bg2"/>
@@ -10470,12 +8975,12 @@
           <a:effectLst/>
           <a:extLst>
             <a:ext uri="{909E8E84-426E-40DD-AFC4-6F175D3DCCD1}">
-              <a14:hiddenFill xmlns:a14="http://schemas.microsoft.com/office/drawing/2010/main">
+              <a14:hiddenFill xmlns="" xmlns:a14="http://schemas.microsoft.com/office/drawing/2010/main">
                 <a:noFill/>
               </a14:hiddenFill>
             </a:ext>
             <a:ext uri="{AF507438-7753-43E0-B8FC-AC1667EBCBE1}">
-              <a14:hiddenEffects xmlns:a14="http://schemas.microsoft.com/office/drawing/2010/main">
+              <a14:hiddenEffects xmlns="" xmlns:a14="http://schemas.microsoft.com/office/drawing/2010/main">
                 <a:effectLst>
                   <a:outerShdw dist="35921" dir="2700000" algn="ctr" rotWithShape="0">
                     <a:schemeClr val="bg2"/>
@@ -10516,12 +9021,12 @@
           <a:effectLst/>
           <a:extLst>
             <a:ext uri="{909E8E84-426E-40DD-AFC4-6F175D3DCCD1}">
-              <a14:hiddenFill xmlns:a14="http://schemas.microsoft.com/office/drawing/2010/main">
+              <a14:hiddenFill xmlns="" xmlns:a14="http://schemas.microsoft.com/office/drawing/2010/main">
                 <a:noFill/>
               </a14:hiddenFill>
             </a:ext>
             <a:ext uri="{AF507438-7753-43E0-B8FC-AC1667EBCBE1}">
-              <a14:hiddenEffects xmlns:a14="http://schemas.microsoft.com/office/drawing/2010/main">
+              <a14:hiddenEffects xmlns="" xmlns:a14="http://schemas.microsoft.com/office/drawing/2010/main">
                 <a:effectLst>
                   <a:outerShdw dist="35921" dir="2700000" algn="ctr" rotWithShape="0">
                     <a:schemeClr val="bg2"/>
@@ -10555,14 +9060,14 @@
           <a:effectLst/>
           <a:extLst>
             <a:ext uri="{909E8E84-426E-40DD-AFC4-6F175D3DCCD1}">
-              <a14:hiddenFill xmlns:a14="http://schemas.microsoft.com/office/drawing/2010/main">
+              <a14:hiddenFill xmlns="" xmlns:a14="http://schemas.microsoft.com/office/drawing/2010/main">
                 <a:solidFill>
                   <a:schemeClr val="accent1"/>
                 </a:solidFill>
               </a14:hiddenFill>
             </a:ext>
             <a:ext uri="{91240B29-F687-4F45-9708-019B960494DF}">
-              <a14:hiddenLine xmlns:a14="http://schemas.microsoft.com/office/drawing/2010/main" w="9525">
+              <a14:hiddenLine xmlns="" xmlns:a14="http://schemas.microsoft.com/office/drawing/2010/main" w="9525">
                 <a:solidFill>
                   <a:schemeClr val="tx1"/>
                 </a:solidFill>
@@ -10572,7 +9077,7 @@
               </a14:hiddenLine>
             </a:ext>
             <a:ext uri="{AF507438-7753-43E0-B8FC-AC1667EBCBE1}">
-              <a14:hiddenEffects xmlns:a14="http://schemas.microsoft.com/office/drawing/2010/main">
+              <a14:hiddenEffects xmlns="" xmlns:a14="http://schemas.microsoft.com/office/drawing/2010/main">
                 <a:effectLst>
                   <a:outerShdw dist="35921" dir="2700000" algn="ctr" rotWithShape="0">
                     <a:schemeClr val="bg2"/>
@@ -10618,14 +9123,14 @@
           <a:effectLst/>
           <a:extLst>
             <a:ext uri="{909E8E84-426E-40DD-AFC4-6F175D3DCCD1}">
-              <a14:hiddenFill xmlns:a14="http://schemas.microsoft.com/office/drawing/2010/main">
+              <a14:hiddenFill xmlns="" xmlns:a14="http://schemas.microsoft.com/office/drawing/2010/main">
                 <a:solidFill>
                   <a:schemeClr val="accent1"/>
                 </a:solidFill>
               </a14:hiddenFill>
             </a:ext>
             <a:ext uri="{91240B29-F687-4F45-9708-019B960494DF}">
-              <a14:hiddenLine xmlns:a14="http://schemas.microsoft.com/office/drawing/2010/main" w="9525">
+              <a14:hiddenLine xmlns="" xmlns:a14="http://schemas.microsoft.com/office/drawing/2010/main" w="9525">
                 <a:solidFill>
                   <a:schemeClr val="tx1"/>
                 </a:solidFill>
@@ -10635,7 +9140,7 @@
               </a14:hiddenLine>
             </a:ext>
             <a:ext uri="{AF507438-7753-43E0-B8FC-AC1667EBCBE1}">
-              <a14:hiddenEffects xmlns:a14="http://schemas.microsoft.com/office/drawing/2010/main">
+              <a14:hiddenEffects xmlns="" xmlns:a14="http://schemas.microsoft.com/office/drawing/2010/main">
                 <a:effectLst>
                   <a:outerShdw dist="35921" dir="2700000" algn="ctr" rotWithShape="0">
                     <a:schemeClr val="bg2"/>
@@ -10681,14 +9186,14 @@
           <a:effectLst/>
           <a:extLst>
             <a:ext uri="{909E8E84-426E-40DD-AFC4-6F175D3DCCD1}">
-              <a14:hiddenFill xmlns:a14="http://schemas.microsoft.com/office/drawing/2010/main">
+              <a14:hiddenFill xmlns="" xmlns:a14="http://schemas.microsoft.com/office/drawing/2010/main">
                 <a:solidFill>
                   <a:schemeClr val="accent1"/>
                 </a:solidFill>
               </a14:hiddenFill>
             </a:ext>
             <a:ext uri="{91240B29-F687-4F45-9708-019B960494DF}">
-              <a14:hiddenLine xmlns:a14="http://schemas.microsoft.com/office/drawing/2010/main" w="9525">
+              <a14:hiddenLine xmlns="" xmlns:a14="http://schemas.microsoft.com/office/drawing/2010/main" w="9525">
                 <a:solidFill>
                   <a:schemeClr val="tx1"/>
                 </a:solidFill>
@@ -10698,7 +9203,7 @@
               </a14:hiddenLine>
             </a:ext>
             <a:ext uri="{AF507438-7753-43E0-B8FC-AC1667EBCBE1}">
-              <a14:hiddenEffects xmlns:a14="http://schemas.microsoft.com/office/drawing/2010/main">
+              <a14:hiddenEffects xmlns="" xmlns:a14="http://schemas.microsoft.com/office/drawing/2010/main">
                 <a:effectLst>
                   <a:outerShdw dist="35921" dir="2700000" algn="ctr" rotWithShape="0">
                     <a:schemeClr val="bg2"/>
@@ -10744,14 +9249,14 @@
           <a:effectLst/>
           <a:extLst>
             <a:ext uri="{909E8E84-426E-40DD-AFC4-6F175D3DCCD1}">
-              <a14:hiddenFill xmlns:a14="http://schemas.microsoft.com/office/drawing/2010/main">
+              <a14:hiddenFill xmlns="" xmlns:a14="http://schemas.microsoft.com/office/drawing/2010/main">
                 <a:solidFill>
                   <a:schemeClr val="accent1"/>
                 </a:solidFill>
               </a14:hiddenFill>
             </a:ext>
             <a:ext uri="{91240B29-F687-4F45-9708-019B960494DF}">
-              <a14:hiddenLine xmlns:a14="http://schemas.microsoft.com/office/drawing/2010/main" w="9525">
+              <a14:hiddenLine xmlns="" xmlns:a14="http://schemas.microsoft.com/office/drawing/2010/main" w="9525">
                 <a:solidFill>
                   <a:schemeClr val="tx1"/>
                 </a:solidFill>
@@ -10761,7 +9266,7 @@
               </a14:hiddenLine>
             </a:ext>
             <a:ext uri="{AF507438-7753-43E0-B8FC-AC1667EBCBE1}">
-              <a14:hiddenEffects xmlns:a14="http://schemas.microsoft.com/office/drawing/2010/main">
+              <a14:hiddenEffects xmlns="" xmlns:a14="http://schemas.microsoft.com/office/drawing/2010/main">
                 <a:effectLst>
                   <a:outerShdw dist="35921" dir="2700000" algn="ctr" rotWithShape="0">
                     <a:schemeClr val="bg2"/>
@@ -10807,14 +9312,14 @@
           <a:effectLst/>
           <a:extLst>
             <a:ext uri="{909E8E84-426E-40DD-AFC4-6F175D3DCCD1}">
-              <a14:hiddenFill xmlns:a14="http://schemas.microsoft.com/office/drawing/2010/main">
+              <a14:hiddenFill xmlns="" xmlns:a14="http://schemas.microsoft.com/office/drawing/2010/main">
                 <a:solidFill>
                   <a:schemeClr val="accent1"/>
                 </a:solidFill>
               </a14:hiddenFill>
             </a:ext>
             <a:ext uri="{91240B29-F687-4F45-9708-019B960494DF}">
-              <a14:hiddenLine xmlns:a14="http://schemas.microsoft.com/office/drawing/2010/main" w="9525">
+              <a14:hiddenLine xmlns="" xmlns:a14="http://schemas.microsoft.com/office/drawing/2010/main" w="9525">
                 <a:solidFill>
                   <a:schemeClr val="tx1"/>
                 </a:solidFill>
@@ -10824,7 +9329,7 @@
               </a14:hiddenLine>
             </a:ext>
             <a:ext uri="{AF507438-7753-43E0-B8FC-AC1667EBCBE1}">
-              <a14:hiddenEffects xmlns:a14="http://schemas.microsoft.com/office/drawing/2010/main">
+              <a14:hiddenEffects xmlns="" xmlns:a14="http://schemas.microsoft.com/office/drawing/2010/main">
                 <a:effectLst>
                   <a:outerShdw dist="35921" dir="2700000" algn="ctr" rotWithShape="0">
                     <a:schemeClr val="bg2"/>
@@ -10870,14 +9375,14 @@
           <a:effectLst/>
           <a:extLst>
             <a:ext uri="{909E8E84-426E-40DD-AFC4-6F175D3DCCD1}">
-              <a14:hiddenFill xmlns:a14="http://schemas.microsoft.com/office/drawing/2010/main">
+              <a14:hiddenFill xmlns="" xmlns:a14="http://schemas.microsoft.com/office/drawing/2010/main">
                 <a:solidFill>
                   <a:schemeClr val="accent1"/>
                 </a:solidFill>
               </a14:hiddenFill>
             </a:ext>
             <a:ext uri="{91240B29-F687-4F45-9708-019B960494DF}">
-              <a14:hiddenLine xmlns:a14="http://schemas.microsoft.com/office/drawing/2010/main" w="9525">
+              <a14:hiddenLine xmlns="" xmlns:a14="http://schemas.microsoft.com/office/drawing/2010/main" w="9525">
                 <a:solidFill>
                   <a:schemeClr val="tx1"/>
                 </a:solidFill>
@@ -10887,7 +9392,7 @@
               </a14:hiddenLine>
             </a:ext>
             <a:ext uri="{AF507438-7753-43E0-B8FC-AC1667EBCBE1}">
-              <a14:hiddenEffects xmlns:a14="http://schemas.microsoft.com/office/drawing/2010/main">
+              <a14:hiddenEffects xmlns="" xmlns:a14="http://schemas.microsoft.com/office/drawing/2010/main">
                 <a:effectLst>
                   <a:outerShdw dist="35921" dir="2700000" algn="ctr" rotWithShape="0">
                     <a:schemeClr val="bg2"/>
@@ -10943,12 +9448,12 @@
           <a:effectLst/>
           <a:extLst>
             <a:ext uri="{909E8E84-426E-40DD-AFC4-6F175D3DCCD1}">
-              <a14:hiddenFill xmlns:a14="http://schemas.microsoft.com/office/drawing/2010/main">
+              <a14:hiddenFill xmlns="" xmlns:a14="http://schemas.microsoft.com/office/drawing/2010/main">
                 <a:noFill/>
               </a14:hiddenFill>
             </a:ext>
             <a:ext uri="{AF507438-7753-43E0-B8FC-AC1667EBCBE1}">
-              <a14:hiddenEffects xmlns:a14="http://schemas.microsoft.com/office/drawing/2010/main">
+              <a14:hiddenEffects xmlns="" xmlns:a14="http://schemas.microsoft.com/office/drawing/2010/main">
                 <a:effectLst>
                   <a:outerShdw dist="35921" dir="2700000" algn="ctr" rotWithShape="0">
                     <a:schemeClr val="bg2"/>
@@ -10982,14 +9487,14 @@
           <a:effectLst/>
           <a:extLst>
             <a:ext uri="{909E8E84-426E-40DD-AFC4-6F175D3DCCD1}">
-              <a14:hiddenFill xmlns:a14="http://schemas.microsoft.com/office/drawing/2010/main">
+              <a14:hiddenFill xmlns="" xmlns:a14="http://schemas.microsoft.com/office/drawing/2010/main">
                 <a:solidFill>
                   <a:schemeClr val="accent1"/>
                 </a:solidFill>
               </a14:hiddenFill>
             </a:ext>
             <a:ext uri="{91240B29-F687-4F45-9708-019B960494DF}">
-              <a14:hiddenLine xmlns:a14="http://schemas.microsoft.com/office/drawing/2010/main" w="9525">
+              <a14:hiddenLine xmlns="" xmlns:a14="http://schemas.microsoft.com/office/drawing/2010/main" w="9525">
                 <a:solidFill>
                   <a:schemeClr val="tx1"/>
                 </a:solidFill>
@@ -10999,7 +9504,7 @@
               </a14:hiddenLine>
             </a:ext>
             <a:ext uri="{AF507438-7753-43E0-B8FC-AC1667EBCBE1}">
-              <a14:hiddenEffects xmlns:a14="http://schemas.microsoft.com/office/drawing/2010/main">
+              <a14:hiddenEffects xmlns="" xmlns:a14="http://schemas.microsoft.com/office/drawing/2010/main">
                 <a:effectLst>
                   <a:outerShdw dist="35921" dir="2700000" algn="ctr" rotWithShape="0">
                     <a:schemeClr val="bg2"/>
@@ -11069,7 +9574,7 @@
     </p:spTree>
     <p:extLst>
       <p:ext uri="{BB962C8B-B14F-4D97-AF65-F5344CB8AC3E}">
-        <p14:creationId xmlns:p14="http://schemas.microsoft.com/office/powerpoint/2010/main" val="937104392"/>
+        <p14:creationId xmlns="" xmlns:p14="http://schemas.microsoft.com/office/powerpoint/2010/main" val="937104392"/>
       </p:ext>
     </p:extLst>
   </p:cSld>
@@ -11131,14 +9636,14 @@
           <a:effectLst/>
           <a:extLst>
             <a:ext uri="{909E8E84-426E-40DD-AFC4-6F175D3DCCD1}">
-              <a14:hiddenFill xmlns:a14="http://schemas.microsoft.com/office/drawing/2010/main">
+              <a14:hiddenFill xmlns="" xmlns:a14="http://schemas.microsoft.com/office/drawing/2010/main">
                 <a:solidFill>
                   <a:schemeClr val="accent1"/>
                 </a:solidFill>
               </a14:hiddenFill>
             </a:ext>
             <a:ext uri="{AF507438-7753-43E0-B8FC-AC1667EBCBE1}">
-              <a14:hiddenEffects xmlns:a14="http://schemas.microsoft.com/office/drawing/2010/main">
+              <a14:hiddenEffects xmlns="" xmlns:a14="http://schemas.microsoft.com/office/drawing/2010/main">
                 <a:effectLst>
                   <a:outerShdw dist="35921" dir="2700000" algn="ctr" rotWithShape="0">
                     <a:schemeClr val="bg2"/>
@@ -11203,14 +9708,14 @@
           <a:effectLst/>
           <a:extLst>
             <a:ext uri="{909E8E84-426E-40DD-AFC4-6F175D3DCCD1}">
-              <a14:hiddenFill xmlns:a14="http://schemas.microsoft.com/office/drawing/2010/main">
+              <a14:hiddenFill xmlns="" xmlns:a14="http://schemas.microsoft.com/office/drawing/2010/main">
                 <a:solidFill>
                   <a:schemeClr val="accent1"/>
                 </a:solidFill>
               </a14:hiddenFill>
             </a:ext>
             <a:ext uri="{AF507438-7753-43E0-B8FC-AC1667EBCBE1}">
-              <a14:hiddenEffects xmlns:a14="http://schemas.microsoft.com/office/drawing/2010/main">
+              <a14:hiddenEffects xmlns="" xmlns:a14="http://schemas.microsoft.com/office/drawing/2010/main">
                 <a:effectLst>
                   <a:outerShdw dist="35921" dir="2700000" algn="ctr" rotWithShape="0">
                     <a:schemeClr val="bg2"/>
@@ -11266,12 +9771,12 @@
           <a:effectLst/>
           <a:extLst>
             <a:ext uri="{909E8E84-426E-40DD-AFC4-6F175D3DCCD1}">
-              <a14:hiddenFill xmlns:a14="http://schemas.microsoft.com/office/drawing/2010/main">
+              <a14:hiddenFill xmlns="" xmlns:a14="http://schemas.microsoft.com/office/drawing/2010/main">
                 <a:noFill/>
               </a14:hiddenFill>
             </a:ext>
             <a:ext uri="{AF507438-7753-43E0-B8FC-AC1667EBCBE1}">
-              <a14:hiddenEffects xmlns:a14="http://schemas.microsoft.com/office/drawing/2010/main">
+              <a14:hiddenEffects xmlns="" xmlns:a14="http://schemas.microsoft.com/office/drawing/2010/main">
                 <a:effectLst>
                   <a:outerShdw dist="35921" dir="2700000" algn="ctr" rotWithShape="0">
                     <a:schemeClr val="bg2"/>
@@ -11314,12 +9819,12 @@
           <a:effectLst/>
           <a:extLst>
             <a:ext uri="{909E8E84-426E-40DD-AFC4-6F175D3DCCD1}">
-              <a14:hiddenFill xmlns:a14="http://schemas.microsoft.com/office/drawing/2010/main">
+              <a14:hiddenFill xmlns="" xmlns:a14="http://schemas.microsoft.com/office/drawing/2010/main">
                 <a:noFill/>
               </a14:hiddenFill>
             </a:ext>
             <a:ext uri="{AF507438-7753-43E0-B8FC-AC1667EBCBE1}">
-              <a14:hiddenEffects xmlns:a14="http://schemas.microsoft.com/office/drawing/2010/main">
+              <a14:hiddenEffects xmlns="" xmlns:a14="http://schemas.microsoft.com/office/drawing/2010/main">
                 <a:effectLst>
                   <a:outerShdw dist="35921" dir="2700000" algn="ctr" rotWithShape="0">
                     <a:schemeClr val="bg2"/>
@@ -11353,14 +9858,14 @@
           <a:effectLst/>
           <a:extLst>
             <a:ext uri="{909E8E84-426E-40DD-AFC4-6F175D3DCCD1}">
-              <a14:hiddenFill xmlns:a14="http://schemas.microsoft.com/office/drawing/2010/main">
+              <a14:hiddenFill xmlns="" xmlns:a14="http://schemas.microsoft.com/office/drawing/2010/main">
                 <a:solidFill>
                   <a:schemeClr val="accent1"/>
                 </a:solidFill>
               </a14:hiddenFill>
             </a:ext>
             <a:ext uri="{91240B29-F687-4F45-9708-019B960494DF}">
-              <a14:hiddenLine xmlns:a14="http://schemas.microsoft.com/office/drawing/2010/main" w="9525">
+              <a14:hiddenLine xmlns="" xmlns:a14="http://schemas.microsoft.com/office/drawing/2010/main" w="9525">
                 <a:solidFill>
                   <a:schemeClr val="tx1"/>
                 </a:solidFill>
@@ -11370,7 +9875,7 @@
               </a14:hiddenLine>
             </a:ext>
             <a:ext uri="{AF507438-7753-43E0-B8FC-AC1667EBCBE1}">
-              <a14:hiddenEffects xmlns:a14="http://schemas.microsoft.com/office/drawing/2010/main">
+              <a14:hiddenEffects xmlns="" xmlns:a14="http://schemas.microsoft.com/office/drawing/2010/main">
                 <a:effectLst>
                   <a:outerShdw dist="35921" dir="2700000" algn="ctr" rotWithShape="0">
                     <a:schemeClr val="bg2"/>
@@ -11416,14 +9921,14 @@
           <a:effectLst/>
           <a:extLst>
             <a:ext uri="{909E8E84-426E-40DD-AFC4-6F175D3DCCD1}">
-              <a14:hiddenFill xmlns:a14="http://schemas.microsoft.com/office/drawing/2010/main">
+              <a14:hiddenFill xmlns="" xmlns:a14="http://schemas.microsoft.com/office/drawing/2010/main">
                 <a:solidFill>
                   <a:schemeClr val="accent1"/>
                 </a:solidFill>
               </a14:hiddenFill>
             </a:ext>
             <a:ext uri="{91240B29-F687-4F45-9708-019B960494DF}">
-              <a14:hiddenLine xmlns:a14="http://schemas.microsoft.com/office/drawing/2010/main" w="9525">
+              <a14:hiddenLine xmlns="" xmlns:a14="http://schemas.microsoft.com/office/drawing/2010/main" w="9525">
                 <a:solidFill>
                   <a:schemeClr val="tx1"/>
                 </a:solidFill>
@@ -11433,7 +9938,7 @@
               </a14:hiddenLine>
             </a:ext>
             <a:ext uri="{AF507438-7753-43E0-B8FC-AC1667EBCBE1}">
-              <a14:hiddenEffects xmlns:a14="http://schemas.microsoft.com/office/drawing/2010/main">
+              <a14:hiddenEffects xmlns="" xmlns:a14="http://schemas.microsoft.com/office/drawing/2010/main">
                 <a:effectLst>
                   <a:outerShdw dist="35921" dir="2700000" algn="ctr" rotWithShape="0">
                     <a:schemeClr val="bg2"/>
@@ -11516,14 +10021,14 @@
               <a:effectLst/>
               <a:extLst>
                 <a:ext uri="{909E8E84-426E-40DD-AFC4-6F175D3DCCD1}">
-                  <a14:hiddenFill xmlns:a14="http://schemas.microsoft.com/office/drawing/2010/main">
+                  <a14:hiddenFill xmlns="" xmlns:a14="http://schemas.microsoft.com/office/drawing/2010/main">
                     <a:solidFill>
                       <a:schemeClr val="accent1"/>
                     </a:solidFill>
                   </a14:hiddenFill>
                 </a:ext>
                 <a:ext uri="{AF507438-7753-43E0-B8FC-AC1667EBCBE1}">
-                  <a14:hiddenEffects xmlns:a14="http://schemas.microsoft.com/office/drawing/2010/main">
+                  <a14:hiddenEffects xmlns="" xmlns:a14="http://schemas.microsoft.com/office/drawing/2010/main">
                     <a:effectLst>
                       <a:outerShdw dist="35921" dir="2700000" algn="ctr" rotWithShape="0">
                         <a:schemeClr val="bg2"/>
@@ -11569,12 +10074,12 @@
               <a:effectLst/>
               <a:extLst>
                 <a:ext uri="{909E8E84-426E-40DD-AFC4-6F175D3DCCD1}">
-                  <a14:hiddenFill xmlns:a14="http://schemas.microsoft.com/office/drawing/2010/main">
+                  <a14:hiddenFill xmlns="" xmlns:a14="http://schemas.microsoft.com/office/drawing/2010/main">
                     <a:noFill/>
                   </a14:hiddenFill>
                 </a:ext>
                 <a:ext uri="{AF507438-7753-43E0-B8FC-AC1667EBCBE1}">
-                  <a14:hiddenEffects xmlns:a14="http://schemas.microsoft.com/office/drawing/2010/main">
+                  <a14:hiddenEffects xmlns="" xmlns:a14="http://schemas.microsoft.com/office/drawing/2010/main">
                     <a:effectLst>
                       <a:outerShdw dist="35921" dir="2700000" algn="ctr" rotWithShape="0">
                         <a:schemeClr val="bg2"/>
@@ -11616,14 +10121,14 @@
             <a:effectLst/>
             <a:extLst>
               <a:ext uri="{909E8E84-426E-40DD-AFC4-6F175D3DCCD1}">
-                <a14:hiddenFill xmlns:a14="http://schemas.microsoft.com/office/drawing/2010/main">
+                <a14:hiddenFill xmlns="" xmlns:a14="http://schemas.microsoft.com/office/drawing/2010/main">
                   <a:solidFill>
                     <a:schemeClr val="accent1"/>
                   </a:solidFill>
                 </a14:hiddenFill>
               </a:ext>
               <a:ext uri="{91240B29-F687-4F45-9708-019B960494DF}">
-                <a14:hiddenLine xmlns:a14="http://schemas.microsoft.com/office/drawing/2010/main" w="9525">
+                <a14:hiddenLine xmlns="" xmlns:a14="http://schemas.microsoft.com/office/drawing/2010/main" w="9525">
                   <a:solidFill>
                     <a:schemeClr val="tx1"/>
                   </a:solidFill>
@@ -11633,7 +10138,7 @@
                 </a14:hiddenLine>
               </a:ext>
               <a:ext uri="{AF507438-7753-43E0-B8FC-AC1667EBCBE1}">
-                <a14:hiddenEffects xmlns:a14="http://schemas.microsoft.com/office/drawing/2010/main">
+                <a14:hiddenEffects xmlns="" xmlns:a14="http://schemas.microsoft.com/office/drawing/2010/main">
                   <a:effectLst>
                     <a:outerShdw dist="35921" dir="2700000" algn="ctr" rotWithShape="0">
                       <a:schemeClr val="bg2"/>
@@ -11694,12 +10199,12 @@
           <a:effectLst/>
           <a:extLst>
             <a:ext uri="{909E8E84-426E-40DD-AFC4-6F175D3DCCD1}">
-              <a14:hiddenFill xmlns:a14="http://schemas.microsoft.com/office/drawing/2010/main">
+              <a14:hiddenFill xmlns="" xmlns:a14="http://schemas.microsoft.com/office/drawing/2010/main">
                 <a:noFill/>
               </a14:hiddenFill>
             </a:ext>
             <a:ext uri="{AF507438-7753-43E0-B8FC-AC1667EBCBE1}">
-              <a14:hiddenEffects xmlns:a14="http://schemas.microsoft.com/office/drawing/2010/main">
+              <a14:hiddenEffects xmlns="" xmlns:a14="http://schemas.microsoft.com/office/drawing/2010/main">
                 <a:effectLst>
                   <a:outerShdw dist="35921" dir="2700000" algn="ctr" rotWithShape="0">
                     <a:schemeClr val="bg2"/>
@@ -11733,14 +10238,14 @@
           <a:effectLst/>
           <a:extLst>
             <a:ext uri="{909E8E84-426E-40DD-AFC4-6F175D3DCCD1}">
-              <a14:hiddenFill xmlns:a14="http://schemas.microsoft.com/office/drawing/2010/main">
+              <a14:hiddenFill xmlns="" xmlns:a14="http://schemas.microsoft.com/office/drawing/2010/main">
                 <a:solidFill>
                   <a:schemeClr val="accent1"/>
                 </a:solidFill>
               </a14:hiddenFill>
             </a:ext>
             <a:ext uri="{91240B29-F687-4F45-9708-019B960494DF}">
-              <a14:hiddenLine xmlns:a14="http://schemas.microsoft.com/office/drawing/2010/main" w="9525">
+              <a14:hiddenLine xmlns="" xmlns:a14="http://schemas.microsoft.com/office/drawing/2010/main" w="9525">
                 <a:solidFill>
                   <a:schemeClr val="tx1"/>
                 </a:solidFill>
@@ -11750,7 +10255,7 @@
               </a14:hiddenLine>
             </a:ext>
             <a:ext uri="{AF507438-7753-43E0-B8FC-AC1667EBCBE1}">
-              <a14:hiddenEffects xmlns:a14="http://schemas.microsoft.com/office/drawing/2010/main">
+              <a14:hiddenEffects xmlns="" xmlns:a14="http://schemas.microsoft.com/office/drawing/2010/main">
                 <a:effectLst>
                   <a:outerShdw dist="35921" dir="2700000" algn="ctr" rotWithShape="0">
                     <a:schemeClr val="bg2"/>
@@ -11801,14 +10306,14 @@
           <a:effectLst/>
           <a:extLst>
             <a:ext uri="{909E8E84-426E-40DD-AFC4-6F175D3DCCD1}">
-              <a14:hiddenFill xmlns:a14="http://schemas.microsoft.com/office/drawing/2010/main">
+              <a14:hiddenFill xmlns="" xmlns:a14="http://schemas.microsoft.com/office/drawing/2010/main">
                 <a:solidFill>
                   <a:schemeClr val="accent1"/>
                 </a:solidFill>
               </a14:hiddenFill>
             </a:ext>
             <a:ext uri="{AF507438-7753-43E0-B8FC-AC1667EBCBE1}">
-              <a14:hiddenEffects xmlns:a14="http://schemas.microsoft.com/office/drawing/2010/main">
+              <a14:hiddenEffects xmlns="" xmlns:a14="http://schemas.microsoft.com/office/drawing/2010/main">
                 <a:effectLst>
                   <a:outerShdw dist="35921" dir="2700000" algn="ctr" rotWithShape="0">
                     <a:schemeClr val="bg2"/>
@@ -11873,14 +10378,14 @@
           <a:effectLst/>
           <a:extLst>
             <a:ext uri="{909E8E84-426E-40DD-AFC4-6F175D3DCCD1}">
-              <a14:hiddenFill xmlns:a14="http://schemas.microsoft.com/office/drawing/2010/main">
+              <a14:hiddenFill xmlns="" xmlns:a14="http://schemas.microsoft.com/office/drawing/2010/main">
                 <a:solidFill>
                   <a:schemeClr val="accent1"/>
                 </a:solidFill>
               </a14:hiddenFill>
             </a:ext>
             <a:ext uri="{AF507438-7753-43E0-B8FC-AC1667EBCBE1}">
-              <a14:hiddenEffects xmlns:a14="http://schemas.microsoft.com/office/drawing/2010/main">
+              <a14:hiddenEffects xmlns="" xmlns:a14="http://schemas.microsoft.com/office/drawing/2010/main">
                 <a:effectLst>
                   <a:outerShdw dist="35921" dir="2700000" algn="ctr" rotWithShape="0">
                     <a:schemeClr val="bg2"/>
@@ -11969,12 +10474,12 @@
           <a:effectLst/>
           <a:extLst>
             <a:ext uri="{909E8E84-426E-40DD-AFC4-6F175D3DCCD1}">
-              <a14:hiddenFill xmlns:a14="http://schemas.microsoft.com/office/drawing/2010/main">
+              <a14:hiddenFill xmlns="" xmlns:a14="http://schemas.microsoft.com/office/drawing/2010/main">
                 <a:noFill/>
               </a14:hiddenFill>
             </a:ext>
             <a:ext uri="{AF507438-7753-43E0-B8FC-AC1667EBCBE1}">
-              <a14:hiddenEffects xmlns:a14="http://schemas.microsoft.com/office/drawing/2010/main">
+              <a14:hiddenEffects xmlns="" xmlns:a14="http://schemas.microsoft.com/office/drawing/2010/main">
                 <a:effectLst>
                   <a:outerShdw dist="35921" dir="2700000" algn="ctr" rotWithShape="0">
                     <a:schemeClr val="bg2"/>
@@ -12008,14 +10513,14 @@
           <a:effectLst/>
           <a:extLst>
             <a:ext uri="{909E8E84-426E-40DD-AFC4-6F175D3DCCD1}">
-              <a14:hiddenFill xmlns:a14="http://schemas.microsoft.com/office/drawing/2010/main">
+              <a14:hiddenFill xmlns="" xmlns:a14="http://schemas.microsoft.com/office/drawing/2010/main">
                 <a:solidFill>
                   <a:schemeClr val="accent1"/>
                 </a:solidFill>
               </a14:hiddenFill>
             </a:ext>
             <a:ext uri="{91240B29-F687-4F45-9708-019B960494DF}">
-              <a14:hiddenLine xmlns:a14="http://schemas.microsoft.com/office/drawing/2010/main" w="9525">
+              <a14:hiddenLine xmlns="" xmlns:a14="http://schemas.microsoft.com/office/drawing/2010/main" w="9525">
                 <a:solidFill>
                   <a:schemeClr val="tx1"/>
                 </a:solidFill>
@@ -12025,7 +10530,7 @@
               </a14:hiddenLine>
             </a:ext>
             <a:ext uri="{AF507438-7753-43E0-B8FC-AC1667EBCBE1}">
-              <a14:hiddenEffects xmlns:a14="http://schemas.microsoft.com/office/drawing/2010/main">
+              <a14:hiddenEffects xmlns="" xmlns:a14="http://schemas.microsoft.com/office/drawing/2010/main">
                 <a:effectLst>
                   <a:outerShdw dist="35921" dir="2700000" algn="ctr" rotWithShape="0">
                     <a:schemeClr val="bg2"/>
@@ -12081,12 +10586,12 @@
           <a:effectLst/>
           <a:extLst>
             <a:ext uri="{909E8E84-426E-40DD-AFC4-6F175D3DCCD1}">
-              <a14:hiddenFill xmlns:a14="http://schemas.microsoft.com/office/drawing/2010/main">
+              <a14:hiddenFill xmlns="" xmlns:a14="http://schemas.microsoft.com/office/drawing/2010/main">
                 <a:noFill/>
               </a14:hiddenFill>
             </a:ext>
             <a:ext uri="{AF507438-7753-43E0-B8FC-AC1667EBCBE1}">
-              <a14:hiddenEffects xmlns:a14="http://schemas.microsoft.com/office/drawing/2010/main">
+              <a14:hiddenEffects xmlns="" xmlns:a14="http://schemas.microsoft.com/office/drawing/2010/main">
                 <a:effectLst>
                   <a:outerShdw dist="35921" dir="2700000" algn="ctr" rotWithShape="0">
                     <a:schemeClr val="bg2"/>
@@ -12120,14 +10625,14 @@
           <a:effectLst/>
           <a:extLst>
             <a:ext uri="{909E8E84-426E-40DD-AFC4-6F175D3DCCD1}">
-              <a14:hiddenFill xmlns:a14="http://schemas.microsoft.com/office/drawing/2010/main">
+              <a14:hiddenFill xmlns="" xmlns:a14="http://schemas.microsoft.com/office/drawing/2010/main">
                 <a:solidFill>
                   <a:schemeClr val="accent1"/>
                 </a:solidFill>
               </a14:hiddenFill>
             </a:ext>
             <a:ext uri="{91240B29-F687-4F45-9708-019B960494DF}">
-              <a14:hiddenLine xmlns:a14="http://schemas.microsoft.com/office/drawing/2010/main" w="9525">
+              <a14:hiddenLine xmlns="" xmlns:a14="http://schemas.microsoft.com/office/drawing/2010/main" w="9525">
                 <a:solidFill>
                   <a:schemeClr val="tx1"/>
                 </a:solidFill>
@@ -12137,7 +10642,7 @@
               </a14:hiddenLine>
             </a:ext>
             <a:ext uri="{AF507438-7753-43E0-B8FC-AC1667EBCBE1}">
-              <a14:hiddenEffects xmlns:a14="http://schemas.microsoft.com/office/drawing/2010/main">
+              <a14:hiddenEffects xmlns="" xmlns:a14="http://schemas.microsoft.com/office/drawing/2010/main">
                 <a:effectLst>
                   <a:outerShdw dist="35921" dir="2700000" algn="ctr" rotWithShape="0">
                     <a:schemeClr val="bg2"/>
@@ -12190,12 +10695,12 @@
           <a:effectLst/>
           <a:extLst>
             <a:ext uri="{909E8E84-426E-40DD-AFC4-6F175D3DCCD1}">
-              <a14:hiddenFill xmlns:a14="http://schemas.microsoft.com/office/drawing/2010/main">
+              <a14:hiddenFill xmlns="" xmlns:a14="http://schemas.microsoft.com/office/drawing/2010/main">
                 <a:noFill/>
               </a14:hiddenFill>
             </a:ext>
             <a:ext uri="{AF507438-7753-43E0-B8FC-AC1667EBCBE1}">
-              <a14:hiddenEffects xmlns:a14="http://schemas.microsoft.com/office/drawing/2010/main">
+              <a14:hiddenEffects xmlns="" xmlns:a14="http://schemas.microsoft.com/office/drawing/2010/main">
                 <a:effectLst>
                   <a:outerShdw dist="35921" dir="2700000" algn="ctr" rotWithShape="0">
                     <a:schemeClr val="bg2"/>
@@ -12229,14 +10734,14 @@
           <a:effectLst/>
           <a:extLst>
             <a:ext uri="{909E8E84-426E-40DD-AFC4-6F175D3DCCD1}">
-              <a14:hiddenFill xmlns:a14="http://schemas.microsoft.com/office/drawing/2010/main">
+              <a14:hiddenFill xmlns="" xmlns:a14="http://schemas.microsoft.com/office/drawing/2010/main">
                 <a:solidFill>
                   <a:schemeClr val="accent1"/>
                 </a:solidFill>
               </a14:hiddenFill>
             </a:ext>
             <a:ext uri="{91240B29-F687-4F45-9708-019B960494DF}">
-              <a14:hiddenLine xmlns:a14="http://schemas.microsoft.com/office/drawing/2010/main" w="9525">
+              <a14:hiddenLine xmlns="" xmlns:a14="http://schemas.microsoft.com/office/drawing/2010/main" w="9525">
                 <a:solidFill>
                   <a:schemeClr val="tx1"/>
                 </a:solidFill>
@@ -12246,7 +10751,7 @@
               </a14:hiddenLine>
             </a:ext>
             <a:ext uri="{AF507438-7753-43E0-B8FC-AC1667EBCBE1}">
-              <a14:hiddenEffects xmlns:a14="http://schemas.microsoft.com/office/drawing/2010/main">
+              <a14:hiddenEffects xmlns="" xmlns:a14="http://schemas.microsoft.com/office/drawing/2010/main">
                 <a:effectLst>
                   <a:outerShdw dist="35921" dir="2700000" algn="ctr" rotWithShape="0">
                     <a:schemeClr val="bg2"/>
@@ -12297,14 +10802,14 @@
           <a:effectLst/>
           <a:extLst>
             <a:ext uri="{909E8E84-426E-40DD-AFC4-6F175D3DCCD1}">
-              <a14:hiddenFill xmlns:a14="http://schemas.microsoft.com/office/drawing/2010/main">
+              <a14:hiddenFill xmlns="" xmlns:a14="http://schemas.microsoft.com/office/drawing/2010/main">
                 <a:solidFill>
                   <a:schemeClr val="accent1"/>
                 </a:solidFill>
               </a14:hiddenFill>
             </a:ext>
             <a:ext uri="{AF507438-7753-43E0-B8FC-AC1667EBCBE1}">
-              <a14:hiddenEffects xmlns:a14="http://schemas.microsoft.com/office/drawing/2010/main">
+              <a14:hiddenEffects xmlns="" xmlns:a14="http://schemas.microsoft.com/office/drawing/2010/main">
                 <a:effectLst>
                   <a:outerShdw dist="35921" dir="2700000" algn="ctr" rotWithShape="0">
                     <a:schemeClr val="bg2"/>
@@ -12373,12 +10878,12 @@
           <a:effectLst/>
           <a:extLst>
             <a:ext uri="{909E8E84-426E-40DD-AFC4-6F175D3DCCD1}">
-              <a14:hiddenFill xmlns:a14="http://schemas.microsoft.com/office/drawing/2010/main">
+              <a14:hiddenFill xmlns="" xmlns:a14="http://schemas.microsoft.com/office/drawing/2010/main">
                 <a:noFill/>
               </a14:hiddenFill>
             </a:ext>
             <a:ext uri="{AF507438-7753-43E0-B8FC-AC1667EBCBE1}">
-              <a14:hiddenEffects xmlns:a14="http://schemas.microsoft.com/office/drawing/2010/main">
+              <a14:hiddenEffects xmlns="" xmlns:a14="http://schemas.microsoft.com/office/drawing/2010/main">
                 <a:effectLst>
                   <a:outerShdw dist="35921" dir="2700000" algn="ctr" rotWithShape="0">
                     <a:schemeClr val="bg2"/>
@@ -12421,12 +10926,12 @@
           <a:effectLst/>
           <a:extLst>
             <a:ext uri="{909E8E84-426E-40DD-AFC4-6F175D3DCCD1}">
-              <a14:hiddenFill xmlns:a14="http://schemas.microsoft.com/office/drawing/2010/main">
+              <a14:hiddenFill xmlns="" xmlns:a14="http://schemas.microsoft.com/office/drawing/2010/main">
                 <a:noFill/>
               </a14:hiddenFill>
             </a:ext>
             <a:ext uri="{AF507438-7753-43E0-B8FC-AC1667EBCBE1}">
-              <a14:hiddenEffects xmlns:a14="http://schemas.microsoft.com/office/drawing/2010/main">
+              <a14:hiddenEffects xmlns="" xmlns:a14="http://schemas.microsoft.com/office/drawing/2010/main">
                 <a:effectLst>
                   <a:outerShdw dist="35921" dir="2700000" algn="ctr" rotWithShape="0">
                     <a:schemeClr val="bg2"/>
@@ -12460,14 +10965,14 @@
           <a:effectLst/>
           <a:extLst>
             <a:ext uri="{909E8E84-426E-40DD-AFC4-6F175D3DCCD1}">
-              <a14:hiddenFill xmlns:a14="http://schemas.microsoft.com/office/drawing/2010/main">
+              <a14:hiddenFill xmlns="" xmlns:a14="http://schemas.microsoft.com/office/drawing/2010/main">
                 <a:solidFill>
                   <a:schemeClr val="accent1"/>
                 </a:solidFill>
               </a14:hiddenFill>
             </a:ext>
             <a:ext uri="{91240B29-F687-4F45-9708-019B960494DF}">
-              <a14:hiddenLine xmlns:a14="http://schemas.microsoft.com/office/drawing/2010/main" w="9525">
+              <a14:hiddenLine xmlns="" xmlns:a14="http://schemas.microsoft.com/office/drawing/2010/main" w="9525">
                 <a:solidFill>
                   <a:schemeClr val="tx1"/>
                 </a:solidFill>
@@ -12477,7 +10982,7 @@
               </a14:hiddenLine>
             </a:ext>
             <a:ext uri="{AF507438-7753-43E0-B8FC-AC1667EBCBE1}">
-              <a14:hiddenEffects xmlns:a14="http://schemas.microsoft.com/office/drawing/2010/main">
+              <a14:hiddenEffects xmlns="" xmlns:a14="http://schemas.microsoft.com/office/drawing/2010/main">
                 <a:effectLst>
                   <a:outerShdw dist="35921" dir="2700000" algn="ctr" rotWithShape="0">
                     <a:schemeClr val="bg2"/>
@@ -12523,14 +11028,14 @@
           <a:effectLst/>
           <a:extLst>
             <a:ext uri="{909E8E84-426E-40DD-AFC4-6F175D3DCCD1}">
-              <a14:hiddenFill xmlns:a14="http://schemas.microsoft.com/office/drawing/2010/main">
+              <a14:hiddenFill xmlns="" xmlns:a14="http://schemas.microsoft.com/office/drawing/2010/main">
                 <a:solidFill>
                   <a:schemeClr val="accent1"/>
                 </a:solidFill>
               </a14:hiddenFill>
             </a:ext>
             <a:ext uri="{91240B29-F687-4F45-9708-019B960494DF}">
-              <a14:hiddenLine xmlns:a14="http://schemas.microsoft.com/office/drawing/2010/main" w="9525">
+              <a14:hiddenLine xmlns="" xmlns:a14="http://schemas.microsoft.com/office/drawing/2010/main" w="9525">
                 <a:solidFill>
                   <a:schemeClr val="tx1"/>
                 </a:solidFill>
@@ -12540,7 +11045,7 @@
               </a14:hiddenLine>
             </a:ext>
             <a:ext uri="{AF507438-7753-43E0-B8FC-AC1667EBCBE1}">
-              <a14:hiddenEffects xmlns:a14="http://schemas.microsoft.com/office/drawing/2010/main">
+              <a14:hiddenEffects xmlns="" xmlns:a14="http://schemas.microsoft.com/office/drawing/2010/main">
                 <a:effectLst>
                   <a:outerShdw dist="35921" dir="2700000" algn="ctr" rotWithShape="0">
                     <a:schemeClr val="bg2"/>
@@ -12593,12 +11098,12 @@
           <a:effectLst/>
           <a:extLst>
             <a:ext uri="{909E8E84-426E-40DD-AFC4-6F175D3DCCD1}">
-              <a14:hiddenFill xmlns:a14="http://schemas.microsoft.com/office/drawing/2010/main">
+              <a14:hiddenFill xmlns="" xmlns:a14="http://schemas.microsoft.com/office/drawing/2010/main">
                 <a:noFill/>
               </a14:hiddenFill>
             </a:ext>
             <a:ext uri="{AF507438-7753-43E0-B8FC-AC1667EBCBE1}">
-              <a14:hiddenEffects xmlns:a14="http://schemas.microsoft.com/office/drawing/2010/main">
+              <a14:hiddenEffects xmlns="" xmlns:a14="http://schemas.microsoft.com/office/drawing/2010/main">
                 <a:effectLst>
                   <a:outerShdw dist="35921" dir="2700000" algn="ctr" rotWithShape="0">
                     <a:schemeClr val="bg2"/>
@@ -12632,14 +11137,14 @@
           <a:effectLst/>
           <a:extLst>
             <a:ext uri="{909E8E84-426E-40DD-AFC4-6F175D3DCCD1}">
-              <a14:hiddenFill xmlns:a14="http://schemas.microsoft.com/office/drawing/2010/main">
+              <a14:hiddenFill xmlns="" xmlns:a14="http://schemas.microsoft.com/office/drawing/2010/main">
                 <a:solidFill>
                   <a:schemeClr val="accent1"/>
                 </a:solidFill>
               </a14:hiddenFill>
             </a:ext>
             <a:ext uri="{91240B29-F687-4F45-9708-019B960494DF}">
-              <a14:hiddenLine xmlns:a14="http://schemas.microsoft.com/office/drawing/2010/main" w="9525">
+              <a14:hiddenLine xmlns="" xmlns:a14="http://schemas.microsoft.com/office/drawing/2010/main" w="9525">
                 <a:solidFill>
                   <a:schemeClr val="tx1"/>
                 </a:solidFill>
@@ -12649,7 +11154,7 @@
               </a14:hiddenLine>
             </a:ext>
             <a:ext uri="{AF507438-7753-43E0-B8FC-AC1667EBCBE1}">
-              <a14:hiddenEffects xmlns:a14="http://schemas.microsoft.com/office/drawing/2010/main">
+              <a14:hiddenEffects xmlns="" xmlns:a14="http://schemas.microsoft.com/office/drawing/2010/main">
                 <a:effectLst>
                   <a:outerShdw dist="35921" dir="2700000" algn="ctr" rotWithShape="0">
                     <a:schemeClr val="bg2"/>
@@ -12675,7 +11180,7 @@
     </p:spTree>
     <p:extLst>
       <p:ext uri="{BB962C8B-B14F-4D97-AF65-F5344CB8AC3E}">
-        <p14:creationId xmlns:p14="http://schemas.microsoft.com/office/powerpoint/2010/main" val="3005709924"/>
+        <p14:creationId xmlns="" xmlns:p14="http://schemas.microsoft.com/office/powerpoint/2010/main" val="3005709924"/>
       </p:ext>
     </p:extLst>
   </p:cSld>

--- a/report/diagrams/DFD_FileManagement.pptx
+++ b/report/diagrams/DFD_FileManagement.pptx
@@ -109,7 +109,7 @@
   </p:defaultTextStyle>
   <p:extLst>
     <p:ext uri="{EFAFB233-063F-42B5-8137-9DF3F51BA10A}">
-      <p15:sldGuideLst xmlns="" xmlns:p15="http://schemas.microsoft.com/office/powerpoint/2012/main">
+      <p15:sldGuideLst xmlns:p15="http://schemas.microsoft.com/office/powerpoint/2012/main">
         <p15:guide id="1" orient="horz" pos="2160">
           <p15:clr>
             <a:srgbClr val="A4A3A4"/>
@@ -308,7 +308,7 @@
             <a:fld id="{8623F981-5450-4885-8B10-CA221A48D640}" type="datetimeFigureOut">
               <a:rPr lang="en-IN" smtClean="0"/>
               <a:pPr/>
-              <a:t>25-06-2013</a:t>
+              <a:t>26-06-2013</a:t>
             </a:fld>
             <a:endParaRPr lang="en-IN"/>
           </a:p>
@@ -475,7 +475,7 @@
             <a:fld id="{8623F981-5450-4885-8B10-CA221A48D640}" type="datetimeFigureOut">
               <a:rPr lang="en-IN" smtClean="0"/>
               <a:pPr/>
-              <a:t>25-06-2013</a:t>
+              <a:t>26-06-2013</a:t>
             </a:fld>
             <a:endParaRPr lang="en-IN"/>
           </a:p>
@@ -652,7 +652,7 @@
             <a:fld id="{8623F981-5450-4885-8B10-CA221A48D640}" type="datetimeFigureOut">
               <a:rPr lang="en-IN" smtClean="0"/>
               <a:pPr/>
-              <a:t>25-06-2013</a:t>
+              <a:t>26-06-2013</a:t>
             </a:fld>
             <a:endParaRPr lang="en-IN"/>
           </a:p>
@@ -819,7 +819,7 @@
             <a:fld id="{8623F981-5450-4885-8B10-CA221A48D640}" type="datetimeFigureOut">
               <a:rPr lang="en-IN" smtClean="0"/>
               <a:pPr/>
-              <a:t>25-06-2013</a:t>
+              <a:t>26-06-2013</a:t>
             </a:fld>
             <a:endParaRPr lang="en-IN"/>
           </a:p>
@@ -1062,7 +1062,7 @@
             <a:fld id="{8623F981-5450-4885-8B10-CA221A48D640}" type="datetimeFigureOut">
               <a:rPr lang="en-IN" smtClean="0"/>
               <a:pPr/>
-              <a:t>25-06-2013</a:t>
+              <a:t>26-06-2013</a:t>
             </a:fld>
             <a:endParaRPr lang="en-IN"/>
           </a:p>
@@ -1347,7 +1347,7 @@
             <a:fld id="{8623F981-5450-4885-8B10-CA221A48D640}" type="datetimeFigureOut">
               <a:rPr lang="en-IN" smtClean="0"/>
               <a:pPr/>
-              <a:t>25-06-2013</a:t>
+              <a:t>26-06-2013</a:t>
             </a:fld>
             <a:endParaRPr lang="en-IN"/>
           </a:p>
@@ -1766,7 +1766,7 @@
             <a:fld id="{8623F981-5450-4885-8B10-CA221A48D640}" type="datetimeFigureOut">
               <a:rPr lang="en-IN" smtClean="0"/>
               <a:pPr/>
-              <a:t>25-06-2013</a:t>
+              <a:t>26-06-2013</a:t>
             </a:fld>
             <a:endParaRPr lang="en-IN"/>
           </a:p>
@@ -1881,7 +1881,7 @@
             <a:fld id="{8623F981-5450-4885-8B10-CA221A48D640}" type="datetimeFigureOut">
               <a:rPr lang="en-IN" smtClean="0"/>
               <a:pPr/>
-              <a:t>25-06-2013</a:t>
+              <a:t>26-06-2013</a:t>
             </a:fld>
             <a:endParaRPr lang="en-IN"/>
           </a:p>
@@ -1973,7 +1973,7 @@
             <a:fld id="{8623F981-5450-4885-8B10-CA221A48D640}" type="datetimeFigureOut">
               <a:rPr lang="en-IN" smtClean="0"/>
               <a:pPr/>
-              <a:t>25-06-2013</a:t>
+              <a:t>26-06-2013</a:t>
             </a:fld>
             <a:endParaRPr lang="en-IN"/>
           </a:p>
@@ -2247,7 +2247,7 @@
             <a:fld id="{8623F981-5450-4885-8B10-CA221A48D640}" type="datetimeFigureOut">
               <a:rPr lang="en-IN" smtClean="0"/>
               <a:pPr/>
-              <a:t>25-06-2013</a:t>
+              <a:t>26-06-2013</a:t>
             </a:fld>
             <a:endParaRPr lang="en-IN"/>
           </a:p>
@@ -2497,7 +2497,7 @@
             <a:fld id="{8623F981-5450-4885-8B10-CA221A48D640}" type="datetimeFigureOut">
               <a:rPr lang="en-IN" smtClean="0"/>
               <a:pPr/>
-              <a:t>25-06-2013</a:t>
+              <a:t>26-06-2013</a:t>
             </a:fld>
             <a:endParaRPr lang="en-IN"/>
           </a:p>
@@ -2707,7 +2707,7 @@
             <a:fld id="{8623F981-5450-4885-8B10-CA221A48D640}" type="datetimeFigureOut">
               <a:rPr lang="en-IN" smtClean="0"/>
               <a:pPr/>
-              <a:t>25-06-2013</a:t>
+              <a:t>26-06-2013</a:t>
             </a:fld>
             <a:endParaRPr lang="en-IN"/>
           </a:p>
@@ -3773,7 +3773,7 @@
         </p:nvSpPr>
         <p:spPr>
           <a:xfrm>
-            <a:off x="1948051" y="2060848"/>
+            <a:off x="1798322" y="2228778"/>
             <a:ext cx="1882888" cy="923330"/>
           </a:xfrm>
           <a:prstGeom prst="rect">
@@ -4032,9 +4032,10 @@
           <a:p>
             <a:pPr algn="ctr"/>
             <a:r>
-              <a:rPr lang="en-US" dirty="0" smtClean="0"/>
-              <a:t>3</a:t>
-            </a:r>
+              <a:rPr lang="en-US" dirty="0"/>
+              <a:t>2</a:t>
+            </a:r>
+            <a:endParaRPr lang="en-US" dirty="0" smtClean="0"/>
           </a:p>
           <a:p>
             <a:pPr algn="ctr"/>
@@ -4137,9 +4138,10 @@
             <a:p>
               <a:pPr algn="ctr"/>
               <a:r>
-                <a:rPr lang="en-US" dirty="0" smtClean="0"/>
-                <a:t>6</a:t>
+                <a:rPr lang="en-US" dirty="0"/>
+                <a:t>3</a:t>
               </a:r>
+              <a:endParaRPr lang="en-US" dirty="0" smtClean="0"/>
             </a:p>
             <a:p>
               <a:pPr algn="ctr"/>
@@ -4147,7 +4149,6 @@
                 <a:rPr lang="en-US" sz="1400" dirty="0" smtClean="0"/>
                 <a:t>File</a:t>
               </a:r>
-              <a:endParaRPr lang="en-US" sz="1400" dirty="0" smtClean="0"/>
             </a:p>
             <a:p>
               <a:pPr algn="ctr"/>
@@ -4228,8 +4229,8 @@
           </p:nvSpPr>
           <p:spPr>
             <a:xfrm>
-              <a:off x="7212217" y="1052736"/>
-              <a:ext cx="1030347" cy="1292662"/>
+              <a:off x="7237865" y="1052736"/>
+              <a:ext cx="979051" cy="1292662"/>
             </a:xfrm>
             <a:prstGeom prst="rect">
               <a:avLst/>
@@ -4244,9 +4245,10 @@
             <a:p>
               <a:pPr algn="ctr"/>
               <a:r>
-                <a:rPr lang="en-US" dirty="0" smtClean="0"/>
-                <a:t>7</a:t>
+                <a:rPr lang="en-US" dirty="0"/>
+                <a:t>5</a:t>
               </a:r>
+              <a:endParaRPr lang="en-US" dirty="0" smtClean="0"/>
             </a:p>
             <a:p>
               <a:pPr algn="ctr"/>
@@ -4321,125 +4323,97 @@
           </p:txBody>
         </p:sp>
       </p:grpSp>
-      <p:grpSp>
-        <p:nvGrpSpPr>
-          <p:cNvPr id="137" name="Group 136"/>
-          <p:cNvGrpSpPr/>
+      <p:sp>
+        <p:nvSpPr>
+          <p:cNvPr id="44" name="Oval 43"/>
+          <p:cNvSpPr/>
           <p:nvPr/>
-        </p:nvGrpSpPr>
-        <p:grpSpPr>
+        </p:nvSpPr>
+        <p:spPr>
           <a:xfrm>
             <a:off x="1187624" y="764704"/>
-            <a:ext cx="1728192" cy="1364670"/>
-            <a:chOff x="3851920" y="116632"/>
-            <a:chExt cx="1728192" cy="1364670"/>
+            <a:ext cx="1728192" cy="1152128"/>
           </a:xfrm>
-        </p:grpSpPr>
-        <p:sp>
-          <p:nvSpPr>
-            <p:cNvPr id="80" name="TextBox 79"/>
-            <p:cNvSpPr txBox="1"/>
-            <p:nvPr/>
-          </p:nvSpPr>
-          <p:spPr>
-            <a:xfrm>
-              <a:off x="4060441" y="188640"/>
-              <a:ext cx="1314784" cy="1292662"/>
-            </a:xfrm>
-            <a:prstGeom prst="rect">
-              <a:avLst/>
-            </a:prstGeom>
-            <a:noFill/>
-          </p:spPr>
-          <p:txBody>
-            <a:bodyPr wrap="none" rtlCol="0">
-              <a:spAutoFit/>
-            </a:bodyPr>
-            <a:lstStyle/>
-            <a:p>
-              <a:pPr algn="ctr"/>
-              <a:r>
-                <a:rPr lang="en-US" dirty="0" smtClean="0"/>
-                <a:t>4</a:t>
-              </a:r>
-            </a:p>
-            <a:p>
-              <a:pPr algn="ctr"/>
-              <a:r>
-                <a:rPr lang="en-US" sz="1400" dirty="0" smtClean="0"/>
-                <a:t>External</a:t>
-              </a:r>
-            </a:p>
-            <a:p>
-              <a:pPr algn="ctr"/>
-              <a:r>
-                <a:rPr lang="en-US" sz="1400" dirty="0" smtClean="0"/>
-                <a:t>Device</a:t>
-              </a:r>
-            </a:p>
-            <a:p>
-              <a:pPr algn="ctr"/>
-              <a:r>
-                <a:rPr lang="en-US" sz="1400" dirty="0" smtClean="0"/>
-                <a:t>Management</a:t>
-              </a:r>
-            </a:p>
-            <a:p>
-              <a:r>
-                <a:rPr lang="en-US" dirty="0" smtClean="0"/>
-                <a:t> </a:t>
-              </a:r>
-              <a:endParaRPr lang="en-IN" dirty="0"/>
-            </a:p>
-          </p:txBody>
-        </p:sp>
-        <p:sp>
-          <p:nvSpPr>
-            <p:cNvPr id="44" name="Oval 43"/>
-            <p:cNvSpPr/>
-            <p:nvPr/>
-          </p:nvSpPr>
-          <p:spPr>
-            <a:xfrm>
-              <a:off x="3851920" y="116632"/>
-              <a:ext cx="1728192" cy="1152128"/>
-            </a:xfrm>
-            <a:prstGeom prst="ellipse">
-              <a:avLst/>
-            </a:prstGeom>
-            <a:noFill/>
-            <a:ln>
+          <a:prstGeom prst="ellipse">
+            <a:avLst/>
+          </a:prstGeom>
+          <a:noFill/>
+          <a:ln>
+            <a:solidFill>
+              <a:schemeClr val="tx1"/>
+            </a:solidFill>
+          </a:ln>
+        </p:spPr>
+        <p:style>
+          <a:lnRef idx="2">
+            <a:schemeClr val="accent1">
+              <a:shade val="50000"/>
+            </a:schemeClr>
+          </a:lnRef>
+          <a:fillRef idx="1">
+            <a:schemeClr val="accent1"/>
+          </a:fillRef>
+          <a:effectRef idx="0">
+            <a:schemeClr val="accent1"/>
+          </a:effectRef>
+          <a:fontRef idx="minor">
+            <a:schemeClr val="lt1"/>
+          </a:fontRef>
+        </p:style>
+        <p:txBody>
+          <a:bodyPr rtlCol="0" anchor="ctr"/>
+          <a:lstStyle/>
+          <a:p>
+            <a:pPr algn="ctr"/>
+            <a:r>
+              <a:rPr lang="en-IN" sz="1400" dirty="0">
+                <a:solidFill>
+                  <a:schemeClr val="tx1"/>
+                </a:solidFill>
+              </a:rPr>
+              <a:t>4</a:t>
+            </a:r>
+          </a:p>
+          <a:p>
+            <a:pPr algn="ctr"/>
+            <a:r>
+              <a:rPr lang="en-IN" sz="1400" dirty="0">
+                <a:solidFill>
+                  <a:schemeClr val="tx1"/>
+                </a:solidFill>
+              </a:rPr>
+              <a:t>External</a:t>
+            </a:r>
+          </a:p>
+          <a:p>
+            <a:pPr algn="ctr"/>
+            <a:r>
+              <a:rPr lang="en-IN" sz="1400" dirty="0">
+                <a:solidFill>
+                  <a:schemeClr val="tx1"/>
+                </a:solidFill>
+              </a:rPr>
+              <a:t>Device</a:t>
+            </a:r>
+          </a:p>
+          <a:p>
+            <a:pPr algn="ctr"/>
+            <a:r>
+              <a:rPr lang="en-IN" sz="1400" dirty="0">
+                <a:solidFill>
+                  <a:schemeClr val="tx1"/>
+                </a:solidFill>
+              </a:rPr>
+              <a:t>Management</a:t>
+            </a:r>
+            <a:endParaRPr lang="en-IN" sz="1400" dirty="0">
               <a:solidFill>
                 <a:schemeClr val="tx1"/>
               </a:solidFill>
-            </a:ln>
-          </p:spPr>
-          <p:style>
-            <a:lnRef idx="2">
-              <a:schemeClr val="accent1">
-                <a:shade val="50000"/>
-              </a:schemeClr>
-            </a:lnRef>
-            <a:fillRef idx="1">
-              <a:schemeClr val="accent1"/>
-            </a:fillRef>
-            <a:effectRef idx="0">
-              <a:schemeClr val="accent1"/>
-            </a:effectRef>
-            <a:fontRef idx="minor">
-              <a:schemeClr val="lt1"/>
-            </a:fontRef>
-          </p:style>
-          <p:txBody>
-            <a:bodyPr rtlCol="0" anchor="ctr"/>
-            <a:lstStyle/>
-            <a:p>
-              <a:pPr algn="ctr"/>
-              <a:endParaRPr lang="en-IN"/>
-            </a:p>
-          </p:txBody>
-        </p:sp>
-      </p:grpSp>
+            </a:endParaRPr>
+          </a:p>
+        </p:txBody>
+      </p:sp>
       <p:grpSp>
         <p:nvGrpSpPr>
           <p:cNvPr id="53" name="Group 52"/>
@@ -6442,11 +6416,7 @@
           <a:p>
             <a:r>
               <a:rPr lang="en-US" sz="1200" dirty="0" smtClean="0"/>
-              <a:t>file </a:t>
-            </a:r>
-            <a:r>
-              <a:rPr lang="en-US" sz="1200" dirty="0" smtClean="0"/>
-              <a:t>data</a:t>
+              <a:t>file data</a:t>
             </a:r>
             <a:endParaRPr lang="en-IN" sz="1200" dirty="0"/>
           </a:p>
@@ -6482,11 +6452,7 @@
           <a:p>
             <a:r>
               <a:rPr lang="en-US" sz="1200" dirty="0" smtClean="0"/>
-              <a:t>file </a:t>
-            </a:r>
-            <a:r>
-              <a:rPr lang="en-US" sz="1200" dirty="0" smtClean="0"/>
-              <a:t>data</a:t>
+              <a:t>file data</a:t>
             </a:r>
             <a:endParaRPr lang="en-IN" sz="1200" dirty="0"/>
           </a:p>
@@ -6554,7 +6520,6 @@
               <a:rPr lang="en-US" sz="1200" dirty="0" smtClean="0"/>
               <a:t>File</a:t>
             </a:r>
-            <a:endParaRPr lang="en-US" sz="1200" dirty="0" smtClean="0"/>
           </a:p>
           <a:p>
             <a:r>
@@ -6852,11 +6817,7 @@
           <a:p>
             <a:r>
               <a:rPr lang="en-US" sz="1200" dirty="0" smtClean="0"/>
-              <a:t>User’s File </a:t>
-            </a:r>
-            <a:r>
-              <a:rPr lang="en-US" sz="1200" dirty="0" smtClean="0"/>
-              <a:t>Details</a:t>
+              <a:t>User’s File Details</a:t>
             </a:r>
             <a:endParaRPr lang="en-IN" sz="1200" dirty="0"/>
           </a:p>
@@ -6865,18 +6826,18 @@
       <p:cxnSp>
         <p:nvCxnSpPr>
           <p:cNvPr id="130" name="Elbow Connector 139"/>
-          <p:cNvCxnSpPr/>
+          <p:cNvCxnSpPr>
+            <a:stCxn id="44" idx="4"/>
+          </p:cNvCxnSpPr>
           <p:nvPr/>
         </p:nvCxnSpPr>
         <p:spPr>
-          <a:xfrm>
-            <a:off x="2195736" y="1916832"/>
-            <a:ext cx="1656184" cy="1152128"/>
+          <a:xfrm rot="16200000" flipH="1">
+            <a:off x="2375756" y="1592796"/>
+            <a:ext cx="1152128" cy="1800200"/>
           </a:xfrm>
-          <a:prstGeom prst="bentConnector3">
-            <a:avLst>
-              <a:gd name="adj1" fmla="val 50000"/>
-            </a:avLst>
+          <a:prstGeom prst="bentConnector2">
+            <a:avLst/>
           </a:prstGeom>
           <a:ln>
             <a:solidFill>
@@ -6963,326 +6924,23 @@
           <a:chExt cx="0" cy="0"/>
         </a:xfrm>
       </p:grpSpPr>
-      <p:sp>
-        <p:nvSpPr>
-          <p:cNvPr id="6148" name="Oval 4"/>
-          <p:cNvSpPr>
-            <a:spLocks noChangeArrowheads="1"/>
-          </p:cNvSpPr>
-          <p:nvPr/>
-        </p:nvSpPr>
-        <p:spPr bwMode="auto">
-          <a:xfrm>
-            <a:off x="2362200" y="762000"/>
-            <a:ext cx="838200" cy="838200"/>
-          </a:xfrm>
-          <a:prstGeom prst="ellipse">
-            <a:avLst/>
-          </a:prstGeom>
-          <a:noFill/>
-          <a:ln w="9525">
-            <a:solidFill>
-              <a:schemeClr val="tx1"/>
-            </a:solidFill>
-            <a:round/>
-            <a:headEnd/>
-            <a:tailEnd/>
-          </a:ln>
-          <a:effectLst/>
-          <a:extLst>
-            <a:ext uri="{909E8E84-426E-40DD-AFC4-6F175D3DCCD1}">
-              <a14:hiddenFill xmlns="" xmlns:a14="http://schemas.microsoft.com/office/drawing/2010/main">
-                <a:solidFill>
-                  <a:schemeClr val="accent1"/>
-                </a:solidFill>
-              </a14:hiddenFill>
-            </a:ext>
-            <a:ext uri="{AF507438-7753-43E0-B8FC-AC1667EBCBE1}">
-              <a14:hiddenEffects xmlns="" xmlns:a14="http://schemas.microsoft.com/office/drawing/2010/main">
-                <a:effectLst>
-                  <a:outerShdw dist="35921" dir="2700000" algn="ctr" rotWithShape="0">
-                    <a:schemeClr val="bg2"/>
-                  </a:outerShdw>
-                </a:effectLst>
-              </a14:hiddenEffects>
-            </a:ext>
-          </a:extLst>
-        </p:spPr>
-        <p:txBody>
-          <a:bodyPr wrap="none" anchor="ctr"/>
-          <a:lstStyle/>
-          <a:p>
-            <a:pPr algn="ctr"/>
-            <a:r>
-              <a:rPr lang="en-US" sz="1200" b="1" dirty="0" smtClean="0"/>
-              <a:t>External</a:t>
-            </a:r>
-          </a:p>
-          <a:p>
-            <a:pPr algn="ctr"/>
-            <a:r>
-              <a:rPr lang="en-US" sz="1200" b="1" dirty="0" smtClean="0"/>
-              <a:t> Device</a:t>
-            </a:r>
-          </a:p>
-          <a:p>
-            <a:pPr algn="ctr"/>
-            <a:r>
-              <a:rPr lang="en-US" sz="1200" b="1" dirty="0" smtClean="0"/>
-              <a:t> Manager</a:t>
-            </a:r>
-            <a:endParaRPr lang="en-US" sz="1200" b="1" dirty="0"/>
-          </a:p>
-          <a:p>
-            <a:pPr algn="ctr"/>
-            <a:r>
-              <a:rPr lang="en-US" sz="1200" b="1" dirty="0"/>
-              <a:t>4.1</a:t>
-            </a:r>
-          </a:p>
-        </p:txBody>
-      </p:sp>
-      <p:sp>
-        <p:nvSpPr>
-          <p:cNvPr id="6149" name="Oval 5"/>
-          <p:cNvSpPr>
-            <a:spLocks noChangeArrowheads="1"/>
-          </p:cNvSpPr>
-          <p:nvPr/>
-        </p:nvSpPr>
-        <p:spPr bwMode="auto">
-          <a:xfrm>
-            <a:off x="2590800" y="1905000"/>
-            <a:ext cx="838200" cy="838200"/>
-          </a:xfrm>
-          <a:prstGeom prst="ellipse">
-            <a:avLst/>
-          </a:prstGeom>
-          <a:noFill/>
-          <a:ln w="9525">
-            <a:solidFill>
-              <a:schemeClr val="tx1"/>
-            </a:solidFill>
-            <a:round/>
-            <a:headEnd/>
-            <a:tailEnd/>
-          </a:ln>
-          <a:effectLst/>
-          <a:extLst>
-            <a:ext uri="{909E8E84-426E-40DD-AFC4-6F175D3DCCD1}">
-              <a14:hiddenFill xmlns="" xmlns:a14="http://schemas.microsoft.com/office/drawing/2010/main">
-                <a:solidFill>
-                  <a:schemeClr val="accent1"/>
-                </a:solidFill>
-              </a14:hiddenFill>
-            </a:ext>
-            <a:ext uri="{AF507438-7753-43E0-B8FC-AC1667EBCBE1}">
-              <a14:hiddenEffects xmlns="" xmlns:a14="http://schemas.microsoft.com/office/drawing/2010/main">
-                <a:effectLst>
-                  <a:outerShdw dist="35921" dir="2700000" algn="ctr" rotWithShape="0">
-                    <a:schemeClr val="bg2"/>
-                  </a:outerShdw>
-                </a:effectLst>
-              </a14:hiddenEffects>
-            </a:ext>
-          </a:extLst>
-        </p:spPr>
-        <p:txBody>
-          <a:bodyPr wrap="none" anchor="ctr"/>
-          <a:lstStyle/>
-          <a:p>
-            <a:pPr algn="ctr"/>
-            <a:r>
-              <a:rPr lang="en-US" sz="1200" b="1" dirty="0" smtClean="0"/>
-              <a:t>Desktop </a:t>
-            </a:r>
-          </a:p>
-          <a:p>
-            <a:pPr algn="ctr"/>
-            <a:r>
-              <a:rPr lang="en-US" sz="1200" b="1" dirty="0" smtClean="0"/>
-              <a:t>Files </a:t>
-            </a:r>
-          </a:p>
-          <a:p>
-            <a:pPr algn="ctr"/>
-            <a:r>
-              <a:rPr lang="en-US" sz="1200" b="1" dirty="0" smtClean="0"/>
-              <a:t>Manager</a:t>
-            </a:r>
-            <a:endParaRPr lang="en-US" sz="1200" b="1" dirty="0"/>
-          </a:p>
-          <a:p>
-            <a:pPr algn="ctr"/>
-            <a:r>
-              <a:rPr lang="en-US" sz="1200" b="1" dirty="0"/>
-              <a:t>4.2</a:t>
-            </a:r>
-          </a:p>
-        </p:txBody>
-      </p:sp>
-      <p:sp>
-        <p:nvSpPr>
-          <p:cNvPr id="6150" name="Oval 6"/>
-          <p:cNvSpPr>
-            <a:spLocks noChangeArrowheads="1"/>
-          </p:cNvSpPr>
-          <p:nvPr/>
-        </p:nvSpPr>
-        <p:spPr bwMode="auto">
-          <a:xfrm>
-            <a:off x="2133600" y="3124200"/>
-            <a:ext cx="838200" cy="838200"/>
-          </a:xfrm>
-          <a:prstGeom prst="ellipse">
-            <a:avLst/>
-          </a:prstGeom>
-          <a:noFill/>
-          <a:ln w="9525">
-            <a:solidFill>
-              <a:schemeClr val="tx1"/>
-            </a:solidFill>
-            <a:round/>
-            <a:headEnd/>
-            <a:tailEnd/>
-          </a:ln>
-          <a:effectLst/>
-          <a:extLst>
-            <a:ext uri="{909E8E84-426E-40DD-AFC4-6F175D3DCCD1}">
-              <a14:hiddenFill xmlns="" xmlns:a14="http://schemas.microsoft.com/office/drawing/2010/main">
-                <a:solidFill>
-                  <a:schemeClr val="accent1"/>
-                </a:solidFill>
-              </a14:hiddenFill>
-            </a:ext>
-            <a:ext uri="{AF507438-7753-43E0-B8FC-AC1667EBCBE1}">
-              <a14:hiddenEffects xmlns="" xmlns:a14="http://schemas.microsoft.com/office/drawing/2010/main">
-                <a:effectLst>
-                  <a:outerShdw dist="35921" dir="2700000" algn="ctr" rotWithShape="0">
-                    <a:schemeClr val="bg2"/>
-                  </a:outerShdw>
-                </a:effectLst>
-              </a14:hiddenEffects>
-            </a:ext>
-          </a:extLst>
-        </p:spPr>
-        <p:txBody>
-          <a:bodyPr wrap="none" anchor="ctr"/>
-          <a:lstStyle/>
-          <a:p>
-            <a:pPr algn="ctr"/>
-            <a:r>
-              <a:rPr lang="en-US" sz="1200" b="1" dirty="0" smtClean="0"/>
-              <a:t>Web </a:t>
-            </a:r>
-          </a:p>
-          <a:p>
-            <a:pPr algn="ctr"/>
-            <a:r>
-              <a:rPr lang="en-US" sz="1200" b="1" dirty="0" smtClean="0"/>
-              <a:t>File </a:t>
-            </a:r>
-          </a:p>
-          <a:p>
-            <a:pPr algn="ctr"/>
-            <a:r>
-              <a:rPr lang="en-US" sz="1200" b="1" dirty="0" smtClean="0"/>
-              <a:t>Manager</a:t>
-            </a:r>
-            <a:endParaRPr lang="en-US" sz="1200" b="1" dirty="0"/>
-          </a:p>
-          <a:p>
-            <a:pPr algn="ctr"/>
-            <a:r>
-              <a:rPr lang="en-US" sz="1200" b="1" dirty="0"/>
-              <a:t>4.3</a:t>
-            </a:r>
-          </a:p>
-        </p:txBody>
-      </p:sp>
-      <p:sp>
-        <p:nvSpPr>
-          <p:cNvPr id="6151" name="Oval 7"/>
-          <p:cNvSpPr>
-            <a:spLocks noChangeArrowheads="1"/>
-          </p:cNvSpPr>
-          <p:nvPr/>
-        </p:nvSpPr>
-        <p:spPr bwMode="auto">
-          <a:xfrm>
-            <a:off x="4572000" y="1828800"/>
-            <a:ext cx="990600" cy="990600"/>
-          </a:xfrm>
-          <a:prstGeom prst="ellipse">
-            <a:avLst/>
-          </a:prstGeom>
-          <a:noFill/>
-          <a:ln w="9525">
-            <a:solidFill>
-              <a:schemeClr val="tx1"/>
-            </a:solidFill>
-            <a:round/>
-            <a:headEnd/>
-            <a:tailEnd/>
-          </a:ln>
-          <a:effectLst/>
-          <a:extLst>
-            <a:ext uri="{909E8E84-426E-40DD-AFC4-6F175D3DCCD1}">
-              <a14:hiddenFill xmlns="" xmlns:a14="http://schemas.microsoft.com/office/drawing/2010/main">
-                <a:solidFill>
-                  <a:schemeClr val="accent1"/>
-                </a:solidFill>
-              </a14:hiddenFill>
-            </a:ext>
-            <a:ext uri="{AF507438-7753-43E0-B8FC-AC1667EBCBE1}">
-              <a14:hiddenEffects xmlns="" xmlns:a14="http://schemas.microsoft.com/office/drawing/2010/main">
-                <a:effectLst>
-                  <a:outerShdw dist="35921" dir="2700000" algn="ctr" rotWithShape="0">
-                    <a:schemeClr val="bg2"/>
-                  </a:outerShdw>
-                </a:effectLst>
-              </a14:hiddenEffects>
-            </a:ext>
-          </a:extLst>
-        </p:spPr>
-        <p:txBody>
-          <a:bodyPr wrap="none" anchor="ctr"/>
-          <a:lstStyle/>
-          <a:p>
-            <a:pPr algn="ctr"/>
-            <a:r>
-              <a:rPr lang="en-US" sz="1200" b="1"/>
-              <a:t>Aggregator</a:t>
-            </a:r>
-          </a:p>
-          <a:p>
-            <a:pPr algn="ctr"/>
-            <a:r>
-              <a:rPr lang="en-US" sz="1200" b="1"/>
-              <a:t>4.4</a:t>
-            </a:r>
-          </a:p>
-        </p:txBody>
-      </p:sp>
       <p:grpSp>
         <p:nvGrpSpPr>
-          <p:cNvPr id="6152" name="Group 8"/>
-          <p:cNvGrpSpPr>
-            <a:grpSpLocks/>
-          </p:cNvGrpSpPr>
+          <p:cNvPr id="4" name="Group 3"/>
+          <p:cNvGrpSpPr/>
           <p:nvPr/>
         </p:nvGrpSpPr>
-        <p:grpSpPr bwMode="auto">
+        <p:grpSpPr>
           <a:xfrm>
-            <a:off x="76200" y="2133600"/>
-            <a:ext cx="1295400" cy="381000"/>
-            <a:chOff x="336" y="384"/>
-            <a:chExt cx="816" cy="240"/>
+            <a:off x="0" y="0"/>
+            <a:ext cx="9108484" cy="6626438"/>
+            <a:chOff x="76200" y="762000"/>
+            <a:chExt cx="8956676" cy="5542667"/>
           </a:xfrm>
         </p:grpSpPr>
         <p:grpSp>
           <p:nvGrpSpPr>
-            <p:cNvPr id="6153" name="Group 9"/>
+            <p:cNvPr id="6152" name="Group 8"/>
             <p:cNvGrpSpPr>
               <a:grpSpLocks/>
             </p:cNvGrpSpPr>
@@ -7290,48 +6948,174 @@
           </p:nvGrpSpPr>
           <p:grpSpPr bwMode="auto">
             <a:xfrm>
-              <a:off x="336" y="384"/>
-              <a:ext cx="816" cy="240"/>
+              <a:off x="76200" y="2133600"/>
+              <a:ext cx="1557338" cy="381000"/>
               <a:chOff x="336" y="384"/>
-              <a:chExt cx="816" cy="240"/>
+              <a:chExt cx="981" cy="240"/>
             </a:xfrm>
           </p:grpSpPr>
+          <p:grpSp>
+            <p:nvGrpSpPr>
+              <p:cNvPr id="6153" name="Group 9"/>
+              <p:cNvGrpSpPr>
+                <a:grpSpLocks/>
+              </p:cNvGrpSpPr>
+              <p:nvPr/>
+            </p:nvGrpSpPr>
+            <p:grpSpPr bwMode="auto">
+              <a:xfrm>
+                <a:off x="336" y="384"/>
+                <a:ext cx="981" cy="240"/>
+                <a:chOff x="336" y="384"/>
+                <a:chExt cx="981" cy="240"/>
+              </a:xfrm>
+            </p:grpSpPr>
+            <p:sp>
+              <p:nvSpPr>
+                <p:cNvPr id="6154" name="Rectangle 10"/>
+                <p:cNvSpPr>
+                  <a:spLocks noChangeArrowheads="1"/>
+                </p:cNvSpPr>
+                <p:nvPr/>
+              </p:nvSpPr>
+              <p:spPr bwMode="auto">
+                <a:xfrm>
+                  <a:off x="336" y="384"/>
+                  <a:ext cx="981" cy="240"/>
+                </a:xfrm>
+                <a:prstGeom prst="rect">
+                  <a:avLst/>
+                </a:prstGeom>
+                <a:noFill/>
+                <a:ln w="9525">
+                  <a:solidFill>
+                    <a:schemeClr val="tx1"/>
+                  </a:solidFill>
+                  <a:miter lim="800000"/>
+                  <a:headEnd/>
+                  <a:tailEnd/>
+                </a:ln>
+                <a:effectLst/>
+                <a:extLst>
+                  <a:ext uri="{909E8E84-426E-40DD-AFC4-6F175D3DCCD1}">
+                    <a14:hiddenFill xmlns:a14="http://schemas.microsoft.com/office/drawing/2010/main">
+                      <a:solidFill>
+                        <a:schemeClr val="accent1"/>
+                      </a:solidFill>
+                    </a14:hiddenFill>
+                  </a:ext>
+                  <a:ext uri="{AF507438-7753-43E0-B8FC-AC1667EBCBE1}">
+                    <a14:hiddenEffects xmlns:a14="http://schemas.microsoft.com/office/drawing/2010/main">
+                      <a:effectLst>
+                        <a:outerShdw dist="35921" dir="2700000" algn="ctr" rotWithShape="0">
+                          <a:schemeClr val="bg2"/>
+                        </a:outerShdw>
+                      </a:effectLst>
+                    </a14:hiddenEffects>
+                  </a:ext>
+                </a:extLst>
+              </p:spPr>
+              <p:txBody>
+                <a:bodyPr wrap="none" anchor="ctr"/>
+                <a:lstStyle/>
+                <a:p>
+                  <a:endParaRPr lang="en-US" sz="1400" b="1"/>
+                </a:p>
+              </p:txBody>
+            </p:sp>
+            <p:sp>
+              <p:nvSpPr>
+                <p:cNvPr id="6155" name="Line 11"/>
+                <p:cNvSpPr>
+                  <a:spLocks noChangeShapeType="1"/>
+                </p:cNvSpPr>
+                <p:nvPr/>
+              </p:nvSpPr>
+              <p:spPr bwMode="auto">
+                <a:xfrm>
+                  <a:off x="528" y="384"/>
+                  <a:ext cx="0" cy="240"/>
+                </a:xfrm>
+                <a:prstGeom prst="line">
+                  <a:avLst/>
+                </a:prstGeom>
+                <a:noFill/>
+                <a:ln w="9525">
+                  <a:solidFill>
+                    <a:schemeClr val="tx1"/>
+                  </a:solidFill>
+                  <a:round/>
+                  <a:headEnd/>
+                  <a:tailEnd/>
+                </a:ln>
+                <a:effectLst/>
+                <a:extLst>
+                  <a:ext uri="{909E8E84-426E-40DD-AFC4-6F175D3DCCD1}">
+                    <a14:hiddenFill xmlns:a14="http://schemas.microsoft.com/office/drawing/2010/main">
+                      <a:noFill/>
+                    </a14:hiddenFill>
+                  </a:ext>
+                  <a:ext uri="{AF507438-7753-43E0-B8FC-AC1667EBCBE1}">
+                    <a14:hiddenEffects xmlns:a14="http://schemas.microsoft.com/office/drawing/2010/main">
+                      <a:effectLst>
+                        <a:outerShdw dist="35921" dir="2700000" algn="ctr" rotWithShape="0">
+                          <a:schemeClr val="bg2"/>
+                        </a:outerShdw>
+                      </a:effectLst>
+                    </a14:hiddenEffects>
+                  </a:ext>
+                </a:extLst>
+              </p:spPr>
+              <p:txBody>
+                <a:bodyPr/>
+                <a:lstStyle/>
+                <a:p>
+                  <a:endParaRPr lang="en-US" sz="1400" b="1"/>
+                </a:p>
+              </p:txBody>
+            </p:sp>
+          </p:grpSp>
           <p:sp>
             <p:nvSpPr>
-              <p:cNvPr id="6154" name="Rectangle 10"/>
-              <p:cNvSpPr>
+              <p:cNvPr id="6156" name="Text Box 12"/>
+              <p:cNvSpPr txBox="1">
                 <a:spLocks noChangeArrowheads="1"/>
               </p:cNvSpPr>
               <p:nvPr/>
             </p:nvSpPr>
             <p:spPr bwMode="auto">
               <a:xfrm>
-                <a:off x="336" y="384"/>
-                <a:ext cx="816" cy="240"/>
+                <a:off x="336" y="422"/>
+                <a:ext cx="981" cy="162"/>
               </a:xfrm>
               <a:prstGeom prst="rect">
                 <a:avLst/>
               </a:prstGeom>
               <a:noFill/>
-              <a:ln w="9525">
-                <a:solidFill>
-                  <a:schemeClr val="tx1"/>
-                </a:solidFill>
-                <a:miter lim="800000"/>
-                <a:headEnd/>
-                <a:tailEnd/>
+              <a:ln>
+                <a:noFill/>
               </a:ln>
               <a:effectLst/>
               <a:extLst>
                 <a:ext uri="{909E8E84-426E-40DD-AFC4-6F175D3DCCD1}">
-                  <a14:hiddenFill xmlns="" xmlns:a14="http://schemas.microsoft.com/office/drawing/2010/main">
+                  <a14:hiddenFill xmlns:a14="http://schemas.microsoft.com/office/drawing/2010/main">
                     <a:solidFill>
                       <a:schemeClr val="accent1"/>
                     </a:solidFill>
                   </a14:hiddenFill>
                 </a:ext>
+                <a:ext uri="{91240B29-F687-4F45-9708-019B960494DF}">
+                  <a14:hiddenLine xmlns:a14="http://schemas.microsoft.com/office/drawing/2010/main" w="9525">
+                    <a:solidFill>
+                      <a:schemeClr val="tx1"/>
+                    </a:solidFill>
+                    <a:miter lim="800000"/>
+                    <a:headEnd/>
+                    <a:tailEnd/>
+                  </a14:hiddenLine>
+                </a:ext>
                 <a:ext uri="{AF507438-7753-43E0-B8FC-AC1667EBCBE1}">
-                  <a14:hiddenEffects xmlns="" xmlns:a14="http://schemas.microsoft.com/office/drawing/2010/main">
+                  <a14:hiddenEffects xmlns:a14="http://schemas.microsoft.com/office/drawing/2010/main">
                     <a:effectLst>
                       <a:outerShdw dist="35921" dir="2700000" algn="ctr" rotWithShape="0">
                         <a:schemeClr val="bg2"/>
@@ -7342,27 +7126,55 @@
               </a:extLst>
             </p:spPr>
             <p:txBody>
-              <a:bodyPr wrap="none" anchor="ctr"/>
+              <a:bodyPr wrap="none">
+                <a:spAutoFit/>
+              </a:bodyPr>
               <a:lstStyle/>
               <a:p>
-                <a:endParaRPr lang="en-US"/>
+                <a:r>
+                  <a:rPr lang="en-US" sz="1400" b="1" dirty="0"/>
+                  <a:t>D2    </a:t>
+                </a:r>
+                <a:r>
+                  <a:rPr lang="en-US" sz="1400" b="1" dirty="0" smtClean="0"/>
+                  <a:t>Device </a:t>
+                </a:r>
+                <a:r>
+                  <a:rPr lang="en-US" sz="1400" b="1" dirty="0"/>
+                  <a:t>details</a:t>
+                </a:r>
               </a:p>
             </p:txBody>
           </p:sp>
+        </p:grpSp>
+        <p:grpSp>
+          <p:nvGrpSpPr>
+            <p:cNvPr id="2" name="Group 1"/>
+            <p:cNvGrpSpPr/>
+            <p:nvPr/>
+          </p:nvGrpSpPr>
+          <p:grpSpPr>
+            <a:xfrm>
+              <a:off x="589378" y="762000"/>
+              <a:ext cx="8443498" cy="5542667"/>
+              <a:chOff x="589378" y="762000"/>
+              <a:chExt cx="8443498" cy="5542667"/>
+            </a:xfrm>
+          </p:grpSpPr>
           <p:sp>
             <p:nvSpPr>
-              <p:cNvPr id="6155" name="Line 11"/>
+              <p:cNvPr id="6148" name="Oval 4"/>
               <p:cNvSpPr>
-                <a:spLocks noChangeShapeType="1"/>
+                <a:spLocks noChangeArrowheads="1"/>
               </p:cNvSpPr>
               <p:nvPr/>
             </p:nvSpPr>
             <p:spPr bwMode="auto">
               <a:xfrm>
-                <a:off x="528" y="384"/>
-                <a:ext cx="0" cy="240"/>
+                <a:off x="2362200" y="762000"/>
+                <a:ext cx="1066800" cy="838200"/>
               </a:xfrm>
-              <a:prstGeom prst="line">
+              <a:prstGeom prst="ellipse">
                 <a:avLst/>
               </a:prstGeom>
               <a:noFill/>
@@ -7377,1036 +7189,14 @@
               <a:effectLst/>
               <a:extLst>
                 <a:ext uri="{909E8E84-426E-40DD-AFC4-6F175D3DCCD1}">
-                  <a14:hiddenFill xmlns="" xmlns:a14="http://schemas.microsoft.com/office/drawing/2010/main">
-                    <a:noFill/>
-                  </a14:hiddenFill>
-                </a:ext>
-                <a:ext uri="{AF507438-7753-43E0-B8FC-AC1667EBCBE1}">
-                  <a14:hiddenEffects xmlns="" xmlns:a14="http://schemas.microsoft.com/office/drawing/2010/main">
-                    <a:effectLst>
-                      <a:outerShdw dist="35921" dir="2700000" algn="ctr" rotWithShape="0">
-                        <a:schemeClr val="bg2"/>
-                      </a:outerShdw>
-                    </a:effectLst>
-                  </a14:hiddenEffects>
-                </a:ext>
-              </a:extLst>
-            </p:spPr>
-            <p:txBody>
-              <a:bodyPr/>
-              <a:lstStyle/>
-              <a:p>
-                <a:endParaRPr lang="en-US"/>
-              </a:p>
-            </p:txBody>
-          </p:sp>
-        </p:grpSp>
-        <p:sp>
-          <p:nvSpPr>
-            <p:cNvPr id="6156" name="Text Box 12"/>
-            <p:cNvSpPr txBox="1">
-              <a:spLocks noChangeArrowheads="1"/>
-            </p:cNvSpPr>
-            <p:nvPr/>
-          </p:nvSpPr>
-          <p:spPr bwMode="auto">
-            <a:xfrm>
-              <a:off x="336" y="422"/>
-              <a:ext cx="733" cy="155"/>
-            </a:xfrm>
-            <a:prstGeom prst="rect">
-              <a:avLst/>
-            </a:prstGeom>
-            <a:noFill/>
-            <a:ln>
-              <a:noFill/>
-            </a:ln>
-            <a:effectLst/>
-            <a:extLst>
-              <a:ext uri="{909E8E84-426E-40DD-AFC4-6F175D3DCCD1}">
-                <a14:hiddenFill xmlns="" xmlns:a14="http://schemas.microsoft.com/office/drawing/2010/main">
-                  <a:solidFill>
-                    <a:schemeClr val="accent1"/>
-                  </a:solidFill>
-                </a14:hiddenFill>
-              </a:ext>
-              <a:ext uri="{91240B29-F687-4F45-9708-019B960494DF}">
-                <a14:hiddenLine xmlns="" xmlns:a14="http://schemas.microsoft.com/office/drawing/2010/main" w="9525">
-                  <a:solidFill>
-                    <a:schemeClr val="tx1"/>
-                  </a:solidFill>
-                  <a:miter lim="800000"/>
-                  <a:headEnd/>
-                  <a:tailEnd/>
-                </a14:hiddenLine>
-              </a:ext>
-              <a:ext uri="{AF507438-7753-43E0-B8FC-AC1667EBCBE1}">
-                <a14:hiddenEffects xmlns="" xmlns:a14="http://schemas.microsoft.com/office/drawing/2010/main">
-                  <a:effectLst>
-                    <a:outerShdw dist="35921" dir="2700000" algn="ctr" rotWithShape="0">
-                      <a:schemeClr val="bg2"/>
-                    </a:outerShdw>
-                  </a:effectLst>
-                </a14:hiddenEffects>
-              </a:ext>
-            </a:extLst>
-          </p:spPr>
-          <p:txBody>
-            <a:bodyPr wrap="none">
-              <a:spAutoFit/>
-            </a:bodyPr>
-            <a:lstStyle/>
-            <a:p>
-              <a:r>
-                <a:rPr lang="en-US" sz="1000" dirty="0"/>
-                <a:t>D2    </a:t>
-              </a:r>
-              <a:r>
-                <a:rPr lang="en-US" sz="1000" dirty="0" smtClean="0"/>
-                <a:t>Device </a:t>
-              </a:r>
-              <a:r>
-                <a:rPr lang="en-US" sz="1000" dirty="0"/>
-                <a:t>details</a:t>
-              </a:r>
-            </a:p>
-          </p:txBody>
-        </p:sp>
-      </p:grpSp>
-      <p:cxnSp>
-        <p:nvCxnSpPr>
-          <p:cNvPr id="6157" name="AutoShape 13"/>
-          <p:cNvCxnSpPr>
-            <a:cxnSpLocks noChangeShapeType="1"/>
-            <a:stCxn id="6154" idx="0"/>
-            <a:endCxn id="6148" idx="2"/>
-          </p:cNvCxnSpPr>
-          <p:nvPr/>
-        </p:nvCxnSpPr>
-        <p:spPr bwMode="auto">
-          <a:xfrm rot="16200000">
-            <a:off x="1066800" y="838200"/>
-            <a:ext cx="952500" cy="1638300"/>
-          </a:xfrm>
-          <a:prstGeom prst="bentConnector2">
-            <a:avLst/>
-          </a:prstGeom>
-          <a:noFill/>
-          <a:ln w="9525">
-            <a:solidFill>
-              <a:schemeClr val="tx1"/>
-            </a:solidFill>
-            <a:miter lim="800000"/>
-            <a:headEnd/>
-            <a:tailEnd type="triangle" w="med" len="med"/>
-          </a:ln>
-          <a:effectLst/>
-          <a:extLst>
-            <a:ext uri="{909E8E84-426E-40DD-AFC4-6F175D3DCCD1}">
-              <a14:hiddenFill xmlns="" xmlns:a14="http://schemas.microsoft.com/office/drawing/2010/main">
-                <a:noFill/>
-              </a14:hiddenFill>
-            </a:ext>
-            <a:ext uri="{AF507438-7753-43E0-B8FC-AC1667EBCBE1}">
-              <a14:hiddenEffects xmlns="" xmlns:a14="http://schemas.microsoft.com/office/drawing/2010/main">
-                <a:effectLst>
-                  <a:outerShdw dist="35921" dir="2700000" algn="ctr" rotWithShape="0">
-                    <a:schemeClr val="bg2"/>
-                  </a:outerShdw>
-                </a:effectLst>
-              </a14:hiddenEffects>
-            </a:ext>
-          </a:extLst>
-        </p:spPr>
-      </p:cxnSp>
-      <p:cxnSp>
-        <p:nvCxnSpPr>
-          <p:cNvPr id="6158" name="AutoShape 14"/>
-          <p:cNvCxnSpPr>
-            <a:cxnSpLocks noChangeShapeType="1"/>
-            <a:stCxn id="6154" idx="2"/>
-            <a:endCxn id="6150" idx="2"/>
-          </p:cNvCxnSpPr>
-          <p:nvPr/>
-        </p:nvCxnSpPr>
-        <p:spPr bwMode="auto">
-          <a:xfrm rot="16200000" flipH="1">
-            <a:off x="914400" y="2324100"/>
-            <a:ext cx="1028700" cy="1409700"/>
-          </a:xfrm>
-          <a:prstGeom prst="bentConnector2">
-            <a:avLst/>
-          </a:prstGeom>
-          <a:noFill/>
-          <a:ln w="9525">
-            <a:solidFill>
-              <a:schemeClr val="tx1"/>
-            </a:solidFill>
-            <a:miter lim="800000"/>
-            <a:headEnd/>
-            <a:tailEnd type="triangle" w="med" len="med"/>
-          </a:ln>
-          <a:effectLst/>
-          <a:extLst>
-            <a:ext uri="{909E8E84-426E-40DD-AFC4-6F175D3DCCD1}">
-              <a14:hiddenFill xmlns="" xmlns:a14="http://schemas.microsoft.com/office/drawing/2010/main">
-                <a:noFill/>
-              </a14:hiddenFill>
-            </a:ext>
-            <a:ext uri="{AF507438-7753-43E0-B8FC-AC1667EBCBE1}">
-              <a14:hiddenEffects xmlns="" xmlns:a14="http://schemas.microsoft.com/office/drawing/2010/main">
-                <a:effectLst>
-                  <a:outerShdw dist="35921" dir="2700000" algn="ctr" rotWithShape="0">
-                    <a:schemeClr val="bg2"/>
-                  </a:outerShdw>
-                </a:effectLst>
-              </a14:hiddenEffects>
-            </a:ext>
-          </a:extLst>
-        </p:spPr>
-      </p:cxnSp>
-      <p:cxnSp>
-        <p:nvCxnSpPr>
-          <p:cNvPr id="6160" name="AutoShape 16"/>
-          <p:cNvCxnSpPr>
-            <a:cxnSpLocks noChangeShapeType="1"/>
-            <a:stCxn id="6148" idx="6"/>
-            <a:endCxn id="6151" idx="0"/>
-          </p:cNvCxnSpPr>
-          <p:nvPr/>
-        </p:nvCxnSpPr>
-        <p:spPr bwMode="auto">
-          <a:xfrm>
-            <a:off x="3200400" y="1181100"/>
-            <a:ext cx="1866900" cy="647700"/>
-          </a:xfrm>
-          <a:prstGeom prst="bentConnector2">
-            <a:avLst/>
-          </a:prstGeom>
-          <a:noFill/>
-          <a:ln w="9525">
-            <a:solidFill>
-              <a:schemeClr val="tx1"/>
-            </a:solidFill>
-            <a:miter lim="800000"/>
-            <a:headEnd/>
-            <a:tailEnd type="triangle" w="med" len="med"/>
-          </a:ln>
-          <a:effectLst/>
-          <a:extLst>
-            <a:ext uri="{909E8E84-426E-40DD-AFC4-6F175D3DCCD1}">
-              <a14:hiddenFill xmlns="" xmlns:a14="http://schemas.microsoft.com/office/drawing/2010/main">
-                <a:noFill/>
-              </a14:hiddenFill>
-            </a:ext>
-            <a:ext uri="{AF507438-7753-43E0-B8FC-AC1667EBCBE1}">
-              <a14:hiddenEffects xmlns="" xmlns:a14="http://schemas.microsoft.com/office/drawing/2010/main">
-                <a:effectLst>
-                  <a:outerShdw dist="35921" dir="2700000" algn="ctr" rotWithShape="0">
-                    <a:schemeClr val="bg2"/>
-                  </a:outerShdw>
-                </a:effectLst>
-              </a14:hiddenEffects>
-            </a:ext>
-          </a:extLst>
-        </p:spPr>
-      </p:cxnSp>
-      <p:cxnSp>
-        <p:nvCxnSpPr>
-          <p:cNvPr id="6161" name="AutoShape 17"/>
-          <p:cNvCxnSpPr>
-            <a:cxnSpLocks noChangeShapeType="1"/>
-            <a:stCxn id="6149" idx="6"/>
-            <a:endCxn id="6151" idx="2"/>
-          </p:cNvCxnSpPr>
-          <p:nvPr/>
-        </p:nvCxnSpPr>
-        <p:spPr bwMode="auto">
-          <a:xfrm>
-            <a:off x="3429000" y="2324100"/>
-            <a:ext cx="1143000" cy="0"/>
-          </a:xfrm>
-          <a:prstGeom prst="straightConnector1">
-            <a:avLst/>
-          </a:prstGeom>
-          <a:noFill/>
-          <a:ln w="9525">
-            <a:solidFill>
-              <a:schemeClr val="tx1"/>
-            </a:solidFill>
-            <a:round/>
-            <a:headEnd/>
-            <a:tailEnd type="triangle" w="med" len="med"/>
-          </a:ln>
-          <a:effectLst/>
-          <a:extLst>
-            <a:ext uri="{909E8E84-426E-40DD-AFC4-6F175D3DCCD1}">
-              <a14:hiddenFill xmlns="" xmlns:a14="http://schemas.microsoft.com/office/drawing/2010/main">
-                <a:noFill/>
-              </a14:hiddenFill>
-            </a:ext>
-            <a:ext uri="{AF507438-7753-43E0-B8FC-AC1667EBCBE1}">
-              <a14:hiddenEffects xmlns="" xmlns:a14="http://schemas.microsoft.com/office/drawing/2010/main">
-                <a:effectLst>
-                  <a:outerShdw dist="35921" dir="2700000" algn="ctr" rotWithShape="0">
-                    <a:schemeClr val="bg2"/>
-                  </a:outerShdw>
-                </a:effectLst>
-              </a14:hiddenEffects>
-            </a:ext>
-          </a:extLst>
-        </p:spPr>
-      </p:cxnSp>
-      <p:cxnSp>
-        <p:nvCxnSpPr>
-          <p:cNvPr id="6162" name="AutoShape 18"/>
-          <p:cNvCxnSpPr>
-            <a:cxnSpLocks noChangeShapeType="1"/>
-            <a:stCxn id="6150" idx="6"/>
-            <a:endCxn id="6151" idx="4"/>
-          </p:cNvCxnSpPr>
-          <p:nvPr/>
-        </p:nvCxnSpPr>
-        <p:spPr bwMode="auto">
-          <a:xfrm flipV="1">
-            <a:off x="2971800" y="2819400"/>
-            <a:ext cx="2095500" cy="723900"/>
-          </a:xfrm>
-          <a:prstGeom prst="bentConnector2">
-            <a:avLst/>
-          </a:prstGeom>
-          <a:noFill/>
-          <a:ln w="9525">
-            <a:solidFill>
-              <a:schemeClr val="tx1"/>
-            </a:solidFill>
-            <a:miter lim="800000"/>
-            <a:headEnd/>
-            <a:tailEnd type="triangle" w="med" len="med"/>
-          </a:ln>
-          <a:effectLst/>
-          <a:extLst>
-            <a:ext uri="{909E8E84-426E-40DD-AFC4-6F175D3DCCD1}">
-              <a14:hiddenFill xmlns="" xmlns:a14="http://schemas.microsoft.com/office/drawing/2010/main">
-                <a:noFill/>
-              </a14:hiddenFill>
-            </a:ext>
-            <a:ext uri="{AF507438-7753-43E0-B8FC-AC1667EBCBE1}">
-              <a14:hiddenEffects xmlns="" xmlns:a14="http://schemas.microsoft.com/office/drawing/2010/main">
-                <a:effectLst>
-                  <a:outerShdw dist="35921" dir="2700000" algn="ctr" rotWithShape="0">
-                    <a:schemeClr val="bg2"/>
-                  </a:outerShdw>
-                </a:effectLst>
-              </a14:hiddenEffects>
-            </a:ext>
-          </a:extLst>
-        </p:spPr>
-      </p:cxnSp>
-      <p:sp>
-        <p:nvSpPr>
-          <p:cNvPr id="6164" name="Text Box 20"/>
-          <p:cNvSpPr txBox="1">
-            <a:spLocks noChangeArrowheads="1"/>
-          </p:cNvSpPr>
-          <p:nvPr/>
-        </p:nvSpPr>
-        <p:spPr bwMode="auto">
-          <a:xfrm>
-            <a:off x="914400" y="914400"/>
-            <a:ext cx="1208985" cy="246221"/>
-          </a:xfrm>
-          <a:prstGeom prst="rect">
-            <a:avLst/>
-          </a:prstGeom>
-          <a:noFill/>
-          <a:ln>
-            <a:noFill/>
-          </a:ln>
-          <a:effectLst/>
-          <a:extLst>
-            <a:ext uri="{909E8E84-426E-40DD-AFC4-6F175D3DCCD1}">
-              <a14:hiddenFill xmlns="" xmlns:a14="http://schemas.microsoft.com/office/drawing/2010/main">
-                <a:solidFill>
-                  <a:schemeClr val="accent1"/>
-                </a:solidFill>
-              </a14:hiddenFill>
-            </a:ext>
-            <a:ext uri="{91240B29-F687-4F45-9708-019B960494DF}">
-              <a14:hiddenLine xmlns="" xmlns:a14="http://schemas.microsoft.com/office/drawing/2010/main" w="9525">
-                <a:solidFill>
-                  <a:schemeClr val="tx1"/>
-                </a:solidFill>
-                <a:miter lim="800000"/>
-                <a:headEnd/>
-                <a:tailEnd/>
-              </a14:hiddenLine>
-            </a:ext>
-            <a:ext uri="{AF507438-7753-43E0-B8FC-AC1667EBCBE1}">
-              <a14:hiddenEffects xmlns="" xmlns:a14="http://schemas.microsoft.com/office/drawing/2010/main">
-                <a:effectLst>
-                  <a:outerShdw dist="35921" dir="2700000" algn="ctr" rotWithShape="0">
-                    <a:schemeClr val="bg2"/>
-                  </a:outerShdw>
-                </a:effectLst>
-              </a14:hiddenEffects>
-            </a:ext>
-          </a:extLst>
-        </p:spPr>
-        <p:txBody>
-          <a:bodyPr wrap="none">
-            <a:spAutoFit/>
-          </a:bodyPr>
-          <a:lstStyle/>
-          <a:p>
-            <a:r>
-              <a:rPr lang="en-US" sz="1000" dirty="0" smtClean="0"/>
-              <a:t>External device </a:t>
-            </a:r>
-            <a:r>
-              <a:rPr lang="en-US" sz="1000" dirty="0"/>
-              <a:t>info</a:t>
-            </a:r>
-          </a:p>
-        </p:txBody>
-      </p:sp>
-      <p:sp>
-        <p:nvSpPr>
-          <p:cNvPr id="6166" name="Text Box 22"/>
-          <p:cNvSpPr txBox="1">
-            <a:spLocks noChangeArrowheads="1"/>
-          </p:cNvSpPr>
-          <p:nvPr/>
-        </p:nvSpPr>
-        <p:spPr bwMode="auto">
-          <a:xfrm>
-            <a:off x="1412288" y="2003425"/>
-            <a:ext cx="1053494" cy="246221"/>
-          </a:xfrm>
-          <a:prstGeom prst="rect">
-            <a:avLst/>
-          </a:prstGeom>
-          <a:noFill/>
-          <a:ln>
-            <a:noFill/>
-          </a:ln>
-          <a:effectLst/>
-          <a:extLst>
-            <a:ext uri="{909E8E84-426E-40DD-AFC4-6F175D3DCCD1}">
-              <a14:hiddenFill xmlns="" xmlns:a14="http://schemas.microsoft.com/office/drawing/2010/main">
-                <a:solidFill>
-                  <a:schemeClr val="accent1"/>
-                </a:solidFill>
-              </a14:hiddenFill>
-            </a:ext>
-            <a:ext uri="{91240B29-F687-4F45-9708-019B960494DF}">
-              <a14:hiddenLine xmlns="" xmlns:a14="http://schemas.microsoft.com/office/drawing/2010/main" w="9525">
-                <a:solidFill>
-                  <a:schemeClr val="tx1"/>
-                </a:solidFill>
-                <a:miter lim="800000"/>
-                <a:headEnd/>
-                <a:tailEnd/>
-              </a14:hiddenLine>
-            </a:ext>
-            <a:ext uri="{AF507438-7753-43E0-B8FC-AC1667EBCBE1}">
-              <a14:hiddenEffects xmlns="" xmlns:a14="http://schemas.microsoft.com/office/drawing/2010/main">
-                <a:effectLst>
-                  <a:outerShdw dist="35921" dir="2700000" algn="ctr" rotWithShape="0">
-                    <a:schemeClr val="bg2"/>
-                  </a:outerShdw>
-                </a:effectLst>
-              </a14:hiddenEffects>
-            </a:ext>
-          </a:extLst>
-        </p:spPr>
-        <p:txBody>
-          <a:bodyPr wrap="none">
-            <a:spAutoFit/>
-          </a:bodyPr>
-          <a:lstStyle/>
-          <a:p>
-            <a:r>
-              <a:rPr lang="en-US" sz="1000" dirty="0" smtClean="0"/>
-              <a:t>Desktop File </a:t>
-            </a:r>
-            <a:r>
-              <a:rPr lang="en-US" sz="1000" dirty="0"/>
-              <a:t>info</a:t>
-            </a:r>
-          </a:p>
-        </p:txBody>
-      </p:sp>
-      <p:sp>
-        <p:nvSpPr>
-          <p:cNvPr id="6167" name="Text Box 23"/>
-          <p:cNvSpPr txBox="1">
-            <a:spLocks noChangeArrowheads="1"/>
-          </p:cNvSpPr>
-          <p:nvPr/>
-        </p:nvSpPr>
-        <p:spPr bwMode="auto">
-          <a:xfrm>
-            <a:off x="722313" y="3124200"/>
-            <a:ext cx="870751" cy="246221"/>
-          </a:xfrm>
-          <a:prstGeom prst="rect">
-            <a:avLst/>
-          </a:prstGeom>
-          <a:noFill/>
-          <a:ln>
-            <a:noFill/>
-          </a:ln>
-          <a:effectLst/>
-          <a:extLst>
-            <a:ext uri="{909E8E84-426E-40DD-AFC4-6F175D3DCCD1}">
-              <a14:hiddenFill xmlns="" xmlns:a14="http://schemas.microsoft.com/office/drawing/2010/main">
-                <a:solidFill>
-                  <a:schemeClr val="accent1"/>
-                </a:solidFill>
-              </a14:hiddenFill>
-            </a:ext>
-            <a:ext uri="{91240B29-F687-4F45-9708-019B960494DF}">
-              <a14:hiddenLine xmlns="" xmlns:a14="http://schemas.microsoft.com/office/drawing/2010/main" w="9525">
-                <a:solidFill>
-                  <a:schemeClr val="tx1"/>
-                </a:solidFill>
-                <a:miter lim="800000"/>
-                <a:headEnd/>
-                <a:tailEnd/>
-              </a14:hiddenLine>
-            </a:ext>
-            <a:ext uri="{AF507438-7753-43E0-B8FC-AC1667EBCBE1}">
-              <a14:hiddenEffects xmlns="" xmlns:a14="http://schemas.microsoft.com/office/drawing/2010/main">
-                <a:effectLst>
-                  <a:outerShdw dist="35921" dir="2700000" algn="ctr" rotWithShape="0">
-                    <a:schemeClr val="bg2"/>
-                  </a:outerShdw>
-                </a:effectLst>
-              </a14:hiddenEffects>
-            </a:ext>
-          </a:extLst>
-        </p:spPr>
-        <p:txBody>
-          <a:bodyPr wrap="none">
-            <a:spAutoFit/>
-          </a:bodyPr>
-          <a:lstStyle/>
-          <a:p>
-            <a:r>
-              <a:rPr lang="en-US" sz="1000" dirty="0" smtClean="0"/>
-              <a:t>Web File info</a:t>
-            </a:r>
-            <a:endParaRPr lang="en-US" sz="1000" dirty="0"/>
-          </a:p>
-        </p:txBody>
-      </p:sp>
-      <p:sp>
-        <p:nvSpPr>
-          <p:cNvPr id="6168" name="Text Box 24"/>
-          <p:cNvSpPr txBox="1">
-            <a:spLocks noChangeArrowheads="1"/>
-          </p:cNvSpPr>
-          <p:nvPr/>
-        </p:nvSpPr>
-        <p:spPr bwMode="auto">
-          <a:xfrm>
-            <a:off x="3505200" y="914400"/>
-            <a:ext cx="1184940" cy="246221"/>
-          </a:xfrm>
-          <a:prstGeom prst="rect">
-            <a:avLst/>
-          </a:prstGeom>
-          <a:noFill/>
-          <a:ln>
-            <a:noFill/>
-          </a:ln>
-          <a:effectLst/>
-          <a:extLst>
-            <a:ext uri="{909E8E84-426E-40DD-AFC4-6F175D3DCCD1}">
-              <a14:hiddenFill xmlns="" xmlns:a14="http://schemas.microsoft.com/office/drawing/2010/main">
-                <a:solidFill>
-                  <a:schemeClr val="accent1"/>
-                </a:solidFill>
-              </a14:hiddenFill>
-            </a:ext>
-            <a:ext uri="{91240B29-F687-4F45-9708-019B960494DF}">
-              <a14:hiddenLine xmlns="" xmlns:a14="http://schemas.microsoft.com/office/drawing/2010/main" w="9525">
-                <a:solidFill>
-                  <a:schemeClr val="tx1"/>
-                </a:solidFill>
-                <a:miter lim="800000"/>
-                <a:headEnd/>
-                <a:tailEnd/>
-              </a14:hiddenLine>
-            </a:ext>
-            <a:ext uri="{AF507438-7753-43E0-B8FC-AC1667EBCBE1}">
-              <a14:hiddenEffects xmlns="" xmlns:a14="http://schemas.microsoft.com/office/drawing/2010/main">
-                <a:effectLst>
-                  <a:outerShdw dist="35921" dir="2700000" algn="ctr" rotWithShape="0">
-                    <a:schemeClr val="bg2"/>
-                  </a:outerShdw>
-                </a:effectLst>
-              </a14:hiddenEffects>
-            </a:ext>
-          </a:extLst>
-        </p:spPr>
-        <p:txBody>
-          <a:bodyPr wrap="none">
-            <a:spAutoFit/>
-          </a:bodyPr>
-          <a:lstStyle/>
-          <a:p>
-            <a:r>
-              <a:rPr lang="en-US" sz="1000" dirty="0"/>
-              <a:t>External </a:t>
-            </a:r>
-            <a:r>
-              <a:rPr lang="en-US" sz="1000" dirty="0" smtClean="0"/>
-              <a:t>file </a:t>
-            </a:r>
-            <a:r>
-              <a:rPr lang="en-US" sz="1000" dirty="0"/>
-              <a:t>Details</a:t>
-            </a:r>
-          </a:p>
-        </p:txBody>
-      </p:sp>
-      <p:sp>
-        <p:nvSpPr>
-          <p:cNvPr id="6170" name="Text Box 26"/>
-          <p:cNvSpPr txBox="1">
-            <a:spLocks noChangeArrowheads="1"/>
-          </p:cNvSpPr>
-          <p:nvPr/>
-        </p:nvSpPr>
-        <p:spPr bwMode="auto">
-          <a:xfrm>
-            <a:off x="3352800" y="1828800"/>
-            <a:ext cx="1194558" cy="246221"/>
-          </a:xfrm>
-          <a:prstGeom prst="rect">
-            <a:avLst/>
-          </a:prstGeom>
-          <a:noFill/>
-          <a:ln>
-            <a:noFill/>
-          </a:ln>
-          <a:effectLst/>
-          <a:extLst>
-            <a:ext uri="{909E8E84-426E-40DD-AFC4-6F175D3DCCD1}">
-              <a14:hiddenFill xmlns="" xmlns:a14="http://schemas.microsoft.com/office/drawing/2010/main">
-                <a:solidFill>
-                  <a:schemeClr val="accent1"/>
-                </a:solidFill>
-              </a14:hiddenFill>
-            </a:ext>
-            <a:ext uri="{91240B29-F687-4F45-9708-019B960494DF}">
-              <a14:hiddenLine xmlns="" xmlns:a14="http://schemas.microsoft.com/office/drawing/2010/main" w="9525">
-                <a:solidFill>
-                  <a:schemeClr val="tx1"/>
-                </a:solidFill>
-                <a:miter lim="800000"/>
-                <a:headEnd/>
-                <a:tailEnd/>
-              </a14:hiddenLine>
-            </a:ext>
-            <a:ext uri="{AF507438-7753-43E0-B8FC-AC1667EBCBE1}">
-              <a14:hiddenEffects xmlns="" xmlns:a14="http://schemas.microsoft.com/office/drawing/2010/main">
-                <a:effectLst>
-                  <a:outerShdw dist="35921" dir="2700000" algn="ctr" rotWithShape="0">
-                    <a:schemeClr val="bg2"/>
-                  </a:outerShdw>
-                </a:effectLst>
-              </a14:hiddenEffects>
-            </a:ext>
-          </a:extLst>
-        </p:spPr>
-        <p:txBody>
-          <a:bodyPr wrap="none">
-            <a:spAutoFit/>
-          </a:bodyPr>
-          <a:lstStyle/>
-          <a:p>
-            <a:r>
-              <a:rPr lang="en-US" sz="1000" dirty="0" smtClean="0"/>
-              <a:t>Desktop File details</a:t>
-            </a:r>
-            <a:endParaRPr lang="en-US" sz="1000" dirty="0"/>
-          </a:p>
-        </p:txBody>
-      </p:sp>
-      <p:sp>
-        <p:nvSpPr>
-          <p:cNvPr id="6171" name="Text Box 27"/>
-          <p:cNvSpPr txBox="1">
-            <a:spLocks noChangeArrowheads="1"/>
-          </p:cNvSpPr>
-          <p:nvPr/>
-        </p:nvSpPr>
-        <p:spPr bwMode="auto">
-          <a:xfrm>
-            <a:off x="3314700" y="3184525"/>
-            <a:ext cx="1023037" cy="246221"/>
-          </a:xfrm>
-          <a:prstGeom prst="rect">
-            <a:avLst/>
-          </a:prstGeom>
-          <a:noFill/>
-          <a:ln>
-            <a:noFill/>
-          </a:ln>
-          <a:effectLst/>
-          <a:extLst>
-            <a:ext uri="{909E8E84-426E-40DD-AFC4-6F175D3DCCD1}">
-              <a14:hiddenFill xmlns="" xmlns:a14="http://schemas.microsoft.com/office/drawing/2010/main">
-                <a:solidFill>
-                  <a:schemeClr val="accent1"/>
-                </a:solidFill>
-              </a14:hiddenFill>
-            </a:ext>
-            <a:ext uri="{91240B29-F687-4F45-9708-019B960494DF}">
-              <a14:hiddenLine xmlns="" xmlns:a14="http://schemas.microsoft.com/office/drawing/2010/main" w="9525">
-                <a:solidFill>
-                  <a:schemeClr val="tx1"/>
-                </a:solidFill>
-                <a:miter lim="800000"/>
-                <a:headEnd/>
-                <a:tailEnd/>
-              </a14:hiddenLine>
-            </a:ext>
-            <a:ext uri="{AF507438-7753-43E0-B8FC-AC1667EBCBE1}">
-              <a14:hiddenEffects xmlns="" xmlns:a14="http://schemas.microsoft.com/office/drawing/2010/main">
-                <a:effectLst>
-                  <a:outerShdw dist="35921" dir="2700000" algn="ctr" rotWithShape="0">
-                    <a:schemeClr val="bg2"/>
-                  </a:outerShdw>
-                </a:effectLst>
-              </a14:hiddenEffects>
-            </a:ext>
-          </a:extLst>
-        </p:spPr>
-        <p:txBody>
-          <a:bodyPr wrap="none">
-            <a:spAutoFit/>
-          </a:bodyPr>
-          <a:lstStyle/>
-          <a:p>
-            <a:r>
-              <a:rPr lang="en-US" sz="1000" dirty="0" smtClean="0"/>
-              <a:t>Web File </a:t>
-            </a:r>
-            <a:r>
-              <a:rPr lang="en-US" sz="1000" dirty="0"/>
-              <a:t>Details</a:t>
-            </a:r>
-          </a:p>
-        </p:txBody>
-      </p:sp>
-      <p:sp>
-        <p:nvSpPr>
-          <p:cNvPr id="6172" name="Oval 28"/>
-          <p:cNvSpPr>
-            <a:spLocks noChangeArrowheads="1"/>
-          </p:cNvSpPr>
-          <p:nvPr/>
-        </p:nvSpPr>
-        <p:spPr bwMode="auto">
-          <a:xfrm>
-            <a:off x="6248400" y="4191000"/>
-            <a:ext cx="838200" cy="838200"/>
-          </a:xfrm>
-          <a:prstGeom prst="ellipse">
-            <a:avLst/>
-          </a:prstGeom>
-          <a:noFill/>
-          <a:ln w="9525">
-            <a:solidFill>
-              <a:schemeClr val="tx1"/>
-            </a:solidFill>
-            <a:round/>
-            <a:headEnd/>
-            <a:tailEnd/>
-          </a:ln>
-          <a:effectLst/>
-          <a:extLst>
-            <a:ext uri="{909E8E84-426E-40DD-AFC4-6F175D3DCCD1}">
-              <a14:hiddenFill xmlns="" xmlns:a14="http://schemas.microsoft.com/office/drawing/2010/main">
-                <a:solidFill>
-                  <a:schemeClr val="accent1"/>
-                </a:solidFill>
-              </a14:hiddenFill>
-            </a:ext>
-            <a:ext uri="{AF507438-7753-43E0-B8FC-AC1667EBCBE1}">
-              <a14:hiddenEffects xmlns="" xmlns:a14="http://schemas.microsoft.com/office/drawing/2010/main">
-                <a:effectLst>
-                  <a:outerShdw dist="35921" dir="2700000" algn="ctr" rotWithShape="0">
-                    <a:schemeClr val="bg2"/>
-                  </a:outerShdw>
-                </a:effectLst>
-              </a14:hiddenEffects>
-            </a:ext>
-          </a:extLst>
-        </p:spPr>
-        <p:txBody>
-          <a:bodyPr wrap="none" anchor="ctr"/>
-          <a:lstStyle/>
-          <a:p>
-            <a:pPr algn="ctr"/>
-            <a:r>
-              <a:rPr lang="en-US" sz="1200" b="1" dirty="0"/>
-              <a:t>Mobile</a:t>
-            </a:r>
-          </a:p>
-          <a:p>
-            <a:pPr algn="ctr"/>
-            <a:r>
-              <a:rPr lang="en-US" sz="1200" b="1" dirty="0"/>
-              <a:t>Sync</a:t>
-            </a:r>
-          </a:p>
-          <a:p>
-            <a:pPr algn="ctr"/>
-            <a:r>
-              <a:rPr lang="en-US" sz="1200" b="1" dirty="0" smtClean="0"/>
-              <a:t>6.1</a:t>
-            </a:r>
-            <a:endParaRPr lang="en-US" sz="1200" b="1" dirty="0"/>
-          </a:p>
-        </p:txBody>
-      </p:sp>
-      <p:sp>
-        <p:nvSpPr>
-          <p:cNvPr id="6173" name="Oval 29"/>
-          <p:cNvSpPr>
-            <a:spLocks noChangeArrowheads="1"/>
-          </p:cNvSpPr>
-          <p:nvPr/>
-        </p:nvSpPr>
-        <p:spPr bwMode="auto">
-          <a:xfrm>
-            <a:off x="6248400" y="5334000"/>
-            <a:ext cx="838200" cy="838200"/>
-          </a:xfrm>
-          <a:prstGeom prst="ellipse">
-            <a:avLst/>
-          </a:prstGeom>
-          <a:noFill/>
-          <a:ln w="9525">
-            <a:solidFill>
-              <a:schemeClr val="tx1"/>
-            </a:solidFill>
-            <a:round/>
-            <a:headEnd/>
-            <a:tailEnd/>
-          </a:ln>
-          <a:effectLst/>
-          <a:extLst>
-            <a:ext uri="{909E8E84-426E-40DD-AFC4-6F175D3DCCD1}">
-              <a14:hiddenFill xmlns="" xmlns:a14="http://schemas.microsoft.com/office/drawing/2010/main">
-                <a:solidFill>
-                  <a:schemeClr val="accent1"/>
-                </a:solidFill>
-              </a14:hiddenFill>
-            </a:ext>
-            <a:ext uri="{AF507438-7753-43E0-B8FC-AC1667EBCBE1}">
-              <a14:hiddenEffects xmlns="" xmlns:a14="http://schemas.microsoft.com/office/drawing/2010/main">
-                <a:effectLst>
-                  <a:outerShdw dist="35921" dir="2700000" algn="ctr" rotWithShape="0">
-                    <a:schemeClr val="bg2"/>
-                  </a:outerShdw>
-                </a:effectLst>
-              </a14:hiddenEffects>
-            </a:ext>
-          </a:extLst>
-        </p:spPr>
-        <p:txBody>
-          <a:bodyPr wrap="none" anchor="ctr"/>
-          <a:lstStyle/>
-          <a:p>
-            <a:pPr algn="ctr"/>
-            <a:r>
-              <a:rPr lang="en-US" sz="1200" b="1" dirty="0"/>
-              <a:t>Web</a:t>
-            </a:r>
-          </a:p>
-          <a:p>
-            <a:pPr algn="ctr"/>
-            <a:r>
-              <a:rPr lang="en-US" sz="1200" b="1" dirty="0"/>
-              <a:t>Sync</a:t>
-            </a:r>
-          </a:p>
-          <a:p>
-            <a:pPr algn="ctr"/>
-            <a:r>
-              <a:rPr lang="en-US" sz="1200" b="1" dirty="0" smtClean="0"/>
-              <a:t>7.1</a:t>
-            </a:r>
-            <a:endParaRPr lang="en-US" sz="1200" b="1" dirty="0"/>
-          </a:p>
-        </p:txBody>
-      </p:sp>
-      <p:sp>
-        <p:nvSpPr>
-          <p:cNvPr id="6174" name="Oval 30"/>
-          <p:cNvSpPr>
-            <a:spLocks noChangeArrowheads="1"/>
-          </p:cNvSpPr>
-          <p:nvPr/>
-        </p:nvSpPr>
-        <p:spPr bwMode="auto">
-          <a:xfrm>
-            <a:off x="4267200" y="4572000"/>
-            <a:ext cx="1295400" cy="1066800"/>
-          </a:xfrm>
-          <a:prstGeom prst="ellipse">
-            <a:avLst/>
-          </a:prstGeom>
-          <a:noFill/>
-          <a:ln w="12700">
-            <a:solidFill>
-              <a:schemeClr val="tx1"/>
-            </a:solidFill>
-            <a:round/>
-            <a:headEnd/>
-            <a:tailEnd/>
-          </a:ln>
-          <a:effectLst/>
-          <a:extLst>
-            <a:ext uri="{909E8E84-426E-40DD-AFC4-6F175D3DCCD1}">
-              <a14:hiddenFill xmlns="" xmlns:a14="http://schemas.microsoft.com/office/drawing/2010/main">
-                <a:solidFill>
-                  <a:schemeClr val="accent1"/>
-                </a:solidFill>
-              </a14:hiddenFill>
-            </a:ext>
-            <a:ext uri="{AF507438-7753-43E0-B8FC-AC1667EBCBE1}">
-              <a14:hiddenEffects xmlns="" xmlns:a14="http://schemas.microsoft.com/office/drawing/2010/main">
-                <a:effectLst>
-                  <a:outerShdw dist="35921" dir="2700000" algn="ctr" rotWithShape="0">
-                    <a:schemeClr val="bg2"/>
-                  </a:outerShdw>
-                </a:effectLst>
-              </a14:hiddenEffects>
-            </a:ext>
-          </a:extLst>
-        </p:spPr>
-        <p:txBody>
-          <a:bodyPr wrap="none" anchor="ctr"/>
-          <a:lstStyle/>
-          <a:p>
-            <a:pPr algn="ctr"/>
-            <a:r>
-              <a:rPr lang="en-US" sz="1400" b="1" dirty="0" smtClean="0">
-                <a:latin typeface="Bookman Old Style" panose="02050604050505020204" pitchFamily="18" charset="0"/>
-              </a:rPr>
-              <a:t>File </a:t>
-            </a:r>
-          </a:p>
-          <a:p>
-            <a:pPr algn="ctr"/>
-            <a:r>
-              <a:rPr lang="en-US" sz="1400" b="1" dirty="0" smtClean="0">
-                <a:latin typeface="Bookman Old Style" panose="02050604050505020204" pitchFamily="18" charset="0"/>
-              </a:rPr>
-              <a:t>Management </a:t>
-            </a:r>
-          </a:p>
-          <a:p>
-            <a:pPr algn="ctr"/>
-            <a:r>
-              <a:rPr lang="en-US" sz="1400" b="1" dirty="0" smtClean="0">
-                <a:latin typeface="Bookman Old Style" panose="02050604050505020204" pitchFamily="18" charset="0"/>
-              </a:rPr>
-              <a:t>System</a:t>
-            </a:r>
-            <a:endParaRPr lang="en-US" sz="1400" b="1" dirty="0">
-              <a:latin typeface="Bookman Old Style" panose="02050604050505020204" pitchFamily="18" charset="0"/>
-            </a:endParaRPr>
-          </a:p>
-          <a:p>
-            <a:pPr algn="ctr"/>
-            <a:r>
-              <a:rPr lang="en-US" sz="1400" b="1" dirty="0" smtClean="0">
-                <a:latin typeface="Bookman Old Style" panose="02050604050505020204" pitchFamily="18" charset="0"/>
-              </a:rPr>
-              <a:t>1.1</a:t>
-            </a:r>
-            <a:endParaRPr lang="en-US" sz="1400" b="1" dirty="0">
-              <a:latin typeface="Bookman Old Style" panose="02050604050505020204" pitchFamily="18" charset="0"/>
-            </a:endParaRPr>
-          </a:p>
-        </p:txBody>
-      </p:sp>
-      <p:grpSp>
-        <p:nvGrpSpPr>
-          <p:cNvPr id="6180" name="Group 36"/>
-          <p:cNvGrpSpPr>
-            <a:grpSpLocks/>
-          </p:cNvGrpSpPr>
-          <p:nvPr/>
-        </p:nvGrpSpPr>
-        <p:grpSpPr bwMode="auto">
-          <a:xfrm>
-            <a:off x="7772400" y="5029200"/>
-            <a:ext cx="1295400" cy="381000"/>
-            <a:chOff x="336" y="384"/>
-            <a:chExt cx="816" cy="240"/>
-          </a:xfrm>
-        </p:grpSpPr>
-        <p:grpSp>
-          <p:nvGrpSpPr>
-            <p:cNvPr id="6181" name="Group 37"/>
-            <p:cNvGrpSpPr>
-              <a:grpSpLocks/>
-            </p:cNvGrpSpPr>
-            <p:nvPr/>
-          </p:nvGrpSpPr>
-          <p:grpSpPr bwMode="auto">
-            <a:xfrm>
-              <a:off x="336" y="384"/>
-              <a:ext cx="816" cy="240"/>
-              <a:chOff x="336" y="384"/>
-              <a:chExt cx="816" cy="240"/>
-            </a:xfrm>
-          </p:grpSpPr>
-          <p:sp>
-            <p:nvSpPr>
-              <p:cNvPr id="6182" name="Rectangle 38"/>
-              <p:cNvSpPr>
-                <a:spLocks noChangeArrowheads="1"/>
-              </p:cNvSpPr>
-              <p:nvPr/>
-            </p:nvSpPr>
-            <p:spPr bwMode="auto">
-              <a:xfrm>
-                <a:off x="336" y="384"/>
-                <a:ext cx="816" cy="240"/>
-              </a:xfrm>
-              <a:prstGeom prst="rect">
-                <a:avLst/>
-              </a:prstGeom>
-              <a:noFill/>
-              <a:ln w="9525">
-                <a:solidFill>
-                  <a:schemeClr val="tx1"/>
-                </a:solidFill>
-                <a:miter lim="800000"/>
-                <a:headEnd/>
-                <a:tailEnd/>
-              </a:ln>
-              <a:effectLst/>
-              <a:extLst>
-                <a:ext uri="{909E8E84-426E-40DD-AFC4-6F175D3DCCD1}">
-                  <a14:hiddenFill xmlns="" xmlns:a14="http://schemas.microsoft.com/office/drawing/2010/main">
+                  <a14:hiddenFill xmlns:a14="http://schemas.microsoft.com/office/drawing/2010/main">
                     <a:solidFill>
                       <a:schemeClr val="accent1"/>
                     </a:solidFill>
                   </a14:hiddenFill>
                 </a:ext>
                 <a:ext uri="{AF507438-7753-43E0-B8FC-AC1667EBCBE1}">
-                  <a14:hiddenEffects xmlns="" xmlns:a14="http://schemas.microsoft.com/office/drawing/2010/main">
+                  <a14:hiddenEffects xmlns:a14="http://schemas.microsoft.com/office/drawing/2010/main">
                     <a:effectLst>
                       <a:outerShdw dist="35921" dir="2700000" algn="ctr" rotWithShape="0">
                         <a:schemeClr val="bg2"/>
@@ -8420,24 +7210,50 @@
               <a:bodyPr wrap="none" anchor="ctr"/>
               <a:lstStyle/>
               <a:p>
-                <a:endParaRPr lang="en-US"/>
+                <a:pPr algn="ctr"/>
+                <a:r>
+                  <a:rPr lang="en-US" sz="1400" b="1" dirty="0" smtClean="0"/>
+                  <a:t>External</a:t>
+                </a:r>
+              </a:p>
+              <a:p>
+                <a:pPr algn="ctr"/>
+                <a:r>
+                  <a:rPr lang="en-US" sz="1400" b="1" dirty="0" smtClean="0"/>
+                  <a:t> Device</a:t>
+                </a:r>
+              </a:p>
+              <a:p>
+                <a:pPr algn="ctr"/>
+                <a:r>
+                  <a:rPr lang="en-US" sz="1400" b="1" dirty="0" smtClean="0"/>
+                  <a:t> Manager</a:t>
+                </a:r>
+                <a:endParaRPr lang="en-US" sz="1400" b="1" dirty="0"/>
+              </a:p>
+              <a:p>
+                <a:pPr algn="ctr"/>
+                <a:r>
+                  <a:rPr lang="en-US" sz="1400" b="1" dirty="0"/>
+                  <a:t>4.1</a:t>
+                </a:r>
               </a:p>
             </p:txBody>
           </p:sp>
           <p:sp>
             <p:nvSpPr>
-              <p:cNvPr id="6183" name="Line 39"/>
+              <p:cNvPr id="6149" name="Oval 5"/>
               <p:cNvSpPr>
-                <a:spLocks noChangeShapeType="1"/>
+                <a:spLocks noChangeArrowheads="1"/>
               </p:cNvSpPr>
               <p:nvPr/>
             </p:nvSpPr>
             <p:spPr bwMode="auto">
               <a:xfrm>
-                <a:off x="528" y="384"/>
-                <a:ext cx="0" cy="240"/>
+                <a:off x="2450211" y="1905000"/>
+                <a:ext cx="1203017" cy="838200"/>
               </a:xfrm>
-              <a:prstGeom prst="line">
+              <a:prstGeom prst="ellipse">
                 <a:avLst/>
               </a:prstGeom>
               <a:noFill/>
@@ -8452,262 +7268,14 @@
               <a:effectLst/>
               <a:extLst>
                 <a:ext uri="{909E8E84-426E-40DD-AFC4-6F175D3DCCD1}">
-                  <a14:hiddenFill xmlns="" xmlns:a14="http://schemas.microsoft.com/office/drawing/2010/main">
-                    <a:noFill/>
-                  </a14:hiddenFill>
-                </a:ext>
-                <a:ext uri="{AF507438-7753-43E0-B8FC-AC1667EBCBE1}">
-                  <a14:hiddenEffects xmlns="" xmlns:a14="http://schemas.microsoft.com/office/drawing/2010/main">
-                    <a:effectLst>
-                      <a:outerShdw dist="35921" dir="2700000" algn="ctr" rotWithShape="0">
-                        <a:schemeClr val="bg2"/>
-                      </a:outerShdw>
-                    </a:effectLst>
-                  </a14:hiddenEffects>
-                </a:ext>
-              </a:extLst>
-            </p:spPr>
-            <p:txBody>
-              <a:bodyPr/>
-              <a:lstStyle/>
-              <a:p>
-                <a:endParaRPr lang="en-US"/>
-              </a:p>
-            </p:txBody>
-          </p:sp>
-        </p:grpSp>
-        <p:sp>
-          <p:nvSpPr>
-            <p:cNvPr id="6184" name="Text Box 40"/>
-            <p:cNvSpPr txBox="1">
-              <a:spLocks noChangeArrowheads="1"/>
-            </p:cNvSpPr>
-            <p:nvPr/>
-          </p:nvSpPr>
-          <p:spPr bwMode="auto">
-            <a:xfrm>
-              <a:off x="336" y="422"/>
-              <a:ext cx="681" cy="155"/>
-            </a:xfrm>
-            <a:prstGeom prst="rect">
-              <a:avLst/>
-            </a:prstGeom>
-            <a:noFill/>
-            <a:ln>
-              <a:noFill/>
-            </a:ln>
-            <a:effectLst/>
-            <a:extLst>
-              <a:ext uri="{909E8E84-426E-40DD-AFC4-6F175D3DCCD1}">
-                <a14:hiddenFill xmlns="" xmlns:a14="http://schemas.microsoft.com/office/drawing/2010/main">
-                  <a:solidFill>
-                    <a:schemeClr val="accent1"/>
-                  </a:solidFill>
-                </a14:hiddenFill>
-              </a:ext>
-              <a:ext uri="{91240B29-F687-4F45-9708-019B960494DF}">
-                <a14:hiddenLine xmlns="" xmlns:a14="http://schemas.microsoft.com/office/drawing/2010/main" w="9525">
-                  <a:solidFill>
-                    <a:schemeClr val="tx1"/>
-                  </a:solidFill>
-                  <a:miter lim="800000"/>
-                  <a:headEnd/>
-                  <a:tailEnd/>
-                </a14:hiddenLine>
-              </a:ext>
-              <a:ext uri="{AF507438-7753-43E0-B8FC-AC1667EBCBE1}">
-                <a14:hiddenEffects xmlns="" xmlns:a14="http://schemas.microsoft.com/office/drawing/2010/main">
-                  <a:effectLst>
-                    <a:outerShdw dist="35921" dir="2700000" algn="ctr" rotWithShape="0">
-                      <a:schemeClr val="bg2"/>
-                    </a:outerShdw>
-                  </a:effectLst>
-                </a14:hiddenEffects>
-              </a:ext>
-            </a:extLst>
-          </p:spPr>
-          <p:txBody>
-            <a:bodyPr wrap="none">
-              <a:spAutoFit/>
-            </a:bodyPr>
-            <a:lstStyle/>
-            <a:p>
-              <a:r>
-                <a:rPr lang="en-US" sz="1000" dirty="0" smtClean="0"/>
-                <a:t>D9    </a:t>
-              </a:r>
-              <a:r>
-                <a:rPr lang="en-US" sz="1000" dirty="0"/>
-                <a:t>sync Backup</a:t>
-              </a:r>
-            </a:p>
-          </p:txBody>
-        </p:sp>
-      </p:grpSp>
-      <p:cxnSp>
-        <p:nvCxnSpPr>
-          <p:cNvPr id="6185" name="AutoShape 41"/>
-          <p:cNvCxnSpPr>
-            <a:cxnSpLocks noChangeShapeType="1"/>
-            <a:stCxn id="6182" idx="0"/>
-            <a:endCxn id="6172" idx="7"/>
-          </p:cNvCxnSpPr>
-          <p:nvPr/>
-        </p:nvCxnSpPr>
-        <p:spPr bwMode="auto">
-          <a:xfrm rot="5400000" flipH="1">
-            <a:off x="7334251" y="3943350"/>
-            <a:ext cx="715962" cy="1455737"/>
-          </a:xfrm>
-          <a:prstGeom prst="bentConnector3">
-            <a:avLst>
-              <a:gd name="adj1" fmla="val 149000"/>
-            </a:avLst>
-          </a:prstGeom>
-          <a:noFill/>
-          <a:ln w="9525">
-            <a:solidFill>
-              <a:schemeClr val="tx1"/>
-            </a:solidFill>
-            <a:miter lim="800000"/>
-            <a:headEnd type="triangle" w="med" len="med"/>
-            <a:tailEnd/>
-          </a:ln>
-          <a:effectLst/>
-          <a:extLst>
-            <a:ext uri="{909E8E84-426E-40DD-AFC4-6F175D3DCCD1}">
-              <a14:hiddenFill xmlns="" xmlns:a14="http://schemas.microsoft.com/office/drawing/2010/main">
-                <a:noFill/>
-              </a14:hiddenFill>
-            </a:ext>
-            <a:ext uri="{AF507438-7753-43E0-B8FC-AC1667EBCBE1}">
-              <a14:hiddenEffects xmlns="" xmlns:a14="http://schemas.microsoft.com/office/drawing/2010/main">
-                <a:effectLst>
-                  <a:outerShdw dist="35921" dir="2700000" algn="ctr" rotWithShape="0">
-                    <a:schemeClr val="bg2"/>
-                  </a:outerShdw>
-                </a:effectLst>
-              </a14:hiddenEffects>
-            </a:ext>
-          </a:extLst>
-        </p:spPr>
-      </p:cxnSp>
-      <p:cxnSp>
-        <p:nvCxnSpPr>
-          <p:cNvPr id="6186" name="AutoShape 42"/>
-          <p:cNvCxnSpPr>
-            <a:cxnSpLocks noChangeShapeType="1"/>
-            <a:stCxn id="6182" idx="2"/>
-            <a:endCxn id="6173" idx="5"/>
-          </p:cNvCxnSpPr>
-          <p:nvPr/>
-        </p:nvCxnSpPr>
-        <p:spPr bwMode="auto">
-          <a:xfrm rot="5400000">
-            <a:off x="7372350" y="5002213"/>
-            <a:ext cx="639763" cy="1455737"/>
-          </a:xfrm>
-          <a:prstGeom prst="bentConnector3">
-            <a:avLst>
-              <a:gd name="adj1" fmla="val 154838"/>
-            </a:avLst>
-          </a:prstGeom>
-          <a:noFill/>
-          <a:ln w="9525">
-            <a:solidFill>
-              <a:schemeClr val="tx1"/>
-            </a:solidFill>
-            <a:miter lim="800000"/>
-            <a:headEnd type="triangle" w="med" len="med"/>
-            <a:tailEnd/>
-          </a:ln>
-          <a:effectLst/>
-          <a:extLst>
-            <a:ext uri="{909E8E84-426E-40DD-AFC4-6F175D3DCCD1}">
-              <a14:hiddenFill xmlns="" xmlns:a14="http://schemas.microsoft.com/office/drawing/2010/main">
-                <a:noFill/>
-              </a14:hiddenFill>
-            </a:ext>
-            <a:ext uri="{AF507438-7753-43E0-B8FC-AC1667EBCBE1}">
-              <a14:hiddenEffects xmlns="" xmlns:a14="http://schemas.microsoft.com/office/drawing/2010/main">
-                <a:effectLst>
-                  <a:outerShdw dist="35921" dir="2700000" algn="ctr" rotWithShape="0">
-                    <a:schemeClr val="bg2"/>
-                  </a:outerShdw>
-                </a:effectLst>
-              </a14:hiddenEffects>
-            </a:ext>
-          </a:extLst>
-        </p:spPr>
-      </p:cxnSp>
-      <p:grpSp>
-        <p:nvGrpSpPr>
-          <p:cNvPr id="6187" name="Group 43"/>
-          <p:cNvGrpSpPr>
-            <a:grpSpLocks/>
-          </p:cNvGrpSpPr>
-          <p:nvPr/>
-        </p:nvGrpSpPr>
-        <p:grpSpPr bwMode="auto">
-          <a:xfrm>
-            <a:off x="2514600" y="5029200"/>
-            <a:ext cx="1295400" cy="381000"/>
-            <a:chOff x="336" y="384"/>
-            <a:chExt cx="816" cy="240"/>
-          </a:xfrm>
-        </p:grpSpPr>
-        <p:grpSp>
-          <p:nvGrpSpPr>
-            <p:cNvPr id="6188" name="Group 44"/>
-            <p:cNvGrpSpPr>
-              <a:grpSpLocks/>
-            </p:cNvGrpSpPr>
-            <p:nvPr/>
-          </p:nvGrpSpPr>
-          <p:grpSpPr bwMode="auto">
-            <a:xfrm>
-              <a:off x="336" y="384"/>
-              <a:ext cx="816" cy="240"/>
-              <a:chOff x="336" y="384"/>
-              <a:chExt cx="816" cy="240"/>
-            </a:xfrm>
-          </p:grpSpPr>
-          <p:sp>
-            <p:nvSpPr>
-              <p:cNvPr id="6189" name="Rectangle 45"/>
-              <p:cNvSpPr>
-                <a:spLocks noChangeArrowheads="1"/>
-              </p:cNvSpPr>
-              <p:nvPr/>
-            </p:nvSpPr>
-            <p:spPr bwMode="auto">
-              <a:xfrm>
-                <a:off x="336" y="384"/>
-                <a:ext cx="816" cy="240"/>
-              </a:xfrm>
-              <a:prstGeom prst="rect">
-                <a:avLst/>
-              </a:prstGeom>
-              <a:noFill/>
-              <a:ln w="9525">
-                <a:solidFill>
-                  <a:schemeClr val="tx1"/>
-                </a:solidFill>
-                <a:miter lim="800000"/>
-                <a:headEnd/>
-                <a:tailEnd/>
-              </a:ln>
-              <a:effectLst/>
-              <a:extLst>
-                <a:ext uri="{909E8E84-426E-40DD-AFC4-6F175D3DCCD1}">
-                  <a14:hiddenFill xmlns="" xmlns:a14="http://schemas.microsoft.com/office/drawing/2010/main">
+                  <a14:hiddenFill xmlns:a14="http://schemas.microsoft.com/office/drawing/2010/main">
                     <a:solidFill>
                       <a:schemeClr val="accent1"/>
                     </a:solidFill>
                   </a14:hiddenFill>
                 </a:ext>
                 <a:ext uri="{AF507438-7753-43E0-B8FC-AC1667EBCBE1}">
-                  <a14:hiddenEffects xmlns="" xmlns:a14="http://schemas.microsoft.com/office/drawing/2010/main">
+                  <a14:hiddenEffects xmlns:a14="http://schemas.microsoft.com/office/drawing/2010/main">
                     <a:effectLst>
                       <a:outerShdw dist="35921" dir="2700000" algn="ctr" rotWithShape="0">
                         <a:schemeClr val="bg2"/>
@@ -8721,24 +7289,50 @@
               <a:bodyPr wrap="none" anchor="ctr"/>
               <a:lstStyle/>
               <a:p>
-                <a:endParaRPr lang="en-US"/>
+                <a:pPr algn="ctr"/>
+                <a:r>
+                  <a:rPr lang="en-US" sz="1400" b="1" dirty="0" smtClean="0"/>
+                  <a:t>Desktop </a:t>
+                </a:r>
+              </a:p>
+              <a:p>
+                <a:pPr algn="ctr"/>
+                <a:r>
+                  <a:rPr lang="en-US" sz="1400" b="1" dirty="0" smtClean="0"/>
+                  <a:t>Files </a:t>
+                </a:r>
+              </a:p>
+              <a:p>
+                <a:pPr algn="ctr"/>
+                <a:r>
+                  <a:rPr lang="en-US" sz="1400" b="1" dirty="0" smtClean="0"/>
+                  <a:t>Manager</a:t>
+                </a:r>
+                <a:endParaRPr lang="en-US" sz="1400" b="1" dirty="0"/>
+              </a:p>
+              <a:p>
+                <a:pPr algn="ctr"/>
+                <a:r>
+                  <a:rPr lang="en-US" sz="1400" b="1" dirty="0"/>
+                  <a:t>4.2</a:t>
+                </a:r>
               </a:p>
             </p:txBody>
           </p:sp>
           <p:sp>
             <p:nvSpPr>
-              <p:cNvPr id="6190" name="Line 46"/>
+              <p:cNvPr id="6150" name="Oval 6"/>
               <p:cNvSpPr>
-                <a:spLocks noChangeShapeType="1"/>
+                <a:spLocks noChangeArrowheads="1"/>
               </p:cNvSpPr>
               <p:nvPr/>
             </p:nvSpPr>
             <p:spPr bwMode="auto">
               <a:xfrm>
-                <a:off x="528" y="384"/>
-                <a:ext cx="0" cy="240"/>
+                <a:off x="2133600" y="2898776"/>
+                <a:ext cx="1219201" cy="1063625"/>
               </a:xfrm>
-              <a:prstGeom prst="line">
+              <a:prstGeom prst="ellipse">
                 <a:avLst/>
               </a:prstGeom>
               <a:noFill/>
@@ -8753,12 +7347,14 @@
               <a:effectLst/>
               <a:extLst>
                 <a:ext uri="{909E8E84-426E-40DD-AFC4-6F175D3DCCD1}">
-                  <a14:hiddenFill xmlns="" xmlns:a14="http://schemas.microsoft.com/office/drawing/2010/main">
-                    <a:noFill/>
+                  <a14:hiddenFill xmlns:a14="http://schemas.microsoft.com/office/drawing/2010/main">
+                    <a:solidFill>
+                      <a:schemeClr val="accent1"/>
+                    </a:solidFill>
                   </a14:hiddenFill>
                 </a:ext>
                 <a:ext uri="{AF507438-7753-43E0-B8FC-AC1667EBCBE1}">
-                  <a14:hiddenEffects xmlns="" xmlns:a14="http://schemas.microsoft.com/office/drawing/2010/main">
+                  <a14:hiddenEffects xmlns:a14="http://schemas.microsoft.com/office/drawing/2010/main">
                     <a:effectLst>
                       <a:outerShdw dist="35921" dir="2700000" algn="ctr" rotWithShape="0">
                         <a:schemeClr val="bg2"/>
@@ -8769,812 +7365,2207 @@
               </a:extLst>
             </p:spPr>
             <p:txBody>
-              <a:bodyPr/>
+              <a:bodyPr wrap="none" anchor="ctr"/>
               <a:lstStyle/>
               <a:p>
-                <a:endParaRPr lang="en-US"/>
+                <a:pPr algn="ctr"/>
+                <a:r>
+                  <a:rPr lang="en-US" sz="1400" b="1" dirty="0" smtClean="0"/>
+                  <a:t>Web </a:t>
+                </a:r>
+              </a:p>
+              <a:p>
+                <a:pPr algn="ctr"/>
+                <a:r>
+                  <a:rPr lang="en-US" sz="1400" b="1" dirty="0" smtClean="0"/>
+                  <a:t>File </a:t>
+                </a:r>
+              </a:p>
+              <a:p>
+                <a:pPr algn="ctr"/>
+                <a:r>
+                  <a:rPr lang="en-US" sz="1400" b="1" dirty="0" smtClean="0"/>
+                  <a:t>Manager</a:t>
+                </a:r>
+                <a:endParaRPr lang="en-US" sz="1400" b="1" dirty="0"/>
+              </a:p>
+              <a:p>
+                <a:pPr algn="ctr"/>
+                <a:r>
+                  <a:rPr lang="en-US" sz="1400" b="1" dirty="0"/>
+                  <a:t>4.3</a:t>
+                </a:r>
               </a:p>
             </p:txBody>
           </p:sp>
-        </p:grpSp>
-        <p:sp>
-          <p:nvSpPr>
-            <p:cNvPr id="6191" name="Text Box 47"/>
-            <p:cNvSpPr txBox="1">
-              <a:spLocks noChangeArrowheads="1"/>
-            </p:cNvSpPr>
-            <p:nvPr/>
-          </p:nvSpPr>
-          <p:spPr bwMode="auto">
-            <a:xfrm>
-              <a:off x="336" y="422"/>
-              <a:ext cx="659" cy="155"/>
-            </a:xfrm>
-            <a:prstGeom prst="rect">
-              <a:avLst/>
-            </a:prstGeom>
-            <a:noFill/>
-            <a:ln>
+          <p:sp>
+            <p:nvSpPr>
+              <p:cNvPr id="6151" name="Oval 7"/>
+              <p:cNvSpPr>
+                <a:spLocks noChangeArrowheads="1"/>
+              </p:cNvSpPr>
+              <p:nvPr/>
+            </p:nvSpPr>
+            <p:spPr bwMode="auto">
+              <a:xfrm>
+                <a:off x="4855941" y="1828800"/>
+                <a:ext cx="1392459" cy="990600"/>
+              </a:xfrm>
+              <a:prstGeom prst="ellipse">
+                <a:avLst/>
+              </a:prstGeom>
               <a:noFill/>
-            </a:ln>
-            <a:effectLst/>
-            <a:extLst>
-              <a:ext uri="{909E8E84-426E-40DD-AFC4-6F175D3DCCD1}">
-                <a14:hiddenFill xmlns="" xmlns:a14="http://schemas.microsoft.com/office/drawing/2010/main">
-                  <a:solidFill>
-                    <a:schemeClr val="accent1"/>
-                  </a:solidFill>
-                </a14:hiddenFill>
-              </a:ext>
-              <a:ext uri="{91240B29-F687-4F45-9708-019B960494DF}">
-                <a14:hiddenLine xmlns="" xmlns:a14="http://schemas.microsoft.com/office/drawing/2010/main" w="9525">
-                  <a:solidFill>
-                    <a:schemeClr val="tx1"/>
-                  </a:solidFill>
-                  <a:miter lim="800000"/>
-                  <a:headEnd/>
-                  <a:tailEnd/>
-                </a14:hiddenLine>
-              </a:ext>
-              <a:ext uri="{AF507438-7753-43E0-B8FC-AC1667EBCBE1}">
-                <a14:hiddenEffects xmlns="" xmlns:a14="http://schemas.microsoft.com/office/drawing/2010/main">
-                  <a:effectLst>
-                    <a:outerShdw dist="35921" dir="2700000" algn="ctr" rotWithShape="0">
-                      <a:schemeClr val="bg2"/>
-                    </a:outerShdw>
-                  </a:effectLst>
-                </a14:hiddenEffects>
-              </a:ext>
-            </a:extLst>
-          </p:spPr>
-          <p:txBody>
-            <a:bodyPr wrap="none">
-              <a:spAutoFit/>
-            </a:bodyPr>
-            <a:lstStyle/>
-            <a:p>
-              <a:r>
-                <a:rPr lang="en-US" sz="1000" dirty="0" smtClean="0"/>
-                <a:t>D8    </a:t>
-              </a:r>
-              <a:r>
-                <a:rPr lang="en-US" sz="1000" dirty="0"/>
-                <a:t>sync details</a:t>
-              </a:r>
-            </a:p>
-          </p:txBody>
-        </p:sp>
-      </p:grpSp>
-      <p:cxnSp>
-        <p:nvCxnSpPr>
-          <p:cNvPr id="6192" name="AutoShape 48"/>
-          <p:cNvCxnSpPr>
-            <a:cxnSpLocks noChangeShapeType="1"/>
-            <a:stCxn id="6174" idx="1"/>
-            <a:endCxn id="6189" idx="0"/>
-          </p:cNvCxnSpPr>
-          <p:nvPr/>
-        </p:nvCxnSpPr>
-        <p:spPr bwMode="auto">
-          <a:xfrm rot="16200000" flipH="1" flipV="1">
-            <a:off x="3658394" y="4231481"/>
-            <a:ext cx="301625" cy="1293813"/>
-          </a:xfrm>
-          <a:prstGeom prst="bentConnector3">
-            <a:avLst>
-              <a:gd name="adj1" fmla="val -127370"/>
-            </a:avLst>
-          </a:prstGeom>
-          <a:noFill/>
-          <a:ln w="9525">
-            <a:solidFill>
-              <a:schemeClr val="tx1"/>
-            </a:solidFill>
-            <a:miter lim="800000"/>
-            <a:headEnd type="triangle" w="med" len="med"/>
-            <a:tailEnd/>
-          </a:ln>
-          <a:effectLst/>
-          <a:extLst>
-            <a:ext uri="{909E8E84-426E-40DD-AFC4-6F175D3DCCD1}">
-              <a14:hiddenFill xmlns="" xmlns:a14="http://schemas.microsoft.com/office/drawing/2010/main">
-                <a:noFill/>
-              </a14:hiddenFill>
-            </a:ext>
-            <a:ext uri="{AF507438-7753-43E0-B8FC-AC1667EBCBE1}">
-              <a14:hiddenEffects xmlns="" xmlns:a14="http://schemas.microsoft.com/office/drawing/2010/main">
-                <a:effectLst>
-                  <a:outerShdw dist="35921" dir="2700000" algn="ctr" rotWithShape="0">
-                    <a:schemeClr val="bg2"/>
-                  </a:outerShdw>
-                </a:effectLst>
-              </a14:hiddenEffects>
-            </a:ext>
-          </a:extLst>
-        </p:spPr>
-      </p:cxnSp>
-      <p:cxnSp>
-        <p:nvCxnSpPr>
-          <p:cNvPr id="6193" name="AutoShape 49"/>
-          <p:cNvCxnSpPr>
-            <a:cxnSpLocks noChangeShapeType="1"/>
-            <a:stCxn id="6174" idx="3"/>
-            <a:endCxn id="6191" idx="1"/>
-          </p:cNvCxnSpPr>
-          <p:nvPr/>
-        </p:nvCxnSpPr>
-        <p:spPr bwMode="auto">
-          <a:xfrm rot="5400000" flipH="1">
-            <a:off x="3350747" y="4376411"/>
-            <a:ext cx="270014" cy="1942307"/>
-          </a:xfrm>
-          <a:prstGeom prst="bentConnector4">
-            <a:avLst>
-              <a:gd name="adj1" fmla="val -142522"/>
-              <a:gd name="adj2" fmla="val 111770"/>
-            </a:avLst>
-          </a:prstGeom>
-          <a:noFill/>
-          <a:ln w="9525">
-            <a:solidFill>
-              <a:schemeClr val="tx1"/>
-            </a:solidFill>
-            <a:miter lim="800000"/>
-            <a:headEnd type="triangle" w="med" len="med"/>
-            <a:tailEnd/>
-          </a:ln>
-          <a:effectLst/>
-          <a:extLst>
-            <a:ext uri="{909E8E84-426E-40DD-AFC4-6F175D3DCCD1}">
-              <a14:hiddenFill xmlns="" xmlns:a14="http://schemas.microsoft.com/office/drawing/2010/main">
-                <a:noFill/>
-              </a14:hiddenFill>
-            </a:ext>
-            <a:ext uri="{AF507438-7753-43E0-B8FC-AC1667EBCBE1}">
-              <a14:hiddenEffects xmlns="" xmlns:a14="http://schemas.microsoft.com/office/drawing/2010/main">
-                <a:effectLst>
-                  <a:outerShdw dist="35921" dir="2700000" algn="ctr" rotWithShape="0">
-                    <a:schemeClr val="bg2"/>
-                  </a:outerShdw>
-                </a:effectLst>
-              </a14:hiddenEffects>
-            </a:ext>
-          </a:extLst>
-        </p:spPr>
-      </p:cxnSp>
-      <p:cxnSp>
-        <p:nvCxnSpPr>
-          <p:cNvPr id="6194" name="AutoShape 50"/>
-          <p:cNvCxnSpPr>
-            <a:cxnSpLocks noChangeShapeType="1"/>
-            <a:stCxn id="6172" idx="2"/>
-            <a:endCxn id="6174" idx="7"/>
-          </p:cNvCxnSpPr>
-          <p:nvPr/>
-        </p:nvCxnSpPr>
-        <p:spPr bwMode="auto">
-          <a:xfrm rot="10800000" flipV="1">
-            <a:off x="5373688" y="4610100"/>
-            <a:ext cx="874712" cy="117475"/>
-          </a:xfrm>
-          <a:prstGeom prst="bentConnector4">
-            <a:avLst>
-              <a:gd name="adj1" fmla="val 39204"/>
-              <a:gd name="adj2" fmla="val -227028"/>
-            </a:avLst>
-          </a:prstGeom>
-          <a:noFill/>
-          <a:ln w="9525">
-            <a:solidFill>
-              <a:schemeClr val="tx1"/>
-            </a:solidFill>
-            <a:miter lim="800000"/>
-            <a:headEnd type="triangle" w="med" len="med"/>
-            <a:tailEnd/>
-          </a:ln>
-          <a:effectLst/>
-          <a:extLst>
-            <a:ext uri="{909E8E84-426E-40DD-AFC4-6F175D3DCCD1}">
-              <a14:hiddenFill xmlns="" xmlns:a14="http://schemas.microsoft.com/office/drawing/2010/main">
-                <a:noFill/>
-              </a14:hiddenFill>
-            </a:ext>
-            <a:ext uri="{AF507438-7753-43E0-B8FC-AC1667EBCBE1}">
-              <a14:hiddenEffects xmlns="" xmlns:a14="http://schemas.microsoft.com/office/drawing/2010/main">
-                <a:effectLst>
-                  <a:outerShdw dist="35921" dir="2700000" algn="ctr" rotWithShape="0">
-                    <a:schemeClr val="bg2"/>
-                  </a:outerShdw>
-                </a:effectLst>
-              </a14:hiddenEffects>
-            </a:ext>
-          </a:extLst>
-        </p:spPr>
-      </p:cxnSp>
-      <p:cxnSp>
-        <p:nvCxnSpPr>
-          <p:cNvPr id="6195" name="AutoShape 51"/>
-          <p:cNvCxnSpPr>
-            <a:cxnSpLocks noChangeShapeType="1"/>
-            <a:stCxn id="6173" idx="2"/>
-            <a:endCxn id="6174" idx="4"/>
-          </p:cNvCxnSpPr>
-          <p:nvPr/>
-        </p:nvCxnSpPr>
-        <p:spPr bwMode="auto">
-          <a:xfrm rot="10800000">
-            <a:off x="4914900" y="5638800"/>
-            <a:ext cx="1333500" cy="114300"/>
-          </a:xfrm>
-          <a:prstGeom prst="bentConnector2">
-            <a:avLst/>
-          </a:prstGeom>
-          <a:noFill/>
-          <a:ln w="9525">
-            <a:solidFill>
-              <a:schemeClr val="tx1"/>
-            </a:solidFill>
-            <a:miter lim="800000"/>
-            <a:headEnd type="triangle" w="med" len="med"/>
-            <a:tailEnd/>
-          </a:ln>
-          <a:effectLst/>
-          <a:extLst>
-            <a:ext uri="{909E8E84-426E-40DD-AFC4-6F175D3DCCD1}">
-              <a14:hiddenFill xmlns="" xmlns:a14="http://schemas.microsoft.com/office/drawing/2010/main">
-                <a:noFill/>
-              </a14:hiddenFill>
-            </a:ext>
-            <a:ext uri="{AF507438-7753-43E0-B8FC-AC1667EBCBE1}">
-              <a14:hiddenEffects xmlns="" xmlns:a14="http://schemas.microsoft.com/office/drawing/2010/main">
-                <a:effectLst>
-                  <a:outerShdw dist="35921" dir="2700000" algn="ctr" rotWithShape="0">
-                    <a:schemeClr val="bg2"/>
-                  </a:outerShdw>
-                </a:effectLst>
-              </a14:hiddenEffects>
-            </a:ext>
-          </a:extLst>
-        </p:spPr>
-      </p:cxnSp>
-      <p:sp>
-        <p:nvSpPr>
-          <p:cNvPr id="6201" name="Text Box 57"/>
-          <p:cNvSpPr txBox="1">
-            <a:spLocks noChangeArrowheads="1"/>
-          </p:cNvSpPr>
-          <p:nvPr/>
-        </p:nvSpPr>
-        <p:spPr bwMode="auto">
-          <a:xfrm>
-            <a:off x="3259138" y="4098925"/>
-            <a:ext cx="703262" cy="244475"/>
-          </a:xfrm>
-          <a:prstGeom prst="rect">
-            <a:avLst/>
-          </a:prstGeom>
-          <a:noFill/>
-          <a:ln>
-            <a:noFill/>
-          </a:ln>
-          <a:effectLst/>
-          <a:extLst>
-            <a:ext uri="{909E8E84-426E-40DD-AFC4-6F175D3DCCD1}">
-              <a14:hiddenFill xmlns="" xmlns:a14="http://schemas.microsoft.com/office/drawing/2010/main">
+              <a:ln w="9525">
                 <a:solidFill>
-                  <a:schemeClr val="accent1"/>
+                  <a:schemeClr val="tx1"/>
                 </a:solidFill>
-              </a14:hiddenFill>
-            </a:ext>
-            <a:ext uri="{91240B29-F687-4F45-9708-019B960494DF}">
-              <a14:hiddenLine xmlns="" xmlns:a14="http://schemas.microsoft.com/office/drawing/2010/main" w="9525">
+                <a:round/>
+                <a:headEnd/>
+                <a:tailEnd/>
+              </a:ln>
+              <a:effectLst/>
+              <a:extLst>
+                <a:ext uri="{909E8E84-426E-40DD-AFC4-6F175D3DCCD1}">
+                  <a14:hiddenFill xmlns:a14="http://schemas.microsoft.com/office/drawing/2010/main">
+                    <a:solidFill>
+                      <a:schemeClr val="accent1"/>
+                    </a:solidFill>
+                  </a14:hiddenFill>
+                </a:ext>
+                <a:ext uri="{AF507438-7753-43E0-B8FC-AC1667EBCBE1}">
+                  <a14:hiddenEffects xmlns:a14="http://schemas.microsoft.com/office/drawing/2010/main">
+                    <a:effectLst>
+                      <a:outerShdw dist="35921" dir="2700000" algn="ctr" rotWithShape="0">
+                        <a:schemeClr val="bg2"/>
+                      </a:outerShdw>
+                    </a:effectLst>
+                  </a14:hiddenEffects>
+                </a:ext>
+              </a:extLst>
+            </p:spPr>
+            <p:txBody>
+              <a:bodyPr wrap="none" anchor="ctr"/>
+              <a:lstStyle/>
+              <a:p>
+                <a:pPr algn="ctr"/>
+                <a:r>
+                  <a:rPr lang="en-US" sz="1400" b="1"/>
+                  <a:t>Aggregator</a:t>
+                </a:r>
+              </a:p>
+              <a:p>
+                <a:pPr algn="ctr"/>
+                <a:r>
+                  <a:rPr lang="en-US" sz="1400" b="1"/>
+                  <a:t>4.4</a:t>
+                </a:r>
+              </a:p>
+            </p:txBody>
+          </p:sp>
+          <p:cxnSp>
+            <p:nvCxnSpPr>
+              <p:cNvPr id="6157" name="AutoShape 13"/>
+              <p:cNvCxnSpPr>
+                <a:cxnSpLocks noChangeShapeType="1"/>
+                <a:stCxn id="6154" idx="0"/>
+                <a:endCxn id="6148" idx="2"/>
+              </p:cNvCxnSpPr>
+              <p:nvPr/>
+            </p:nvCxnSpPr>
+            <p:spPr bwMode="auto">
+              <a:xfrm rot="5400000" flipH="1" flipV="1">
+                <a:off x="1132284" y="903685"/>
+                <a:ext cx="952499" cy="1507331"/>
+              </a:xfrm>
+              <a:prstGeom prst="bentConnector2">
+                <a:avLst/>
+              </a:prstGeom>
+              <a:noFill/>
+              <a:ln w="9525">
                 <a:solidFill>
                   <a:schemeClr val="tx1"/>
                 </a:solidFill>
                 <a:miter lim="800000"/>
                 <a:headEnd/>
-                <a:tailEnd/>
-              </a14:hiddenLine>
-            </a:ext>
-            <a:ext uri="{AF507438-7753-43E0-B8FC-AC1667EBCBE1}">
-              <a14:hiddenEffects xmlns="" xmlns:a14="http://schemas.microsoft.com/office/drawing/2010/main">
-                <a:effectLst>
-                  <a:outerShdw dist="35921" dir="2700000" algn="ctr" rotWithShape="0">
-                    <a:schemeClr val="bg2"/>
-                  </a:outerShdw>
-                </a:effectLst>
-              </a14:hiddenEffects>
-            </a:ext>
-          </a:extLst>
-        </p:spPr>
-        <p:txBody>
-          <a:bodyPr wrap="none">
-            <a:spAutoFit/>
-          </a:bodyPr>
-          <a:lstStyle/>
-          <a:p>
-            <a:r>
-              <a:rPr lang="en-US" sz="1000"/>
-              <a:t>Sync info</a:t>
-            </a:r>
-          </a:p>
-        </p:txBody>
-      </p:sp>
-      <p:sp>
-        <p:nvSpPr>
-          <p:cNvPr id="6202" name="Text Box 58"/>
-          <p:cNvSpPr txBox="1">
-            <a:spLocks noChangeArrowheads="1"/>
-          </p:cNvSpPr>
-          <p:nvPr/>
-        </p:nvSpPr>
-        <p:spPr bwMode="auto">
-          <a:xfrm>
-            <a:off x="3411538" y="5622925"/>
-            <a:ext cx="703262" cy="244475"/>
-          </a:xfrm>
-          <a:prstGeom prst="rect">
-            <a:avLst/>
-          </a:prstGeom>
-          <a:noFill/>
-          <a:ln>
-            <a:noFill/>
-          </a:ln>
-          <a:effectLst/>
-          <a:extLst>
-            <a:ext uri="{909E8E84-426E-40DD-AFC4-6F175D3DCCD1}">
-              <a14:hiddenFill xmlns="" xmlns:a14="http://schemas.microsoft.com/office/drawing/2010/main">
-                <a:solidFill>
-                  <a:schemeClr val="accent1"/>
-                </a:solidFill>
-              </a14:hiddenFill>
-            </a:ext>
-            <a:ext uri="{91240B29-F687-4F45-9708-019B960494DF}">
-              <a14:hiddenLine xmlns="" xmlns:a14="http://schemas.microsoft.com/office/drawing/2010/main" w="9525">
+                <a:tailEnd type="triangle" w="med" len="med"/>
+              </a:ln>
+              <a:effectLst/>
+              <a:extLst>
+                <a:ext uri="{909E8E84-426E-40DD-AFC4-6F175D3DCCD1}">
+                  <a14:hiddenFill xmlns:a14="http://schemas.microsoft.com/office/drawing/2010/main">
+                    <a:noFill/>
+                  </a14:hiddenFill>
+                </a:ext>
+                <a:ext uri="{AF507438-7753-43E0-B8FC-AC1667EBCBE1}">
+                  <a14:hiddenEffects xmlns:a14="http://schemas.microsoft.com/office/drawing/2010/main">
+                    <a:effectLst>
+                      <a:outerShdw dist="35921" dir="2700000" algn="ctr" rotWithShape="0">
+                        <a:schemeClr val="bg2"/>
+                      </a:outerShdw>
+                    </a:effectLst>
+                  </a14:hiddenEffects>
+                </a:ext>
+              </a:extLst>
+            </p:spPr>
+          </p:cxnSp>
+          <p:cxnSp>
+            <p:nvCxnSpPr>
+              <p:cNvPr id="6158" name="AutoShape 14"/>
+              <p:cNvCxnSpPr>
+                <a:cxnSpLocks noChangeShapeType="1"/>
+                <a:stCxn id="6154" idx="2"/>
+                <a:endCxn id="6150" idx="2"/>
+              </p:cNvCxnSpPr>
+              <p:nvPr/>
+            </p:nvCxnSpPr>
+            <p:spPr bwMode="auto">
+              <a:xfrm rot="16200000" flipH="1">
+                <a:off x="1036240" y="2333229"/>
+                <a:ext cx="915989" cy="1278731"/>
+              </a:xfrm>
+              <a:prstGeom prst="bentConnector2">
+                <a:avLst/>
+              </a:prstGeom>
+              <a:noFill/>
+              <a:ln w="9525">
                 <a:solidFill>
                   <a:schemeClr val="tx1"/>
                 </a:solidFill>
                 <a:miter lim="800000"/>
                 <a:headEnd/>
-                <a:tailEnd/>
-              </a14:hiddenLine>
-            </a:ext>
-            <a:ext uri="{AF507438-7753-43E0-B8FC-AC1667EBCBE1}">
-              <a14:hiddenEffects xmlns="" xmlns:a14="http://schemas.microsoft.com/office/drawing/2010/main">
-                <a:effectLst>
-                  <a:outerShdw dist="35921" dir="2700000" algn="ctr" rotWithShape="0">
-                    <a:schemeClr val="bg2"/>
-                  </a:outerShdw>
-                </a:effectLst>
-              </a14:hiddenEffects>
-            </a:ext>
-          </a:extLst>
-        </p:spPr>
-        <p:txBody>
-          <a:bodyPr wrap="none">
-            <a:spAutoFit/>
-          </a:bodyPr>
-          <a:lstStyle/>
-          <a:p>
-            <a:r>
-              <a:rPr lang="en-US" sz="1000"/>
-              <a:t>Sync info</a:t>
-            </a:r>
-          </a:p>
-        </p:txBody>
-      </p:sp>
-      <p:sp>
-        <p:nvSpPr>
-          <p:cNvPr id="6203" name="Text Box 59"/>
-          <p:cNvSpPr txBox="1">
-            <a:spLocks noChangeArrowheads="1"/>
-          </p:cNvSpPr>
-          <p:nvPr/>
-        </p:nvSpPr>
-        <p:spPr bwMode="auto">
-          <a:xfrm>
-            <a:off x="5011738" y="5775325"/>
-            <a:ext cx="652462" cy="244475"/>
-          </a:xfrm>
-          <a:prstGeom prst="rect">
-            <a:avLst/>
-          </a:prstGeom>
-          <a:noFill/>
-          <a:ln>
-            <a:noFill/>
-          </a:ln>
-          <a:effectLst/>
-          <a:extLst>
-            <a:ext uri="{909E8E84-426E-40DD-AFC4-6F175D3DCCD1}">
-              <a14:hiddenFill xmlns="" xmlns:a14="http://schemas.microsoft.com/office/drawing/2010/main">
-                <a:solidFill>
-                  <a:schemeClr val="accent1"/>
-                </a:solidFill>
-              </a14:hiddenFill>
-            </a:ext>
-            <a:ext uri="{91240B29-F687-4F45-9708-019B960494DF}">
-              <a14:hiddenLine xmlns="" xmlns:a14="http://schemas.microsoft.com/office/drawing/2010/main" w="9525">
+                <a:tailEnd type="triangle" w="med" len="med"/>
+              </a:ln>
+              <a:effectLst/>
+              <a:extLst>
+                <a:ext uri="{909E8E84-426E-40DD-AFC4-6F175D3DCCD1}">
+                  <a14:hiddenFill xmlns:a14="http://schemas.microsoft.com/office/drawing/2010/main">
+                    <a:noFill/>
+                  </a14:hiddenFill>
+                </a:ext>
+                <a:ext uri="{AF507438-7753-43E0-B8FC-AC1667EBCBE1}">
+                  <a14:hiddenEffects xmlns:a14="http://schemas.microsoft.com/office/drawing/2010/main">
+                    <a:effectLst>
+                      <a:outerShdw dist="35921" dir="2700000" algn="ctr" rotWithShape="0">
+                        <a:schemeClr val="bg2"/>
+                      </a:outerShdw>
+                    </a:effectLst>
+                  </a14:hiddenEffects>
+                </a:ext>
+              </a:extLst>
+            </p:spPr>
+          </p:cxnSp>
+          <p:cxnSp>
+            <p:nvCxnSpPr>
+              <p:cNvPr id="6160" name="AutoShape 16"/>
+              <p:cNvCxnSpPr>
+                <a:cxnSpLocks noChangeShapeType="1"/>
+                <a:stCxn id="6148" idx="6"/>
+                <a:endCxn id="6151" idx="0"/>
+              </p:cNvCxnSpPr>
+              <p:nvPr/>
+            </p:nvCxnSpPr>
+            <p:spPr bwMode="auto">
+              <a:xfrm>
+                <a:off x="3429000" y="1181100"/>
+                <a:ext cx="2123171" cy="647700"/>
+              </a:xfrm>
+              <a:prstGeom prst="bentConnector2">
+                <a:avLst/>
+              </a:prstGeom>
+              <a:noFill/>
+              <a:ln w="9525">
                 <a:solidFill>
                   <a:schemeClr val="tx1"/>
                 </a:solidFill>
                 <a:miter lim="800000"/>
                 <a:headEnd/>
-                <a:tailEnd/>
-              </a14:hiddenLine>
-            </a:ext>
-            <a:ext uri="{AF507438-7753-43E0-B8FC-AC1667EBCBE1}">
-              <a14:hiddenEffects xmlns="" xmlns:a14="http://schemas.microsoft.com/office/drawing/2010/main">
-                <a:effectLst>
-                  <a:outerShdw dist="35921" dir="2700000" algn="ctr" rotWithShape="0">
-                    <a:schemeClr val="bg2"/>
-                  </a:outerShdw>
-                </a:effectLst>
-              </a14:hiddenEffects>
-            </a:ext>
-          </a:extLst>
-        </p:spPr>
-        <p:txBody>
-          <a:bodyPr wrap="none">
-            <a:spAutoFit/>
-          </a:bodyPr>
-          <a:lstStyle/>
-          <a:p>
-            <a:r>
-              <a:rPr lang="en-US" sz="1000"/>
-              <a:t>Add Info</a:t>
-            </a:r>
-          </a:p>
-        </p:txBody>
-      </p:sp>
-      <p:sp>
-        <p:nvSpPr>
-          <p:cNvPr id="6204" name="Text Box 60"/>
-          <p:cNvSpPr txBox="1">
-            <a:spLocks noChangeArrowheads="1"/>
-          </p:cNvSpPr>
-          <p:nvPr/>
-        </p:nvSpPr>
-        <p:spPr bwMode="auto">
-          <a:xfrm>
-            <a:off x="5265738" y="4114800"/>
-            <a:ext cx="830262" cy="244475"/>
-          </a:xfrm>
-          <a:prstGeom prst="rect">
-            <a:avLst/>
-          </a:prstGeom>
-          <a:noFill/>
-          <a:ln>
-            <a:noFill/>
-          </a:ln>
-          <a:effectLst/>
-          <a:extLst>
-            <a:ext uri="{909E8E84-426E-40DD-AFC4-6F175D3DCCD1}">
-              <a14:hiddenFill xmlns="" xmlns:a14="http://schemas.microsoft.com/office/drawing/2010/main">
+                <a:tailEnd type="triangle" w="med" len="med"/>
+              </a:ln>
+              <a:effectLst/>
+              <a:extLst>
+                <a:ext uri="{909E8E84-426E-40DD-AFC4-6F175D3DCCD1}">
+                  <a14:hiddenFill xmlns:a14="http://schemas.microsoft.com/office/drawing/2010/main">
+                    <a:noFill/>
+                  </a14:hiddenFill>
+                </a:ext>
+                <a:ext uri="{AF507438-7753-43E0-B8FC-AC1667EBCBE1}">
+                  <a14:hiddenEffects xmlns:a14="http://schemas.microsoft.com/office/drawing/2010/main">
+                    <a:effectLst>
+                      <a:outerShdw dist="35921" dir="2700000" algn="ctr" rotWithShape="0">
+                        <a:schemeClr val="bg2"/>
+                      </a:outerShdw>
+                    </a:effectLst>
+                  </a14:hiddenEffects>
+                </a:ext>
+              </a:extLst>
+            </p:spPr>
+          </p:cxnSp>
+          <p:cxnSp>
+            <p:nvCxnSpPr>
+              <p:cNvPr id="6161" name="AutoShape 17"/>
+              <p:cNvCxnSpPr>
+                <a:cxnSpLocks noChangeShapeType="1"/>
+                <a:stCxn id="6149" idx="6"/>
+                <a:endCxn id="6151" idx="2"/>
+              </p:cNvCxnSpPr>
+              <p:nvPr/>
+            </p:nvCxnSpPr>
+            <p:spPr bwMode="auto">
+              <a:xfrm flipV="1">
+                <a:off x="3653228" y="2324100"/>
+                <a:ext cx="1202713" cy="1"/>
+              </a:xfrm>
+              <a:prstGeom prst="straightConnector1">
+                <a:avLst/>
+              </a:prstGeom>
+              <a:noFill/>
+              <a:ln w="9525">
                 <a:solidFill>
-                  <a:schemeClr val="accent1"/>
+                  <a:schemeClr val="tx1"/>
                 </a:solidFill>
-              </a14:hiddenFill>
-            </a:ext>
-            <a:ext uri="{91240B29-F687-4F45-9708-019B960494DF}">
-              <a14:hiddenLine xmlns="" xmlns:a14="http://schemas.microsoft.com/office/drawing/2010/main" w="9525">
+                <a:round/>
+                <a:headEnd/>
+                <a:tailEnd type="triangle" w="med" len="med"/>
+              </a:ln>
+              <a:effectLst/>
+              <a:extLst>
+                <a:ext uri="{909E8E84-426E-40DD-AFC4-6F175D3DCCD1}">
+                  <a14:hiddenFill xmlns:a14="http://schemas.microsoft.com/office/drawing/2010/main">
+                    <a:noFill/>
+                  </a14:hiddenFill>
+                </a:ext>
+                <a:ext uri="{AF507438-7753-43E0-B8FC-AC1667EBCBE1}">
+                  <a14:hiddenEffects xmlns:a14="http://schemas.microsoft.com/office/drawing/2010/main">
+                    <a:effectLst>
+                      <a:outerShdw dist="35921" dir="2700000" algn="ctr" rotWithShape="0">
+                        <a:schemeClr val="bg2"/>
+                      </a:outerShdw>
+                    </a:effectLst>
+                  </a14:hiddenEffects>
+                </a:ext>
+              </a:extLst>
+            </p:spPr>
+          </p:cxnSp>
+          <p:cxnSp>
+            <p:nvCxnSpPr>
+              <p:cNvPr id="6162" name="AutoShape 18"/>
+              <p:cNvCxnSpPr>
+                <a:cxnSpLocks noChangeShapeType="1"/>
+                <a:stCxn id="6150" idx="6"/>
+                <a:endCxn id="6151" idx="4"/>
+              </p:cNvCxnSpPr>
+              <p:nvPr/>
+            </p:nvCxnSpPr>
+            <p:spPr bwMode="auto">
+              <a:xfrm flipV="1">
+                <a:off x="3352800" y="2819400"/>
+                <a:ext cx="2199371" cy="611189"/>
+              </a:xfrm>
+              <a:prstGeom prst="bentConnector2">
+                <a:avLst/>
+              </a:prstGeom>
+              <a:noFill/>
+              <a:ln w="9525">
                 <a:solidFill>
                   <a:schemeClr val="tx1"/>
                 </a:solidFill>
                 <a:miter lim="800000"/>
                 <a:headEnd/>
+                <a:tailEnd type="triangle" w="med" len="med"/>
+              </a:ln>
+              <a:effectLst/>
+              <a:extLst>
+                <a:ext uri="{909E8E84-426E-40DD-AFC4-6F175D3DCCD1}">
+                  <a14:hiddenFill xmlns:a14="http://schemas.microsoft.com/office/drawing/2010/main">
+                    <a:noFill/>
+                  </a14:hiddenFill>
+                </a:ext>
+                <a:ext uri="{AF507438-7753-43E0-B8FC-AC1667EBCBE1}">
+                  <a14:hiddenEffects xmlns:a14="http://schemas.microsoft.com/office/drawing/2010/main">
+                    <a:effectLst>
+                      <a:outerShdw dist="35921" dir="2700000" algn="ctr" rotWithShape="0">
+                        <a:schemeClr val="bg2"/>
+                      </a:outerShdw>
+                    </a:effectLst>
+                  </a14:hiddenEffects>
+                </a:ext>
+              </a:extLst>
+            </p:spPr>
+          </p:cxnSp>
+          <p:sp>
+            <p:nvSpPr>
+              <p:cNvPr id="6164" name="Text Box 20"/>
+              <p:cNvSpPr txBox="1">
+                <a:spLocks noChangeArrowheads="1"/>
+              </p:cNvSpPr>
+              <p:nvPr/>
+            </p:nvSpPr>
+            <p:spPr bwMode="auto">
+              <a:xfrm>
+                <a:off x="589378" y="842831"/>
+                <a:ext cx="1620422" cy="257439"/>
+              </a:xfrm>
+              <a:prstGeom prst="rect">
+                <a:avLst/>
+              </a:prstGeom>
+              <a:noFill/>
+              <a:ln>
+                <a:noFill/>
+              </a:ln>
+              <a:effectLst/>
+              <a:extLst>
+                <a:ext uri="{909E8E84-426E-40DD-AFC4-6F175D3DCCD1}">
+                  <a14:hiddenFill xmlns:a14="http://schemas.microsoft.com/office/drawing/2010/main">
+                    <a:solidFill>
+                      <a:schemeClr val="accent1"/>
+                    </a:solidFill>
+                  </a14:hiddenFill>
+                </a:ext>
+                <a:ext uri="{91240B29-F687-4F45-9708-019B960494DF}">
+                  <a14:hiddenLine xmlns:a14="http://schemas.microsoft.com/office/drawing/2010/main" w="9525">
+                    <a:solidFill>
+                      <a:schemeClr val="tx1"/>
+                    </a:solidFill>
+                    <a:miter lim="800000"/>
+                    <a:headEnd/>
+                    <a:tailEnd/>
+                  </a14:hiddenLine>
+                </a:ext>
+                <a:ext uri="{AF507438-7753-43E0-B8FC-AC1667EBCBE1}">
+                  <a14:hiddenEffects xmlns:a14="http://schemas.microsoft.com/office/drawing/2010/main">
+                    <a:effectLst>
+                      <a:outerShdw dist="35921" dir="2700000" algn="ctr" rotWithShape="0">
+                        <a:schemeClr val="bg2"/>
+                      </a:outerShdw>
+                    </a:effectLst>
+                  </a14:hiddenEffects>
+                </a:ext>
+              </a:extLst>
+            </p:spPr>
+            <p:txBody>
+              <a:bodyPr wrap="none">
+                <a:spAutoFit/>
+              </a:bodyPr>
+              <a:lstStyle/>
+              <a:p>
+                <a:r>
+                  <a:rPr lang="en-US" sz="1400" b="1" dirty="0" smtClean="0"/>
+                  <a:t>External device </a:t>
+                </a:r>
+                <a:r>
+                  <a:rPr lang="en-US" sz="1400" b="1" dirty="0"/>
+                  <a:t>info</a:t>
+                </a:r>
+              </a:p>
+            </p:txBody>
+          </p:sp>
+          <p:sp>
+            <p:nvSpPr>
+              <p:cNvPr id="6166" name="Text Box 22"/>
+              <p:cNvSpPr txBox="1">
+                <a:spLocks noChangeArrowheads="1"/>
+              </p:cNvSpPr>
+              <p:nvPr/>
+            </p:nvSpPr>
+            <p:spPr bwMode="auto">
+              <a:xfrm>
+                <a:off x="1256138" y="1825504"/>
+                <a:ext cx="1406489" cy="257439"/>
+              </a:xfrm>
+              <a:prstGeom prst="rect">
+                <a:avLst/>
+              </a:prstGeom>
+              <a:noFill/>
+              <a:ln>
+                <a:noFill/>
+              </a:ln>
+              <a:effectLst/>
+              <a:extLst>
+                <a:ext uri="{909E8E84-426E-40DD-AFC4-6F175D3DCCD1}">
+                  <a14:hiddenFill xmlns:a14="http://schemas.microsoft.com/office/drawing/2010/main">
+                    <a:solidFill>
+                      <a:schemeClr val="accent1"/>
+                    </a:solidFill>
+                  </a14:hiddenFill>
+                </a:ext>
+                <a:ext uri="{91240B29-F687-4F45-9708-019B960494DF}">
+                  <a14:hiddenLine xmlns:a14="http://schemas.microsoft.com/office/drawing/2010/main" w="9525">
+                    <a:solidFill>
+                      <a:schemeClr val="tx1"/>
+                    </a:solidFill>
+                    <a:miter lim="800000"/>
+                    <a:headEnd/>
+                    <a:tailEnd/>
+                  </a14:hiddenLine>
+                </a:ext>
+                <a:ext uri="{AF507438-7753-43E0-B8FC-AC1667EBCBE1}">
+                  <a14:hiddenEffects xmlns:a14="http://schemas.microsoft.com/office/drawing/2010/main">
+                    <a:effectLst>
+                      <a:outerShdw dist="35921" dir="2700000" algn="ctr" rotWithShape="0">
+                        <a:schemeClr val="bg2"/>
+                      </a:outerShdw>
+                    </a:effectLst>
+                  </a14:hiddenEffects>
+                </a:ext>
+              </a:extLst>
+            </p:spPr>
+            <p:txBody>
+              <a:bodyPr wrap="none">
+                <a:spAutoFit/>
+              </a:bodyPr>
+              <a:lstStyle/>
+              <a:p>
+                <a:r>
+                  <a:rPr lang="en-US" sz="1400" b="1" dirty="0" smtClean="0"/>
+                  <a:t>Desktop File </a:t>
+                </a:r>
+                <a:r>
+                  <a:rPr lang="en-US" sz="1400" b="1" dirty="0"/>
+                  <a:t>info</a:t>
+                </a:r>
+              </a:p>
+            </p:txBody>
+          </p:sp>
+          <p:sp>
+            <p:nvSpPr>
+              <p:cNvPr id="6167" name="Text Box 23"/>
+              <p:cNvSpPr txBox="1">
+                <a:spLocks noChangeArrowheads="1"/>
+              </p:cNvSpPr>
+              <p:nvPr/>
+            </p:nvSpPr>
+            <p:spPr bwMode="auto">
+              <a:xfrm>
+                <a:off x="952500" y="3055805"/>
+                <a:ext cx="1139529" cy="257439"/>
+              </a:xfrm>
+              <a:prstGeom prst="rect">
+                <a:avLst/>
+              </a:prstGeom>
+              <a:noFill/>
+              <a:ln>
+                <a:noFill/>
+              </a:ln>
+              <a:effectLst/>
+              <a:extLst>
+                <a:ext uri="{909E8E84-426E-40DD-AFC4-6F175D3DCCD1}">
+                  <a14:hiddenFill xmlns:a14="http://schemas.microsoft.com/office/drawing/2010/main">
+                    <a:solidFill>
+                      <a:schemeClr val="accent1"/>
+                    </a:solidFill>
+                  </a14:hiddenFill>
+                </a:ext>
+                <a:ext uri="{91240B29-F687-4F45-9708-019B960494DF}">
+                  <a14:hiddenLine xmlns:a14="http://schemas.microsoft.com/office/drawing/2010/main" w="9525">
+                    <a:solidFill>
+                      <a:schemeClr val="tx1"/>
+                    </a:solidFill>
+                    <a:miter lim="800000"/>
+                    <a:headEnd/>
+                    <a:tailEnd/>
+                  </a14:hiddenLine>
+                </a:ext>
+                <a:ext uri="{AF507438-7753-43E0-B8FC-AC1667EBCBE1}">
+                  <a14:hiddenEffects xmlns:a14="http://schemas.microsoft.com/office/drawing/2010/main">
+                    <a:effectLst>
+                      <a:outerShdw dist="35921" dir="2700000" algn="ctr" rotWithShape="0">
+                        <a:schemeClr val="bg2"/>
+                      </a:outerShdw>
+                    </a:effectLst>
+                  </a14:hiddenEffects>
+                </a:ext>
+              </a:extLst>
+            </p:spPr>
+            <p:txBody>
+              <a:bodyPr wrap="none">
+                <a:spAutoFit/>
+              </a:bodyPr>
+              <a:lstStyle/>
+              <a:p>
+                <a:r>
+                  <a:rPr lang="en-US" sz="1400" b="1" dirty="0" smtClean="0"/>
+                  <a:t>Web File info</a:t>
+                </a:r>
+                <a:endParaRPr lang="en-US" sz="1400" b="1" dirty="0"/>
+              </a:p>
+            </p:txBody>
+          </p:sp>
+          <p:sp>
+            <p:nvSpPr>
+              <p:cNvPr id="6168" name="Text Box 24"/>
+              <p:cNvSpPr txBox="1">
+                <a:spLocks noChangeArrowheads="1"/>
+              </p:cNvSpPr>
+              <p:nvPr/>
+            </p:nvSpPr>
+            <p:spPr bwMode="auto">
+              <a:xfrm>
+                <a:off x="3505200" y="914400"/>
+                <a:ext cx="1599931" cy="257439"/>
+              </a:xfrm>
+              <a:prstGeom prst="rect">
+                <a:avLst/>
+              </a:prstGeom>
+              <a:noFill/>
+              <a:ln>
+                <a:noFill/>
+              </a:ln>
+              <a:effectLst/>
+              <a:extLst>
+                <a:ext uri="{909E8E84-426E-40DD-AFC4-6F175D3DCCD1}">
+                  <a14:hiddenFill xmlns:a14="http://schemas.microsoft.com/office/drawing/2010/main">
+                    <a:solidFill>
+                      <a:schemeClr val="accent1"/>
+                    </a:solidFill>
+                  </a14:hiddenFill>
+                </a:ext>
+                <a:ext uri="{91240B29-F687-4F45-9708-019B960494DF}">
+                  <a14:hiddenLine xmlns:a14="http://schemas.microsoft.com/office/drawing/2010/main" w="9525">
+                    <a:solidFill>
+                      <a:schemeClr val="tx1"/>
+                    </a:solidFill>
+                    <a:miter lim="800000"/>
+                    <a:headEnd/>
+                    <a:tailEnd/>
+                  </a14:hiddenLine>
+                </a:ext>
+                <a:ext uri="{AF507438-7753-43E0-B8FC-AC1667EBCBE1}">
+                  <a14:hiddenEffects xmlns:a14="http://schemas.microsoft.com/office/drawing/2010/main">
+                    <a:effectLst>
+                      <a:outerShdw dist="35921" dir="2700000" algn="ctr" rotWithShape="0">
+                        <a:schemeClr val="bg2"/>
+                      </a:outerShdw>
+                    </a:effectLst>
+                  </a14:hiddenEffects>
+                </a:ext>
+              </a:extLst>
+            </p:spPr>
+            <p:txBody>
+              <a:bodyPr wrap="none">
+                <a:spAutoFit/>
+              </a:bodyPr>
+              <a:lstStyle/>
+              <a:p>
+                <a:r>
+                  <a:rPr lang="en-US" sz="1400" b="1" dirty="0"/>
+                  <a:t>External </a:t>
+                </a:r>
+                <a:r>
+                  <a:rPr lang="en-US" sz="1400" b="1" dirty="0" smtClean="0"/>
+                  <a:t>file </a:t>
+                </a:r>
+                <a:r>
+                  <a:rPr lang="en-US" sz="1400" b="1" dirty="0"/>
+                  <a:t>Details</a:t>
+                </a:r>
+              </a:p>
+            </p:txBody>
+          </p:sp>
+          <p:sp>
+            <p:nvSpPr>
+              <p:cNvPr id="6170" name="Text Box 26"/>
+              <p:cNvSpPr txBox="1">
+                <a:spLocks noChangeArrowheads="1"/>
+              </p:cNvSpPr>
+              <p:nvPr/>
+            </p:nvSpPr>
+            <p:spPr bwMode="auto">
+              <a:xfrm>
+                <a:off x="3352800" y="1828800"/>
+                <a:ext cx="1608947" cy="257439"/>
+              </a:xfrm>
+              <a:prstGeom prst="rect">
+                <a:avLst/>
+              </a:prstGeom>
+              <a:noFill/>
+              <a:ln>
+                <a:noFill/>
+              </a:ln>
+              <a:effectLst/>
+              <a:extLst>
+                <a:ext uri="{909E8E84-426E-40DD-AFC4-6F175D3DCCD1}">
+                  <a14:hiddenFill xmlns:a14="http://schemas.microsoft.com/office/drawing/2010/main">
+                    <a:solidFill>
+                      <a:schemeClr val="accent1"/>
+                    </a:solidFill>
+                  </a14:hiddenFill>
+                </a:ext>
+                <a:ext uri="{91240B29-F687-4F45-9708-019B960494DF}">
+                  <a14:hiddenLine xmlns:a14="http://schemas.microsoft.com/office/drawing/2010/main" w="9525">
+                    <a:solidFill>
+                      <a:schemeClr val="tx1"/>
+                    </a:solidFill>
+                    <a:miter lim="800000"/>
+                    <a:headEnd/>
+                    <a:tailEnd/>
+                  </a14:hiddenLine>
+                </a:ext>
+                <a:ext uri="{AF507438-7753-43E0-B8FC-AC1667EBCBE1}">
+                  <a14:hiddenEffects xmlns:a14="http://schemas.microsoft.com/office/drawing/2010/main">
+                    <a:effectLst>
+                      <a:outerShdw dist="35921" dir="2700000" algn="ctr" rotWithShape="0">
+                        <a:schemeClr val="bg2"/>
+                      </a:outerShdw>
+                    </a:effectLst>
+                  </a14:hiddenEffects>
+                </a:ext>
+              </a:extLst>
+            </p:spPr>
+            <p:txBody>
+              <a:bodyPr wrap="none">
+                <a:spAutoFit/>
+              </a:bodyPr>
+              <a:lstStyle/>
+              <a:p>
+                <a:r>
+                  <a:rPr lang="en-US" sz="1400" b="1" dirty="0" smtClean="0"/>
+                  <a:t>Desktop File details</a:t>
+                </a:r>
+                <a:endParaRPr lang="en-US" sz="1400" b="1" dirty="0"/>
+              </a:p>
+            </p:txBody>
+          </p:sp>
+          <p:sp>
+            <p:nvSpPr>
+              <p:cNvPr id="6171" name="Text Box 27"/>
+              <p:cNvSpPr txBox="1">
+                <a:spLocks noChangeArrowheads="1"/>
+              </p:cNvSpPr>
+              <p:nvPr/>
+            </p:nvSpPr>
+            <p:spPr bwMode="auto">
+              <a:xfrm>
+                <a:off x="3314700" y="3184525"/>
+                <a:ext cx="1359327" cy="257439"/>
+              </a:xfrm>
+              <a:prstGeom prst="rect">
+                <a:avLst/>
+              </a:prstGeom>
+              <a:noFill/>
+              <a:ln>
+                <a:noFill/>
+              </a:ln>
+              <a:effectLst/>
+              <a:extLst>
+                <a:ext uri="{909E8E84-426E-40DD-AFC4-6F175D3DCCD1}">
+                  <a14:hiddenFill xmlns:a14="http://schemas.microsoft.com/office/drawing/2010/main">
+                    <a:solidFill>
+                      <a:schemeClr val="accent1"/>
+                    </a:solidFill>
+                  </a14:hiddenFill>
+                </a:ext>
+                <a:ext uri="{91240B29-F687-4F45-9708-019B960494DF}">
+                  <a14:hiddenLine xmlns:a14="http://schemas.microsoft.com/office/drawing/2010/main" w="9525">
+                    <a:solidFill>
+                      <a:schemeClr val="tx1"/>
+                    </a:solidFill>
+                    <a:miter lim="800000"/>
+                    <a:headEnd/>
+                    <a:tailEnd/>
+                  </a14:hiddenLine>
+                </a:ext>
+                <a:ext uri="{AF507438-7753-43E0-B8FC-AC1667EBCBE1}">
+                  <a14:hiddenEffects xmlns:a14="http://schemas.microsoft.com/office/drawing/2010/main">
+                    <a:effectLst>
+                      <a:outerShdw dist="35921" dir="2700000" algn="ctr" rotWithShape="0">
+                        <a:schemeClr val="bg2"/>
+                      </a:outerShdw>
+                    </a:effectLst>
+                  </a14:hiddenEffects>
+                </a:ext>
+              </a:extLst>
+            </p:spPr>
+            <p:txBody>
+              <a:bodyPr wrap="none">
+                <a:spAutoFit/>
+              </a:bodyPr>
+              <a:lstStyle/>
+              <a:p>
+                <a:r>
+                  <a:rPr lang="en-US" sz="1400" b="1" dirty="0" smtClean="0"/>
+                  <a:t>Web File </a:t>
+                </a:r>
+                <a:r>
+                  <a:rPr lang="en-US" sz="1400" b="1" dirty="0"/>
+                  <a:t>Details</a:t>
+                </a:r>
+              </a:p>
+            </p:txBody>
+          </p:sp>
+          <p:sp>
+            <p:nvSpPr>
+              <p:cNvPr id="6172" name="Oval 28"/>
+              <p:cNvSpPr>
+                <a:spLocks noChangeArrowheads="1"/>
+              </p:cNvSpPr>
+              <p:nvPr/>
+            </p:nvSpPr>
+            <p:spPr bwMode="auto">
+              <a:xfrm>
+                <a:off x="6248400" y="4191000"/>
+                <a:ext cx="1181100" cy="838200"/>
+              </a:xfrm>
+              <a:prstGeom prst="ellipse">
+                <a:avLst/>
+              </a:prstGeom>
+              <a:noFill/>
+              <a:ln w="9525">
+                <a:solidFill>
+                  <a:schemeClr val="tx1"/>
+                </a:solidFill>
+                <a:round/>
+                <a:headEnd/>
                 <a:tailEnd/>
-              </a14:hiddenLine>
-            </a:ext>
-            <a:ext uri="{AF507438-7753-43E0-B8FC-AC1667EBCBE1}">
-              <a14:hiddenEffects xmlns="" xmlns:a14="http://schemas.microsoft.com/office/drawing/2010/main">
-                <a:effectLst>
-                  <a:outerShdw dist="35921" dir="2700000" algn="ctr" rotWithShape="0">
-                    <a:schemeClr val="bg2"/>
-                  </a:outerShdw>
-                </a:effectLst>
-              </a14:hiddenEffects>
-            </a:ext>
-          </a:extLst>
-        </p:spPr>
-        <p:txBody>
-          <a:bodyPr wrap="none">
-            <a:spAutoFit/>
-          </a:bodyPr>
-          <a:lstStyle/>
-          <a:p>
-            <a:r>
-              <a:rPr lang="en-US" sz="1000"/>
-              <a:t>Add Details</a:t>
-            </a:r>
-          </a:p>
-        </p:txBody>
-      </p:sp>
-      <p:sp>
-        <p:nvSpPr>
-          <p:cNvPr id="6205" name="Text Box 61"/>
-          <p:cNvSpPr txBox="1">
-            <a:spLocks noChangeArrowheads="1"/>
-          </p:cNvSpPr>
-          <p:nvPr/>
-        </p:nvSpPr>
-        <p:spPr bwMode="auto">
-          <a:xfrm>
-            <a:off x="7627938" y="3733800"/>
-            <a:ext cx="849312" cy="244475"/>
-          </a:xfrm>
-          <a:prstGeom prst="rect">
-            <a:avLst/>
-          </a:prstGeom>
-          <a:noFill/>
-          <a:ln>
-            <a:noFill/>
-          </a:ln>
-          <a:effectLst/>
-          <a:extLst>
-            <a:ext uri="{909E8E84-426E-40DD-AFC4-6F175D3DCCD1}">
-              <a14:hiddenFill xmlns="" xmlns:a14="http://schemas.microsoft.com/office/drawing/2010/main">
+              </a:ln>
+              <a:effectLst/>
+              <a:extLst>
+                <a:ext uri="{909E8E84-426E-40DD-AFC4-6F175D3DCCD1}">
+                  <a14:hiddenFill xmlns:a14="http://schemas.microsoft.com/office/drawing/2010/main">
+                    <a:solidFill>
+                      <a:schemeClr val="accent1"/>
+                    </a:solidFill>
+                  </a14:hiddenFill>
+                </a:ext>
+                <a:ext uri="{AF507438-7753-43E0-B8FC-AC1667EBCBE1}">
+                  <a14:hiddenEffects xmlns:a14="http://schemas.microsoft.com/office/drawing/2010/main">
+                    <a:effectLst>
+                      <a:outerShdw dist="35921" dir="2700000" algn="ctr" rotWithShape="0">
+                        <a:schemeClr val="bg2"/>
+                      </a:outerShdw>
+                    </a:effectLst>
+                  </a14:hiddenEffects>
+                </a:ext>
+              </a:extLst>
+            </p:spPr>
+            <p:txBody>
+              <a:bodyPr wrap="none" anchor="ctr"/>
+              <a:lstStyle/>
+              <a:p>
+                <a:pPr algn="ctr"/>
+                <a:r>
+                  <a:rPr lang="en-US" sz="1400" b="1" dirty="0"/>
+                  <a:t>Mobile</a:t>
+                </a:r>
+              </a:p>
+              <a:p>
+                <a:pPr algn="ctr"/>
+                <a:r>
+                  <a:rPr lang="en-US" sz="1400" b="1" dirty="0"/>
+                  <a:t>Sync</a:t>
+                </a:r>
+              </a:p>
+              <a:p>
+                <a:pPr algn="ctr"/>
+                <a:r>
+                  <a:rPr lang="en-US" sz="1400" b="1" dirty="0" smtClean="0"/>
+                  <a:t>6.1</a:t>
+                </a:r>
+                <a:endParaRPr lang="en-US" sz="1400" b="1" dirty="0"/>
+              </a:p>
+            </p:txBody>
+          </p:sp>
+          <p:sp>
+            <p:nvSpPr>
+              <p:cNvPr id="6173" name="Oval 29"/>
+              <p:cNvSpPr>
+                <a:spLocks noChangeArrowheads="1"/>
+              </p:cNvSpPr>
+              <p:nvPr/>
+            </p:nvSpPr>
+            <p:spPr bwMode="auto">
+              <a:xfrm>
+                <a:off x="6248400" y="5334000"/>
+                <a:ext cx="1181099" cy="838200"/>
+              </a:xfrm>
+              <a:prstGeom prst="ellipse">
+                <a:avLst/>
+              </a:prstGeom>
+              <a:noFill/>
+              <a:ln w="9525">
                 <a:solidFill>
-                  <a:schemeClr val="accent1"/>
+                  <a:schemeClr val="tx1"/>
                 </a:solidFill>
-              </a14:hiddenFill>
-            </a:ext>
-            <a:ext uri="{91240B29-F687-4F45-9708-019B960494DF}">
-              <a14:hiddenLine xmlns="" xmlns:a14="http://schemas.microsoft.com/office/drawing/2010/main" w="9525">
+                <a:round/>
+                <a:headEnd/>
+                <a:tailEnd/>
+              </a:ln>
+              <a:effectLst/>
+              <a:extLst>
+                <a:ext uri="{909E8E84-426E-40DD-AFC4-6F175D3DCCD1}">
+                  <a14:hiddenFill xmlns:a14="http://schemas.microsoft.com/office/drawing/2010/main">
+                    <a:solidFill>
+                      <a:schemeClr val="accent1"/>
+                    </a:solidFill>
+                  </a14:hiddenFill>
+                </a:ext>
+                <a:ext uri="{AF507438-7753-43E0-B8FC-AC1667EBCBE1}">
+                  <a14:hiddenEffects xmlns:a14="http://schemas.microsoft.com/office/drawing/2010/main">
+                    <a:effectLst>
+                      <a:outerShdw dist="35921" dir="2700000" algn="ctr" rotWithShape="0">
+                        <a:schemeClr val="bg2"/>
+                      </a:outerShdw>
+                    </a:effectLst>
+                  </a14:hiddenEffects>
+                </a:ext>
+              </a:extLst>
+            </p:spPr>
+            <p:txBody>
+              <a:bodyPr wrap="none" anchor="ctr"/>
+              <a:lstStyle/>
+              <a:p>
+                <a:pPr algn="ctr"/>
+                <a:r>
+                  <a:rPr lang="en-US" sz="1400" b="1" dirty="0"/>
+                  <a:t>Web</a:t>
+                </a:r>
+              </a:p>
+              <a:p>
+                <a:pPr algn="ctr"/>
+                <a:r>
+                  <a:rPr lang="en-US" sz="1400" b="1" dirty="0"/>
+                  <a:t>Sync</a:t>
+                </a:r>
+              </a:p>
+              <a:p>
+                <a:pPr algn="ctr"/>
+                <a:r>
+                  <a:rPr lang="en-US" sz="1400" b="1" dirty="0" smtClean="0"/>
+                  <a:t>7.1</a:t>
+                </a:r>
+                <a:endParaRPr lang="en-US" sz="1400" b="1" dirty="0"/>
+              </a:p>
+            </p:txBody>
+          </p:sp>
+          <p:sp>
+            <p:nvSpPr>
+              <p:cNvPr id="6174" name="Oval 30"/>
+              <p:cNvSpPr>
+                <a:spLocks noChangeArrowheads="1"/>
+              </p:cNvSpPr>
+              <p:nvPr/>
+            </p:nvSpPr>
+            <p:spPr bwMode="auto">
+              <a:xfrm>
+                <a:off x="4267200" y="4572000"/>
+                <a:ext cx="1295400" cy="1066800"/>
+              </a:xfrm>
+              <a:prstGeom prst="ellipse">
+                <a:avLst/>
+              </a:prstGeom>
+              <a:noFill/>
+              <a:ln w="12700">
+                <a:solidFill>
+                  <a:schemeClr val="tx1"/>
+                </a:solidFill>
+                <a:round/>
+                <a:headEnd/>
+                <a:tailEnd/>
+              </a:ln>
+              <a:effectLst/>
+              <a:extLst>
+                <a:ext uri="{909E8E84-426E-40DD-AFC4-6F175D3DCCD1}">
+                  <a14:hiddenFill xmlns:a14="http://schemas.microsoft.com/office/drawing/2010/main">
+                    <a:solidFill>
+                      <a:schemeClr val="accent1"/>
+                    </a:solidFill>
+                  </a14:hiddenFill>
+                </a:ext>
+                <a:ext uri="{AF507438-7753-43E0-B8FC-AC1667EBCBE1}">
+                  <a14:hiddenEffects xmlns:a14="http://schemas.microsoft.com/office/drawing/2010/main">
+                    <a:effectLst>
+                      <a:outerShdw dist="35921" dir="2700000" algn="ctr" rotWithShape="0">
+                        <a:schemeClr val="bg2"/>
+                      </a:outerShdw>
+                    </a:effectLst>
+                  </a14:hiddenEffects>
+                </a:ext>
+              </a:extLst>
+            </p:spPr>
+            <p:txBody>
+              <a:bodyPr wrap="none" anchor="ctr"/>
+              <a:lstStyle/>
+              <a:p>
+                <a:pPr algn="ctr"/>
+                <a:r>
+                  <a:rPr lang="en-US" sz="1400" b="1" dirty="0" smtClean="0">
+                    <a:latin typeface="Bookman Old Style" panose="02050604050505020204" pitchFamily="18" charset="0"/>
+                  </a:rPr>
+                  <a:t>File </a:t>
+                </a:r>
+              </a:p>
+              <a:p>
+                <a:pPr algn="ctr"/>
+                <a:r>
+                  <a:rPr lang="en-US" sz="1400" b="1" dirty="0" smtClean="0">
+                    <a:latin typeface="Bookman Old Style" panose="02050604050505020204" pitchFamily="18" charset="0"/>
+                  </a:rPr>
+                  <a:t>Management </a:t>
+                </a:r>
+              </a:p>
+              <a:p>
+                <a:pPr algn="ctr"/>
+                <a:r>
+                  <a:rPr lang="en-US" sz="1400" b="1" dirty="0" smtClean="0">
+                    <a:latin typeface="Bookman Old Style" panose="02050604050505020204" pitchFamily="18" charset="0"/>
+                  </a:rPr>
+                  <a:t>System</a:t>
+                </a:r>
+                <a:endParaRPr lang="en-US" sz="1400" b="1" dirty="0">
+                  <a:latin typeface="Bookman Old Style" panose="02050604050505020204" pitchFamily="18" charset="0"/>
+                </a:endParaRPr>
+              </a:p>
+              <a:p>
+                <a:pPr algn="ctr"/>
+                <a:r>
+                  <a:rPr lang="en-US" sz="1400" b="1" dirty="0" smtClean="0">
+                    <a:latin typeface="Bookman Old Style" panose="02050604050505020204" pitchFamily="18" charset="0"/>
+                  </a:rPr>
+                  <a:t>1.1</a:t>
+                </a:r>
+                <a:endParaRPr lang="en-US" sz="1400" b="1" dirty="0">
+                  <a:latin typeface="Bookman Old Style" panose="02050604050505020204" pitchFamily="18" charset="0"/>
+                </a:endParaRPr>
+              </a:p>
+            </p:txBody>
+          </p:sp>
+          <p:grpSp>
+            <p:nvGrpSpPr>
+              <p:cNvPr id="6180" name="Group 36"/>
+              <p:cNvGrpSpPr>
+                <a:grpSpLocks/>
+              </p:cNvGrpSpPr>
+              <p:nvPr/>
+            </p:nvGrpSpPr>
+            <p:grpSpPr bwMode="auto">
+              <a:xfrm>
+                <a:off x="7599363" y="5029200"/>
+                <a:ext cx="1433513" cy="381000"/>
+                <a:chOff x="227" y="384"/>
+                <a:chExt cx="903" cy="240"/>
+              </a:xfrm>
+            </p:grpSpPr>
+            <p:grpSp>
+              <p:nvGrpSpPr>
+                <p:cNvPr id="6181" name="Group 37"/>
+                <p:cNvGrpSpPr>
+                  <a:grpSpLocks/>
+                </p:cNvGrpSpPr>
+                <p:nvPr/>
+              </p:nvGrpSpPr>
+              <p:grpSpPr bwMode="auto">
+                <a:xfrm>
+                  <a:off x="238" y="384"/>
+                  <a:ext cx="816" cy="240"/>
+                  <a:chOff x="238" y="384"/>
+                  <a:chExt cx="816" cy="240"/>
+                </a:xfrm>
+              </p:grpSpPr>
+              <p:sp>
+                <p:nvSpPr>
+                  <p:cNvPr id="6182" name="Rectangle 38"/>
+                  <p:cNvSpPr>
+                    <a:spLocks noChangeArrowheads="1"/>
+                  </p:cNvSpPr>
+                  <p:nvPr/>
+                </p:nvSpPr>
+                <p:spPr bwMode="auto">
+                  <a:xfrm>
+                    <a:off x="238" y="384"/>
+                    <a:ext cx="816" cy="240"/>
+                  </a:xfrm>
+                  <a:prstGeom prst="rect">
+                    <a:avLst/>
+                  </a:prstGeom>
+                  <a:noFill/>
+                  <a:ln w="9525">
+                    <a:solidFill>
+                      <a:schemeClr val="tx1"/>
+                    </a:solidFill>
+                    <a:miter lim="800000"/>
+                    <a:headEnd/>
+                    <a:tailEnd/>
+                  </a:ln>
+                  <a:effectLst/>
+                  <a:extLst>
+                    <a:ext uri="{909E8E84-426E-40DD-AFC4-6F175D3DCCD1}">
+                      <a14:hiddenFill xmlns:a14="http://schemas.microsoft.com/office/drawing/2010/main">
+                        <a:solidFill>
+                          <a:schemeClr val="accent1"/>
+                        </a:solidFill>
+                      </a14:hiddenFill>
+                    </a:ext>
+                    <a:ext uri="{AF507438-7753-43E0-B8FC-AC1667EBCBE1}">
+                      <a14:hiddenEffects xmlns:a14="http://schemas.microsoft.com/office/drawing/2010/main">
+                        <a:effectLst>
+                          <a:outerShdw dist="35921" dir="2700000" algn="ctr" rotWithShape="0">
+                            <a:schemeClr val="bg2"/>
+                          </a:outerShdw>
+                        </a:effectLst>
+                      </a14:hiddenEffects>
+                    </a:ext>
+                  </a:extLst>
+                </p:spPr>
+                <p:txBody>
+                  <a:bodyPr wrap="none" anchor="ctr"/>
+                  <a:lstStyle/>
+                  <a:p>
+                    <a:endParaRPr lang="en-US" sz="1400" b="1"/>
+                  </a:p>
+                </p:txBody>
+              </p:sp>
+              <p:sp>
+                <p:nvSpPr>
+                  <p:cNvPr id="6183" name="Line 39"/>
+                  <p:cNvSpPr>
+                    <a:spLocks noChangeShapeType="1"/>
+                  </p:cNvSpPr>
+                  <p:nvPr/>
+                </p:nvSpPr>
+                <p:spPr bwMode="auto">
+                  <a:xfrm>
+                    <a:off x="528" y="384"/>
+                    <a:ext cx="0" cy="240"/>
+                  </a:xfrm>
+                  <a:prstGeom prst="line">
+                    <a:avLst/>
+                  </a:prstGeom>
+                  <a:noFill/>
+                  <a:ln w="9525">
+                    <a:solidFill>
+                      <a:schemeClr val="tx1"/>
+                    </a:solidFill>
+                    <a:round/>
+                    <a:headEnd/>
+                    <a:tailEnd/>
+                  </a:ln>
+                  <a:effectLst/>
+                  <a:extLst>
+                    <a:ext uri="{909E8E84-426E-40DD-AFC4-6F175D3DCCD1}">
+                      <a14:hiddenFill xmlns:a14="http://schemas.microsoft.com/office/drawing/2010/main">
+                        <a:noFill/>
+                      </a14:hiddenFill>
+                    </a:ext>
+                    <a:ext uri="{AF507438-7753-43E0-B8FC-AC1667EBCBE1}">
+                      <a14:hiddenEffects xmlns:a14="http://schemas.microsoft.com/office/drawing/2010/main">
+                        <a:effectLst>
+                          <a:outerShdw dist="35921" dir="2700000" algn="ctr" rotWithShape="0">
+                            <a:schemeClr val="bg2"/>
+                          </a:outerShdw>
+                        </a:effectLst>
+                      </a14:hiddenEffects>
+                    </a:ext>
+                  </a:extLst>
+                </p:spPr>
+                <p:txBody>
+                  <a:bodyPr/>
+                  <a:lstStyle/>
+                  <a:p>
+                    <a:endParaRPr lang="en-US" sz="1400" b="1"/>
+                  </a:p>
+                </p:txBody>
+              </p:sp>
+            </p:grpSp>
+            <p:sp>
+              <p:nvSpPr>
+                <p:cNvPr id="6184" name="Text Box 40"/>
+                <p:cNvSpPr txBox="1">
+                  <a:spLocks noChangeArrowheads="1"/>
+                </p:cNvSpPr>
+                <p:nvPr/>
+              </p:nvSpPr>
+              <p:spPr bwMode="auto">
+                <a:xfrm>
+                  <a:off x="227" y="422"/>
+                  <a:ext cx="903" cy="162"/>
+                </a:xfrm>
+                <a:prstGeom prst="rect">
+                  <a:avLst/>
+                </a:prstGeom>
+                <a:noFill/>
+                <a:ln>
+                  <a:noFill/>
+                </a:ln>
+                <a:effectLst/>
+                <a:extLst>
+                  <a:ext uri="{909E8E84-426E-40DD-AFC4-6F175D3DCCD1}">
+                    <a14:hiddenFill xmlns:a14="http://schemas.microsoft.com/office/drawing/2010/main">
+                      <a:solidFill>
+                        <a:schemeClr val="accent1"/>
+                      </a:solidFill>
+                    </a14:hiddenFill>
+                  </a:ext>
+                  <a:ext uri="{91240B29-F687-4F45-9708-019B960494DF}">
+                    <a14:hiddenLine xmlns:a14="http://schemas.microsoft.com/office/drawing/2010/main" w="9525">
+                      <a:solidFill>
+                        <a:schemeClr val="tx1"/>
+                      </a:solidFill>
+                      <a:miter lim="800000"/>
+                      <a:headEnd/>
+                      <a:tailEnd/>
+                    </a14:hiddenLine>
+                  </a:ext>
+                  <a:ext uri="{AF507438-7753-43E0-B8FC-AC1667EBCBE1}">
+                    <a14:hiddenEffects xmlns:a14="http://schemas.microsoft.com/office/drawing/2010/main">
+                      <a:effectLst>
+                        <a:outerShdw dist="35921" dir="2700000" algn="ctr" rotWithShape="0">
+                          <a:schemeClr val="bg2"/>
+                        </a:outerShdw>
+                      </a:effectLst>
+                    </a14:hiddenEffects>
+                  </a:ext>
+                </a:extLst>
+              </p:spPr>
+              <p:txBody>
+                <a:bodyPr wrap="none">
+                  <a:spAutoFit/>
+                </a:bodyPr>
+                <a:lstStyle/>
+                <a:p>
+                  <a:r>
+                    <a:rPr lang="en-US" sz="1400" b="1" dirty="0" smtClean="0"/>
+                    <a:t>D9    </a:t>
+                  </a:r>
+                  <a:r>
+                    <a:rPr lang="en-US" sz="1400" b="1" dirty="0"/>
+                    <a:t>sync Backup</a:t>
+                  </a:r>
+                </a:p>
+              </p:txBody>
+            </p:sp>
+          </p:grpSp>
+          <p:cxnSp>
+            <p:nvCxnSpPr>
+              <p:cNvPr id="6185" name="AutoShape 41"/>
+              <p:cNvCxnSpPr>
+                <a:cxnSpLocks noChangeShapeType="1"/>
+                <a:stCxn id="6182" idx="0"/>
+                <a:endCxn id="6172" idx="7"/>
+              </p:cNvCxnSpPr>
+              <p:nvPr/>
+            </p:nvCxnSpPr>
+            <p:spPr bwMode="auto">
+              <a:xfrm rot="16200000" flipV="1">
+                <a:off x="7402806" y="4167478"/>
+                <a:ext cx="715449" cy="1007994"/>
+              </a:xfrm>
+              <a:prstGeom prst="bentConnector3">
+                <a:avLst>
+                  <a:gd name="adj1" fmla="val 143883"/>
+                </a:avLst>
+              </a:prstGeom>
+              <a:noFill/>
+              <a:ln w="9525">
+                <a:solidFill>
+                  <a:schemeClr val="tx1"/>
+                </a:solidFill>
+                <a:miter lim="800000"/>
+                <a:headEnd type="triangle" w="med" len="med"/>
+                <a:tailEnd/>
+              </a:ln>
+              <a:effectLst/>
+              <a:extLst>
+                <a:ext uri="{909E8E84-426E-40DD-AFC4-6F175D3DCCD1}">
+                  <a14:hiddenFill xmlns:a14="http://schemas.microsoft.com/office/drawing/2010/main">
+                    <a:noFill/>
+                  </a14:hiddenFill>
+                </a:ext>
+                <a:ext uri="{AF507438-7753-43E0-B8FC-AC1667EBCBE1}">
+                  <a14:hiddenEffects xmlns:a14="http://schemas.microsoft.com/office/drawing/2010/main">
+                    <a:effectLst>
+                      <a:outerShdw dist="35921" dir="2700000" algn="ctr" rotWithShape="0">
+                        <a:schemeClr val="bg2"/>
+                      </a:outerShdw>
+                    </a:effectLst>
+                  </a14:hiddenEffects>
+                </a:ext>
+              </a:extLst>
+            </p:spPr>
+          </p:cxnSp>
+          <p:cxnSp>
+            <p:nvCxnSpPr>
+              <p:cNvPr id="6186" name="AutoShape 42"/>
+              <p:cNvCxnSpPr>
+                <a:cxnSpLocks noChangeShapeType="1"/>
+                <a:stCxn id="6182" idx="2"/>
+                <a:endCxn id="6173" idx="5"/>
+              </p:cNvCxnSpPr>
+              <p:nvPr/>
+            </p:nvCxnSpPr>
+            <p:spPr bwMode="auto">
+              <a:xfrm rot="5400000">
+                <a:off x="7440905" y="5225827"/>
+                <a:ext cx="639248" cy="1007995"/>
+              </a:xfrm>
+              <a:prstGeom prst="bentConnector3">
+                <a:avLst>
+                  <a:gd name="adj1" fmla="val 149114"/>
+                </a:avLst>
+              </a:prstGeom>
+              <a:noFill/>
+              <a:ln w="9525">
+                <a:solidFill>
+                  <a:schemeClr val="tx1"/>
+                </a:solidFill>
+                <a:miter lim="800000"/>
+                <a:headEnd type="triangle" w="med" len="med"/>
+                <a:tailEnd/>
+              </a:ln>
+              <a:effectLst/>
+              <a:extLst>
+                <a:ext uri="{909E8E84-426E-40DD-AFC4-6F175D3DCCD1}">
+                  <a14:hiddenFill xmlns:a14="http://schemas.microsoft.com/office/drawing/2010/main">
+                    <a:noFill/>
+                  </a14:hiddenFill>
+                </a:ext>
+                <a:ext uri="{AF507438-7753-43E0-B8FC-AC1667EBCBE1}">
+                  <a14:hiddenEffects xmlns:a14="http://schemas.microsoft.com/office/drawing/2010/main">
+                    <a:effectLst>
+                      <a:outerShdw dist="35921" dir="2700000" algn="ctr" rotWithShape="0">
+                        <a:schemeClr val="bg2"/>
+                      </a:outerShdw>
+                    </a:effectLst>
+                  </a14:hiddenEffects>
+                </a:ext>
+              </a:extLst>
+            </p:spPr>
+          </p:cxnSp>
+          <p:grpSp>
+            <p:nvGrpSpPr>
+              <p:cNvPr id="6187" name="Group 43"/>
+              <p:cNvGrpSpPr>
+                <a:grpSpLocks/>
+              </p:cNvGrpSpPr>
+              <p:nvPr/>
+            </p:nvGrpSpPr>
+            <p:grpSpPr bwMode="auto">
+              <a:xfrm>
+                <a:off x="2514600" y="5029200"/>
+                <a:ext cx="1387475" cy="381000"/>
+                <a:chOff x="336" y="384"/>
+                <a:chExt cx="874" cy="240"/>
+              </a:xfrm>
+            </p:grpSpPr>
+            <p:grpSp>
+              <p:nvGrpSpPr>
+                <p:cNvPr id="6188" name="Group 44"/>
+                <p:cNvGrpSpPr>
+                  <a:grpSpLocks/>
+                </p:cNvGrpSpPr>
+                <p:nvPr/>
+              </p:nvGrpSpPr>
+              <p:grpSpPr bwMode="auto">
+                <a:xfrm>
+                  <a:off x="336" y="384"/>
+                  <a:ext cx="816" cy="240"/>
+                  <a:chOff x="336" y="384"/>
+                  <a:chExt cx="816" cy="240"/>
+                </a:xfrm>
+              </p:grpSpPr>
+              <p:sp>
+                <p:nvSpPr>
+                  <p:cNvPr id="6189" name="Rectangle 45"/>
+                  <p:cNvSpPr>
+                    <a:spLocks noChangeArrowheads="1"/>
+                  </p:cNvSpPr>
+                  <p:nvPr/>
+                </p:nvSpPr>
+                <p:spPr bwMode="auto">
+                  <a:xfrm>
+                    <a:off x="336" y="384"/>
+                    <a:ext cx="816" cy="240"/>
+                  </a:xfrm>
+                  <a:prstGeom prst="rect">
+                    <a:avLst/>
+                  </a:prstGeom>
+                  <a:noFill/>
+                  <a:ln w="9525">
+                    <a:solidFill>
+                      <a:schemeClr val="tx1"/>
+                    </a:solidFill>
+                    <a:miter lim="800000"/>
+                    <a:headEnd/>
+                    <a:tailEnd/>
+                  </a:ln>
+                  <a:effectLst/>
+                  <a:extLst>
+                    <a:ext uri="{909E8E84-426E-40DD-AFC4-6F175D3DCCD1}">
+                      <a14:hiddenFill xmlns:a14="http://schemas.microsoft.com/office/drawing/2010/main">
+                        <a:solidFill>
+                          <a:schemeClr val="accent1"/>
+                        </a:solidFill>
+                      </a14:hiddenFill>
+                    </a:ext>
+                    <a:ext uri="{AF507438-7753-43E0-B8FC-AC1667EBCBE1}">
+                      <a14:hiddenEffects xmlns:a14="http://schemas.microsoft.com/office/drawing/2010/main">
+                        <a:effectLst>
+                          <a:outerShdw dist="35921" dir="2700000" algn="ctr" rotWithShape="0">
+                            <a:schemeClr val="bg2"/>
+                          </a:outerShdw>
+                        </a:effectLst>
+                      </a14:hiddenEffects>
+                    </a:ext>
+                  </a:extLst>
+                </p:spPr>
+                <p:txBody>
+                  <a:bodyPr wrap="none" anchor="ctr"/>
+                  <a:lstStyle/>
+                  <a:p>
+                    <a:endParaRPr lang="en-US" sz="1400" b="1"/>
+                  </a:p>
+                </p:txBody>
+              </p:sp>
+              <p:sp>
+                <p:nvSpPr>
+                  <p:cNvPr id="6190" name="Line 46"/>
+                  <p:cNvSpPr>
+                    <a:spLocks noChangeShapeType="1"/>
+                  </p:cNvSpPr>
+                  <p:nvPr/>
+                </p:nvSpPr>
+                <p:spPr bwMode="auto">
+                  <a:xfrm>
+                    <a:off x="528" y="384"/>
+                    <a:ext cx="0" cy="240"/>
+                  </a:xfrm>
+                  <a:prstGeom prst="line">
+                    <a:avLst/>
+                  </a:prstGeom>
+                  <a:noFill/>
+                  <a:ln w="9525">
+                    <a:solidFill>
+                      <a:schemeClr val="tx1"/>
+                    </a:solidFill>
+                    <a:round/>
+                    <a:headEnd/>
+                    <a:tailEnd/>
+                  </a:ln>
+                  <a:effectLst/>
+                  <a:extLst>
+                    <a:ext uri="{909E8E84-426E-40DD-AFC4-6F175D3DCCD1}">
+                      <a14:hiddenFill xmlns:a14="http://schemas.microsoft.com/office/drawing/2010/main">
+                        <a:noFill/>
+                      </a14:hiddenFill>
+                    </a:ext>
+                    <a:ext uri="{AF507438-7753-43E0-B8FC-AC1667EBCBE1}">
+                      <a14:hiddenEffects xmlns:a14="http://schemas.microsoft.com/office/drawing/2010/main">
+                        <a:effectLst>
+                          <a:outerShdw dist="35921" dir="2700000" algn="ctr" rotWithShape="0">
+                            <a:schemeClr val="bg2"/>
+                          </a:outerShdw>
+                        </a:effectLst>
+                      </a14:hiddenEffects>
+                    </a:ext>
+                  </a:extLst>
+                </p:spPr>
+                <p:txBody>
+                  <a:bodyPr/>
+                  <a:lstStyle/>
+                  <a:p>
+                    <a:endParaRPr lang="en-US" sz="1400" b="1"/>
+                  </a:p>
+                </p:txBody>
+              </p:sp>
+            </p:grpSp>
+            <p:sp>
+              <p:nvSpPr>
+                <p:cNvPr id="6191" name="Text Box 47"/>
+                <p:cNvSpPr txBox="1">
+                  <a:spLocks noChangeArrowheads="1"/>
+                </p:cNvSpPr>
+                <p:nvPr/>
+              </p:nvSpPr>
+              <p:spPr bwMode="auto">
+                <a:xfrm>
+                  <a:off x="336" y="422"/>
+                  <a:ext cx="874" cy="162"/>
+                </a:xfrm>
+                <a:prstGeom prst="rect">
+                  <a:avLst/>
+                </a:prstGeom>
+                <a:noFill/>
+                <a:ln>
+                  <a:noFill/>
+                </a:ln>
+                <a:effectLst/>
+                <a:extLst>
+                  <a:ext uri="{909E8E84-426E-40DD-AFC4-6F175D3DCCD1}">
+                    <a14:hiddenFill xmlns:a14="http://schemas.microsoft.com/office/drawing/2010/main">
+                      <a:solidFill>
+                        <a:schemeClr val="accent1"/>
+                      </a:solidFill>
+                    </a14:hiddenFill>
+                  </a:ext>
+                  <a:ext uri="{91240B29-F687-4F45-9708-019B960494DF}">
+                    <a14:hiddenLine xmlns:a14="http://schemas.microsoft.com/office/drawing/2010/main" w="9525">
+                      <a:solidFill>
+                        <a:schemeClr val="tx1"/>
+                      </a:solidFill>
+                      <a:miter lim="800000"/>
+                      <a:headEnd/>
+                      <a:tailEnd/>
+                    </a14:hiddenLine>
+                  </a:ext>
+                  <a:ext uri="{AF507438-7753-43E0-B8FC-AC1667EBCBE1}">
+                    <a14:hiddenEffects xmlns:a14="http://schemas.microsoft.com/office/drawing/2010/main">
+                      <a:effectLst>
+                        <a:outerShdw dist="35921" dir="2700000" algn="ctr" rotWithShape="0">
+                          <a:schemeClr val="bg2"/>
+                        </a:outerShdw>
+                      </a:effectLst>
+                    </a14:hiddenEffects>
+                  </a:ext>
+                </a:extLst>
+              </p:spPr>
+              <p:txBody>
+                <a:bodyPr wrap="none">
+                  <a:spAutoFit/>
+                </a:bodyPr>
+                <a:lstStyle/>
+                <a:p>
+                  <a:r>
+                    <a:rPr lang="en-US" sz="1400" b="1" dirty="0" smtClean="0"/>
+                    <a:t>D8    </a:t>
+                  </a:r>
+                  <a:r>
+                    <a:rPr lang="en-US" sz="1400" b="1" dirty="0"/>
+                    <a:t>sync details</a:t>
+                  </a:r>
+                </a:p>
+              </p:txBody>
+            </p:sp>
+          </p:grpSp>
+          <p:cxnSp>
+            <p:nvCxnSpPr>
+              <p:cNvPr id="6192" name="AutoShape 48"/>
+              <p:cNvCxnSpPr>
+                <a:cxnSpLocks noChangeShapeType="1"/>
+                <a:stCxn id="6174" idx="1"/>
+                <a:endCxn id="6189" idx="0"/>
+              </p:cNvCxnSpPr>
+              <p:nvPr/>
+            </p:nvCxnSpPr>
+            <p:spPr bwMode="auto">
+              <a:xfrm rot="16200000" flipH="1" flipV="1">
+                <a:off x="3658394" y="4231481"/>
+                <a:ext cx="301625" cy="1293813"/>
+              </a:xfrm>
+              <a:prstGeom prst="bentConnector3">
+                <a:avLst>
+                  <a:gd name="adj1" fmla="val -127370"/>
+                </a:avLst>
+              </a:prstGeom>
+              <a:noFill/>
+              <a:ln w="9525">
+                <a:solidFill>
+                  <a:schemeClr val="tx1"/>
+                </a:solidFill>
+                <a:miter lim="800000"/>
+                <a:headEnd type="triangle" w="med" len="med"/>
+                <a:tailEnd/>
+              </a:ln>
+              <a:effectLst/>
+              <a:extLst>
+                <a:ext uri="{909E8E84-426E-40DD-AFC4-6F175D3DCCD1}">
+                  <a14:hiddenFill xmlns:a14="http://schemas.microsoft.com/office/drawing/2010/main">
+                    <a:noFill/>
+                  </a14:hiddenFill>
+                </a:ext>
+                <a:ext uri="{AF507438-7753-43E0-B8FC-AC1667EBCBE1}">
+                  <a14:hiddenEffects xmlns:a14="http://schemas.microsoft.com/office/drawing/2010/main">
+                    <a:effectLst>
+                      <a:outerShdw dist="35921" dir="2700000" algn="ctr" rotWithShape="0">
+                        <a:schemeClr val="bg2"/>
+                      </a:outerShdw>
+                    </a:effectLst>
+                  </a14:hiddenEffects>
+                </a:ext>
+              </a:extLst>
+            </p:spPr>
+          </p:cxnSp>
+          <p:cxnSp>
+            <p:nvCxnSpPr>
+              <p:cNvPr id="6193" name="AutoShape 49"/>
+              <p:cNvCxnSpPr>
+                <a:cxnSpLocks noChangeShapeType="1"/>
+                <a:stCxn id="6174" idx="3"/>
+                <a:endCxn id="6191" idx="1"/>
+              </p:cNvCxnSpPr>
+              <p:nvPr/>
+            </p:nvCxnSpPr>
+            <p:spPr bwMode="auto">
+              <a:xfrm rot="5400000" flipH="1">
+                <a:off x="3353525" y="4379190"/>
+                <a:ext cx="264457" cy="1942307"/>
+              </a:xfrm>
+              <a:prstGeom prst="bentConnector4">
+                <a:avLst>
+                  <a:gd name="adj1" fmla="val -131379"/>
+                  <a:gd name="adj2" fmla="val 111573"/>
+                </a:avLst>
+              </a:prstGeom>
+              <a:noFill/>
+              <a:ln w="9525">
+                <a:solidFill>
+                  <a:schemeClr val="tx1"/>
+                </a:solidFill>
+                <a:miter lim="800000"/>
+                <a:headEnd type="triangle" w="med" len="med"/>
+                <a:tailEnd/>
+              </a:ln>
+              <a:effectLst/>
+              <a:extLst>
+                <a:ext uri="{909E8E84-426E-40DD-AFC4-6F175D3DCCD1}">
+                  <a14:hiddenFill xmlns:a14="http://schemas.microsoft.com/office/drawing/2010/main">
+                    <a:noFill/>
+                  </a14:hiddenFill>
+                </a:ext>
+                <a:ext uri="{AF507438-7753-43E0-B8FC-AC1667EBCBE1}">
+                  <a14:hiddenEffects xmlns:a14="http://schemas.microsoft.com/office/drawing/2010/main">
+                    <a:effectLst>
+                      <a:outerShdw dist="35921" dir="2700000" algn="ctr" rotWithShape="0">
+                        <a:schemeClr val="bg2"/>
+                      </a:outerShdw>
+                    </a:effectLst>
+                  </a14:hiddenEffects>
+                </a:ext>
+              </a:extLst>
+            </p:spPr>
+          </p:cxnSp>
+          <p:cxnSp>
+            <p:nvCxnSpPr>
+              <p:cNvPr id="6194" name="AutoShape 50"/>
+              <p:cNvCxnSpPr>
+                <a:cxnSpLocks noChangeShapeType="1"/>
+                <a:stCxn id="6172" idx="2"/>
+                <a:endCxn id="6174" idx="7"/>
+              </p:cNvCxnSpPr>
+              <p:nvPr/>
+            </p:nvCxnSpPr>
+            <p:spPr bwMode="auto">
+              <a:xfrm rot="10800000" flipV="1">
+                <a:off x="5372893" y="4610101"/>
+                <a:ext cx="875507" cy="118128"/>
+              </a:xfrm>
+              <a:prstGeom prst="bentConnector4">
+                <a:avLst>
+                  <a:gd name="adj1" fmla="val 39166"/>
+                  <a:gd name="adj2" fmla="val -61868"/>
+                </a:avLst>
+              </a:prstGeom>
+              <a:noFill/>
+              <a:ln w="9525">
+                <a:solidFill>
+                  <a:schemeClr val="tx1"/>
+                </a:solidFill>
+                <a:miter lim="800000"/>
+                <a:headEnd type="triangle" w="med" len="med"/>
+                <a:tailEnd/>
+              </a:ln>
+              <a:effectLst/>
+              <a:extLst>
+                <a:ext uri="{909E8E84-426E-40DD-AFC4-6F175D3DCCD1}">
+                  <a14:hiddenFill xmlns:a14="http://schemas.microsoft.com/office/drawing/2010/main">
+                    <a:noFill/>
+                  </a14:hiddenFill>
+                </a:ext>
+                <a:ext uri="{AF507438-7753-43E0-B8FC-AC1667EBCBE1}">
+                  <a14:hiddenEffects xmlns:a14="http://schemas.microsoft.com/office/drawing/2010/main">
+                    <a:effectLst>
+                      <a:outerShdw dist="35921" dir="2700000" algn="ctr" rotWithShape="0">
+                        <a:schemeClr val="bg2"/>
+                      </a:outerShdw>
+                    </a:effectLst>
+                  </a14:hiddenEffects>
+                </a:ext>
+              </a:extLst>
+            </p:spPr>
+          </p:cxnSp>
+          <p:cxnSp>
+            <p:nvCxnSpPr>
+              <p:cNvPr id="6195" name="AutoShape 51"/>
+              <p:cNvCxnSpPr>
+                <a:cxnSpLocks noChangeShapeType="1"/>
+                <a:stCxn id="6173" idx="2"/>
+                <a:endCxn id="6174" idx="4"/>
+              </p:cNvCxnSpPr>
+              <p:nvPr/>
+            </p:nvCxnSpPr>
+            <p:spPr bwMode="auto">
+              <a:xfrm rot="10800000">
+                <a:off x="4914900" y="5638800"/>
+                <a:ext cx="1333500" cy="114301"/>
+              </a:xfrm>
+              <a:prstGeom prst="bentConnector2">
+                <a:avLst/>
+              </a:prstGeom>
+              <a:noFill/>
+              <a:ln w="9525">
+                <a:solidFill>
+                  <a:schemeClr val="tx1"/>
+                </a:solidFill>
+                <a:miter lim="800000"/>
+                <a:headEnd type="triangle" w="med" len="med"/>
+                <a:tailEnd/>
+              </a:ln>
+              <a:effectLst/>
+              <a:extLst>
+                <a:ext uri="{909E8E84-426E-40DD-AFC4-6F175D3DCCD1}">
+                  <a14:hiddenFill xmlns:a14="http://schemas.microsoft.com/office/drawing/2010/main">
+                    <a:noFill/>
+                  </a14:hiddenFill>
+                </a:ext>
+                <a:ext uri="{AF507438-7753-43E0-B8FC-AC1667EBCBE1}">
+                  <a14:hiddenEffects xmlns:a14="http://schemas.microsoft.com/office/drawing/2010/main">
+                    <a:effectLst>
+                      <a:outerShdw dist="35921" dir="2700000" algn="ctr" rotWithShape="0">
+                        <a:schemeClr val="bg2"/>
+                      </a:outerShdw>
+                    </a:effectLst>
+                  </a14:hiddenEffects>
+                </a:ext>
+              </a:extLst>
+            </p:spPr>
+          </p:cxnSp>
+          <p:sp>
+            <p:nvSpPr>
+              <p:cNvPr id="6201" name="Text Box 57"/>
+              <p:cNvSpPr txBox="1">
+                <a:spLocks noChangeArrowheads="1"/>
+              </p:cNvSpPr>
+              <p:nvPr/>
+            </p:nvSpPr>
+            <p:spPr bwMode="auto">
+              <a:xfrm>
+                <a:off x="3259138" y="4098925"/>
+                <a:ext cx="839089" cy="257439"/>
+              </a:xfrm>
+              <a:prstGeom prst="rect">
+                <a:avLst/>
+              </a:prstGeom>
+              <a:noFill/>
+              <a:ln>
+                <a:noFill/>
+              </a:ln>
+              <a:effectLst/>
+              <a:extLst>
+                <a:ext uri="{909E8E84-426E-40DD-AFC4-6F175D3DCCD1}">
+                  <a14:hiddenFill xmlns:a14="http://schemas.microsoft.com/office/drawing/2010/main">
+                    <a:solidFill>
+                      <a:schemeClr val="accent1"/>
+                    </a:solidFill>
+                  </a14:hiddenFill>
+                </a:ext>
+                <a:ext uri="{91240B29-F687-4F45-9708-019B960494DF}">
+                  <a14:hiddenLine xmlns:a14="http://schemas.microsoft.com/office/drawing/2010/main" w="9525">
+                    <a:solidFill>
+                      <a:schemeClr val="tx1"/>
+                    </a:solidFill>
+                    <a:miter lim="800000"/>
+                    <a:headEnd/>
+                    <a:tailEnd/>
+                  </a14:hiddenLine>
+                </a:ext>
+                <a:ext uri="{AF507438-7753-43E0-B8FC-AC1667EBCBE1}">
+                  <a14:hiddenEffects xmlns:a14="http://schemas.microsoft.com/office/drawing/2010/main">
+                    <a:effectLst>
+                      <a:outerShdw dist="35921" dir="2700000" algn="ctr" rotWithShape="0">
+                        <a:schemeClr val="bg2"/>
+                      </a:outerShdw>
+                    </a:effectLst>
+                  </a14:hiddenEffects>
+                </a:ext>
+              </a:extLst>
+            </p:spPr>
+            <p:txBody>
+              <a:bodyPr wrap="none">
+                <a:spAutoFit/>
+              </a:bodyPr>
+              <a:lstStyle/>
+              <a:p>
+                <a:r>
+                  <a:rPr lang="en-US" sz="1400" b="1"/>
+                  <a:t>Sync info</a:t>
+                </a:r>
+              </a:p>
+            </p:txBody>
+          </p:sp>
+          <p:sp>
+            <p:nvSpPr>
+              <p:cNvPr id="6202" name="Text Box 58"/>
+              <p:cNvSpPr txBox="1">
+                <a:spLocks noChangeArrowheads="1"/>
+              </p:cNvSpPr>
+              <p:nvPr/>
+            </p:nvSpPr>
+            <p:spPr bwMode="auto">
+              <a:xfrm>
+                <a:off x="3411538" y="5622925"/>
+                <a:ext cx="839089" cy="257439"/>
+              </a:xfrm>
+              <a:prstGeom prst="rect">
+                <a:avLst/>
+              </a:prstGeom>
+              <a:noFill/>
+              <a:ln>
+                <a:noFill/>
+              </a:ln>
+              <a:effectLst/>
+              <a:extLst>
+                <a:ext uri="{909E8E84-426E-40DD-AFC4-6F175D3DCCD1}">
+                  <a14:hiddenFill xmlns:a14="http://schemas.microsoft.com/office/drawing/2010/main">
+                    <a:solidFill>
+                      <a:schemeClr val="accent1"/>
+                    </a:solidFill>
+                  </a14:hiddenFill>
+                </a:ext>
+                <a:ext uri="{91240B29-F687-4F45-9708-019B960494DF}">
+                  <a14:hiddenLine xmlns:a14="http://schemas.microsoft.com/office/drawing/2010/main" w="9525">
+                    <a:solidFill>
+                      <a:schemeClr val="tx1"/>
+                    </a:solidFill>
+                    <a:miter lim="800000"/>
+                    <a:headEnd/>
+                    <a:tailEnd/>
+                  </a14:hiddenLine>
+                </a:ext>
+                <a:ext uri="{AF507438-7753-43E0-B8FC-AC1667EBCBE1}">
+                  <a14:hiddenEffects xmlns:a14="http://schemas.microsoft.com/office/drawing/2010/main">
+                    <a:effectLst>
+                      <a:outerShdw dist="35921" dir="2700000" algn="ctr" rotWithShape="0">
+                        <a:schemeClr val="bg2"/>
+                      </a:outerShdw>
+                    </a:effectLst>
+                  </a14:hiddenEffects>
+                </a:ext>
+              </a:extLst>
+            </p:spPr>
+            <p:txBody>
+              <a:bodyPr wrap="none">
+                <a:spAutoFit/>
+              </a:bodyPr>
+              <a:lstStyle/>
+              <a:p>
+                <a:r>
+                  <a:rPr lang="en-US" sz="1400" b="1"/>
+                  <a:t>Sync info</a:t>
+                </a:r>
+              </a:p>
+            </p:txBody>
+          </p:sp>
+          <p:sp>
+            <p:nvSpPr>
+              <p:cNvPr id="6203" name="Text Box 59"/>
+              <p:cNvSpPr txBox="1">
+                <a:spLocks noChangeArrowheads="1"/>
+              </p:cNvSpPr>
+              <p:nvPr/>
+            </p:nvSpPr>
+            <p:spPr bwMode="auto">
+              <a:xfrm>
+                <a:off x="5011738" y="5775325"/>
+                <a:ext cx="805357" cy="257439"/>
+              </a:xfrm>
+              <a:prstGeom prst="rect">
+                <a:avLst/>
+              </a:prstGeom>
+              <a:noFill/>
+              <a:ln>
+                <a:noFill/>
+              </a:ln>
+              <a:effectLst/>
+              <a:extLst>
+                <a:ext uri="{909E8E84-426E-40DD-AFC4-6F175D3DCCD1}">
+                  <a14:hiddenFill xmlns:a14="http://schemas.microsoft.com/office/drawing/2010/main">
+                    <a:solidFill>
+                      <a:schemeClr val="accent1"/>
+                    </a:solidFill>
+                  </a14:hiddenFill>
+                </a:ext>
+                <a:ext uri="{91240B29-F687-4F45-9708-019B960494DF}">
+                  <a14:hiddenLine xmlns:a14="http://schemas.microsoft.com/office/drawing/2010/main" w="9525">
+                    <a:solidFill>
+                      <a:schemeClr val="tx1"/>
+                    </a:solidFill>
+                    <a:miter lim="800000"/>
+                    <a:headEnd/>
+                    <a:tailEnd/>
+                  </a14:hiddenLine>
+                </a:ext>
+                <a:ext uri="{AF507438-7753-43E0-B8FC-AC1667EBCBE1}">
+                  <a14:hiddenEffects xmlns:a14="http://schemas.microsoft.com/office/drawing/2010/main">
+                    <a:effectLst>
+                      <a:outerShdw dist="35921" dir="2700000" algn="ctr" rotWithShape="0">
+                        <a:schemeClr val="bg2"/>
+                      </a:outerShdw>
+                    </a:effectLst>
+                  </a14:hiddenEffects>
+                </a:ext>
+              </a:extLst>
+            </p:spPr>
+            <p:txBody>
+              <a:bodyPr wrap="none">
+                <a:spAutoFit/>
+              </a:bodyPr>
+              <a:lstStyle/>
+              <a:p>
+                <a:r>
+                  <a:rPr lang="en-US" sz="1400" b="1"/>
+                  <a:t>Add Info</a:t>
+                </a:r>
+              </a:p>
+            </p:txBody>
+          </p:sp>
+          <p:sp>
+            <p:nvSpPr>
+              <p:cNvPr id="6204" name="Text Box 60"/>
+              <p:cNvSpPr txBox="1">
+                <a:spLocks noChangeArrowheads="1"/>
+              </p:cNvSpPr>
+              <p:nvPr/>
+            </p:nvSpPr>
+            <p:spPr bwMode="auto">
+              <a:xfrm>
+                <a:off x="5265738" y="4114800"/>
+                <a:ext cx="1022001" cy="257439"/>
+              </a:xfrm>
+              <a:prstGeom prst="rect">
+                <a:avLst/>
+              </a:prstGeom>
+              <a:noFill/>
+              <a:ln>
+                <a:noFill/>
+              </a:ln>
+              <a:effectLst/>
+              <a:extLst>
+                <a:ext uri="{909E8E84-426E-40DD-AFC4-6F175D3DCCD1}">
+                  <a14:hiddenFill xmlns:a14="http://schemas.microsoft.com/office/drawing/2010/main">
+                    <a:solidFill>
+                      <a:schemeClr val="accent1"/>
+                    </a:solidFill>
+                  </a14:hiddenFill>
+                </a:ext>
+                <a:ext uri="{91240B29-F687-4F45-9708-019B960494DF}">
+                  <a14:hiddenLine xmlns:a14="http://schemas.microsoft.com/office/drawing/2010/main" w="9525">
+                    <a:solidFill>
+                      <a:schemeClr val="tx1"/>
+                    </a:solidFill>
+                    <a:miter lim="800000"/>
+                    <a:headEnd/>
+                    <a:tailEnd/>
+                  </a14:hiddenLine>
+                </a:ext>
+                <a:ext uri="{AF507438-7753-43E0-B8FC-AC1667EBCBE1}">
+                  <a14:hiddenEffects xmlns:a14="http://schemas.microsoft.com/office/drawing/2010/main">
+                    <a:effectLst>
+                      <a:outerShdw dist="35921" dir="2700000" algn="ctr" rotWithShape="0">
+                        <a:schemeClr val="bg2"/>
+                      </a:outerShdw>
+                    </a:effectLst>
+                  </a14:hiddenEffects>
+                </a:ext>
+              </a:extLst>
+            </p:spPr>
+            <p:txBody>
+              <a:bodyPr wrap="none">
+                <a:spAutoFit/>
+              </a:bodyPr>
+              <a:lstStyle/>
+              <a:p>
+                <a:r>
+                  <a:rPr lang="en-US" sz="1400" b="1"/>
+                  <a:t>Add Details</a:t>
+                </a:r>
+              </a:p>
+            </p:txBody>
+          </p:sp>
+          <p:sp>
+            <p:nvSpPr>
+              <p:cNvPr id="6205" name="Text Box 61"/>
+              <p:cNvSpPr txBox="1">
+                <a:spLocks noChangeArrowheads="1"/>
+              </p:cNvSpPr>
+              <p:nvPr/>
+            </p:nvSpPr>
+            <p:spPr bwMode="auto">
+              <a:xfrm>
+                <a:off x="7627938" y="3733800"/>
+                <a:ext cx="1041232" cy="257439"/>
+              </a:xfrm>
+              <a:prstGeom prst="rect">
+                <a:avLst/>
+              </a:prstGeom>
+              <a:noFill/>
+              <a:ln>
+                <a:noFill/>
+              </a:ln>
+              <a:effectLst/>
+              <a:extLst>
+                <a:ext uri="{909E8E84-426E-40DD-AFC4-6F175D3DCCD1}">
+                  <a14:hiddenFill xmlns:a14="http://schemas.microsoft.com/office/drawing/2010/main">
+                    <a:solidFill>
+                      <a:schemeClr val="accent1"/>
+                    </a:solidFill>
+                  </a14:hiddenFill>
+                </a:ext>
+                <a:ext uri="{91240B29-F687-4F45-9708-019B960494DF}">
+                  <a14:hiddenLine xmlns:a14="http://schemas.microsoft.com/office/drawing/2010/main" w="9525">
+                    <a:solidFill>
+                      <a:schemeClr val="tx1"/>
+                    </a:solidFill>
+                    <a:miter lim="800000"/>
+                    <a:headEnd/>
+                    <a:tailEnd/>
+                  </a14:hiddenLine>
+                </a:ext>
+                <a:ext uri="{AF507438-7753-43E0-B8FC-AC1667EBCBE1}">
+                  <a14:hiddenEffects xmlns:a14="http://schemas.microsoft.com/office/drawing/2010/main">
+                    <a:effectLst>
+                      <a:outerShdw dist="35921" dir="2700000" algn="ctr" rotWithShape="0">
+                        <a:schemeClr val="bg2"/>
+                      </a:outerShdw>
+                    </a:effectLst>
+                  </a14:hiddenEffects>
+                </a:ext>
+              </a:extLst>
+            </p:spPr>
+            <p:txBody>
+              <a:bodyPr wrap="none">
+                <a:spAutoFit/>
+              </a:bodyPr>
+              <a:lstStyle/>
+              <a:p>
+                <a:r>
+                  <a:rPr lang="en-US" sz="1400" b="1"/>
+                  <a:t>Backup Info</a:t>
+                </a:r>
+              </a:p>
+            </p:txBody>
+          </p:sp>
+          <p:sp>
+            <p:nvSpPr>
+              <p:cNvPr id="6206" name="Text Box 62"/>
+              <p:cNvSpPr txBox="1">
+                <a:spLocks noChangeArrowheads="1"/>
+              </p:cNvSpPr>
+              <p:nvPr/>
+            </p:nvSpPr>
+            <p:spPr bwMode="auto">
+              <a:xfrm>
+                <a:off x="7377653" y="6047228"/>
+                <a:ext cx="1041232" cy="257439"/>
+              </a:xfrm>
+              <a:prstGeom prst="rect">
+                <a:avLst/>
+              </a:prstGeom>
+              <a:noFill/>
+              <a:ln>
+                <a:noFill/>
+              </a:ln>
+              <a:effectLst/>
+              <a:extLst>
+                <a:ext uri="{909E8E84-426E-40DD-AFC4-6F175D3DCCD1}">
+                  <a14:hiddenFill xmlns:a14="http://schemas.microsoft.com/office/drawing/2010/main">
+                    <a:solidFill>
+                      <a:schemeClr val="accent1"/>
+                    </a:solidFill>
+                  </a14:hiddenFill>
+                </a:ext>
+                <a:ext uri="{91240B29-F687-4F45-9708-019B960494DF}">
+                  <a14:hiddenLine xmlns:a14="http://schemas.microsoft.com/office/drawing/2010/main" w="9525">
+                    <a:solidFill>
+                      <a:schemeClr val="tx1"/>
+                    </a:solidFill>
+                    <a:miter lim="800000"/>
+                    <a:headEnd/>
+                    <a:tailEnd/>
+                  </a14:hiddenLine>
+                </a:ext>
+                <a:ext uri="{AF507438-7753-43E0-B8FC-AC1667EBCBE1}">
+                  <a14:hiddenEffects xmlns:a14="http://schemas.microsoft.com/office/drawing/2010/main">
+                    <a:effectLst>
+                      <a:outerShdw dist="35921" dir="2700000" algn="ctr" rotWithShape="0">
+                        <a:schemeClr val="bg2"/>
+                      </a:outerShdw>
+                    </a:effectLst>
+                  </a14:hiddenEffects>
+                </a:ext>
+              </a:extLst>
+            </p:spPr>
+            <p:txBody>
+              <a:bodyPr wrap="none">
+                <a:spAutoFit/>
+              </a:bodyPr>
+              <a:lstStyle/>
+              <a:p>
+                <a:r>
+                  <a:rPr lang="en-US" sz="1400" b="1" dirty="0"/>
+                  <a:t>Backup Info</a:t>
+                </a:r>
+              </a:p>
+            </p:txBody>
+          </p:sp>
+          <p:cxnSp>
+            <p:nvCxnSpPr>
+              <p:cNvPr id="6207" name="AutoShape 63"/>
+              <p:cNvCxnSpPr>
+                <a:cxnSpLocks noChangeShapeType="1"/>
+                <a:stCxn id="6151" idx="6"/>
+                <a:endCxn id="6174" idx="0"/>
+              </p:cNvCxnSpPr>
+              <p:nvPr/>
+            </p:nvCxnSpPr>
+            <p:spPr bwMode="auto">
+              <a:xfrm flipH="1">
+                <a:off x="4914900" y="2324100"/>
+                <a:ext cx="1333500" cy="2247900"/>
+              </a:xfrm>
+              <a:prstGeom prst="bentConnector4">
+                <a:avLst>
+                  <a:gd name="adj1" fmla="val -16857"/>
+                  <a:gd name="adj2" fmla="val 61017"/>
+                </a:avLst>
+              </a:prstGeom>
+              <a:noFill/>
+              <a:ln w="9525">
                 <a:solidFill>
                   <a:schemeClr val="tx1"/>
                 </a:solidFill>
                 <a:miter lim="800000"/>
                 <a:headEnd/>
-                <a:tailEnd/>
-              </a14:hiddenLine>
-            </a:ext>
-            <a:ext uri="{AF507438-7753-43E0-B8FC-AC1667EBCBE1}">
-              <a14:hiddenEffects xmlns="" xmlns:a14="http://schemas.microsoft.com/office/drawing/2010/main">
-                <a:effectLst>
-                  <a:outerShdw dist="35921" dir="2700000" algn="ctr" rotWithShape="0">
-                    <a:schemeClr val="bg2"/>
-                  </a:outerShdw>
-                </a:effectLst>
-              </a14:hiddenEffects>
-            </a:ext>
-          </a:extLst>
-        </p:spPr>
-        <p:txBody>
-          <a:bodyPr wrap="none">
-            <a:spAutoFit/>
-          </a:bodyPr>
-          <a:lstStyle/>
-          <a:p>
-            <a:r>
-              <a:rPr lang="en-US" sz="1000"/>
-              <a:t>Backup Info</a:t>
-            </a:r>
-          </a:p>
-        </p:txBody>
-      </p:sp>
-      <p:sp>
-        <p:nvSpPr>
-          <p:cNvPr id="6206" name="Text Box 62"/>
-          <p:cNvSpPr txBox="1">
-            <a:spLocks noChangeArrowheads="1"/>
-          </p:cNvSpPr>
-          <p:nvPr/>
-        </p:nvSpPr>
-        <p:spPr bwMode="auto">
-          <a:xfrm>
-            <a:off x="7543800" y="6156325"/>
-            <a:ext cx="849313" cy="244475"/>
-          </a:xfrm>
-          <a:prstGeom prst="rect">
-            <a:avLst/>
-          </a:prstGeom>
-          <a:noFill/>
-          <a:ln>
-            <a:noFill/>
-          </a:ln>
-          <a:effectLst/>
-          <a:extLst>
-            <a:ext uri="{909E8E84-426E-40DD-AFC4-6F175D3DCCD1}">
-              <a14:hiddenFill xmlns="" xmlns:a14="http://schemas.microsoft.com/office/drawing/2010/main">
-                <a:solidFill>
-                  <a:schemeClr val="accent1"/>
-                </a:solidFill>
-              </a14:hiddenFill>
-            </a:ext>
-            <a:ext uri="{91240B29-F687-4F45-9708-019B960494DF}">
-              <a14:hiddenLine xmlns="" xmlns:a14="http://schemas.microsoft.com/office/drawing/2010/main" w="9525">
-                <a:solidFill>
-                  <a:schemeClr val="tx1"/>
-                </a:solidFill>
-                <a:miter lim="800000"/>
-                <a:headEnd/>
-                <a:tailEnd/>
-              </a14:hiddenLine>
-            </a:ext>
-            <a:ext uri="{AF507438-7753-43E0-B8FC-AC1667EBCBE1}">
-              <a14:hiddenEffects xmlns="" xmlns:a14="http://schemas.microsoft.com/office/drawing/2010/main">
-                <a:effectLst>
-                  <a:outerShdw dist="35921" dir="2700000" algn="ctr" rotWithShape="0">
-                    <a:schemeClr val="bg2"/>
-                  </a:outerShdw>
-                </a:effectLst>
-              </a14:hiddenEffects>
-            </a:ext>
-          </a:extLst>
-        </p:spPr>
-        <p:txBody>
-          <a:bodyPr wrap="none">
-            <a:spAutoFit/>
-          </a:bodyPr>
-          <a:lstStyle/>
-          <a:p>
-            <a:r>
-              <a:rPr lang="en-US" sz="1000"/>
-              <a:t>Backup Info</a:t>
-            </a:r>
-          </a:p>
-        </p:txBody>
-      </p:sp>
-      <p:cxnSp>
-        <p:nvCxnSpPr>
-          <p:cNvPr id="6207" name="AutoShape 63"/>
-          <p:cNvCxnSpPr>
-            <a:cxnSpLocks noChangeShapeType="1"/>
-            <a:stCxn id="6151" idx="6"/>
-            <a:endCxn id="6174" idx="0"/>
-          </p:cNvCxnSpPr>
-          <p:nvPr/>
-        </p:nvCxnSpPr>
-        <p:spPr bwMode="auto">
-          <a:xfrm flipH="1">
-            <a:off x="4914900" y="2324100"/>
-            <a:ext cx="647700" cy="2247900"/>
-          </a:xfrm>
-          <a:prstGeom prst="bentConnector4">
-            <a:avLst>
-              <a:gd name="adj1" fmla="val -35296"/>
-              <a:gd name="adj2" fmla="val 61019"/>
-            </a:avLst>
-          </a:prstGeom>
-          <a:noFill/>
-          <a:ln w="9525">
-            <a:solidFill>
-              <a:schemeClr val="tx1"/>
-            </a:solidFill>
-            <a:miter lim="800000"/>
-            <a:headEnd/>
-            <a:tailEnd type="triangle" w="med" len="med"/>
-          </a:ln>
-          <a:effectLst/>
-          <a:extLst>
-            <a:ext uri="{909E8E84-426E-40DD-AFC4-6F175D3DCCD1}">
-              <a14:hiddenFill xmlns="" xmlns:a14="http://schemas.microsoft.com/office/drawing/2010/main">
+                <a:tailEnd type="triangle" w="med" len="med"/>
+              </a:ln>
+              <a:effectLst/>
+              <a:extLst>
+                <a:ext uri="{909E8E84-426E-40DD-AFC4-6F175D3DCCD1}">
+                  <a14:hiddenFill xmlns:a14="http://schemas.microsoft.com/office/drawing/2010/main">
+                    <a:noFill/>
+                  </a14:hiddenFill>
+                </a:ext>
+                <a:ext uri="{AF507438-7753-43E0-B8FC-AC1667EBCBE1}">
+                  <a14:hiddenEffects xmlns:a14="http://schemas.microsoft.com/office/drawing/2010/main">
+                    <a:effectLst>
+                      <a:outerShdw dist="35921" dir="2700000" algn="ctr" rotWithShape="0">
+                        <a:schemeClr val="bg2"/>
+                      </a:outerShdw>
+                    </a:effectLst>
+                  </a14:hiddenEffects>
+                </a:ext>
+              </a:extLst>
+            </p:spPr>
+          </p:cxnSp>
+          <p:sp>
+            <p:nvSpPr>
+              <p:cNvPr id="6208" name="Text Box 64"/>
+              <p:cNvSpPr txBox="1">
+                <a:spLocks noChangeArrowheads="1"/>
+              </p:cNvSpPr>
+              <p:nvPr/>
+            </p:nvSpPr>
+            <p:spPr bwMode="auto">
+              <a:xfrm rot="16200000">
+                <a:off x="5861850" y="2833399"/>
+                <a:ext cx="1611300" cy="302647"/>
+              </a:xfrm>
+              <a:prstGeom prst="rect">
+                <a:avLst/>
+              </a:prstGeom>
+              <a:noFill/>
+              <a:ln>
                 <a:noFill/>
-              </a14:hiddenFill>
-            </a:ext>
-            <a:ext uri="{AF507438-7753-43E0-B8FC-AC1667EBCBE1}">
-              <a14:hiddenEffects xmlns="" xmlns:a14="http://schemas.microsoft.com/office/drawing/2010/main">
-                <a:effectLst>
-                  <a:outerShdw dist="35921" dir="2700000" algn="ctr" rotWithShape="0">
-                    <a:schemeClr val="bg2"/>
-                  </a:outerShdw>
-                </a:effectLst>
-              </a14:hiddenEffects>
-            </a:ext>
-          </a:extLst>
-        </p:spPr>
-      </p:cxnSp>
-      <p:sp>
-        <p:nvSpPr>
-          <p:cNvPr id="6208" name="Text Box 64"/>
-          <p:cNvSpPr txBox="1">
-            <a:spLocks noChangeArrowheads="1"/>
-          </p:cNvSpPr>
-          <p:nvPr/>
-        </p:nvSpPr>
-        <p:spPr bwMode="auto">
-          <a:xfrm rot="16200000">
-            <a:off x="5209560" y="2859008"/>
-            <a:ext cx="1407758" cy="246221"/>
-          </a:xfrm>
-          <a:prstGeom prst="rect">
-            <a:avLst/>
-          </a:prstGeom>
-          <a:noFill/>
-          <a:ln>
-            <a:noFill/>
-          </a:ln>
-          <a:effectLst/>
-          <a:extLst>
-            <a:ext uri="{909E8E84-426E-40DD-AFC4-6F175D3DCCD1}">
-              <a14:hiddenFill xmlns="" xmlns:a14="http://schemas.microsoft.com/office/drawing/2010/main">
-                <a:solidFill>
-                  <a:schemeClr val="accent1"/>
-                </a:solidFill>
-              </a14:hiddenFill>
-            </a:ext>
-            <a:ext uri="{91240B29-F687-4F45-9708-019B960494DF}">
-              <a14:hiddenLine xmlns="" xmlns:a14="http://schemas.microsoft.com/office/drawing/2010/main" w="9525">
-                <a:solidFill>
-                  <a:schemeClr val="tx1"/>
-                </a:solidFill>
-                <a:miter lim="800000"/>
-                <a:headEnd/>
-                <a:tailEnd/>
-              </a14:hiddenLine>
-            </a:ext>
-            <a:ext uri="{AF507438-7753-43E0-B8FC-AC1667EBCBE1}">
-              <a14:hiddenEffects xmlns="" xmlns:a14="http://schemas.microsoft.com/office/drawing/2010/main">
-                <a:effectLst>
-                  <a:outerShdw dist="35921" dir="2700000" algn="ctr" rotWithShape="0">
-                    <a:schemeClr val="bg2"/>
-                  </a:outerShdw>
-                </a:effectLst>
-              </a14:hiddenEffects>
-            </a:ext>
-          </a:extLst>
-        </p:spPr>
-        <p:txBody>
-          <a:bodyPr wrap="none">
-            <a:spAutoFit/>
-          </a:bodyPr>
-          <a:lstStyle/>
-          <a:p>
-            <a:r>
-              <a:rPr lang="en-US" sz="1000" dirty="0"/>
-              <a:t>Aggregated </a:t>
-            </a:r>
-            <a:r>
-              <a:rPr lang="en-US" sz="1000" dirty="0" smtClean="0"/>
-              <a:t>File  </a:t>
-            </a:r>
-            <a:r>
-              <a:rPr lang="en-US" sz="1000" dirty="0"/>
-              <a:t>Details</a:t>
-            </a:r>
-          </a:p>
-        </p:txBody>
-      </p:sp>
-      <p:cxnSp>
-        <p:nvCxnSpPr>
-          <p:cNvPr id="3" name="Elbow Connector 2"/>
-          <p:cNvCxnSpPr>
-            <a:stCxn id="6154" idx="3"/>
-            <a:endCxn id="6149" idx="2"/>
-          </p:cNvCxnSpPr>
-          <p:nvPr/>
-        </p:nvCxnSpPr>
-        <p:spPr>
-          <a:xfrm>
-            <a:off x="1371600" y="2324100"/>
-            <a:ext cx="1219200" cy="12700"/>
-          </a:xfrm>
-          <a:prstGeom prst="bentConnector3">
-            <a:avLst/>
-          </a:prstGeom>
-          <a:ln>
-            <a:tailEnd type="triangle"/>
-          </a:ln>
-        </p:spPr>
-        <p:style>
-          <a:lnRef idx="1">
-            <a:schemeClr val="accent1"/>
-          </a:lnRef>
-          <a:fillRef idx="0">
-            <a:schemeClr val="accent1"/>
-          </a:fillRef>
-          <a:effectRef idx="0">
-            <a:schemeClr val="accent1"/>
-          </a:effectRef>
-          <a:fontRef idx="minor">
-            <a:schemeClr val="tx1"/>
-          </a:fontRef>
-        </p:style>
-      </p:cxnSp>
+              </a:ln>
+              <a:effectLst/>
+              <a:extLst>
+                <a:ext uri="{909E8E84-426E-40DD-AFC4-6F175D3DCCD1}">
+                  <a14:hiddenFill xmlns:a14="http://schemas.microsoft.com/office/drawing/2010/main">
+                    <a:solidFill>
+                      <a:schemeClr val="accent1"/>
+                    </a:solidFill>
+                  </a14:hiddenFill>
+                </a:ext>
+                <a:ext uri="{91240B29-F687-4F45-9708-019B960494DF}">
+                  <a14:hiddenLine xmlns:a14="http://schemas.microsoft.com/office/drawing/2010/main" w="9525">
+                    <a:solidFill>
+                      <a:schemeClr val="tx1"/>
+                    </a:solidFill>
+                    <a:miter lim="800000"/>
+                    <a:headEnd/>
+                    <a:tailEnd/>
+                  </a14:hiddenLine>
+                </a:ext>
+                <a:ext uri="{AF507438-7753-43E0-B8FC-AC1667EBCBE1}">
+                  <a14:hiddenEffects xmlns:a14="http://schemas.microsoft.com/office/drawing/2010/main">
+                    <a:effectLst>
+                      <a:outerShdw dist="35921" dir="2700000" algn="ctr" rotWithShape="0">
+                        <a:schemeClr val="bg2"/>
+                      </a:outerShdw>
+                    </a:effectLst>
+                  </a14:hiddenEffects>
+                </a:ext>
+              </a:extLst>
+            </p:spPr>
+            <p:txBody>
+              <a:bodyPr wrap="none">
+                <a:spAutoFit/>
+              </a:bodyPr>
+              <a:lstStyle/>
+              <a:p>
+                <a:r>
+                  <a:rPr lang="en-US" sz="1400" b="1" dirty="0"/>
+                  <a:t>Aggregated </a:t>
+                </a:r>
+                <a:r>
+                  <a:rPr lang="en-US" sz="1400" b="1" dirty="0" smtClean="0"/>
+                  <a:t>File  </a:t>
+                </a:r>
+                <a:r>
+                  <a:rPr lang="en-US" sz="1400" b="1" dirty="0"/>
+                  <a:t>Details</a:t>
+                </a:r>
+              </a:p>
+            </p:txBody>
+          </p:sp>
+          <p:cxnSp>
+            <p:nvCxnSpPr>
+              <p:cNvPr id="3" name="Elbow Connector 2"/>
+              <p:cNvCxnSpPr>
+                <a:stCxn id="6154" idx="3"/>
+                <a:endCxn id="6149" idx="2"/>
+              </p:cNvCxnSpPr>
+              <p:nvPr/>
+            </p:nvCxnSpPr>
+            <p:spPr>
+              <a:xfrm>
+                <a:off x="1633538" y="2324100"/>
+                <a:ext cx="816673" cy="1"/>
+              </a:xfrm>
+              <a:prstGeom prst="bentConnector3">
+                <a:avLst/>
+              </a:prstGeom>
+              <a:ln>
+                <a:tailEnd type="triangle"/>
+              </a:ln>
+            </p:spPr>
+            <p:style>
+              <a:lnRef idx="1">
+                <a:schemeClr val="accent1"/>
+              </a:lnRef>
+              <a:fillRef idx="0">
+                <a:schemeClr val="accent1"/>
+              </a:fillRef>
+              <a:effectRef idx="0">
+                <a:schemeClr val="accent1"/>
+              </a:effectRef>
+              <a:fontRef idx="minor">
+                <a:schemeClr val="tx1"/>
+              </a:fontRef>
+            </p:style>
+          </p:cxnSp>
+        </p:grpSp>
+      </p:grpSp>
     </p:spTree>
     <p:extLst>
       <p:ext uri="{BB962C8B-B14F-4D97-AF65-F5344CB8AC3E}">
-        <p14:creationId xmlns="" xmlns:p14="http://schemas.microsoft.com/office/powerpoint/2010/main" val="937104392"/>
+        <p14:creationId xmlns:p14="http://schemas.microsoft.com/office/powerpoint/2010/main" val="937104392"/>
       </p:ext>
     </p:extLst>
   </p:cSld>
@@ -9608,499 +9599,250 @@
           <a:chExt cx="0" cy="0"/>
         </a:xfrm>
       </p:grpSpPr>
-      <p:sp>
-        <p:nvSpPr>
-          <p:cNvPr id="4100" name="Oval 4"/>
-          <p:cNvSpPr>
-            <a:spLocks noChangeArrowheads="1"/>
-          </p:cNvSpPr>
-          <p:nvPr/>
-        </p:nvSpPr>
-        <p:spPr bwMode="auto">
-          <a:xfrm>
-            <a:off x="3657600" y="1828800"/>
-            <a:ext cx="838200" cy="838200"/>
-          </a:xfrm>
-          <a:prstGeom prst="ellipse">
-            <a:avLst/>
-          </a:prstGeom>
-          <a:noFill/>
-          <a:ln w="9525">
-            <a:solidFill>
-              <a:schemeClr val="tx1"/>
-            </a:solidFill>
-            <a:round/>
-            <a:headEnd/>
-            <a:tailEnd/>
-          </a:ln>
-          <a:effectLst/>
-          <a:extLst>
-            <a:ext uri="{909E8E84-426E-40DD-AFC4-6F175D3DCCD1}">
-              <a14:hiddenFill xmlns="" xmlns:a14="http://schemas.microsoft.com/office/drawing/2010/main">
-                <a:solidFill>
-                  <a:schemeClr val="accent1"/>
-                </a:solidFill>
-              </a14:hiddenFill>
-            </a:ext>
-            <a:ext uri="{AF507438-7753-43E0-B8FC-AC1667EBCBE1}">
-              <a14:hiddenEffects xmlns="" xmlns:a14="http://schemas.microsoft.com/office/drawing/2010/main">
-                <a:effectLst>
-                  <a:outerShdw dist="35921" dir="2700000" algn="ctr" rotWithShape="0">
-                    <a:schemeClr val="bg2"/>
-                  </a:outerShdw>
-                </a:effectLst>
-              </a14:hiddenEffects>
-            </a:ext>
-          </a:extLst>
-        </p:spPr>
-        <p:txBody>
-          <a:bodyPr wrap="none" anchor="ctr"/>
-          <a:lstStyle/>
-          <a:p>
-            <a:pPr algn="ctr"/>
-            <a:r>
-              <a:rPr lang="en-US" sz="1200" b="1" dirty="0"/>
-              <a:t>User </a:t>
-            </a:r>
-          </a:p>
-          <a:p>
-            <a:pPr algn="ctr"/>
-            <a:r>
-              <a:rPr lang="en-US" sz="1200" b="1" dirty="0"/>
-              <a:t>Login</a:t>
-            </a:r>
-          </a:p>
-          <a:p>
-            <a:pPr algn="ctr"/>
-            <a:r>
-              <a:rPr lang="en-US" sz="1200" b="1" dirty="0" smtClean="0"/>
-              <a:t>3.1</a:t>
-            </a:r>
-            <a:endParaRPr lang="en-US" sz="1200" b="1" dirty="0"/>
-          </a:p>
-        </p:txBody>
-      </p:sp>
-      <p:sp>
-        <p:nvSpPr>
-          <p:cNvPr id="4101" name="Rectangle 5"/>
-          <p:cNvSpPr>
-            <a:spLocks noChangeArrowheads="1"/>
-          </p:cNvSpPr>
-          <p:nvPr/>
-        </p:nvSpPr>
-        <p:spPr bwMode="auto">
-          <a:xfrm>
-            <a:off x="2133600" y="1371600"/>
-            <a:ext cx="685800" cy="304800"/>
-          </a:xfrm>
-          <a:prstGeom prst="rect">
-            <a:avLst/>
-          </a:prstGeom>
-          <a:noFill/>
-          <a:ln w="28575">
-            <a:solidFill>
-              <a:schemeClr val="tx1"/>
-            </a:solidFill>
-            <a:miter lim="800000"/>
-            <a:headEnd/>
-            <a:tailEnd/>
-          </a:ln>
-          <a:effectLst/>
-          <a:extLst>
-            <a:ext uri="{909E8E84-426E-40DD-AFC4-6F175D3DCCD1}">
-              <a14:hiddenFill xmlns="" xmlns:a14="http://schemas.microsoft.com/office/drawing/2010/main">
-                <a:solidFill>
-                  <a:schemeClr val="accent1"/>
-                </a:solidFill>
-              </a14:hiddenFill>
-            </a:ext>
-            <a:ext uri="{AF507438-7753-43E0-B8FC-AC1667EBCBE1}">
-              <a14:hiddenEffects xmlns="" xmlns:a14="http://schemas.microsoft.com/office/drawing/2010/main">
-                <a:effectLst>
-                  <a:outerShdw dist="35921" dir="2700000" algn="ctr" rotWithShape="0">
-                    <a:schemeClr val="bg2"/>
-                  </a:outerShdw>
-                </a:effectLst>
-              </a14:hiddenEffects>
-            </a:ext>
-          </a:extLst>
-        </p:spPr>
-        <p:txBody>
-          <a:bodyPr wrap="none" anchor="ctr"/>
-          <a:lstStyle/>
-          <a:p>
-            <a:pPr algn="ctr"/>
-            <a:r>
-              <a:rPr lang="en-US" sz="1400">
-                <a:latin typeface="Bookman Old Style" panose="02050604050505020204" pitchFamily="18" charset="0"/>
-              </a:rPr>
-              <a:t>User</a:t>
-            </a:r>
-          </a:p>
-        </p:txBody>
-      </p:sp>
-      <p:cxnSp>
-        <p:nvCxnSpPr>
-          <p:cNvPr id="4102" name="AutoShape 6"/>
-          <p:cNvCxnSpPr>
-            <a:cxnSpLocks noChangeShapeType="1"/>
-            <a:stCxn id="4101" idx="0"/>
-            <a:endCxn id="4100" idx="0"/>
-          </p:cNvCxnSpPr>
-          <p:nvPr/>
-        </p:nvCxnSpPr>
-        <p:spPr bwMode="auto">
-          <a:xfrm rot="5400000" flipV="1">
-            <a:off x="3040856" y="792957"/>
-            <a:ext cx="471487" cy="1600200"/>
-          </a:xfrm>
-          <a:prstGeom prst="bentConnector3">
-            <a:avLst>
-              <a:gd name="adj1" fmla="val -45454"/>
-            </a:avLst>
-          </a:prstGeom>
-          <a:noFill/>
-          <a:ln w="9525">
-            <a:solidFill>
-              <a:schemeClr val="tx1"/>
-            </a:solidFill>
-            <a:miter lim="800000"/>
-            <a:headEnd/>
-            <a:tailEnd type="triangle" w="med" len="med"/>
-          </a:ln>
-          <a:effectLst/>
-          <a:extLst>
-            <a:ext uri="{909E8E84-426E-40DD-AFC4-6F175D3DCCD1}">
-              <a14:hiddenFill xmlns="" xmlns:a14="http://schemas.microsoft.com/office/drawing/2010/main">
-                <a:noFill/>
-              </a14:hiddenFill>
-            </a:ext>
-            <a:ext uri="{AF507438-7753-43E0-B8FC-AC1667EBCBE1}">
-              <a14:hiddenEffects xmlns="" xmlns:a14="http://schemas.microsoft.com/office/drawing/2010/main">
-                <a:effectLst>
-                  <a:outerShdw dist="35921" dir="2700000" algn="ctr" rotWithShape="0">
-                    <a:schemeClr val="bg2"/>
-                  </a:outerShdw>
-                </a:effectLst>
-              </a14:hiddenEffects>
-            </a:ext>
-          </a:extLst>
-        </p:spPr>
-      </p:cxnSp>
-      <p:cxnSp>
-        <p:nvCxnSpPr>
-          <p:cNvPr id="4103" name="AutoShape 7"/>
-          <p:cNvCxnSpPr>
-            <a:cxnSpLocks noChangeShapeType="1"/>
-            <a:stCxn id="4100" idx="2"/>
-            <a:endCxn id="4101" idx="3"/>
-          </p:cNvCxnSpPr>
-          <p:nvPr/>
-        </p:nvCxnSpPr>
-        <p:spPr bwMode="auto">
-          <a:xfrm rot="10800000">
-            <a:off x="2833688" y="1524000"/>
-            <a:ext cx="823912" cy="723900"/>
-          </a:xfrm>
-          <a:prstGeom prst="bentConnector3">
-            <a:avLst>
-              <a:gd name="adj1" fmla="val 50866"/>
-            </a:avLst>
-          </a:prstGeom>
-          <a:noFill/>
-          <a:ln w="9525">
-            <a:solidFill>
-              <a:schemeClr val="tx1"/>
-            </a:solidFill>
-            <a:miter lim="800000"/>
-            <a:headEnd/>
-            <a:tailEnd type="triangle" w="med" len="med"/>
-          </a:ln>
-          <a:effectLst/>
-          <a:extLst>
-            <a:ext uri="{909E8E84-426E-40DD-AFC4-6F175D3DCCD1}">
-              <a14:hiddenFill xmlns="" xmlns:a14="http://schemas.microsoft.com/office/drawing/2010/main">
-                <a:noFill/>
-              </a14:hiddenFill>
-            </a:ext>
-            <a:ext uri="{AF507438-7753-43E0-B8FC-AC1667EBCBE1}">
-              <a14:hiddenEffects xmlns="" xmlns:a14="http://schemas.microsoft.com/office/drawing/2010/main">
-                <a:effectLst>
-                  <a:outerShdw dist="35921" dir="2700000" algn="ctr" rotWithShape="0">
-                    <a:schemeClr val="bg2"/>
-                  </a:outerShdw>
-                </a:effectLst>
-              </a14:hiddenEffects>
-            </a:ext>
-          </a:extLst>
-        </p:spPr>
-      </p:cxnSp>
-      <p:sp>
-        <p:nvSpPr>
-          <p:cNvPr id="4104" name="Text Box 8"/>
-          <p:cNvSpPr txBox="1">
-            <a:spLocks noChangeArrowheads="1"/>
-          </p:cNvSpPr>
-          <p:nvPr/>
-        </p:nvSpPr>
-        <p:spPr bwMode="auto">
-          <a:xfrm>
-            <a:off x="2819400" y="1277938"/>
-            <a:ext cx="793750" cy="244475"/>
-          </a:xfrm>
-          <a:prstGeom prst="rect">
-            <a:avLst/>
-          </a:prstGeom>
-          <a:noFill/>
-          <a:ln>
-            <a:noFill/>
-          </a:ln>
-          <a:effectLst/>
-          <a:extLst>
-            <a:ext uri="{909E8E84-426E-40DD-AFC4-6F175D3DCCD1}">
-              <a14:hiddenFill xmlns="" xmlns:a14="http://schemas.microsoft.com/office/drawing/2010/main">
-                <a:solidFill>
-                  <a:schemeClr val="accent1"/>
-                </a:solidFill>
-              </a14:hiddenFill>
-            </a:ext>
-            <a:ext uri="{91240B29-F687-4F45-9708-019B960494DF}">
-              <a14:hiddenLine xmlns="" xmlns:a14="http://schemas.microsoft.com/office/drawing/2010/main" w="9525">
-                <a:solidFill>
-                  <a:schemeClr val="tx1"/>
-                </a:solidFill>
-                <a:miter lim="800000"/>
-                <a:headEnd/>
-                <a:tailEnd/>
-              </a14:hiddenLine>
-            </a:ext>
-            <a:ext uri="{AF507438-7753-43E0-B8FC-AC1667EBCBE1}">
-              <a14:hiddenEffects xmlns="" xmlns:a14="http://schemas.microsoft.com/office/drawing/2010/main">
-                <a:effectLst>
-                  <a:outerShdw dist="35921" dir="2700000" algn="ctr" rotWithShape="0">
-                    <a:schemeClr val="bg2"/>
-                  </a:outerShdw>
-                </a:effectLst>
-              </a14:hiddenEffects>
-            </a:ext>
-          </a:extLst>
-        </p:spPr>
-        <p:txBody>
-          <a:bodyPr wrap="none">
-            <a:spAutoFit/>
-          </a:bodyPr>
-          <a:lstStyle/>
-          <a:p>
-            <a:r>
-              <a:rPr lang="en-US" sz="1000"/>
-              <a:t>Login Data</a:t>
-            </a:r>
-          </a:p>
-        </p:txBody>
-      </p:sp>
-      <p:sp>
-        <p:nvSpPr>
-          <p:cNvPr id="4105" name="Text Box 9"/>
-          <p:cNvSpPr txBox="1">
-            <a:spLocks noChangeArrowheads="1"/>
-          </p:cNvSpPr>
-          <p:nvPr/>
-        </p:nvSpPr>
-        <p:spPr bwMode="auto">
-          <a:xfrm>
-            <a:off x="2514600" y="2270125"/>
-            <a:ext cx="885825" cy="244475"/>
-          </a:xfrm>
-          <a:prstGeom prst="rect">
-            <a:avLst/>
-          </a:prstGeom>
-          <a:noFill/>
-          <a:ln>
-            <a:noFill/>
-          </a:ln>
-          <a:effectLst/>
-          <a:extLst>
-            <a:ext uri="{909E8E84-426E-40DD-AFC4-6F175D3DCCD1}">
-              <a14:hiddenFill xmlns="" xmlns:a14="http://schemas.microsoft.com/office/drawing/2010/main">
-                <a:solidFill>
-                  <a:schemeClr val="accent1"/>
-                </a:solidFill>
-              </a14:hiddenFill>
-            </a:ext>
-            <a:ext uri="{91240B29-F687-4F45-9708-019B960494DF}">
-              <a14:hiddenLine xmlns="" xmlns:a14="http://schemas.microsoft.com/office/drawing/2010/main" w="9525">
-                <a:solidFill>
-                  <a:schemeClr val="tx1"/>
-                </a:solidFill>
-                <a:miter lim="800000"/>
-                <a:headEnd/>
-                <a:tailEnd/>
-              </a14:hiddenLine>
-            </a:ext>
-            <a:ext uri="{AF507438-7753-43E0-B8FC-AC1667EBCBE1}">
-              <a14:hiddenEffects xmlns="" xmlns:a14="http://schemas.microsoft.com/office/drawing/2010/main">
-                <a:effectLst>
-                  <a:outerShdw dist="35921" dir="2700000" algn="ctr" rotWithShape="0">
-                    <a:schemeClr val="bg2"/>
-                  </a:outerShdw>
-                </a:effectLst>
-              </a14:hiddenEffects>
-            </a:ext>
-          </a:extLst>
-        </p:spPr>
-        <p:txBody>
-          <a:bodyPr wrap="none">
-            <a:spAutoFit/>
-          </a:bodyPr>
-          <a:lstStyle/>
-          <a:p>
-            <a:r>
-              <a:rPr lang="en-US" sz="1000"/>
-              <a:t>Login Result</a:t>
-            </a:r>
-          </a:p>
-        </p:txBody>
-      </p:sp>
       <p:grpSp>
         <p:nvGrpSpPr>
-          <p:cNvPr id="4106" name="Group 10"/>
-          <p:cNvGrpSpPr>
-            <a:grpSpLocks/>
-          </p:cNvGrpSpPr>
+          <p:cNvPr id="2" name="Group 1"/>
+          <p:cNvGrpSpPr/>
           <p:nvPr/>
         </p:nvGrpSpPr>
-        <p:grpSpPr bwMode="auto">
+        <p:grpSpPr>
           <a:xfrm>
-            <a:off x="3048000" y="3124200"/>
-            <a:ext cx="1295400" cy="381000"/>
-            <a:chOff x="336" y="384"/>
-            <a:chExt cx="816" cy="240"/>
+            <a:off x="113472" y="188640"/>
+            <a:ext cx="8845046" cy="6480720"/>
+            <a:chOff x="1908081" y="1219200"/>
+            <a:chExt cx="4565838" cy="3657600"/>
           </a:xfrm>
         </p:grpSpPr>
-        <p:grpSp>
-          <p:nvGrpSpPr>
-            <p:cNvPr id="4107" name="Group 11"/>
-            <p:cNvGrpSpPr>
-              <a:grpSpLocks/>
-            </p:cNvGrpSpPr>
-            <p:nvPr/>
-          </p:nvGrpSpPr>
-          <p:grpSpPr bwMode="auto">
-            <a:xfrm>
-              <a:off x="336" y="384"/>
-              <a:ext cx="816" cy="240"/>
-              <a:chOff x="336" y="384"/>
-              <a:chExt cx="816" cy="240"/>
-            </a:xfrm>
-          </p:grpSpPr>
-          <p:sp>
-            <p:nvSpPr>
-              <p:cNvPr id="4108" name="Rectangle 12"/>
-              <p:cNvSpPr>
-                <a:spLocks noChangeArrowheads="1"/>
-              </p:cNvSpPr>
-              <p:nvPr/>
-            </p:nvSpPr>
-            <p:spPr bwMode="auto">
-              <a:xfrm>
-                <a:off x="336" y="384"/>
-                <a:ext cx="816" cy="240"/>
-              </a:xfrm>
-              <a:prstGeom prst="rect">
-                <a:avLst/>
-              </a:prstGeom>
-              <a:noFill/>
-              <a:ln w="9525">
-                <a:solidFill>
-                  <a:schemeClr val="tx1"/>
-                </a:solidFill>
-                <a:miter lim="800000"/>
-                <a:headEnd/>
-                <a:tailEnd/>
-              </a:ln>
-              <a:effectLst/>
-              <a:extLst>
-                <a:ext uri="{909E8E84-426E-40DD-AFC4-6F175D3DCCD1}">
-                  <a14:hiddenFill xmlns="" xmlns:a14="http://schemas.microsoft.com/office/drawing/2010/main">
-                    <a:solidFill>
-                      <a:schemeClr val="accent1"/>
-                    </a:solidFill>
-                  </a14:hiddenFill>
-                </a:ext>
-                <a:ext uri="{AF507438-7753-43E0-B8FC-AC1667EBCBE1}">
-                  <a14:hiddenEffects xmlns="" xmlns:a14="http://schemas.microsoft.com/office/drawing/2010/main">
-                    <a:effectLst>
-                      <a:outerShdw dist="35921" dir="2700000" algn="ctr" rotWithShape="0">
-                        <a:schemeClr val="bg2"/>
-                      </a:outerShdw>
-                    </a:effectLst>
-                  </a14:hiddenEffects>
-                </a:ext>
-              </a:extLst>
-            </p:spPr>
-            <p:txBody>
-              <a:bodyPr wrap="none" anchor="ctr"/>
-              <a:lstStyle/>
-              <a:p>
-                <a:endParaRPr lang="en-US"/>
-              </a:p>
-            </p:txBody>
-          </p:sp>
-          <p:sp>
-            <p:nvSpPr>
-              <p:cNvPr id="4109" name="Line 13"/>
-              <p:cNvSpPr>
-                <a:spLocks noChangeShapeType="1"/>
-              </p:cNvSpPr>
-              <p:nvPr/>
-            </p:nvSpPr>
-            <p:spPr bwMode="auto">
-              <a:xfrm>
-                <a:off x="528" y="384"/>
-                <a:ext cx="0" cy="240"/>
-              </a:xfrm>
-              <a:prstGeom prst="line">
-                <a:avLst/>
-              </a:prstGeom>
-              <a:noFill/>
-              <a:ln w="9525">
-                <a:solidFill>
-                  <a:schemeClr val="tx1"/>
-                </a:solidFill>
-                <a:round/>
-                <a:headEnd/>
-                <a:tailEnd/>
-              </a:ln>
-              <a:effectLst/>
-              <a:extLst>
-                <a:ext uri="{909E8E84-426E-40DD-AFC4-6F175D3DCCD1}">
-                  <a14:hiddenFill xmlns="" xmlns:a14="http://schemas.microsoft.com/office/drawing/2010/main">
-                    <a:noFill/>
-                  </a14:hiddenFill>
-                </a:ext>
-                <a:ext uri="{AF507438-7753-43E0-B8FC-AC1667EBCBE1}">
-                  <a14:hiddenEffects xmlns="" xmlns:a14="http://schemas.microsoft.com/office/drawing/2010/main">
-                    <a:effectLst>
-                      <a:outerShdw dist="35921" dir="2700000" algn="ctr" rotWithShape="0">
-                        <a:schemeClr val="bg2"/>
-                      </a:outerShdw>
-                    </a:effectLst>
-                  </a14:hiddenEffects>
-                </a:ext>
-              </a:extLst>
-            </p:spPr>
-            <p:txBody>
-              <a:bodyPr/>
-              <a:lstStyle/>
-              <a:p>
-                <a:endParaRPr lang="en-US"/>
-              </a:p>
-            </p:txBody>
-          </p:sp>
-        </p:grpSp>
         <p:sp>
           <p:nvSpPr>
-            <p:cNvPr id="4110" name="Text Box 14"/>
+            <p:cNvPr id="4100" name="Oval 4"/>
+            <p:cNvSpPr>
+              <a:spLocks noChangeArrowheads="1"/>
+            </p:cNvSpPr>
+            <p:nvPr/>
+          </p:nvSpPr>
+          <p:spPr bwMode="auto">
+            <a:xfrm>
+              <a:off x="3657600" y="1828800"/>
+              <a:ext cx="838200" cy="838200"/>
+            </a:xfrm>
+            <a:prstGeom prst="ellipse">
+              <a:avLst/>
+            </a:prstGeom>
+            <a:noFill/>
+            <a:ln w="9525">
+              <a:solidFill>
+                <a:schemeClr val="tx1"/>
+              </a:solidFill>
+              <a:round/>
+              <a:headEnd/>
+              <a:tailEnd/>
+            </a:ln>
+            <a:effectLst/>
+            <a:extLst>
+              <a:ext uri="{909E8E84-426E-40DD-AFC4-6F175D3DCCD1}">
+                <a14:hiddenFill xmlns:a14="http://schemas.microsoft.com/office/drawing/2010/main">
+                  <a:solidFill>
+                    <a:schemeClr val="accent1"/>
+                  </a:solidFill>
+                </a14:hiddenFill>
+              </a:ext>
+              <a:ext uri="{AF507438-7753-43E0-B8FC-AC1667EBCBE1}">
+                <a14:hiddenEffects xmlns:a14="http://schemas.microsoft.com/office/drawing/2010/main">
+                  <a:effectLst>
+                    <a:outerShdw dist="35921" dir="2700000" algn="ctr" rotWithShape="0">
+                      <a:schemeClr val="bg2"/>
+                    </a:outerShdw>
+                  </a:effectLst>
+                </a14:hiddenEffects>
+              </a:ext>
+            </a:extLst>
+          </p:spPr>
+          <p:txBody>
+            <a:bodyPr wrap="none" anchor="ctr"/>
+            <a:lstStyle/>
+            <a:p>
+              <a:pPr algn="ctr"/>
+              <a:r>
+                <a:rPr lang="en-US" sz="2400" b="1" dirty="0"/>
+                <a:t>User </a:t>
+              </a:r>
+            </a:p>
+            <a:p>
+              <a:pPr algn="ctr"/>
+              <a:r>
+                <a:rPr lang="en-US" sz="2400" b="1" dirty="0"/>
+                <a:t>Login</a:t>
+              </a:r>
+            </a:p>
+            <a:p>
+              <a:pPr algn="ctr"/>
+              <a:r>
+                <a:rPr lang="en-US" sz="2400" b="1" dirty="0" smtClean="0"/>
+                <a:t>2.1</a:t>
+              </a:r>
+              <a:endParaRPr lang="en-US" sz="2400" b="1" dirty="0"/>
+            </a:p>
+          </p:txBody>
+        </p:sp>
+        <p:sp>
+          <p:nvSpPr>
+            <p:cNvPr id="4101" name="Rectangle 5"/>
+            <p:cNvSpPr>
+              <a:spLocks noChangeArrowheads="1"/>
+            </p:cNvSpPr>
+            <p:nvPr/>
+          </p:nvSpPr>
+          <p:spPr bwMode="auto">
+            <a:xfrm>
+              <a:off x="2133600" y="1371600"/>
+              <a:ext cx="685800" cy="304800"/>
+            </a:xfrm>
+            <a:prstGeom prst="rect">
+              <a:avLst/>
+            </a:prstGeom>
+            <a:noFill/>
+            <a:ln w="28575">
+              <a:solidFill>
+                <a:schemeClr val="tx1"/>
+              </a:solidFill>
+              <a:miter lim="800000"/>
+              <a:headEnd/>
+              <a:tailEnd/>
+            </a:ln>
+            <a:effectLst/>
+            <a:extLst>
+              <a:ext uri="{909E8E84-426E-40DD-AFC4-6F175D3DCCD1}">
+                <a14:hiddenFill xmlns:a14="http://schemas.microsoft.com/office/drawing/2010/main">
+                  <a:solidFill>
+                    <a:schemeClr val="accent1"/>
+                  </a:solidFill>
+                </a14:hiddenFill>
+              </a:ext>
+              <a:ext uri="{AF507438-7753-43E0-B8FC-AC1667EBCBE1}">
+                <a14:hiddenEffects xmlns:a14="http://schemas.microsoft.com/office/drawing/2010/main">
+                  <a:effectLst>
+                    <a:outerShdw dist="35921" dir="2700000" algn="ctr" rotWithShape="0">
+                      <a:schemeClr val="bg2"/>
+                    </a:outerShdw>
+                  </a:effectLst>
+                </a14:hiddenEffects>
+              </a:ext>
+            </a:extLst>
+          </p:spPr>
+          <p:txBody>
+            <a:bodyPr wrap="none" anchor="ctr"/>
+            <a:lstStyle/>
+            <a:p>
+              <a:pPr algn="ctr"/>
+              <a:r>
+                <a:rPr lang="en-US" sz="2400">
+                  <a:latin typeface="Bookman Old Style" panose="02050604050505020204" pitchFamily="18" charset="0"/>
+                </a:rPr>
+                <a:t>User</a:t>
+              </a:r>
+            </a:p>
+          </p:txBody>
+        </p:sp>
+        <p:cxnSp>
+          <p:nvCxnSpPr>
+            <p:cNvPr id="4102" name="AutoShape 6"/>
+            <p:cNvCxnSpPr>
+              <a:cxnSpLocks noChangeShapeType="1"/>
+              <a:stCxn id="4101" idx="0"/>
+              <a:endCxn id="4100" idx="0"/>
+            </p:cNvCxnSpPr>
+            <p:nvPr/>
+          </p:nvCxnSpPr>
+          <p:spPr bwMode="auto">
+            <a:xfrm rot="5400000" flipV="1">
+              <a:off x="3040856" y="792957"/>
+              <a:ext cx="471487" cy="1600200"/>
+            </a:xfrm>
+            <a:prstGeom prst="bentConnector3">
+              <a:avLst>
+                <a:gd name="adj1" fmla="val -45454"/>
+              </a:avLst>
+            </a:prstGeom>
+            <a:noFill/>
+            <a:ln w="9525">
+              <a:solidFill>
+                <a:schemeClr val="tx1"/>
+              </a:solidFill>
+              <a:miter lim="800000"/>
+              <a:headEnd/>
+              <a:tailEnd type="triangle" w="med" len="med"/>
+            </a:ln>
+            <a:effectLst/>
+            <a:extLst>
+              <a:ext uri="{909E8E84-426E-40DD-AFC4-6F175D3DCCD1}">
+                <a14:hiddenFill xmlns:a14="http://schemas.microsoft.com/office/drawing/2010/main">
+                  <a:noFill/>
+                </a14:hiddenFill>
+              </a:ext>
+              <a:ext uri="{AF507438-7753-43E0-B8FC-AC1667EBCBE1}">
+                <a14:hiddenEffects xmlns:a14="http://schemas.microsoft.com/office/drawing/2010/main">
+                  <a:effectLst>
+                    <a:outerShdw dist="35921" dir="2700000" algn="ctr" rotWithShape="0">
+                      <a:schemeClr val="bg2"/>
+                    </a:outerShdw>
+                  </a:effectLst>
+                </a14:hiddenEffects>
+              </a:ext>
+            </a:extLst>
+          </p:spPr>
+        </p:cxnSp>
+        <p:cxnSp>
+          <p:nvCxnSpPr>
+            <p:cNvPr id="4103" name="AutoShape 7"/>
+            <p:cNvCxnSpPr>
+              <a:cxnSpLocks noChangeShapeType="1"/>
+              <a:stCxn id="4100" idx="2"/>
+              <a:endCxn id="4101" idx="3"/>
+            </p:cNvCxnSpPr>
+            <p:nvPr/>
+          </p:nvCxnSpPr>
+          <p:spPr bwMode="auto">
+            <a:xfrm rot="10800000">
+              <a:off x="2833688" y="1524000"/>
+              <a:ext cx="823912" cy="723900"/>
+            </a:xfrm>
+            <a:prstGeom prst="bentConnector3">
+              <a:avLst>
+                <a:gd name="adj1" fmla="val 50866"/>
+              </a:avLst>
+            </a:prstGeom>
+            <a:noFill/>
+            <a:ln w="9525">
+              <a:solidFill>
+                <a:schemeClr val="tx1"/>
+              </a:solidFill>
+              <a:miter lim="800000"/>
+              <a:headEnd/>
+              <a:tailEnd type="triangle" w="med" len="med"/>
+            </a:ln>
+            <a:effectLst/>
+            <a:extLst>
+              <a:ext uri="{909E8E84-426E-40DD-AFC4-6F175D3DCCD1}">
+                <a14:hiddenFill xmlns:a14="http://schemas.microsoft.com/office/drawing/2010/main">
+                  <a:noFill/>
+                </a14:hiddenFill>
+              </a:ext>
+              <a:ext uri="{AF507438-7753-43E0-B8FC-AC1667EBCBE1}">
+                <a14:hiddenEffects xmlns:a14="http://schemas.microsoft.com/office/drawing/2010/main">
+                  <a:effectLst>
+                    <a:outerShdw dist="35921" dir="2700000" algn="ctr" rotWithShape="0">
+                      <a:schemeClr val="bg2"/>
+                    </a:outerShdw>
+                  </a:effectLst>
+                </a14:hiddenEffects>
+              </a:ext>
+            </a:extLst>
+          </p:spPr>
+        </p:cxnSp>
+        <p:sp>
+          <p:nvSpPr>
+            <p:cNvPr id="4104" name="Text Box 8"/>
             <p:cNvSpPr txBox="1">
               <a:spLocks noChangeArrowheads="1"/>
             </p:cNvSpPr>
@@ -10108,8 +9850,8 @@
           </p:nvSpPr>
           <p:spPr bwMode="auto">
             <a:xfrm>
-              <a:off x="336" y="422"/>
-              <a:ext cx="675" cy="155"/>
+              <a:off x="2819400" y="1277938"/>
+              <a:ext cx="775377" cy="260555"/>
             </a:xfrm>
             <a:prstGeom prst="rect">
               <a:avLst/>
@@ -10121,14 +9863,14 @@
             <a:effectLst/>
             <a:extLst>
               <a:ext uri="{909E8E84-426E-40DD-AFC4-6F175D3DCCD1}">
-                <a14:hiddenFill xmlns="" xmlns:a14="http://schemas.microsoft.com/office/drawing/2010/main">
+                <a14:hiddenFill xmlns:a14="http://schemas.microsoft.com/office/drawing/2010/main">
                   <a:solidFill>
                     <a:schemeClr val="accent1"/>
                   </a:solidFill>
                 </a14:hiddenFill>
               </a:ext>
               <a:ext uri="{91240B29-F687-4F45-9708-019B960494DF}">
-                <a14:hiddenLine xmlns="" xmlns:a14="http://schemas.microsoft.com/office/drawing/2010/main" w="9525">
+                <a14:hiddenLine xmlns:a14="http://schemas.microsoft.com/office/drawing/2010/main" w="9525">
                   <a:solidFill>
                     <a:schemeClr val="tx1"/>
                   </a:solidFill>
@@ -10138,7 +9880,7 @@
                 </a14:hiddenLine>
               </a:ext>
               <a:ext uri="{AF507438-7753-43E0-B8FC-AC1667EBCBE1}">
-                <a14:hiddenEffects xmlns="" xmlns:a14="http://schemas.microsoft.com/office/drawing/2010/main">
+                <a14:hiddenEffects xmlns:a14="http://schemas.microsoft.com/office/drawing/2010/main">
                   <a:effectLst>
                     <a:outerShdw dist="35921" dir="2700000" algn="ctr" rotWithShape="0">
                       <a:schemeClr val="bg2"/>
@@ -10155,1032 +9897,1300 @@
             <a:lstStyle/>
             <a:p>
               <a:r>
-                <a:rPr lang="en-US" sz="1000" dirty="0" smtClean="0"/>
-                <a:t>D3     </a:t>
+                <a:rPr lang="en-US" sz="2400"/>
+                <a:t>Login Data</a:t>
+              </a:r>
+            </a:p>
+          </p:txBody>
+        </p:sp>
+        <p:sp>
+          <p:nvSpPr>
+            <p:cNvPr id="4105" name="Text Box 9"/>
+            <p:cNvSpPr txBox="1">
+              <a:spLocks noChangeArrowheads="1"/>
+            </p:cNvSpPr>
+            <p:nvPr/>
+          </p:nvSpPr>
+          <p:spPr bwMode="auto">
+            <a:xfrm>
+              <a:off x="2514600" y="2270125"/>
+              <a:ext cx="873681" cy="260555"/>
+            </a:xfrm>
+            <a:prstGeom prst="rect">
+              <a:avLst/>
+            </a:prstGeom>
+            <a:noFill/>
+            <a:ln>
+              <a:noFill/>
+            </a:ln>
+            <a:effectLst/>
+            <a:extLst>
+              <a:ext uri="{909E8E84-426E-40DD-AFC4-6F175D3DCCD1}">
+                <a14:hiddenFill xmlns:a14="http://schemas.microsoft.com/office/drawing/2010/main">
+                  <a:solidFill>
+                    <a:schemeClr val="accent1"/>
+                  </a:solidFill>
+                </a14:hiddenFill>
+              </a:ext>
+              <a:ext uri="{91240B29-F687-4F45-9708-019B960494DF}">
+                <a14:hiddenLine xmlns:a14="http://schemas.microsoft.com/office/drawing/2010/main" w="9525">
+                  <a:solidFill>
+                    <a:schemeClr val="tx1"/>
+                  </a:solidFill>
+                  <a:miter lim="800000"/>
+                  <a:headEnd/>
+                  <a:tailEnd/>
+                </a14:hiddenLine>
+              </a:ext>
+              <a:ext uri="{AF507438-7753-43E0-B8FC-AC1667EBCBE1}">
+                <a14:hiddenEffects xmlns:a14="http://schemas.microsoft.com/office/drawing/2010/main">
+                  <a:effectLst>
+                    <a:outerShdw dist="35921" dir="2700000" algn="ctr" rotWithShape="0">
+                      <a:schemeClr val="bg2"/>
+                    </a:outerShdw>
+                  </a:effectLst>
+                </a14:hiddenEffects>
+              </a:ext>
+            </a:extLst>
+          </p:spPr>
+          <p:txBody>
+            <a:bodyPr wrap="none">
+              <a:spAutoFit/>
+            </a:bodyPr>
+            <a:lstStyle/>
+            <a:p>
+              <a:r>
+                <a:rPr lang="en-US" sz="2400"/>
+                <a:t>Login Result</a:t>
+              </a:r>
+            </a:p>
+          </p:txBody>
+        </p:sp>
+        <p:grpSp>
+          <p:nvGrpSpPr>
+            <p:cNvPr id="4106" name="Group 10"/>
+            <p:cNvGrpSpPr>
+              <a:grpSpLocks/>
+            </p:cNvGrpSpPr>
+            <p:nvPr/>
+          </p:nvGrpSpPr>
+          <p:grpSpPr bwMode="auto">
+            <a:xfrm>
+              <a:off x="3048000" y="3124200"/>
+              <a:ext cx="1295400" cy="381000"/>
+              <a:chOff x="336" y="384"/>
+              <a:chExt cx="816" cy="240"/>
+            </a:xfrm>
+          </p:grpSpPr>
+          <p:grpSp>
+            <p:nvGrpSpPr>
+              <p:cNvPr id="4107" name="Group 11"/>
+              <p:cNvGrpSpPr>
+                <a:grpSpLocks/>
+              </p:cNvGrpSpPr>
+              <p:nvPr/>
+            </p:nvGrpSpPr>
+            <p:grpSpPr bwMode="auto">
+              <a:xfrm>
+                <a:off x="336" y="384"/>
+                <a:ext cx="816" cy="240"/>
+                <a:chOff x="336" y="384"/>
+                <a:chExt cx="816" cy="240"/>
+              </a:xfrm>
+            </p:grpSpPr>
+            <p:sp>
+              <p:nvSpPr>
+                <p:cNvPr id="4108" name="Rectangle 12"/>
+                <p:cNvSpPr>
+                  <a:spLocks noChangeArrowheads="1"/>
+                </p:cNvSpPr>
+                <p:nvPr/>
+              </p:nvSpPr>
+              <p:spPr bwMode="auto">
+                <a:xfrm>
+                  <a:off x="336" y="384"/>
+                  <a:ext cx="816" cy="240"/>
+                </a:xfrm>
+                <a:prstGeom prst="rect">
+                  <a:avLst/>
+                </a:prstGeom>
+                <a:noFill/>
+                <a:ln w="9525">
+                  <a:solidFill>
+                    <a:schemeClr val="tx1"/>
+                  </a:solidFill>
+                  <a:miter lim="800000"/>
+                  <a:headEnd/>
+                  <a:tailEnd/>
+                </a:ln>
+                <a:effectLst/>
+                <a:extLst>
+                  <a:ext uri="{909E8E84-426E-40DD-AFC4-6F175D3DCCD1}">
+                    <a14:hiddenFill xmlns:a14="http://schemas.microsoft.com/office/drawing/2010/main">
+                      <a:solidFill>
+                        <a:schemeClr val="accent1"/>
+                      </a:solidFill>
+                    </a14:hiddenFill>
+                  </a:ext>
+                  <a:ext uri="{AF507438-7753-43E0-B8FC-AC1667EBCBE1}">
+                    <a14:hiddenEffects xmlns:a14="http://schemas.microsoft.com/office/drawing/2010/main">
+                      <a:effectLst>
+                        <a:outerShdw dist="35921" dir="2700000" algn="ctr" rotWithShape="0">
+                          <a:schemeClr val="bg2"/>
+                        </a:outerShdw>
+                      </a:effectLst>
+                    </a14:hiddenEffects>
+                  </a:ext>
+                </a:extLst>
+              </p:spPr>
+              <p:txBody>
+                <a:bodyPr wrap="none" anchor="ctr"/>
+                <a:lstStyle/>
+                <a:p>
+                  <a:endParaRPr lang="en-US" sz="2400"/>
+                </a:p>
+              </p:txBody>
+            </p:sp>
+            <p:sp>
+              <p:nvSpPr>
+                <p:cNvPr id="4109" name="Line 13"/>
+                <p:cNvSpPr>
+                  <a:spLocks noChangeShapeType="1"/>
+                </p:cNvSpPr>
+                <p:nvPr/>
+              </p:nvSpPr>
+              <p:spPr bwMode="auto">
+                <a:xfrm>
+                  <a:off x="528" y="384"/>
+                  <a:ext cx="0" cy="240"/>
+                </a:xfrm>
+                <a:prstGeom prst="line">
+                  <a:avLst/>
+                </a:prstGeom>
+                <a:noFill/>
+                <a:ln w="9525">
+                  <a:solidFill>
+                    <a:schemeClr val="tx1"/>
+                  </a:solidFill>
+                  <a:round/>
+                  <a:headEnd/>
+                  <a:tailEnd/>
+                </a:ln>
+                <a:effectLst/>
+                <a:extLst>
+                  <a:ext uri="{909E8E84-426E-40DD-AFC4-6F175D3DCCD1}">
+                    <a14:hiddenFill xmlns:a14="http://schemas.microsoft.com/office/drawing/2010/main">
+                      <a:noFill/>
+                    </a14:hiddenFill>
+                  </a:ext>
+                  <a:ext uri="{AF507438-7753-43E0-B8FC-AC1667EBCBE1}">
+                    <a14:hiddenEffects xmlns:a14="http://schemas.microsoft.com/office/drawing/2010/main">
+                      <a:effectLst>
+                        <a:outerShdw dist="35921" dir="2700000" algn="ctr" rotWithShape="0">
+                          <a:schemeClr val="bg2"/>
+                        </a:outerShdw>
+                      </a:effectLst>
+                    </a14:hiddenEffects>
+                  </a:ext>
+                </a:extLst>
+              </p:spPr>
+              <p:txBody>
+                <a:bodyPr/>
+                <a:lstStyle/>
+                <a:p>
+                  <a:endParaRPr lang="en-US" sz="2400"/>
+                </a:p>
+              </p:txBody>
+            </p:sp>
+          </p:grpSp>
+          <p:sp>
+            <p:nvSpPr>
+              <p:cNvPr id="4110" name="Text Box 14"/>
+              <p:cNvSpPr txBox="1">
+                <a:spLocks noChangeArrowheads="1"/>
+              </p:cNvSpPr>
+              <p:nvPr/>
+            </p:nvSpPr>
+            <p:spPr bwMode="auto">
+              <a:xfrm>
+                <a:off x="336" y="422"/>
+                <a:ext cx="750" cy="164"/>
+              </a:xfrm>
+              <a:prstGeom prst="rect">
+                <a:avLst/>
+              </a:prstGeom>
+              <a:noFill/>
+              <a:ln>
+                <a:noFill/>
+              </a:ln>
+              <a:effectLst/>
+              <a:extLst>
+                <a:ext uri="{909E8E84-426E-40DD-AFC4-6F175D3DCCD1}">
+                  <a14:hiddenFill xmlns:a14="http://schemas.microsoft.com/office/drawing/2010/main">
+                    <a:solidFill>
+                      <a:schemeClr val="accent1"/>
+                    </a:solidFill>
+                  </a14:hiddenFill>
+                </a:ext>
+                <a:ext uri="{91240B29-F687-4F45-9708-019B960494DF}">
+                  <a14:hiddenLine xmlns:a14="http://schemas.microsoft.com/office/drawing/2010/main" w="9525">
+                    <a:solidFill>
+                      <a:schemeClr val="tx1"/>
+                    </a:solidFill>
+                    <a:miter lim="800000"/>
+                    <a:headEnd/>
+                    <a:tailEnd/>
+                  </a14:hiddenLine>
+                </a:ext>
+                <a:ext uri="{AF507438-7753-43E0-B8FC-AC1667EBCBE1}">
+                  <a14:hiddenEffects xmlns:a14="http://schemas.microsoft.com/office/drawing/2010/main">
+                    <a:effectLst>
+                      <a:outerShdw dist="35921" dir="2700000" algn="ctr" rotWithShape="0">
+                        <a:schemeClr val="bg2"/>
+                      </a:outerShdw>
+                    </a:effectLst>
+                  </a14:hiddenEffects>
+                </a:ext>
+              </a:extLst>
+            </p:spPr>
+            <p:txBody>
+              <a:bodyPr wrap="none">
+                <a:spAutoFit/>
+              </a:bodyPr>
+              <a:lstStyle/>
+              <a:p>
+                <a:r>
+                  <a:rPr lang="en-US" sz="2400" dirty="0" smtClean="0"/>
+                  <a:t>D3     </a:t>
+                </a:r>
+                <a:r>
+                  <a:rPr lang="en-US" sz="2400" dirty="0"/>
+                  <a:t>user details</a:t>
+                </a:r>
+              </a:p>
+            </p:txBody>
+          </p:sp>
+        </p:grpSp>
+        <p:cxnSp>
+          <p:nvCxnSpPr>
+            <p:cNvPr id="4111" name="AutoShape 15"/>
+            <p:cNvCxnSpPr>
+              <a:cxnSpLocks noChangeShapeType="1"/>
+              <a:stCxn id="4110" idx="1"/>
+              <a:endCxn id="4100" idx="4"/>
+            </p:cNvCxnSpPr>
+            <p:nvPr/>
+          </p:nvCxnSpPr>
+          <p:spPr bwMode="auto">
+            <a:xfrm rot="10800000" flipH="1">
+              <a:off x="3047999" y="2667000"/>
+              <a:ext cx="1028700" cy="647700"/>
+            </a:xfrm>
+            <a:prstGeom prst="bentConnector4">
+              <a:avLst>
+                <a:gd name="adj1" fmla="val -11471"/>
+                <a:gd name="adj2" fmla="val 60049"/>
+              </a:avLst>
+            </a:prstGeom>
+            <a:noFill/>
+            <a:ln w="9525">
+              <a:solidFill>
+                <a:schemeClr val="tx1"/>
+              </a:solidFill>
+              <a:miter lim="800000"/>
+              <a:headEnd/>
+              <a:tailEnd type="triangle" w="med" len="med"/>
+            </a:ln>
+            <a:effectLst/>
+            <a:extLst>
+              <a:ext uri="{909E8E84-426E-40DD-AFC4-6F175D3DCCD1}">
+                <a14:hiddenFill xmlns:a14="http://schemas.microsoft.com/office/drawing/2010/main">
+                  <a:noFill/>
+                </a14:hiddenFill>
+              </a:ext>
+              <a:ext uri="{AF507438-7753-43E0-B8FC-AC1667EBCBE1}">
+                <a14:hiddenEffects xmlns:a14="http://schemas.microsoft.com/office/drawing/2010/main">
+                  <a:effectLst>
+                    <a:outerShdw dist="35921" dir="2700000" algn="ctr" rotWithShape="0">
+                      <a:schemeClr val="bg2"/>
+                    </a:outerShdw>
+                  </a:effectLst>
+                </a14:hiddenEffects>
+              </a:ext>
+            </a:extLst>
+          </p:spPr>
+        </p:cxnSp>
+        <p:sp>
+          <p:nvSpPr>
+            <p:cNvPr id="4112" name="Text Box 16"/>
+            <p:cNvSpPr txBox="1">
+              <a:spLocks noChangeArrowheads="1"/>
+            </p:cNvSpPr>
+            <p:nvPr/>
+          </p:nvSpPr>
+          <p:spPr bwMode="auto">
+            <a:xfrm>
+              <a:off x="2944813" y="2667000"/>
+              <a:ext cx="791728" cy="260555"/>
+            </a:xfrm>
+            <a:prstGeom prst="rect">
+              <a:avLst/>
+            </a:prstGeom>
+            <a:noFill/>
+            <a:ln>
+              <a:noFill/>
+            </a:ln>
+            <a:effectLst/>
+            <a:extLst>
+              <a:ext uri="{909E8E84-426E-40DD-AFC4-6F175D3DCCD1}">
+                <a14:hiddenFill xmlns:a14="http://schemas.microsoft.com/office/drawing/2010/main">
+                  <a:solidFill>
+                    <a:schemeClr val="accent1"/>
+                  </a:solidFill>
+                </a14:hiddenFill>
+              </a:ext>
+              <a:ext uri="{91240B29-F687-4F45-9708-019B960494DF}">
+                <a14:hiddenLine xmlns:a14="http://schemas.microsoft.com/office/drawing/2010/main" w="9525">
+                  <a:solidFill>
+                    <a:schemeClr val="tx1"/>
+                  </a:solidFill>
+                  <a:miter lim="800000"/>
+                  <a:headEnd/>
+                  <a:tailEnd/>
+                </a14:hiddenLine>
+              </a:ext>
+              <a:ext uri="{AF507438-7753-43E0-B8FC-AC1667EBCBE1}">
+                <a14:hiddenEffects xmlns:a14="http://schemas.microsoft.com/office/drawing/2010/main">
+                  <a:effectLst>
+                    <a:outerShdw dist="35921" dir="2700000" algn="ctr" rotWithShape="0">
+                      <a:schemeClr val="bg2"/>
+                    </a:outerShdw>
+                  </a:effectLst>
+                </a14:hiddenEffects>
+              </a:ext>
+            </a:extLst>
+          </p:spPr>
+          <p:txBody>
+            <a:bodyPr wrap="none">
+              <a:spAutoFit/>
+            </a:bodyPr>
+            <a:lstStyle/>
+            <a:p>
+              <a:r>
+                <a:rPr lang="en-US" sz="2400"/>
+                <a:t>User detail</a:t>
+              </a:r>
+            </a:p>
+          </p:txBody>
+        </p:sp>
+        <p:sp>
+          <p:nvSpPr>
+            <p:cNvPr id="4113" name="Oval 17"/>
+            <p:cNvSpPr>
+              <a:spLocks noChangeArrowheads="1"/>
+            </p:cNvSpPr>
+            <p:nvPr/>
+          </p:nvSpPr>
+          <p:spPr bwMode="auto">
+            <a:xfrm>
+              <a:off x="5181600" y="1676400"/>
+              <a:ext cx="838200" cy="838200"/>
+            </a:xfrm>
+            <a:prstGeom prst="ellipse">
+              <a:avLst/>
+            </a:prstGeom>
+            <a:noFill/>
+            <a:ln w="9525">
+              <a:solidFill>
+                <a:schemeClr val="tx1"/>
+              </a:solidFill>
+              <a:round/>
+              <a:headEnd/>
+              <a:tailEnd/>
+            </a:ln>
+            <a:effectLst/>
+            <a:extLst>
+              <a:ext uri="{909E8E84-426E-40DD-AFC4-6F175D3DCCD1}">
+                <a14:hiddenFill xmlns:a14="http://schemas.microsoft.com/office/drawing/2010/main">
+                  <a:solidFill>
+                    <a:schemeClr val="accent1"/>
+                  </a:solidFill>
+                </a14:hiddenFill>
+              </a:ext>
+              <a:ext uri="{AF507438-7753-43E0-B8FC-AC1667EBCBE1}">
+                <a14:hiddenEffects xmlns:a14="http://schemas.microsoft.com/office/drawing/2010/main">
+                  <a:effectLst>
+                    <a:outerShdw dist="35921" dir="2700000" algn="ctr" rotWithShape="0">
+                      <a:schemeClr val="bg2"/>
+                    </a:outerShdw>
+                  </a:effectLst>
+                </a14:hiddenEffects>
+              </a:ext>
+            </a:extLst>
+          </p:spPr>
+          <p:txBody>
+            <a:bodyPr wrap="none" anchor="ctr"/>
+            <a:lstStyle/>
+            <a:p>
+              <a:pPr algn="ctr"/>
+              <a:r>
+                <a:rPr lang="en-US" sz="2400" b="1" dirty="0"/>
+                <a:t>Verify</a:t>
+              </a:r>
+            </a:p>
+            <a:p>
+              <a:pPr algn="ctr"/>
+              <a:r>
+                <a:rPr lang="en-US" sz="2400" b="1" dirty="0"/>
+                <a:t>User</a:t>
+              </a:r>
+            </a:p>
+            <a:p>
+              <a:pPr algn="ctr"/>
+              <a:r>
+                <a:rPr lang="en-US" sz="2400" b="1" dirty="0" smtClean="0"/>
+                <a:t>2.2</a:t>
+              </a:r>
+              <a:endParaRPr lang="en-US" sz="2400" b="1" dirty="0"/>
+            </a:p>
+          </p:txBody>
+        </p:sp>
+        <p:sp>
+          <p:nvSpPr>
+            <p:cNvPr id="4114" name="Oval 18"/>
+            <p:cNvSpPr>
+              <a:spLocks noChangeArrowheads="1"/>
+            </p:cNvSpPr>
+            <p:nvPr/>
+          </p:nvSpPr>
+          <p:spPr bwMode="auto">
+            <a:xfrm>
+              <a:off x="5105400" y="3124200"/>
+              <a:ext cx="1219200" cy="1143000"/>
+            </a:xfrm>
+            <a:prstGeom prst="ellipse">
+              <a:avLst/>
+            </a:prstGeom>
+            <a:noFill/>
+            <a:ln w="28575">
+              <a:solidFill>
+                <a:schemeClr val="tx1"/>
+              </a:solidFill>
+              <a:round/>
+              <a:headEnd/>
+              <a:tailEnd/>
+            </a:ln>
+            <a:effectLst/>
+            <a:extLst>
+              <a:ext uri="{909E8E84-426E-40DD-AFC4-6F175D3DCCD1}">
+                <a14:hiddenFill xmlns:a14="http://schemas.microsoft.com/office/drawing/2010/main">
+                  <a:solidFill>
+                    <a:schemeClr val="accent1"/>
+                  </a:solidFill>
+                </a14:hiddenFill>
+              </a:ext>
+              <a:ext uri="{AF507438-7753-43E0-B8FC-AC1667EBCBE1}">
+                <a14:hiddenEffects xmlns:a14="http://schemas.microsoft.com/office/drawing/2010/main">
+                  <a:effectLst>
+                    <a:outerShdw dist="35921" dir="2700000" algn="ctr" rotWithShape="0">
+                      <a:schemeClr val="bg2"/>
+                    </a:outerShdw>
+                  </a:effectLst>
+                </a14:hiddenEffects>
+              </a:ext>
+            </a:extLst>
+          </p:spPr>
+          <p:txBody>
+            <a:bodyPr wrap="none" anchor="ctr"/>
+            <a:lstStyle/>
+            <a:p>
+              <a:pPr algn="ctr"/>
+              <a:r>
+                <a:rPr lang="en-US" sz="2400" b="1" dirty="0" smtClean="0">
+                  <a:latin typeface="Bookman Old Style" panose="02050604050505020204" pitchFamily="18" charset="0"/>
+                </a:rPr>
+                <a:t>File </a:t>
+              </a:r>
+            </a:p>
+            <a:p>
+              <a:pPr algn="ctr"/>
+              <a:r>
+                <a:rPr lang="en-US" sz="2400" b="1" dirty="0" smtClean="0">
+                  <a:latin typeface="Bookman Old Style" panose="02050604050505020204" pitchFamily="18" charset="0"/>
+                </a:rPr>
+                <a:t>Management </a:t>
+              </a:r>
+            </a:p>
+            <a:p>
+              <a:pPr algn="ctr"/>
+              <a:r>
+                <a:rPr lang="en-US" sz="2400" b="1" dirty="0" smtClean="0">
+                  <a:latin typeface="Bookman Old Style" panose="02050604050505020204" pitchFamily="18" charset="0"/>
+                </a:rPr>
+                <a:t>System</a:t>
+              </a:r>
+              <a:endParaRPr lang="en-US" sz="2400" b="1" dirty="0">
+                <a:latin typeface="Bookman Old Style" panose="02050604050505020204" pitchFamily="18" charset="0"/>
+              </a:endParaRPr>
+            </a:p>
+            <a:p>
+              <a:pPr algn="ctr"/>
+              <a:r>
+                <a:rPr lang="en-US" sz="2400" b="1" dirty="0" smtClean="0">
+                  <a:latin typeface="Bookman Old Style" panose="02050604050505020204" pitchFamily="18" charset="0"/>
+                </a:rPr>
+                <a:t>1</a:t>
+              </a:r>
+              <a:endParaRPr lang="en-US" sz="2400" b="1" dirty="0">
+                <a:latin typeface="Bookman Old Style" panose="02050604050505020204" pitchFamily="18" charset="0"/>
+              </a:endParaRPr>
+            </a:p>
+          </p:txBody>
+        </p:sp>
+        <p:cxnSp>
+          <p:nvCxnSpPr>
+            <p:cNvPr id="4115" name="AutoShape 19"/>
+            <p:cNvCxnSpPr>
+              <a:cxnSpLocks noChangeShapeType="1"/>
+              <a:stCxn id="4100" idx="7"/>
+              <a:endCxn id="4113" idx="0"/>
+            </p:cNvCxnSpPr>
+            <p:nvPr/>
+          </p:nvCxnSpPr>
+          <p:spPr bwMode="auto">
+            <a:xfrm rot="16200000">
+              <a:off x="4849813" y="1200150"/>
+              <a:ext cx="274638" cy="1227137"/>
+            </a:xfrm>
+            <a:prstGeom prst="bentConnector3">
+              <a:avLst>
+                <a:gd name="adj1" fmla="val 183236"/>
+              </a:avLst>
+            </a:prstGeom>
+            <a:noFill/>
+            <a:ln w="9525">
+              <a:solidFill>
+                <a:schemeClr val="tx1"/>
+              </a:solidFill>
+              <a:miter lim="800000"/>
+              <a:headEnd/>
+              <a:tailEnd type="triangle" w="med" len="med"/>
+            </a:ln>
+            <a:effectLst/>
+            <a:extLst>
+              <a:ext uri="{909E8E84-426E-40DD-AFC4-6F175D3DCCD1}">
+                <a14:hiddenFill xmlns:a14="http://schemas.microsoft.com/office/drawing/2010/main">
+                  <a:noFill/>
+                </a14:hiddenFill>
+              </a:ext>
+              <a:ext uri="{AF507438-7753-43E0-B8FC-AC1667EBCBE1}">
+                <a14:hiddenEffects xmlns:a14="http://schemas.microsoft.com/office/drawing/2010/main">
+                  <a:effectLst>
+                    <a:outerShdw dist="35921" dir="2700000" algn="ctr" rotWithShape="0">
+                      <a:schemeClr val="bg2"/>
+                    </a:outerShdw>
+                  </a:effectLst>
+                </a14:hiddenEffects>
+              </a:ext>
+            </a:extLst>
+          </p:spPr>
+        </p:cxnSp>
+        <p:sp>
+          <p:nvSpPr>
+            <p:cNvPr id="4116" name="Text Box 20"/>
+            <p:cNvSpPr txBox="1">
+              <a:spLocks noChangeArrowheads="1"/>
+            </p:cNvSpPr>
+            <p:nvPr/>
+          </p:nvSpPr>
+          <p:spPr bwMode="auto">
+            <a:xfrm>
+              <a:off x="4235450" y="1219200"/>
+              <a:ext cx="1058373" cy="260555"/>
+            </a:xfrm>
+            <a:prstGeom prst="rect">
+              <a:avLst/>
+            </a:prstGeom>
+            <a:noFill/>
+            <a:ln>
+              <a:noFill/>
+            </a:ln>
+            <a:effectLst/>
+            <a:extLst>
+              <a:ext uri="{909E8E84-426E-40DD-AFC4-6F175D3DCCD1}">
+                <a14:hiddenFill xmlns:a14="http://schemas.microsoft.com/office/drawing/2010/main">
+                  <a:solidFill>
+                    <a:schemeClr val="accent1"/>
+                  </a:solidFill>
+                </a14:hiddenFill>
+              </a:ext>
+              <a:ext uri="{91240B29-F687-4F45-9708-019B960494DF}">
+                <a14:hiddenLine xmlns:a14="http://schemas.microsoft.com/office/drawing/2010/main" w="9525">
+                  <a:solidFill>
+                    <a:schemeClr val="tx1"/>
+                  </a:solidFill>
+                  <a:miter lim="800000"/>
+                  <a:headEnd/>
+                  <a:tailEnd/>
+                </a14:hiddenLine>
+              </a:ext>
+              <a:ext uri="{AF507438-7753-43E0-B8FC-AC1667EBCBE1}">
+                <a14:hiddenEffects xmlns:a14="http://schemas.microsoft.com/office/drawing/2010/main">
+                  <a:effectLst>
+                    <a:outerShdw dist="35921" dir="2700000" algn="ctr" rotWithShape="0">
+                      <a:schemeClr val="bg2"/>
+                    </a:outerShdw>
+                  </a:effectLst>
+                </a14:hiddenEffects>
+              </a:ext>
+            </a:extLst>
+          </p:spPr>
+          <p:txBody>
+            <a:bodyPr wrap="none">
+              <a:spAutoFit/>
+            </a:bodyPr>
+            <a:lstStyle/>
+            <a:p>
+              <a:r>
+                <a:rPr lang="en-US" sz="2400"/>
+                <a:t>User Login info</a:t>
+              </a:r>
+            </a:p>
+          </p:txBody>
+        </p:sp>
+        <p:cxnSp>
+          <p:nvCxnSpPr>
+            <p:cNvPr id="4117" name="AutoShape 21"/>
+            <p:cNvCxnSpPr>
+              <a:cxnSpLocks noChangeShapeType="1"/>
+              <a:stCxn id="4114" idx="1"/>
+              <a:endCxn id="4113" idx="2"/>
+            </p:cNvCxnSpPr>
+            <p:nvPr/>
+          </p:nvCxnSpPr>
+          <p:spPr bwMode="auto">
+            <a:xfrm rot="5400000" flipH="1">
+              <a:off x="4641850" y="2635250"/>
+              <a:ext cx="1181100" cy="101600"/>
+            </a:xfrm>
+            <a:prstGeom prst="bentConnector4">
+              <a:avLst>
+                <a:gd name="adj1" fmla="val 38708"/>
+                <a:gd name="adj2" fmla="val 325000"/>
+              </a:avLst>
+            </a:prstGeom>
+            <a:noFill/>
+            <a:ln w="9525">
+              <a:solidFill>
+                <a:schemeClr val="tx1"/>
+              </a:solidFill>
+              <a:miter lim="800000"/>
+              <a:headEnd/>
+              <a:tailEnd type="triangle" w="med" len="med"/>
+            </a:ln>
+            <a:effectLst/>
+            <a:extLst>
+              <a:ext uri="{909E8E84-426E-40DD-AFC4-6F175D3DCCD1}">
+                <a14:hiddenFill xmlns:a14="http://schemas.microsoft.com/office/drawing/2010/main">
+                  <a:noFill/>
+                </a14:hiddenFill>
+              </a:ext>
+              <a:ext uri="{AF507438-7753-43E0-B8FC-AC1667EBCBE1}">
+                <a14:hiddenEffects xmlns:a14="http://schemas.microsoft.com/office/drawing/2010/main">
+                  <a:effectLst>
+                    <a:outerShdw dist="35921" dir="2700000" algn="ctr" rotWithShape="0">
+                      <a:schemeClr val="bg2"/>
+                    </a:outerShdw>
+                  </a:effectLst>
+                </a14:hiddenEffects>
+              </a:ext>
+            </a:extLst>
+          </p:spPr>
+        </p:cxnSp>
+        <p:sp>
+          <p:nvSpPr>
+            <p:cNvPr id="4118" name="Text Box 22"/>
+            <p:cNvSpPr txBox="1">
+              <a:spLocks noChangeArrowheads="1"/>
+            </p:cNvSpPr>
+            <p:nvPr/>
+          </p:nvSpPr>
+          <p:spPr bwMode="auto">
+            <a:xfrm rot="16200000">
+              <a:off x="3896727" y="2223994"/>
+              <a:ext cx="1868073" cy="238313"/>
+            </a:xfrm>
+            <a:prstGeom prst="rect">
+              <a:avLst/>
+            </a:prstGeom>
+            <a:noFill/>
+            <a:ln>
+              <a:noFill/>
+            </a:ln>
+            <a:effectLst/>
+            <a:extLst>
+              <a:ext uri="{909E8E84-426E-40DD-AFC4-6F175D3DCCD1}">
+                <a14:hiddenFill xmlns:a14="http://schemas.microsoft.com/office/drawing/2010/main">
+                  <a:solidFill>
+                    <a:schemeClr val="accent1"/>
+                  </a:solidFill>
+                </a14:hiddenFill>
+              </a:ext>
+              <a:ext uri="{91240B29-F687-4F45-9708-019B960494DF}">
+                <a14:hiddenLine xmlns:a14="http://schemas.microsoft.com/office/drawing/2010/main" w="9525">
+                  <a:solidFill>
+                    <a:schemeClr val="tx1"/>
+                  </a:solidFill>
+                  <a:miter lim="800000"/>
+                  <a:headEnd/>
+                  <a:tailEnd/>
+                </a14:hiddenLine>
+              </a:ext>
+              <a:ext uri="{AF507438-7753-43E0-B8FC-AC1667EBCBE1}">
+                <a14:hiddenEffects xmlns:a14="http://schemas.microsoft.com/office/drawing/2010/main">
+                  <a:effectLst>
+                    <a:outerShdw dist="35921" dir="2700000" algn="ctr" rotWithShape="0">
+                      <a:schemeClr val="bg2"/>
+                    </a:outerShdw>
+                  </a:effectLst>
+                </a14:hiddenEffects>
+              </a:ext>
+            </a:extLst>
+          </p:spPr>
+          <p:txBody>
+            <a:bodyPr wrap="none">
+              <a:spAutoFit/>
+            </a:bodyPr>
+            <a:lstStyle/>
+            <a:p>
+              <a:r>
+                <a:rPr lang="en-US" sz="2400"/>
+                <a:t>User Authentication  info</a:t>
+              </a:r>
+            </a:p>
+          </p:txBody>
+        </p:sp>
+        <p:cxnSp>
+          <p:nvCxnSpPr>
+            <p:cNvPr id="4119" name="AutoShape 23"/>
+            <p:cNvCxnSpPr>
+              <a:cxnSpLocks noChangeShapeType="1"/>
+              <a:stCxn id="4113" idx="6"/>
+              <a:endCxn id="4114" idx="7"/>
+            </p:cNvCxnSpPr>
+            <p:nvPr/>
+          </p:nvCxnSpPr>
+          <p:spPr bwMode="auto">
+            <a:xfrm>
+              <a:off x="6019800" y="2095500"/>
+              <a:ext cx="127000" cy="1181100"/>
+            </a:xfrm>
+            <a:prstGeom prst="bentConnector2">
+              <a:avLst/>
+            </a:prstGeom>
+            <a:noFill/>
+            <a:ln w="9525">
+              <a:solidFill>
+                <a:schemeClr val="tx1"/>
+              </a:solidFill>
+              <a:miter lim="800000"/>
+              <a:headEnd/>
+              <a:tailEnd type="triangle" w="med" len="med"/>
+            </a:ln>
+            <a:effectLst/>
+            <a:extLst>
+              <a:ext uri="{909E8E84-426E-40DD-AFC4-6F175D3DCCD1}">
+                <a14:hiddenFill xmlns:a14="http://schemas.microsoft.com/office/drawing/2010/main">
+                  <a:noFill/>
+                </a14:hiddenFill>
+              </a:ext>
+              <a:ext uri="{AF507438-7753-43E0-B8FC-AC1667EBCBE1}">
+                <a14:hiddenEffects xmlns:a14="http://schemas.microsoft.com/office/drawing/2010/main">
+                  <a:effectLst>
+                    <a:outerShdw dist="35921" dir="2700000" algn="ctr" rotWithShape="0">
+                      <a:schemeClr val="bg2"/>
+                    </a:outerShdw>
+                  </a:effectLst>
+                </a14:hiddenEffects>
+              </a:ext>
+            </a:extLst>
+          </p:spPr>
+        </p:cxnSp>
+        <p:sp>
+          <p:nvSpPr>
+            <p:cNvPr id="4120" name="Text Box 24"/>
+            <p:cNvSpPr txBox="1">
+              <a:spLocks noChangeArrowheads="1"/>
+            </p:cNvSpPr>
+            <p:nvPr/>
+          </p:nvSpPr>
+          <p:spPr bwMode="auto">
+            <a:xfrm rot="16200000">
+              <a:off x="5745950" y="2609756"/>
+              <a:ext cx="1217625" cy="238313"/>
+            </a:xfrm>
+            <a:prstGeom prst="rect">
+              <a:avLst/>
+            </a:prstGeom>
+            <a:noFill/>
+            <a:ln>
+              <a:noFill/>
+            </a:ln>
+            <a:effectLst/>
+            <a:extLst>
+              <a:ext uri="{909E8E84-426E-40DD-AFC4-6F175D3DCCD1}">
+                <a14:hiddenFill xmlns:a14="http://schemas.microsoft.com/office/drawing/2010/main">
+                  <a:solidFill>
+                    <a:schemeClr val="accent1"/>
+                  </a:solidFill>
+                </a14:hiddenFill>
+              </a:ext>
+              <a:ext uri="{91240B29-F687-4F45-9708-019B960494DF}">
+                <a14:hiddenLine xmlns:a14="http://schemas.microsoft.com/office/drawing/2010/main" w="9525">
+                  <a:solidFill>
+                    <a:schemeClr val="tx1"/>
+                  </a:solidFill>
+                  <a:miter lim="800000"/>
+                  <a:headEnd/>
+                  <a:tailEnd/>
+                </a14:hiddenLine>
+              </a:ext>
+              <a:ext uri="{AF507438-7753-43E0-B8FC-AC1667EBCBE1}">
+                <a14:hiddenEffects xmlns:a14="http://schemas.microsoft.com/office/drawing/2010/main">
+                  <a:effectLst>
+                    <a:outerShdw dist="35921" dir="2700000" algn="ctr" rotWithShape="0">
+                      <a:schemeClr val="bg2"/>
+                    </a:outerShdw>
+                  </a:effectLst>
+                </a14:hiddenEffects>
+              </a:ext>
+            </a:extLst>
+          </p:spPr>
+          <p:txBody>
+            <a:bodyPr wrap="none">
+              <a:spAutoFit/>
+            </a:bodyPr>
+            <a:lstStyle/>
+            <a:p>
+              <a:r>
+                <a:rPr lang="en-US" sz="2400"/>
+                <a:t>User Status Info</a:t>
+              </a:r>
+            </a:p>
+          </p:txBody>
+        </p:sp>
+        <p:sp>
+          <p:nvSpPr>
+            <p:cNvPr id="4127" name="Oval 31"/>
+            <p:cNvSpPr>
+              <a:spLocks noChangeArrowheads="1"/>
+            </p:cNvSpPr>
+            <p:nvPr/>
+          </p:nvSpPr>
+          <p:spPr bwMode="auto">
+            <a:xfrm>
+              <a:off x="2514600" y="4038600"/>
+              <a:ext cx="838200" cy="838200"/>
+            </a:xfrm>
+            <a:prstGeom prst="ellipse">
+              <a:avLst/>
+            </a:prstGeom>
+            <a:noFill/>
+            <a:ln w="9525">
+              <a:solidFill>
+                <a:schemeClr val="tx1"/>
+              </a:solidFill>
+              <a:round/>
+              <a:headEnd/>
+              <a:tailEnd/>
+            </a:ln>
+            <a:effectLst/>
+            <a:extLst>
+              <a:ext uri="{909E8E84-426E-40DD-AFC4-6F175D3DCCD1}">
+                <a14:hiddenFill xmlns:a14="http://schemas.microsoft.com/office/drawing/2010/main">
+                  <a:solidFill>
+                    <a:schemeClr val="accent1"/>
+                  </a:solidFill>
+                </a14:hiddenFill>
+              </a:ext>
+              <a:ext uri="{AF507438-7753-43E0-B8FC-AC1667EBCBE1}">
+                <a14:hiddenEffects xmlns:a14="http://schemas.microsoft.com/office/drawing/2010/main">
+                  <a:effectLst>
+                    <a:outerShdw dist="35921" dir="2700000" algn="ctr" rotWithShape="0">
+                      <a:schemeClr val="bg2"/>
+                    </a:outerShdw>
+                  </a:effectLst>
+                </a14:hiddenEffects>
+              </a:ext>
+            </a:extLst>
+          </p:spPr>
+          <p:txBody>
+            <a:bodyPr wrap="none" anchor="ctr"/>
+            <a:lstStyle/>
+            <a:p>
+              <a:pPr algn="ctr"/>
+              <a:r>
+                <a:rPr lang="en-US" sz="2400" b="1" dirty="0"/>
+                <a:t>Create</a:t>
+              </a:r>
+            </a:p>
+            <a:p>
+              <a:pPr algn="ctr"/>
+              <a:r>
+                <a:rPr lang="en-US" sz="2400" b="1" dirty="0"/>
+                <a:t>User </a:t>
+              </a:r>
+            </a:p>
+            <a:p>
+              <a:pPr algn="ctr"/>
+              <a:r>
+                <a:rPr lang="en-US" sz="2400" b="1" dirty="0"/>
+                <a:t>2</a:t>
               </a:r>
               <a:r>
-                <a:rPr lang="en-US" sz="1000" dirty="0"/>
-                <a:t>user details</a:t>
+                <a:rPr lang="en-US" sz="2400" b="1" dirty="0" smtClean="0"/>
+                <a:t>.3</a:t>
+              </a:r>
+              <a:endParaRPr lang="en-US" sz="2400" b="1" dirty="0"/>
+            </a:p>
+          </p:txBody>
+        </p:sp>
+        <p:cxnSp>
+          <p:nvCxnSpPr>
+            <p:cNvPr id="4128" name="AutoShape 32"/>
+            <p:cNvCxnSpPr>
+              <a:cxnSpLocks noChangeShapeType="1"/>
+              <a:stCxn id="4127" idx="2"/>
+              <a:endCxn id="4101" idx="1"/>
+            </p:cNvCxnSpPr>
+            <p:nvPr/>
+          </p:nvCxnSpPr>
+          <p:spPr bwMode="auto">
+            <a:xfrm rot="10800000">
+              <a:off x="2119313" y="1524000"/>
+              <a:ext cx="395287" cy="2933700"/>
+            </a:xfrm>
+            <a:prstGeom prst="bentConnector3">
+              <a:avLst>
+                <a:gd name="adj1" fmla="val 154218"/>
+              </a:avLst>
+            </a:prstGeom>
+            <a:noFill/>
+            <a:ln w="9525">
+              <a:solidFill>
+                <a:schemeClr val="tx1"/>
+              </a:solidFill>
+              <a:miter lim="800000"/>
+              <a:headEnd/>
+              <a:tailEnd type="triangle" w="med" len="med"/>
+            </a:ln>
+            <a:effectLst/>
+            <a:extLst>
+              <a:ext uri="{909E8E84-426E-40DD-AFC4-6F175D3DCCD1}">
+                <a14:hiddenFill xmlns:a14="http://schemas.microsoft.com/office/drawing/2010/main">
+                  <a:noFill/>
+                </a14:hiddenFill>
+              </a:ext>
+              <a:ext uri="{AF507438-7753-43E0-B8FC-AC1667EBCBE1}">
+                <a14:hiddenEffects xmlns:a14="http://schemas.microsoft.com/office/drawing/2010/main">
+                  <a:effectLst>
+                    <a:outerShdw dist="35921" dir="2700000" algn="ctr" rotWithShape="0">
+                      <a:schemeClr val="bg2"/>
+                    </a:outerShdw>
+                  </a:effectLst>
+                </a14:hiddenEffects>
+              </a:ext>
+            </a:extLst>
+          </p:spPr>
+        </p:cxnSp>
+        <p:cxnSp>
+          <p:nvCxnSpPr>
+            <p:cNvPr id="4129" name="AutoShape 33"/>
+            <p:cNvCxnSpPr>
+              <a:cxnSpLocks noChangeShapeType="1"/>
+              <a:stCxn id="4101" idx="2"/>
+              <a:endCxn id="4127" idx="0"/>
+            </p:cNvCxnSpPr>
+            <p:nvPr/>
+          </p:nvCxnSpPr>
+          <p:spPr bwMode="auto">
+            <a:xfrm rot="16200000" flipH="1">
+              <a:off x="1531144" y="2636044"/>
+              <a:ext cx="2347912" cy="457200"/>
+            </a:xfrm>
+            <a:prstGeom prst="bentConnector3">
+              <a:avLst>
+                <a:gd name="adj1" fmla="val 81880"/>
+              </a:avLst>
+            </a:prstGeom>
+            <a:noFill/>
+            <a:ln w="9525">
+              <a:solidFill>
+                <a:schemeClr val="tx1"/>
+              </a:solidFill>
+              <a:miter lim="800000"/>
+              <a:headEnd/>
+              <a:tailEnd type="triangle" w="med" len="med"/>
+            </a:ln>
+            <a:effectLst/>
+            <a:extLst>
+              <a:ext uri="{909E8E84-426E-40DD-AFC4-6F175D3DCCD1}">
+                <a14:hiddenFill xmlns:a14="http://schemas.microsoft.com/office/drawing/2010/main">
+                  <a:noFill/>
+                </a14:hiddenFill>
+              </a:ext>
+              <a:ext uri="{AF507438-7753-43E0-B8FC-AC1667EBCBE1}">
+                <a14:hiddenEffects xmlns:a14="http://schemas.microsoft.com/office/drawing/2010/main">
+                  <a:effectLst>
+                    <a:outerShdw dist="35921" dir="2700000" algn="ctr" rotWithShape="0">
+                      <a:schemeClr val="bg2"/>
+                    </a:outerShdw>
+                  </a:effectLst>
+                </a14:hiddenEffects>
+              </a:ext>
+            </a:extLst>
+          </p:spPr>
+        </p:cxnSp>
+        <p:sp>
+          <p:nvSpPr>
+            <p:cNvPr id="4131" name="Text Box 35"/>
+            <p:cNvSpPr txBox="1">
+              <a:spLocks noChangeArrowheads="1"/>
+            </p:cNvSpPr>
+            <p:nvPr/>
+          </p:nvSpPr>
+          <p:spPr bwMode="auto">
+            <a:xfrm rot="5400000">
+              <a:off x="1666493" y="3043937"/>
+              <a:ext cx="1419990" cy="238313"/>
+            </a:xfrm>
+            <a:prstGeom prst="rect">
+              <a:avLst/>
+            </a:prstGeom>
+            <a:noFill/>
+            <a:ln>
+              <a:noFill/>
+            </a:ln>
+            <a:effectLst/>
+            <a:extLst>
+              <a:ext uri="{909E8E84-426E-40DD-AFC4-6F175D3DCCD1}">
+                <a14:hiddenFill xmlns:a14="http://schemas.microsoft.com/office/drawing/2010/main">
+                  <a:solidFill>
+                    <a:schemeClr val="accent1"/>
+                  </a:solidFill>
+                </a14:hiddenFill>
+              </a:ext>
+              <a:ext uri="{91240B29-F687-4F45-9708-019B960494DF}">
+                <a14:hiddenLine xmlns:a14="http://schemas.microsoft.com/office/drawing/2010/main" w="9525">
+                  <a:solidFill>
+                    <a:schemeClr val="tx1"/>
+                  </a:solidFill>
+                  <a:miter lim="800000"/>
+                  <a:headEnd/>
+                  <a:tailEnd/>
+                </a14:hiddenLine>
+              </a:ext>
+              <a:ext uri="{AF507438-7753-43E0-B8FC-AC1667EBCBE1}">
+                <a14:hiddenEffects xmlns:a14="http://schemas.microsoft.com/office/drawing/2010/main">
+                  <a:effectLst>
+                    <a:outerShdw dist="35921" dir="2700000" algn="ctr" rotWithShape="0">
+                      <a:schemeClr val="bg2"/>
+                    </a:outerShdw>
+                  </a:effectLst>
+                </a14:hiddenEffects>
+              </a:ext>
+            </a:extLst>
+          </p:spPr>
+          <p:txBody>
+            <a:bodyPr wrap="none">
+              <a:spAutoFit/>
+            </a:bodyPr>
+            <a:lstStyle/>
+            <a:p>
+              <a:r>
+                <a:rPr lang="en-US" sz="2400"/>
+                <a:t>Registration  detail</a:t>
+              </a:r>
+            </a:p>
+          </p:txBody>
+        </p:sp>
+        <p:sp>
+          <p:nvSpPr>
+            <p:cNvPr id="4132" name="Text Box 36"/>
+            <p:cNvSpPr txBox="1">
+              <a:spLocks noChangeArrowheads="1"/>
+            </p:cNvSpPr>
+            <p:nvPr/>
+          </p:nvSpPr>
+          <p:spPr bwMode="auto">
+            <a:xfrm rot="16200000">
+              <a:off x="1297774" y="3167762"/>
+              <a:ext cx="1458928" cy="238313"/>
+            </a:xfrm>
+            <a:prstGeom prst="rect">
+              <a:avLst/>
+            </a:prstGeom>
+            <a:noFill/>
+            <a:ln>
+              <a:noFill/>
+            </a:ln>
+            <a:effectLst/>
+            <a:extLst>
+              <a:ext uri="{909E8E84-426E-40DD-AFC4-6F175D3DCCD1}">
+                <a14:hiddenFill xmlns:a14="http://schemas.microsoft.com/office/drawing/2010/main">
+                  <a:solidFill>
+                    <a:schemeClr val="accent1"/>
+                  </a:solidFill>
+                </a14:hiddenFill>
+              </a:ext>
+              <a:ext uri="{91240B29-F687-4F45-9708-019B960494DF}">
+                <a14:hiddenLine xmlns:a14="http://schemas.microsoft.com/office/drawing/2010/main" w="9525">
+                  <a:solidFill>
+                    <a:schemeClr val="tx1"/>
+                  </a:solidFill>
+                  <a:miter lim="800000"/>
+                  <a:headEnd/>
+                  <a:tailEnd/>
+                </a14:hiddenLine>
+              </a:ext>
+              <a:ext uri="{AF507438-7753-43E0-B8FC-AC1667EBCBE1}">
+                <a14:hiddenEffects xmlns:a14="http://schemas.microsoft.com/office/drawing/2010/main">
+                  <a:effectLst>
+                    <a:outerShdw dist="35921" dir="2700000" algn="ctr" rotWithShape="0">
+                      <a:schemeClr val="bg2"/>
+                    </a:outerShdw>
+                  </a:effectLst>
+                </a14:hiddenEffects>
+              </a:ext>
+            </a:extLst>
+          </p:spPr>
+          <p:txBody>
+            <a:bodyPr wrap="none">
+              <a:spAutoFit/>
+            </a:bodyPr>
+            <a:lstStyle/>
+            <a:p>
+              <a:r>
+                <a:rPr lang="en-US" sz="2400"/>
+                <a:t>Registration  Result</a:t>
+              </a:r>
+            </a:p>
+          </p:txBody>
+        </p:sp>
+        <p:cxnSp>
+          <p:nvCxnSpPr>
+            <p:cNvPr id="4133" name="AutoShape 37"/>
+            <p:cNvCxnSpPr>
+              <a:cxnSpLocks noChangeShapeType="1"/>
+              <a:stCxn id="4127" idx="6"/>
+              <a:endCxn id="4108" idx="2"/>
+            </p:cNvCxnSpPr>
+            <p:nvPr/>
+          </p:nvCxnSpPr>
+          <p:spPr bwMode="auto">
+            <a:xfrm flipV="1">
+              <a:off x="3352800" y="3505200"/>
+              <a:ext cx="342900" cy="952500"/>
+            </a:xfrm>
+            <a:prstGeom prst="bentConnector2">
+              <a:avLst/>
+            </a:prstGeom>
+            <a:noFill/>
+            <a:ln w="9525">
+              <a:solidFill>
+                <a:schemeClr val="tx1"/>
+              </a:solidFill>
+              <a:miter lim="800000"/>
+              <a:headEnd/>
+              <a:tailEnd type="triangle" w="med" len="med"/>
+            </a:ln>
+            <a:effectLst/>
+            <a:extLst>
+              <a:ext uri="{909E8E84-426E-40DD-AFC4-6F175D3DCCD1}">
+                <a14:hiddenFill xmlns:a14="http://schemas.microsoft.com/office/drawing/2010/main">
+                  <a:noFill/>
+                </a14:hiddenFill>
+              </a:ext>
+              <a:ext uri="{AF507438-7753-43E0-B8FC-AC1667EBCBE1}">
+                <a14:hiddenEffects xmlns:a14="http://schemas.microsoft.com/office/drawing/2010/main">
+                  <a:effectLst>
+                    <a:outerShdw dist="35921" dir="2700000" algn="ctr" rotWithShape="0">
+                      <a:schemeClr val="bg2"/>
+                    </a:outerShdw>
+                  </a:effectLst>
+                </a14:hiddenEffects>
+              </a:ext>
+            </a:extLst>
+          </p:spPr>
+        </p:cxnSp>
+        <p:sp>
+          <p:nvSpPr>
+            <p:cNvPr id="4134" name="Text Box 38"/>
+            <p:cNvSpPr txBox="1">
+              <a:spLocks noChangeArrowheads="1"/>
+            </p:cNvSpPr>
+            <p:nvPr/>
+          </p:nvSpPr>
+          <p:spPr bwMode="auto">
+            <a:xfrm rot="16200000">
+              <a:off x="3178751" y="3982150"/>
+              <a:ext cx="865622" cy="238313"/>
+            </a:xfrm>
+            <a:prstGeom prst="rect">
+              <a:avLst/>
+            </a:prstGeom>
+            <a:noFill/>
+            <a:ln>
+              <a:noFill/>
+            </a:ln>
+            <a:effectLst/>
+            <a:extLst>
+              <a:ext uri="{909E8E84-426E-40DD-AFC4-6F175D3DCCD1}">
+                <a14:hiddenFill xmlns:a14="http://schemas.microsoft.com/office/drawing/2010/main">
+                  <a:solidFill>
+                    <a:schemeClr val="accent1"/>
+                  </a:solidFill>
+                </a14:hiddenFill>
+              </a:ext>
+              <a:ext uri="{91240B29-F687-4F45-9708-019B960494DF}">
+                <a14:hiddenLine xmlns:a14="http://schemas.microsoft.com/office/drawing/2010/main" w="9525">
+                  <a:solidFill>
+                    <a:schemeClr val="tx1"/>
+                  </a:solidFill>
+                  <a:miter lim="800000"/>
+                  <a:headEnd/>
+                  <a:tailEnd/>
+                </a14:hiddenLine>
+              </a:ext>
+              <a:ext uri="{AF507438-7753-43E0-B8FC-AC1667EBCBE1}">
+                <a14:hiddenEffects xmlns:a14="http://schemas.microsoft.com/office/drawing/2010/main">
+                  <a:effectLst>
+                    <a:outerShdw dist="35921" dir="2700000" algn="ctr" rotWithShape="0">
+                      <a:schemeClr val="bg2"/>
+                    </a:outerShdw>
+                  </a:effectLst>
+                </a14:hiddenEffects>
+              </a:ext>
+            </a:extLst>
+          </p:spPr>
+          <p:txBody>
+            <a:bodyPr wrap="none">
+              <a:spAutoFit/>
+            </a:bodyPr>
+            <a:lstStyle/>
+            <a:p>
+              <a:r>
+                <a:rPr lang="en-US" sz="2400"/>
+                <a:t>User detail</a:t>
               </a:r>
             </a:p>
           </p:txBody>
         </p:sp>
       </p:grpSp>
-      <p:cxnSp>
-        <p:nvCxnSpPr>
-          <p:cNvPr id="4111" name="AutoShape 15"/>
-          <p:cNvCxnSpPr>
-            <a:cxnSpLocks noChangeShapeType="1"/>
-            <a:stCxn id="4110" idx="1"/>
-            <a:endCxn id="4100" idx="4"/>
-          </p:cNvCxnSpPr>
-          <p:nvPr/>
-        </p:nvCxnSpPr>
-        <p:spPr bwMode="auto">
-          <a:xfrm rot="10800000" flipH="1">
-            <a:off x="3048000" y="2667001"/>
-            <a:ext cx="1028700" cy="640557"/>
-          </a:xfrm>
-          <a:prstGeom prst="bentConnector4">
-            <a:avLst>
-              <a:gd name="adj1" fmla="val -22222"/>
-              <a:gd name="adj2" fmla="val 59603"/>
-            </a:avLst>
-          </a:prstGeom>
-          <a:noFill/>
-          <a:ln w="9525">
-            <a:solidFill>
-              <a:schemeClr val="tx1"/>
-            </a:solidFill>
-            <a:miter lim="800000"/>
-            <a:headEnd/>
-            <a:tailEnd type="triangle" w="med" len="med"/>
-          </a:ln>
-          <a:effectLst/>
-          <a:extLst>
-            <a:ext uri="{909E8E84-426E-40DD-AFC4-6F175D3DCCD1}">
-              <a14:hiddenFill xmlns="" xmlns:a14="http://schemas.microsoft.com/office/drawing/2010/main">
-                <a:noFill/>
-              </a14:hiddenFill>
-            </a:ext>
-            <a:ext uri="{AF507438-7753-43E0-B8FC-AC1667EBCBE1}">
-              <a14:hiddenEffects xmlns="" xmlns:a14="http://schemas.microsoft.com/office/drawing/2010/main">
-                <a:effectLst>
-                  <a:outerShdw dist="35921" dir="2700000" algn="ctr" rotWithShape="0">
-                    <a:schemeClr val="bg2"/>
-                  </a:outerShdw>
-                </a:effectLst>
-              </a14:hiddenEffects>
-            </a:ext>
-          </a:extLst>
-        </p:spPr>
-      </p:cxnSp>
-      <p:sp>
-        <p:nvSpPr>
-          <p:cNvPr id="4112" name="Text Box 16"/>
-          <p:cNvSpPr txBox="1">
-            <a:spLocks noChangeArrowheads="1"/>
-          </p:cNvSpPr>
-          <p:nvPr/>
-        </p:nvSpPr>
-        <p:spPr bwMode="auto">
-          <a:xfrm>
-            <a:off x="2944813" y="2667000"/>
-            <a:ext cx="788987" cy="244475"/>
-          </a:xfrm>
-          <a:prstGeom prst="rect">
-            <a:avLst/>
-          </a:prstGeom>
-          <a:noFill/>
-          <a:ln>
-            <a:noFill/>
-          </a:ln>
-          <a:effectLst/>
-          <a:extLst>
-            <a:ext uri="{909E8E84-426E-40DD-AFC4-6F175D3DCCD1}">
-              <a14:hiddenFill xmlns="" xmlns:a14="http://schemas.microsoft.com/office/drawing/2010/main">
-                <a:solidFill>
-                  <a:schemeClr val="accent1"/>
-                </a:solidFill>
-              </a14:hiddenFill>
-            </a:ext>
-            <a:ext uri="{91240B29-F687-4F45-9708-019B960494DF}">
-              <a14:hiddenLine xmlns="" xmlns:a14="http://schemas.microsoft.com/office/drawing/2010/main" w="9525">
-                <a:solidFill>
-                  <a:schemeClr val="tx1"/>
-                </a:solidFill>
-                <a:miter lim="800000"/>
-                <a:headEnd/>
-                <a:tailEnd/>
-              </a14:hiddenLine>
-            </a:ext>
-            <a:ext uri="{AF507438-7753-43E0-B8FC-AC1667EBCBE1}">
-              <a14:hiddenEffects xmlns="" xmlns:a14="http://schemas.microsoft.com/office/drawing/2010/main">
-                <a:effectLst>
-                  <a:outerShdw dist="35921" dir="2700000" algn="ctr" rotWithShape="0">
-                    <a:schemeClr val="bg2"/>
-                  </a:outerShdw>
-                </a:effectLst>
-              </a14:hiddenEffects>
-            </a:ext>
-          </a:extLst>
-        </p:spPr>
-        <p:txBody>
-          <a:bodyPr wrap="none">
-            <a:spAutoFit/>
-          </a:bodyPr>
-          <a:lstStyle/>
-          <a:p>
-            <a:r>
-              <a:rPr lang="en-US" sz="1000"/>
-              <a:t>User detail</a:t>
-            </a:r>
-          </a:p>
-        </p:txBody>
-      </p:sp>
-      <p:sp>
-        <p:nvSpPr>
-          <p:cNvPr id="4113" name="Oval 17"/>
-          <p:cNvSpPr>
-            <a:spLocks noChangeArrowheads="1"/>
-          </p:cNvSpPr>
-          <p:nvPr/>
-        </p:nvSpPr>
-        <p:spPr bwMode="auto">
-          <a:xfrm>
-            <a:off x="5181600" y="1676400"/>
-            <a:ext cx="838200" cy="838200"/>
-          </a:xfrm>
-          <a:prstGeom prst="ellipse">
-            <a:avLst/>
-          </a:prstGeom>
-          <a:noFill/>
-          <a:ln w="9525">
-            <a:solidFill>
-              <a:schemeClr val="tx1"/>
-            </a:solidFill>
-            <a:round/>
-            <a:headEnd/>
-            <a:tailEnd/>
-          </a:ln>
-          <a:effectLst/>
-          <a:extLst>
-            <a:ext uri="{909E8E84-426E-40DD-AFC4-6F175D3DCCD1}">
-              <a14:hiddenFill xmlns="" xmlns:a14="http://schemas.microsoft.com/office/drawing/2010/main">
-                <a:solidFill>
-                  <a:schemeClr val="accent1"/>
-                </a:solidFill>
-              </a14:hiddenFill>
-            </a:ext>
-            <a:ext uri="{AF507438-7753-43E0-B8FC-AC1667EBCBE1}">
-              <a14:hiddenEffects xmlns="" xmlns:a14="http://schemas.microsoft.com/office/drawing/2010/main">
-                <a:effectLst>
-                  <a:outerShdw dist="35921" dir="2700000" algn="ctr" rotWithShape="0">
-                    <a:schemeClr val="bg2"/>
-                  </a:outerShdw>
-                </a:effectLst>
-              </a14:hiddenEffects>
-            </a:ext>
-          </a:extLst>
-        </p:spPr>
-        <p:txBody>
-          <a:bodyPr wrap="none" anchor="ctr"/>
-          <a:lstStyle/>
-          <a:p>
-            <a:pPr algn="ctr"/>
-            <a:r>
-              <a:rPr lang="en-US" sz="1200" b="1" dirty="0"/>
-              <a:t>Verify</a:t>
-            </a:r>
-          </a:p>
-          <a:p>
-            <a:pPr algn="ctr"/>
-            <a:r>
-              <a:rPr lang="en-US" sz="1200" b="1" dirty="0"/>
-              <a:t>User</a:t>
-            </a:r>
-          </a:p>
-          <a:p>
-            <a:pPr algn="ctr"/>
-            <a:r>
-              <a:rPr lang="en-US" sz="1200" b="1" dirty="0" smtClean="0"/>
-              <a:t>3.2</a:t>
-            </a:r>
-            <a:endParaRPr lang="en-US" sz="1200" b="1" dirty="0"/>
-          </a:p>
-        </p:txBody>
-      </p:sp>
-      <p:sp>
-        <p:nvSpPr>
-          <p:cNvPr id="4114" name="Oval 18"/>
-          <p:cNvSpPr>
-            <a:spLocks noChangeArrowheads="1"/>
-          </p:cNvSpPr>
-          <p:nvPr/>
-        </p:nvSpPr>
-        <p:spPr bwMode="auto">
-          <a:xfrm>
-            <a:off x="5105400" y="3124200"/>
-            <a:ext cx="1219200" cy="1143000"/>
-          </a:xfrm>
-          <a:prstGeom prst="ellipse">
-            <a:avLst/>
-          </a:prstGeom>
-          <a:noFill/>
-          <a:ln w="28575">
-            <a:solidFill>
-              <a:schemeClr val="tx1"/>
-            </a:solidFill>
-            <a:round/>
-            <a:headEnd/>
-            <a:tailEnd/>
-          </a:ln>
-          <a:effectLst/>
-          <a:extLst>
-            <a:ext uri="{909E8E84-426E-40DD-AFC4-6F175D3DCCD1}">
-              <a14:hiddenFill xmlns="" xmlns:a14="http://schemas.microsoft.com/office/drawing/2010/main">
-                <a:solidFill>
-                  <a:schemeClr val="accent1"/>
-                </a:solidFill>
-              </a14:hiddenFill>
-            </a:ext>
-            <a:ext uri="{AF507438-7753-43E0-B8FC-AC1667EBCBE1}">
-              <a14:hiddenEffects xmlns="" xmlns:a14="http://schemas.microsoft.com/office/drawing/2010/main">
-                <a:effectLst>
-                  <a:outerShdw dist="35921" dir="2700000" algn="ctr" rotWithShape="0">
-                    <a:schemeClr val="bg2"/>
-                  </a:outerShdw>
-                </a:effectLst>
-              </a14:hiddenEffects>
-            </a:ext>
-          </a:extLst>
-        </p:spPr>
-        <p:txBody>
-          <a:bodyPr wrap="none" anchor="ctr"/>
-          <a:lstStyle/>
-          <a:p>
-            <a:pPr algn="ctr"/>
-            <a:r>
-              <a:rPr lang="en-US" sz="1400" b="1" dirty="0" smtClean="0">
-                <a:latin typeface="Bookman Old Style" panose="02050604050505020204" pitchFamily="18" charset="0"/>
-              </a:rPr>
-              <a:t>File </a:t>
-            </a:r>
-          </a:p>
-          <a:p>
-            <a:pPr algn="ctr"/>
-            <a:r>
-              <a:rPr lang="en-US" sz="1400" b="1" dirty="0" smtClean="0">
-                <a:latin typeface="Bookman Old Style" panose="02050604050505020204" pitchFamily="18" charset="0"/>
-              </a:rPr>
-              <a:t>Management </a:t>
-            </a:r>
-          </a:p>
-          <a:p>
-            <a:pPr algn="ctr"/>
-            <a:r>
-              <a:rPr lang="en-US" sz="1400" b="1" dirty="0" smtClean="0">
-                <a:latin typeface="Bookman Old Style" panose="02050604050505020204" pitchFamily="18" charset="0"/>
-              </a:rPr>
-              <a:t>System</a:t>
-            </a:r>
-            <a:endParaRPr lang="en-US" sz="1400" b="1" dirty="0">
-              <a:latin typeface="Bookman Old Style" panose="02050604050505020204" pitchFamily="18" charset="0"/>
-            </a:endParaRPr>
-          </a:p>
-          <a:p>
-            <a:pPr algn="ctr"/>
-            <a:r>
-              <a:rPr lang="en-US" sz="1400" b="1" dirty="0" smtClean="0">
-                <a:latin typeface="Bookman Old Style" panose="02050604050505020204" pitchFamily="18" charset="0"/>
-              </a:rPr>
-              <a:t>1</a:t>
-            </a:r>
-            <a:endParaRPr lang="en-US" sz="1400" b="1" dirty="0">
-              <a:latin typeface="Bookman Old Style" panose="02050604050505020204" pitchFamily="18" charset="0"/>
-            </a:endParaRPr>
-          </a:p>
-        </p:txBody>
-      </p:sp>
-      <p:cxnSp>
-        <p:nvCxnSpPr>
-          <p:cNvPr id="4115" name="AutoShape 19"/>
-          <p:cNvCxnSpPr>
-            <a:cxnSpLocks noChangeShapeType="1"/>
-            <a:stCxn id="4100" idx="7"/>
-            <a:endCxn id="4113" idx="0"/>
-          </p:cNvCxnSpPr>
-          <p:nvPr/>
-        </p:nvCxnSpPr>
-        <p:spPr bwMode="auto">
-          <a:xfrm rot="16200000">
-            <a:off x="4849813" y="1200150"/>
-            <a:ext cx="274638" cy="1227137"/>
-          </a:xfrm>
-          <a:prstGeom prst="bentConnector3">
-            <a:avLst>
-              <a:gd name="adj1" fmla="val 183236"/>
-            </a:avLst>
-          </a:prstGeom>
-          <a:noFill/>
-          <a:ln w="9525">
-            <a:solidFill>
-              <a:schemeClr val="tx1"/>
-            </a:solidFill>
-            <a:miter lim="800000"/>
-            <a:headEnd/>
-            <a:tailEnd type="triangle" w="med" len="med"/>
-          </a:ln>
-          <a:effectLst/>
-          <a:extLst>
-            <a:ext uri="{909E8E84-426E-40DD-AFC4-6F175D3DCCD1}">
-              <a14:hiddenFill xmlns="" xmlns:a14="http://schemas.microsoft.com/office/drawing/2010/main">
-                <a:noFill/>
-              </a14:hiddenFill>
-            </a:ext>
-            <a:ext uri="{AF507438-7753-43E0-B8FC-AC1667EBCBE1}">
-              <a14:hiddenEffects xmlns="" xmlns:a14="http://schemas.microsoft.com/office/drawing/2010/main">
-                <a:effectLst>
-                  <a:outerShdw dist="35921" dir="2700000" algn="ctr" rotWithShape="0">
-                    <a:schemeClr val="bg2"/>
-                  </a:outerShdw>
-                </a:effectLst>
-              </a14:hiddenEffects>
-            </a:ext>
-          </a:extLst>
-        </p:spPr>
-      </p:cxnSp>
-      <p:sp>
-        <p:nvSpPr>
-          <p:cNvPr id="4116" name="Text Box 20"/>
-          <p:cNvSpPr txBox="1">
-            <a:spLocks noChangeArrowheads="1"/>
-          </p:cNvSpPr>
-          <p:nvPr/>
-        </p:nvSpPr>
-        <p:spPr bwMode="auto">
-          <a:xfrm>
-            <a:off x="4235450" y="1219200"/>
-            <a:ext cx="1033463" cy="244475"/>
-          </a:xfrm>
-          <a:prstGeom prst="rect">
-            <a:avLst/>
-          </a:prstGeom>
-          <a:noFill/>
-          <a:ln>
-            <a:noFill/>
-          </a:ln>
-          <a:effectLst/>
-          <a:extLst>
-            <a:ext uri="{909E8E84-426E-40DD-AFC4-6F175D3DCCD1}">
-              <a14:hiddenFill xmlns="" xmlns:a14="http://schemas.microsoft.com/office/drawing/2010/main">
-                <a:solidFill>
-                  <a:schemeClr val="accent1"/>
-                </a:solidFill>
-              </a14:hiddenFill>
-            </a:ext>
-            <a:ext uri="{91240B29-F687-4F45-9708-019B960494DF}">
-              <a14:hiddenLine xmlns="" xmlns:a14="http://schemas.microsoft.com/office/drawing/2010/main" w="9525">
-                <a:solidFill>
-                  <a:schemeClr val="tx1"/>
-                </a:solidFill>
-                <a:miter lim="800000"/>
-                <a:headEnd/>
-                <a:tailEnd/>
-              </a14:hiddenLine>
-            </a:ext>
-            <a:ext uri="{AF507438-7753-43E0-B8FC-AC1667EBCBE1}">
-              <a14:hiddenEffects xmlns="" xmlns:a14="http://schemas.microsoft.com/office/drawing/2010/main">
-                <a:effectLst>
-                  <a:outerShdw dist="35921" dir="2700000" algn="ctr" rotWithShape="0">
-                    <a:schemeClr val="bg2"/>
-                  </a:outerShdw>
-                </a:effectLst>
-              </a14:hiddenEffects>
-            </a:ext>
-          </a:extLst>
-        </p:spPr>
-        <p:txBody>
-          <a:bodyPr wrap="none">
-            <a:spAutoFit/>
-          </a:bodyPr>
-          <a:lstStyle/>
-          <a:p>
-            <a:r>
-              <a:rPr lang="en-US" sz="1000"/>
-              <a:t>User Login info</a:t>
-            </a:r>
-          </a:p>
-        </p:txBody>
-      </p:sp>
-      <p:cxnSp>
-        <p:nvCxnSpPr>
-          <p:cNvPr id="4117" name="AutoShape 21"/>
-          <p:cNvCxnSpPr>
-            <a:cxnSpLocks noChangeShapeType="1"/>
-            <a:stCxn id="4114" idx="1"/>
-            <a:endCxn id="4113" idx="2"/>
-          </p:cNvCxnSpPr>
-          <p:nvPr/>
-        </p:nvCxnSpPr>
-        <p:spPr bwMode="auto">
-          <a:xfrm rot="5400000" flipH="1">
-            <a:off x="4641850" y="2635250"/>
-            <a:ext cx="1181100" cy="101600"/>
-          </a:xfrm>
-          <a:prstGeom prst="bentConnector4">
-            <a:avLst>
-              <a:gd name="adj1" fmla="val 38708"/>
-              <a:gd name="adj2" fmla="val 325000"/>
-            </a:avLst>
-          </a:prstGeom>
-          <a:noFill/>
-          <a:ln w="9525">
-            <a:solidFill>
-              <a:schemeClr val="tx1"/>
-            </a:solidFill>
-            <a:miter lim="800000"/>
-            <a:headEnd/>
-            <a:tailEnd type="triangle" w="med" len="med"/>
-          </a:ln>
-          <a:effectLst/>
-          <a:extLst>
-            <a:ext uri="{909E8E84-426E-40DD-AFC4-6F175D3DCCD1}">
-              <a14:hiddenFill xmlns="" xmlns:a14="http://schemas.microsoft.com/office/drawing/2010/main">
-                <a:noFill/>
-              </a14:hiddenFill>
-            </a:ext>
-            <a:ext uri="{AF507438-7753-43E0-B8FC-AC1667EBCBE1}">
-              <a14:hiddenEffects xmlns="" xmlns:a14="http://schemas.microsoft.com/office/drawing/2010/main">
-                <a:effectLst>
-                  <a:outerShdw dist="35921" dir="2700000" algn="ctr" rotWithShape="0">
-                    <a:schemeClr val="bg2"/>
-                  </a:outerShdw>
-                </a:effectLst>
-              </a14:hiddenEffects>
-            </a:ext>
-          </a:extLst>
-        </p:spPr>
-      </p:cxnSp>
-      <p:sp>
-        <p:nvSpPr>
-          <p:cNvPr id="4118" name="Text Box 22"/>
-          <p:cNvSpPr txBox="1">
-            <a:spLocks noChangeArrowheads="1"/>
-          </p:cNvSpPr>
-          <p:nvPr/>
-        </p:nvSpPr>
-        <p:spPr bwMode="auto">
-          <a:xfrm rot="16200000">
-            <a:off x="4051300" y="2220913"/>
-            <a:ext cx="1558925" cy="244475"/>
-          </a:xfrm>
-          <a:prstGeom prst="rect">
-            <a:avLst/>
-          </a:prstGeom>
-          <a:noFill/>
-          <a:ln>
-            <a:noFill/>
-          </a:ln>
-          <a:effectLst/>
-          <a:extLst>
-            <a:ext uri="{909E8E84-426E-40DD-AFC4-6F175D3DCCD1}">
-              <a14:hiddenFill xmlns="" xmlns:a14="http://schemas.microsoft.com/office/drawing/2010/main">
-                <a:solidFill>
-                  <a:schemeClr val="accent1"/>
-                </a:solidFill>
-              </a14:hiddenFill>
-            </a:ext>
-            <a:ext uri="{91240B29-F687-4F45-9708-019B960494DF}">
-              <a14:hiddenLine xmlns="" xmlns:a14="http://schemas.microsoft.com/office/drawing/2010/main" w="9525">
-                <a:solidFill>
-                  <a:schemeClr val="tx1"/>
-                </a:solidFill>
-                <a:miter lim="800000"/>
-                <a:headEnd/>
-                <a:tailEnd/>
-              </a14:hiddenLine>
-            </a:ext>
-            <a:ext uri="{AF507438-7753-43E0-B8FC-AC1667EBCBE1}">
-              <a14:hiddenEffects xmlns="" xmlns:a14="http://schemas.microsoft.com/office/drawing/2010/main">
-                <a:effectLst>
-                  <a:outerShdw dist="35921" dir="2700000" algn="ctr" rotWithShape="0">
-                    <a:schemeClr val="bg2"/>
-                  </a:outerShdw>
-                </a:effectLst>
-              </a14:hiddenEffects>
-            </a:ext>
-          </a:extLst>
-        </p:spPr>
-        <p:txBody>
-          <a:bodyPr wrap="none">
-            <a:spAutoFit/>
-          </a:bodyPr>
-          <a:lstStyle/>
-          <a:p>
-            <a:r>
-              <a:rPr lang="en-US" sz="1000"/>
-              <a:t>User Authentication  info</a:t>
-            </a:r>
-          </a:p>
-        </p:txBody>
-      </p:sp>
-      <p:cxnSp>
-        <p:nvCxnSpPr>
-          <p:cNvPr id="4119" name="AutoShape 23"/>
-          <p:cNvCxnSpPr>
-            <a:cxnSpLocks noChangeShapeType="1"/>
-            <a:stCxn id="4113" idx="6"/>
-            <a:endCxn id="4114" idx="7"/>
-          </p:cNvCxnSpPr>
-          <p:nvPr/>
-        </p:nvCxnSpPr>
-        <p:spPr bwMode="auto">
-          <a:xfrm>
-            <a:off x="6019800" y="2095500"/>
-            <a:ext cx="127000" cy="1181100"/>
-          </a:xfrm>
-          <a:prstGeom prst="bentConnector2">
-            <a:avLst/>
-          </a:prstGeom>
-          <a:noFill/>
-          <a:ln w="9525">
-            <a:solidFill>
-              <a:schemeClr val="tx1"/>
-            </a:solidFill>
-            <a:miter lim="800000"/>
-            <a:headEnd/>
-            <a:tailEnd type="triangle" w="med" len="med"/>
-          </a:ln>
-          <a:effectLst/>
-          <a:extLst>
-            <a:ext uri="{909E8E84-426E-40DD-AFC4-6F175D3DCCD1}">
-              <a14:hiddenFill xmlns="" xmlns:a14="http://schemas.microsoft.com/office/drawing/2010/main">
-                <a:noFill/>
-              </a14:hiddenFill>
-            </a:ext>
-            <a:ext uri="{AF507438-7753-43E0-B8FC-AC1667EBCBE1}">
-              <a14:hiddenEffects xmlns="" xmlns:a14="http://schemas.microsoft.com/office/drawing/2010/main">
-                <a:effectLst>
-                  <a:outerShdw dist="35921" dir="2700000" algn="ctr" rotWithShape="0">
-                    <a:schemeClr val="bg2"/>
-                  </a:outerShdw>
-                </a:effectLst>
-              </a14:hiddenEffects>
-            </a:ext>
-          </a:extLst>
-        </p:spPr>
-      </p:cxnSp>
-      <p:sp>
-        <p:nvSpPr>
-          <p:cNvPr id="4120" name="Text Box 24"/>
-          <p:cNvSpPr txBox="1">
-            <a:spLocks noChangeArrowheads="1"/>
-          </p:cNvSpPr>
-          <p:nvPr/>
-        </p:nvSpPr>
-        <p:spPr bwMode="auto">
-          <a:xfrm rot="16200000">
-            <a:off x="5810250" y="2606675"/>
-            <a:ext cx="1089025" cy="244475"/>
-          </a:xfrm>
-          <a:prstGeom prst="rect">
-            <a:avLst/>
-          </a:prstGeom>
-          <a:noFill/>
-          <a:ln>
-            <a:noFill/>
-          </a:ln>
-          <a:effectLst/>
-          <a:extLst>
-            <a:ext uri="{909E8E84-426E-40DD-AFC4-6F175D3DCCD1}">
-              <a14:hiddenFill xmlns="" xmlns:a14="http://schemas.microsoft.com/office/drawing/2010/main">
-                <a:solidFill>
-                  <a:schemeClr val="accent1"/>
-                </a:solidFill>
-              </a14:hiddenFill>
-            </a:ext>
-            <a:ext uri="{91240B29-F687-4F45-9708-019B960494DF}">
-              <a14:hiddenLine xmlns="" xmlns:a14="http://schemas.microsoft.com/office/drawing/2010/main" w="9525">
-                <a:solidFill>
-                  <a:schemeClr val="tx1"/>
-                </a:solidFill>
-                <a:miter lim="800000"/>
-                <a:headEnd/>
-                <a:tailEnd/>
-              </a14:hiddenLine>
-            </a:ext>
-            <a:ext uri="{AF507438-7753-43E0-B8FC-AC1667EBCBE1}">
-              <a14:hiddenEffects xmlns="" xmlns:a14="http://schemas.microsoft.com/office/drawing/2010/main">
-                <a:effectLst>
-                  <a:outerShdw dist="35921" dir="2700000" algn="ctr" rotWithShape="0">
-                    <a:schemeClr val="bg2"/>
-                  </a:outerShdw>
-                </a:effectLst>
-              </a14:hiddenEffects>
-            </a:ext>
-          </a:extLst>
-        </p:spPr>
-        <p:txBody>
-          <a:bodyPr wrap="none">
-            <a:spAutoFit/>
-          </a:bodyPr>
-          <a:lstStyle/>
-          <a:p>
-            <a:r>
-              <a:rPr lang="en-US" sz="1000"/>
-              <a:t>User Status Info</a:t>
-            </a:r>
-          </a:p>
-        </p:txBody>
-      </p:sp>
-      <p:sp>
-        <p:nvSpPr>
-          <p:cNvPr id="4127" name="Oval 31"/>
-          <p:cNvSpPr>
-            <a:spLocks noChangeArrowheads="1"/>
-          </p:cNvSpPr>
-          <p:nvPr/>
-        </p:nvSpPr>
-        <p:spPr bwMode="auto">
-          <a:xfrm>
-            <a:off x="2514600" y="4038600"/>
-            <a:ext cx="838200" cy="838200"/>
-          </a:xfrm>
-          <a:prstGeom prst="ellipse">
-            <a:avLst/>
-          </a:prstGeom>
-          <a:noFill/>
-          <a:ln w="9525">
-            <a:solidFill>
-              <a:schemeClr val="tx1"/>
-            </a:solidFill>
-            <a:round/>
-            <a:headEnd/>
-            <a:tailEnd/>
-          </a:ln>
-          <a:effectLst/>
-          <a:extLst>
-            <a:ext uri="{909E8E84-426E-40DD-AFC4-6F175D3DCCD1}">
-              <a14:hiddenFill xmlns="" xmlns:a14="http://schemas.microsoft.com/office/drawing/2010/main">
-                <a:solidFill>
-                  <a:schemeClr val="accent1"/>
-                </a:solidFill>
-              </a14:hiddenFill>
-            </a:ext>
-            <a:ext uri="{AF507438-7753-43E0-B8FC-AC1667EBCBE1}">
-              <a14:hiddenEffects xmlns="" xmlns:a14="http://schemas.microsoft.com/office/drawing/2010/main">
-                <a:effectLst>
-                  <a:outerShdw dist="35921" dir="2700000" algn="ctr" rotWithShape="0">
-                    <a:schemeClr val="bg2"/>
-                  </a:outerShdw>
-                </a:effectLst>
-              </a14:hiddenEffects>
-            </a:ext>
-          </a:extLst>
-        </p:spPr>
-        <p:txBody>
-          <a:bodyPr wrap="none" anchor="ctr"/>
-          <a:lstStyle/>
-          <a:p>
-            <a:pPr algn="ctr"/>
-            <a:r>
-              <a:rPr lang="en-US" sz="1200" b="1" dirty="0"/>
-              <a:t>Create</a:t>
-            </a:r>
-          </a:p>
-          <a:p>
-            <a:pPr algn="ctr"/>
-            <a:r>
-              <a:rPr lang="en-US" sz="1200" b="1" dirty="0"/>
-              <a:t>User </a:t>
-            </a:r>
-          </a:p>
-          <a:p>
-            <a:pPr algn="ctr"/>
-            <a:r>
-              <a:rPr lang="en-US" sz="1200" b="1" dirty="0" smtClean="0"/>
-              <a:t>3.3</a:t>
-            </a:r>
-            <a:endParaRPr lang="en-US" sz="1200" b="1" dirty="0"/>
-          </a:p>
-        </p:txBody>
-      </p:sp>
-      <p:cxnSp>
-        <p:nvCxnSpPr>
-          <p:cNvPr id="4128" name="AutoShape 32"/>
-          <p:cNvCxnSpPr>
-            <a:cxnSpLocks noChangeShapeType="1"/>
-            <a:stCxn id="4127" idx="2"/>
-            <a:endCxn id="4101" idx="1"/>
-          </p:cNvCxnSpPr>
-          <p:nvPr/>
-        </p:nvCxnSpPr>
-        <p:spPr bwMode="auto">
-          <a:xfrm rot="10800000">
-            <a:off x="2119313" y="1524000"/>
-            <a:ext cx="395287" cy="2933700"/>
-          </a:xfrm>
-          <a:prstGeom prst="bentConnector3">
-            <a:avLst>
-              <a:gd name="adj1" fmla="val 154218"/>
-            </a:avLst>
-          </a:prstGeom>
-          <a:noFill/>
-          <a:ln w="9525">
-            <a:solidFill>
-              <a:schemeClr val="tx1"/>
-            </a:solidFill>
-            <a:miter lim="800000"/>
-            <a:headEnd/>
-            <a:tailEnd type="triangle" w="med" len="med"/>
-          </a:ln>
-          <a:effectLst/>
-          <a:extLst>
-            <a:ext uri="{909E8E84-426E-40DD-AFC4-6F175D3DCCD1}">
-              <a14:hiddenFill xmlns="" xmlns:a14="http://schemas.microsoft.com/office/drawing/2010/main">
-                <a:noFill/>
-              </a14:hiddenFill>
-            </a:ext>
-            <a:ext uri="{AF507438-7753-43E0-B8FC-AC1667EBCBE1}">
-              <a14:hiddenEffects xmlns="" xmlns:a14="http://schemas.microsoft.com/office/drawing/2010/main">
-                <a:effectLst>
-                  <a:outerShdw dist="35921" dir="2700000" algn="ctr" rotWithShape="0">
-                    <a:schemeClr val="bg2"/>
-                  </a:outerShdw>
-                </a:effectLst>
-              </a14:hiddenEffects>
-            </a:ext>
-          </a:extLst>
-        </p:spPr>
-      </p:cxnSp>
-      <p:cxnSp>
-        <p:nvCxnSpPr>
-          <p:cNvPr id="4129" name="AutoShape 33"/>
-          <p:cNvCxnSpPr>
-            <a:cxnSpLocks noChangeShapeType="1"/>
-            <a:stCxn id="4101" idx="2"/>
-            <a:endCxn id="4127" idx="0"/>
-          </p:cNvCxnSpPr>
-          <p:nvPr/>
-        </p:nvCxnSpPr>
-        <p:spPr bwMode="auto">
-          <a:xfrm rot="16200000" flipH="1">
-            <a:off x="1531144" y="2636044"/>
-            <a:ext cx="2347912" cy="457200"/>
-          </a:xfrm>
-          <a:prstGeom prst="bentConnector3">
-            <a:avLst>
-              <a:gd name="adj1" fmla="val 81880"/>
-            </a:avLst>
-          </a:prstGeom>
-          <a:noFill/>
-          <a:ln w="9525">
-            <a:solidFill>
-              <a:schemeClr val="tx1"/>
-            </a:solidFill>
-            <a:miter lim="800000"/>
-            <a:headEnd/>
-            <a:tailEnd type="triangle" w="med" len="med"/>
-          </a:ln>
-          <a:effectLst/>
-          <a:extLst>
-            <a:ext uri="{909E8E84-426E-40DD-AFC4-6F175D3DCCD1}">
-              <a14:hiddenFill xmlns="" xmlns:a14="http://schemas.microsoft.com/office/drawing/2010/main">
-                <a:noFill/>
-              </a14:hiddenFill>
-            </a:ext>
-            <a:ext uri="{AF507438-7753-43E0-B8FC-AC1667EBCBE1}">
-              <a14:hiddenEffects xmlns="" xmlns:a14="http://schemas.microsoft.com/office/drawing/2010/main">
-                <a:effectLst>
-                  <a:outerShdw dist="35921" dir="2700000" algn="ctr" rotWithShape="0">
-                    <a:schemeClr val="bg2"/>
-                  </a:outerShdw>
-                </a:effectLst>
-              </a14:hiddenEffects>
-            </a:ext>
-          </a:extLst>
-        </p:spPr>
-      </p:cxnSp>
-      <p:sp>
-        <p:nvSpPr>
-          <p:cNvPr id="4131" name="Text Box 35"/>
-          <p:cNvSpPr txBox="1">
-            <a:spLocks noChangeArrowheads="1"/>
-          </p:cNvSpPr>
-          <p:nvPr/>
-        </p:nvSpPr>
-        <p:spPr bwMode="auto">
-          <a:xfrm rot="5400000">
-            <a:off x="1761332" y="3040856"/>
-            <a:ext cx="1230312" cy="244475"/>
-          </a:xfrm>
-          <a:prstGeom prst="rect">
-            <a:avLst/>
-          </a:prstGeom>
-          <a:noFill/>
-          <a:ln>
-            <a:noFill/>
-          </a:ln>
-          <a:effectLst/>
-          <a:extLst>
-            <a:ext uri="{909E8E84-426E-40DD-AFC4-6F175D3DCCD1}">
-              <a14:hiddenFill xmlns="" xmlns:a14="http://schemas.microsoft.com/office/drawing/2010/main">
-                <a:solidFill>
-                  <a:schemeClr val="accent1"/>
-                </a:solidFill>
-              </a14:hiddenFill>
-            </a:ext>
-            <a:ext uri="{91240B29-F687-4F45-9708-019B960494DF}">
-              <a14:hiddenLine xmlns="" xmlns:a14="http://schemas.microsoft.com/office/drawing/2010/main" w="9525">
-                <a:solidFill>
-                  <a:schemeClr val="tx1"/>
-                </a:solidFill>
-                <a:miter lim="800000"/>
-                <a:headEnd/>
-                <a:tailEnd/>
-              </a14:hiddenLine>
-            </a:ext>
-            <a:ext uri="{AF507438-7753-43E0-B8FC-AC1667EBCBE1}">
-              <a14:hiddenEffects xmlns="" xmlns:a14="http://schemas.microsoft.com/office/drawing/2010/main">
-                <a:effectLst>
-                  <a:outerShdw dist="35921" dir="2700000" algn="ctr" rotWithShape="0">
-                    <a:schemeClr val="bg2"/>
-                  </a:outerShdw>
-                </a:effectLst>
-              </a14:hiddenEffects>
-            </a:ext>
-          </a:extLst>
-        </p:spPr>
-        <p:txBody>
-          <a:bodyPr wrap="none">
-            <a:spAutoFit/>
-          </a:bodyPr>
-          <a:lstStyle/>
-          <a:p>
-            <a:r>
-              <a:rPr lang="en-US" sz="1000"/>
-              <a:t>Registration  detail</a:t>
-            </a:r>
-          </a:p>
-        </p:txBody>
-      </p:sp>
-      <p:sp>
-        <p:nvSpPr>
-          <p:cNvPr id="4132" name="Text Box 36"/>
-          <p:cNvSpPr txBox="1">
-            <a:spLocks noChangeArrowheads="1"/>
-          </p:cNvSpPr>
-          <p:nvPr/>
-        </p:nvSpPr>
-        <p:spPr bwMode="auto">
-          <a:xfrm rot="16200000">
-            <a:off x="1383507" y="3164681"/>
-            <a:ext cx="1287462" cy="244475"/>
-          </a:xfrm>
-          <a:prstGeom prst="rect">
-            <a:avLst/>
-          </a:prstGeom>
-          <a:noFill/>
-          <a:ln>
-            <a:noFill/>
-          </a:ln>
-          <a:effectLst/>
-          <a:extLst>
-            <a:ext uri="{909E8E84-426E-40DD-AFC4-6F175D3DCCD1}">
-              <a14:hiddenFill xmlns="" xmlns:a14="http://schemas.microsoft.com/office/drawing/2010/main">
-                <a:solidFill>
-                  <a:schemeClr val="accent1"/>
-                </a:solidFill>
-              </a14:hiddenFill>
-            </a:ext>
-            <a:ext uri="{91240B29-F687-4F45-9708-019B960494DF}">
-              <a14:hiddenLine xmlns="" xmlns:a14="http://schemas.microsoft.com/office/drawing/2010/main" w="9525">
-                <a:solidFill>
-                  <a:schemeClr val="tx1"/>
-                </a:solidFill>
-                <a:miter lim="800000"/>
-                <a:headEnd/>
-                <a:tailEnd/>
-              </a14:hiddenLine>
-            </a:ext>
-            <a:ext uri="{AF507438-7753-43E0-B8FC-AC1667EBCBE1}">
-              <a14:hiddenEffects xmlns="" xmlns:a14="http://schemas.microsoft.com/office/drawing/2010/main">
-                <a:effectLst>
-                  <a:outerShdw dist="35921" dir="2700000" algn="ctr" rotWithShape="0">
-                    <a:schemeClr val="bg2"/>
-                  </a:outerShdw>
-                </a:effectLst>
-              </a14:hiddenEffects>
-            </a:ext>
-          </a:extLst>
-        </p:spPr>
-        <p:txBody>
-          <a:bodyPr wrap="none">
-            <a:spAutoFit/>
-          </a:bodyPr>
-          <a:lstStyle/>
-          <a:p>
-            <a:r>
-              <a:rPr lang="en-US" sz="1000"/>
-              <a:t>Registration  Result</a:t>
-            </a:r>
-          </a:p>
-        </p:txBody>
-      </p:sp>
-      <p:cxnSp>
-        <p:nvCxnSpPr>
-          <p:cNvPr id="4133" name="AutoShape 37"/>
-          <p:cNvCxnSpPr>
-            <a:cxnSpLocks noChangeShapeType="1"/>
-            <a:stCxn id="4127" idx="6"/>
-            <a:endCxn id="4108" idx="2"/>
-          </p:cNvCxnSpPr>
-          <p:nvPr/>
-        </p:nvCxnSpPr>
-        <p:spPr bwMode="auto">
-          <a:xfrm flipV="1">
-            <a:off x="3352800" y="3505200"/>
-            <a:ext cx="342900" cy="952500"/>
-          </a:xfrm>
-          <a:prstGeom prst="bentConnector2">
-            <a:avLst/>
-          </a:prstGeom>
-          <a:noFill/>
-          <a:ln w="9525">
-            <a:solidFill>
-              <a:schemeClr val="tx1"/>
-            </a:solidFill>
-            <a:miter lim="800000"/>
-            <a:headEnd/>
-            <a:tailEnd type="triangle" w="med" len="med"/>
-          </a:ln>
-          <a:effectLst/>
-          <a:extLst>
-            <a:ext uri="{909E8E84-426E-40DD-AFC4-6F175D3DCCD1}">
-              <a14:hiddenFill xmlns="" xmlns:a14="http://schemas.microsoft.com/office/drawing/2010/main">
-                <a:noFill/>
-              </a14:hiddenFill>
-            </a:ext>
-            <a:ext uri="{AF507438-7753-43E0-B8FC-AC1667EBCBE1}">
-              <a14:hiddenEffects xmlns="" xmlns:a14="http://schemas.microsoft.com/office/drawing/2010/main">
-                <a:effectLst>
-                  <a:outerShdw dist="35921" dir="2700000" algn="ctr" rotWithShape="0">
-                    <a:schemeClr val="bg2"/>
-                  </a:outerShdw>
-                </a:effectLst>
-              </a14:hiddenEffects>
-            </a:ext>
-          </a:extLst>
-        </p:spPr>
-      </p:cxnSp>
-      <p:sp>
-        <p:nvSpPr>
-          <p:cNvPr id="4134" name="Text Box 38"/>
-          <p:cNvSpPr txBox="1">
-            <a:spLocks noChangeArrowheads="1"/>
-          </p:cNvSpPr>
-          <p:nvPr/>
-        </p:nvSpPr>
-        <p:spPr bwMode="auto">
-          <a:xfrm rot="16200000">
-            <a:off x="3217069" y="3979069"/>
-            <a:ext cx="788987" cy="244475"/>
-          </a:xfrm>
-          <a:prstGeom prst="rect">
-            <a:avLst/>
-          </a:prstGeom>
-          <a:noFill/>
-          <a:ln>
-            <a:noFill/>
-          </a:ln>
-          <a:effectLst/>
-          <a:extLst>
-            <a:ext uri="{909E8E84-426E-40DD-AFC4-6F175D3DCCD1}">
-              <a14:hiddenFill xmlns="" xmlns:a14="http://schemas.microsoft.com/office/drawing/2010/main">
-                <a:solidFill>
-                  <a:schemeClr val="accent1"/>
-                </a:solidFill>
-              </a14:hiddenFill>
-            </a:ext>
-            <a:ext uri="{91240B29-F687-4F45-9708-019B960494DF}">
-              <a14:hiddenLine xmlns="" xmlns:a14="http://schemas.microsoft.com/office/drawing/2010/main" w="9525">
-                <a:solidFill>
-                  <a:schemeClr val="tx1"/>
-                </a:solidFill>
-                <a:miter lim="800000"/>
-                <a:headEnd/>
-                <a:tailEnd/>
-              </a14:hiddenLine>
-            </a:ext>
-            <a:ext uri="{AF507438-7753-43E0-B8FC-AC1667EBCBE1}">
-              <a14:hiddenEffects xmlns="" xmlns:a14="http://schemas.microsoft.com/office/drawing/2010/main">
-                <a:effectLst>
-                  <a:outerShdw dist="35921" dir="2700000" algn="ctr" rotWithShape="0">
-                    <a:schemeClr val="bg2"/>
-                  </a:outerShdw>
-                </a:effectLst>
-              </a14:hiddenEffects>
-            </a:ext>
-          </a:extLst>
-        </p:spPr>
-        <p:txBody>
-          <a:bodyPr wrap="none">
-            <a:spAutoFit/>
-          </a:bodyPr>
-          <a:lstStyle/>
-          <a:p>
-            <a:r>
-              <a:rPr lang="en-US" sz="1000"/>
-              <a:t>User detail</a:t>
-            </a:r>
-          </a:p>
-        </p:txBody>
-      </p:sp>
     </p:spTree>
     <p:extLst>
       <p:ext uri="{BB962C8B-B14F-4D97-AF65-F5344CB8AC3E}">
-        <p14:creationId xmlns="" xmlns:p14="http://schemas.microsoft.com/office/powerpoint/2010/main" val="3005709924"/>
+        <p14:creationId xmlns:p14="http://schemas.microsoft.com/office/powerpoint/2010/main" val="3005709924"/>
       </p:ext>
     </p:extLst>
   </p:cSld>
